--- a/Christian_sem17_18_wachstumsmodelle_präsentation.pptx
+++ b/Christian_sem17_18_wachstumsmodelle_präsentation.pptx
@@ -5,10 +5,10 @@
     <p:sldMasterId id="2147483658" r:id="rId1"/>
   </p:sldMasterIdLst>
   <p:notesMasterIdLst>
-    <p:notesMasterId r:id="rId11"/>
+    <p:notesMasterId r:id="rId17"/>
   </p:notesMasterIdLst>
   <p:handoutMasterIdLst>
-    <p:handoutMasterId r:id="rId12"/>
+    <p:handoutMasterId r:id="rId18"/>
   </p:handoutMasterIdLst>
   <p:sldIdLst>
     <p:sldId id="259" r:id="rId2"/>
@@ -18,8 +18,14 @@
     <p:sldId id="278" r:id="rId6"/>
     <p:sldId id="277" r:id="rId7"/>
     <p:sldId id="276" r:id="rId8"/>
-    <p:sldId id="279" r:id="rId9"/>
-    <p:sldId id="280" r:id="rId10"/>
+    <p:sldId id="283" r:id="rId9"/>
+    <p:sldId id="284" r:id="rId10"/>
+    <p:sldId id="285" r:id="rId11"/>
+    <p:sldId id="286" r:id="rId12"/>
+    <p:sldId id="281" r:id="rId13"/>
+    <p:sldId id="287" r:id="rId14"/>
+    <p:sldId id="282" r:id="rId15"/>
+    <p:sldId id="288" r:id="rId16"/>
   </p:sldIdLst>
   <p:sldSz cx="9144000" cy="5143500" type="screen16x9"/>
   <p:notesSz cx="6858000" cy="9144000"/>
@@ -234,7 +240,7 @@
             <a:fld id="{8A7CD7E6-D14C-4ECF-BE72-9282675AAFCC}" type="datetimeFigureOut">
               <a:rPr lang="de-DE" smtClean="0"/>
               <a:pPr/>
-              <a:t>17.02.2018</a:t>
+              <a:t>19.02.2018</a:t>
             </a:fld>
             <a:endParaRPr lang="de-DE"/>
           </a:p>
@@ -401,7 +407,7 @@
             <a:fld id="{9DEF7BA6-6945-4979-A31E-1F3FA0D91DC4}" type="datetimeFigureOut">
               <a:rPr lang="de-DE" smtClean="0"/>
               <a:pPr/>
-              <a:t>17.02.2018</a:t>
+              <a:t>19.02.2018</a:t>
             </a:fld>
             <a:endParaRPr lang="de-DE"/>
           </a:p>
@@ -467,38 +473,37 @@
           <a:p>
             <a:pPr lvl="0"/>
             <a:r>
-              <a:rPr lang="de-DE" smtClean="0"/>
+              <a:rPr lang="de-DE"/>
               <a:t>Textmasterformate durch Klicken bearbeiten</a:t>
             </a:r>
           </a:p>
           <a:p>
             <a:pPr lvl="1"/>
             <a:r>
-              <a:rPr lang="de-DE" smtClean="0"/>
+              <a:rPr lang="de-DE"/>
               <a:t>Zweite Ebene</a:t>
             </a:r>
           </a:p>
           <a:p>
             <a:pPr lvl="2"/>
             <a:r>
-              <a:rPr lang="de-DE" smtClean="0"/>
+              <a:rPr lang="de-DE"/>
               <a:t>Dritte Ebene</a:t>
             </a:r>
           </a:p>
           <a:p>
             <a:pPr lvl="3"/>
             <a:r>
-              <a:rPr lang="de-DE" smtClean="0"/>
+              <a:rPr lang="de-DE"/>
               <a:t>Vierte Ebene</a:t>
             </a:r>
           </a:p>
           <a:p>
             <a:pPr lvl="4"/>
             <a:r>
-              <a:rPr lang="de-DE" smtClean="0"/>
+              <a:rPr lang="de-DE"/>
               <a:t>Fünfte Ebene</a:t>
             </a:r>
-            <a:endParaRPr lang="de-DE"/>
           </a:p>
         </p:txBody>
       </p:sp>
@@ -796,10 +801,9 @@
           </a:lstStyle>
           <a:p>
             <a:r>
-              <a:rPr lang="de-DE" dirty="0" smtClean="0"/>
+              <a:rPr lang="de-DE" dirty="0"/>
               <a:t>Titel durch Klicken bearbeiten</a:t>
             </a:r>
-            <a:endParaRPr lang="de-DE" dirty="0"/>
           </a:p>
         </p:txBody>
       </p:sp>
@@ -876,7 +880,7 @@
           </a:lstStyle>
           <a:p>
             <a:pPr lvl="0"/>
-            <a:endParaRPr lang="de-DE" dirty="0" smtClean="0"/>
+            <a:endParaRPr lang="de-DE" dirty="0"/>
           </a:p>
         </p:txBody>
       </p:sp>
@@ -896,30 +900,29 @@
           <a:lstStyle/>
           <a:p>
             <a:r>
-              <a:rPr lang="de-DE" dirty="0" err="1" smtClean="0"/>
+              <a:rPr lang="de-DE" dirty="0" err="1"/>
               <a:t>Structural</a:t>
             </a:r>
             <a:r>
-              <a:rPr lang="de-DE" dirty="0" smtClean="0"/>
+              <a:rPr lang="de-DE" dirty="0"/>
               <a:t> </a:t>
             </a:r>
             <a:r>
-              <a:rPr lang="de-DE" dirty="0" err="1" smtClean="0"/>
+              <a:rPr lang="de-DE" dirty="0" err="1"/>
               <a:t>Equation</a:t>
             </a:r>
             <a:r>
-              <a:rPr lang="de-DE" dirty="0" smtClean="0"/>
+              <a:rPr lang="de-DE" dirty="0"/>
               <a:t> </a:t>
             </a:r>
             <a:r>
-              <a:rPr lang="de-DE" dirty="0" err="1" smtClean="0"/>
+              <a:rPr lang="de-DE" dirty="0" err="1"/>
               <a:t>Modelling</a:t>
             </a:r>
             <a:r>
-              <a:rPr lang="de-DE" dirty="0" smtClean="0"/>
+              <a:rPr lang="de-DE" dirty="0"/>
               <a:t> – Wintersemester 2017/2018</a:t>
             </a:r>
-            <a:endParaRPr lang="de-DE" dirty="0"/>
           </a:p>
         </p:txBody>
       </p:sp>
@@ -952,13 +955,6 @@
   <p:clrMapOvr>
     <a:masterClrMapping/>
   </p:clrMapOvr>
-  <p:timing>
-    <p:tnLst>
-      <p:par>
-        <p:cTn id="1" dur="indefinite" restart="never" nodeType="tmRoot"/>
-      </p:par>
-    </p:tnLst>
-  </p:timing>
 </p:sldLayout>
 </file>
 
@@ -1077,21 +1073,21 @@
           <a:p>
             <a:pPr lvl="0"/>
             <a:r>
-              <a:rPr lang="de-DE" dirty="0" smtClean="0"/>
+              <a:rPr lang="de-DE" dirty="0"/>
               <a:t>Text durch Klicken bearbeiten</a:t>
             </a:r>
           </a:p>
           <a:p>
             <a:pPr lvl="1"/>
             <a:r>
-              <a:rPr lang="de-DE" dirty="0" smtClean="0"/>
+              <a:rPr lang="de-DE" dirty="0"/>
               <a:t>Zweite Ebene</a:t>
             </a:r>
           </a:p>
           <a:p>
             <a:pPr lvl="2"/>
             <a:r>
-              <a:rPr lang="de-DE" dirty="0" smtClean="0"/>
+              <a:rPr lang="de-DE" dirty="0"/>
               <a:t>Dritte Ebene</a:t>
             </a:r>
           </a:p>
@@ -1113,10 +1109,9 @@
           <a:lstStyle/>
           <a:p>
             <a:r>
-              <a:rPr lang="de-DE" dirty="0" smtClean="0"/>
+              <a:rPr lang="de-DE" dirty="0"/>
               <a:t>Titel durch Klicken bearbeiten</a:t>
             </a:r>
-            <a:endParaRPr lang="de-DE" dirty="0"/>
           </a:p>
         </p:txBody>
       </p:sp>
@@ -1142,21 +1137,21 @@
           <a:p>
             <a:pPr lvl="0"/>
             <a:r>
-              <a:rPr lang="de-DE" dirty="0" smtClean="0"/>
+              <a:rPr lang="de-DE" dirty="0"/>
               <a:t>Text durch Klicken bearbeiten</a:t>
             </a:r>
           </a:p>
           <a:p>
             <a:pPr lvl="1"/>
             <a:r>
-              <a:rPr lang="de-DE" dirty="0" smtClean="0"/>
+              <a:rPr lang="de-DE" dirty="0"/>
               <a:t>Zweite Ebene</a:t>
             </a:r>
           </a:p>
           <a:p>
             <a:pPr lvl="2"/>
             <a:r>
-              <a:rPr lang="de-DE" dirty="0" smtClean="0"/>
+              <a:rPr lang="de-DE" dirty="0"/>
               <a:t>Dritte Ebene</a:t>
             </a:r>
           </a:p>
@@ -1180,7 +1175,7 @@
             <a:fld id="{C6F490E5-6BD8-4297-ACA2-2AC87192B70F}" type="datetime1">
               <a:rPr lang="de-DE" smtClean="0"/>
               <a:pPr/>
-              <a:t>17.02.2018</a:t>
+              <a:t>19.02.2018</a:t>
             </a:fld>
             <a:endParaRPr lang="de-DE"/>
           </a:p>
@@ -1226,30 +1221,29 @@
           <a:lstStyle/>
           <a:p>
             <a:r>
-              <a:rPr lang="de-DE" dirty="0" err="1" smtClean="0"/>
+              <a:rPr lang="de-DE" dirty="0" err="1"/>
               <a:t>Structural</a:t>
             </a:r>
             <a:r>
-              <a:rPr lang="de-DE" dirty="0" smtClean="0"/>
+              <a:rPr lang="de-DE" dirty="0"/>
               <a:t> </a:t>
             </a:r>
             <a:r>
-              <a:rPr lang="de-DE" dirty="0" err="1" smtClean="0"/>
+              <a:rPr lang="de-DE" dirty="0" err="1"/>
               <a:t>Equation</a:t>
             </a:r>
             <a:r>
-              <a:rPr lang="de-DE" dirty="0" smtClean="0"/>
+              <a:rPr lang="de-DE" dirty="0"/>
               <a:t> </a:t>
             </a:r>
             <a:r>
-              <a:rPr lang="de-DE" dirty="0" err="1" smtClean="0"/>
+              <a:rPr lang="de-DE" dirty="0" err="1"/>
               <a:t>Modelling</a:t>
             </a:r>
             <a:r>
-              <a:rPr lang="de-DE" dirty="0" smtClean="0"/>
+              <a:rPr lang="de-DE" dirty="0"/>
               <a:t> – Wintersemester 2017/2018</a:t>
             </a:r>
-            <a:endParaRPr lang="de-DE" dirty="0"/>
           </a:p>
         </p:txBody>
       </p:sp>
@@ -1258,13 +1252,6 @@
   <p:clrMapOvr>
     <a:masterClrMapping/>
   </p:clrMapOvr>
-  <p:timing>
-    <p:tnLst>
-      <p:par>
-        <p:cTn id="1" dur="indefinite" restart="never" nodeType="tmRoot"/>
-      </p:par>
-    </p:tnLst>
-  </p:timing>
 </p:sldLayout>
 </file>
 
@@ -1358,10 +1345,9 @@
           </a:lstStyle>
           <a:p>
             <a:r>
-              <a:rPr lang="de-DE" dirty="0" smtClean="0"/>
+              <a:rPr lang="de-DE" dirty="0"/>
               <a:t>Titeldurch Klicken bearbeiten</a:t>
             </a:r>
-            <a:endParaRPr lang="de-DE" dirty="0"/>
           </a:p>
         </p:txBody>
       </p:sp>
@@ -1485,7 +1471,7 @@
           <a:p>
             <a:pPr lvl="0"/>
             <a:r>
-              <a:rPr lang="de-DE" dirty="0" smtClean="0"/>
+              <a:rPr lang="de-DE" dirty="0"/>
               <a:t>Text durch Klicken bearbeiten</a:t>
             </a:r>
           </a:p>
@@ -1509,7 +1495,7 @@
             <a:fld id="{18321833-73FA-4B7B-8368-585F78905B8E}" type="datetime1">
               <a:rPr lang="de-DE" smtClean="0"/>
               <a:pPr/>
-              <a:t>17.02.2018</a:t>
+              <a:t>19.02.2018</a:t>
             </a:fld>
             <a:endParaRPr lang="de-DE"/>
           </a:p>
@@ -1531,30 +1517,29 @@
           <a:lstStyle/>
           <a:p>
             <a:r>
-              <a:rPr lang="de-DE" dirty="0" err="1" smtClean="0"/>
+              <a:rPr lang="de-DE" dirty="0" err="1"/>
               <a:t>Structural</a:t>
             </a:r>
             <a:r>
-              <a:rPr lang="de-DE" dirty="0" smtClean="0"/>
+              <a:rPr lang="de-DE" dirty="0"/>
               <a:t> </a:t>
             </a:r>
             <a:r>
-              <a:rPr lang="de-DE" dirty="0" err="1" smtClean="0"/>
+              <a:rPr lang="de-DE" dirty="0" err="1"/>
               <a:t>Equation</a:t>
             </a:r>
             <a:r>
-              <a:rPr lang="de-DE" dirty="0" smtClean="0"/>
+              <a:rPr lang="de-DE" dirty="0"/>
               <a:t> </a:t>
             </a:r>
             <a:r>
-              <a:rPr lang="de-DE" dirty="0" err="1" smtClean="0"/>
+              <a:rPr lang="de-DE" dirty="0" err="1"/>
               <a:t>Modelling</a:t>
             </a:r>
             <a:r>
-              <a:rPr lang="de-DE" dirty="0" smtClean="0"/>
+              <a:rPr lang="de-DE" dirty="0"/>
               <a:t> – Wintersemester 2017/2018</a:t>
             </a:r>
-            <a:endParaRPr lang="de-DE" dirty="0"/>
           </a:p>
         </p:txBody>
       </p:sp>
@@ -1587,13 +1572,6 @@
   <p:clrMapOvr>
     <a:masterClrMapping/>
   </p:clrMapOvr>
-  <p:timing>
-    <p:tnLst>
-      <p:par>
-        <p:cTn id="1" dur="indefinite" restart="never" nodeType="tmRoot"/>
-      </p:par>
-    </p:tnLst>
-  </p:timing>
 </p:sldLayout>
 </file>
 
@@ -1630,10 +1608,9 @@
           <a:lstStyle/>
           <a:p>
             <a:r>
-              <a:rPr lang="de-DE" dirty="0" smtClean="0"/>
+              <a:rPr lang="de-DE" dirty="0"/>
               <a:t>Titel durch Klicken bearbeiten</a:t>
             </a:r>
-            <a:endParaRPr lang="de-DE" dirty="0"/>
           </a:p>
         </p:txBody>
       </p:sp>
@@ -1655,7 +1632,7 @@
             <a:fld id="{3E1C52E8-7F49-4B86-AEB2-23BC7104D5B2}" type="datetime1">
               <a:rPr lang="de-DE" smtClean="0"/>
               <a:pPr/>
-              <a:t>17.02.2018</a:t>
+              <a:t>19.02.2018</a:t>
             </a:fld>
             <a:endParaRPr lang="de-DE"/>
           </a:p>
@@ -1677,30 +1654,29 @@
           <a:lstStyle/>
           <a:p>
             <a:r>
-              <a:rPr lang="de-DE" dirty="0" err="1" smtClean="0"/>
+              <a:rPr lang="de-DE" dirty="0" err="1"/>
               <a:t>Structural</a:t>
             </a:r>
             <a:r>
-              <a:rPr lang="de-DE" dirty="0" smtClean="0"/>
+              <a:rPr lang="de-DE" dirty="0"/>
               <a:t> </a:t>
             </a:r>
             <a:r>
-              <a:rPr lang="de-DE" dirty="0" err="1" smtClean="0"/>
+              <a:rPr lang="de-DE" dirty="0" err="1"/>
               <a:t>Equation</a:t>
             </a:r>
             <a:r>
-              <a:rPr lang="de-DE" dirty="0" smtClean="0"/>
+              <a:rPr lang="de-DE" dirty="0"/>
               <a:t> </a:t>
             </a:r>
             <a:r>
-              <a:rPr lang="de-DE" dirty="0" err="1" smtClean="0"/>
+              <a:rPr lang="de-DE" dirty="0" err="1"/>
               <a:t>Modelling</a:t>
             </a:r>
             <a:r>
-              <a:rPr lang="de-DE" dirty="0" smtClean="0"/>
+              <a:rPr lang="de-DE" dirty="0"/>
               <a:t> – Wintersemester 2017/2018</a:t>
             </a:r>
-            <a:endParaRPr lang="de-DE" dirty="0"/>
           </a:p>
         </p:txBody>
       </p:sp>
@@ -1757,21 +1733,21 @@
           <a:p>
             <a:pPr lvl="0"/>
             <a:r>
-              <a:rPr lang="de-DE" dirty="0" smtClean="0"/>
+              <a:rPr lang="de-DE" dirty="0"/>
               <a:t>Text durch Klicken bearbeiten</a:t>
             </a:r>
           </a:p>
           <a:p>
             <a:pPr lvl="1"/>
             <a:r>
-              <a:rPr lang="de-DE" dirty="0" smtClean="0"/>
+              <a:rPr lang="de-DE" dirty="0"/>
               <a:t>Zweite Ebene</a:t>
             </a:r>
           </a:p>
           <a:p>
             <a:pPr lvl="2"/>
             <a:r>
-              <a:rPr lang="de-DE" dirty="0" smtClean="0"/>
+              <a:rPr lang="de-DE" dirty="0"/>
               <a:t>Dritte Ebene</a:t>
             </a:r>
           </a:p>
@@ -1806,21 +1782,21 @@
           <a:p>
             <a:pPr lvl="0"/>
             <a:r>
-              <a:rPr lang="de-DE" dirty="0" smtClean="0"/>
+              <a:rPr lang="de-DE" dirty="0"/>
               <a:t>Text durch Klicken bearbeiten</a:t>
             </a:r>
           </a:p>
           <a:p>
             <a:pPr lvl="1"/>
             <a:r>
-              <a:rPr lang="de-DE" dirty="0" smtClean="0"/>
+              <a:rPr lang="de-DE" dirty="0"/>
               <a:t>Zweite Ebene</a:t>
             </a:r>
           </a:p>
           <a:p>
             <a:pPr lvl="2"/>
             <a:r>
-              <a:rPr lang="de-DE" dirty="0" smtClean="0"/>
+              <a:rPr lang="de-DE" dirty="0"/>
               <a:t>Dritte Ebene</a:t>
             </a:r>
           </a:p>
@@ -1855,21 +1831,21 @@
           <a:p>
             <a:pPr lvl="0"/>
             <a:r>
-              <a:rPr lang="de-DE" dirty="0" smtClean="0"/>
+              <a:rPr lang="de-DE" dirty="0"/>
               <a:t>Text durch Klicken bearbeiten</a:t>
             </a:r>
           </a:p>
           <a:p>
             <a:pPr lvl="1"/>
             <a:r>
-              <a:rPr lang="de-DE" dirty="0" smtClean="0"/>
+              <a:rPr lang="de-DE" dirty="0"/>
               <a:t>Zweite Ebene</a:t>
             </a:r>
           </a:p>
           <a:p>
             <a:pPr lvl="2"/>
             <a:r>
-              <a:rPr lang="de-DE" dirty="0" smtClean="0"/>
+              <a:rPr lang="de-DE" dirty="0"/>
               <a:t>Dritte Ebene</a:t>
             </a:r>
           </a:p>
@@ -1880,13 +1856,6 @@
   <p:clrMapOvr>
     <a:masterClrMapping/>
   </p:clrMapOvr>
-  <p:timing>
-    <p:tnLst>
-      <p:par>
-        <p:cTn id="1" dur="indefinite" restart="never" nodeType="tmRoot"/>
-      </p:par>
-    </p:tnLst>
-  </p:timing>
 </p:sldLayout>
 </file>
 
@@ -1923,10 +1892,9 @@
           <a:lstStyle/>
           <a:p>
             <a:r>
-              <a:rPr lang="de-DE" dirty="0" smtClean="0"/>
+              <a:rPr lang="de-DE" dirty="0"/>
               <a:t>Titel durch Klicken bearbeiten</a:t>
             </a:r>
-            <a:endParaRPr lang="de-DE" dirty="0"/>
           </a:p>
         </p:txBody>
       </p:sp>
@@ -1948,7 +1916,7 @@
             <a:fld id="{3E1C52E8-7F49-4B86-AEB2-23BC7104D5B2}" type="datetime1">
               <a:rPr lang="de-DE" smtClean="0"/>
               <a:pPr/>
-              <a:t>17.02.2018</a:t>
+              <a:t>19.02.2018</a:t>
             </a:fld>
             <a:endParaRPr lang="de-DE"/>
           </a:p>
@@ -1970,30 +1938,29 @@
           <a:lstStyle/>
           <a:p>
             <a:r>
-              <a:rPr lang="de-DE" dirty="0" err="1" smtClean="0"/>
+              <a:rPr lang="de-DE" dirty="0" err="1"/>
               <a:t>Structural</a:t>
             </a:r>
             <a:r>
-              <a:rPr lang="de-DE" dirty="0" smtClean="0"/>
+              <a:rPr lang="de-DE" dirty="0"/>
               <a:t> </a:t>
             </a:r>
             <a:r>
-              <a:rPr lang="de-DE" dirty="0" err="1" smtClean="0"/>
+              <a:rPr lang="de-DE" dirty="0" err="1"/>
               <a:t>Equation</a:t>
             </a:r>
             <a:r>
-              <a:rPr lang="de-DE" dirty="0" smtClean="0"/>
+              <a:rPr lang="de-DE" dirty="0"/>
               <a:t> </a:t>
             </a:r>
             <a:r>
-              <a:rPr lang="de-DE" dirty="0" err="1" smtClean="0"/>
+              <a:rPr lang="de-DE" dirty="0" err="1"/>
               <a:t>Modelling</a:t>
             </a:r>
             <a:r>
-              <a:rPr lang="de-DE" dirty="0" smtClean="0"/>
+              <a:rPr lang="de-DE" dirty="0"/>
               <a:t> – Wintersemester 2017/2018</a:t>
             </a:r>
-            <a:endParaRPr lang="de-DE" dirty="0"/>
           </a:p>
         </p:txBody>
       </p:sp>
@@ -2100,21 +2067,21 @@
           <a:p>
             <a:pPr lvl="0"/>
             <a:r>
-              <a:rPr lang="de-DE" dirty="0" smtClean="0"/>
+              <a:rPr lang="de-DE" dirty="0"/>
               <a:t>Text durch Klicken bearbeiten</a:t>
             </a:r>
           </a:p>
           <a:p>
             <a:pPr lvl="1"/>
             <a:r>
-              <a:rPr lang="de-DE" dirty="0" smtClean="0"/>
+              <a:rPr lang="de-DE" dirty="0"/>
               <a:t>Zweite Ebene</a:t>
             </a:r>
           </a:p>
           <a:p>
             <a:pPr lvl="2"/>
             <a:r>
-              <a:rPr lang="de-DE" dirty="0" smtClean="0"/>
+              <a:rPr lang="de-DE" dirty="0"/>
               <a:t>Dritte Ebene</a:t>
             </a:r>
           </a:p>
@@ -2149,21 +2116,21 @@
           <a:p>
             <a:pPr lvl="0"/>
             <a:r>
-              <a:rPr lang="de-DE" dirty="0" smtClean="0"/>
+              <a:rPr lang="de-DE" dirty="0"/>
               <a:t>Text durch Klicken bearbeiten</a:t>
             </a:r>
           </a:p>
           <a:p>
             <a:pPr lvl="1"/>
             <a:r>
-              <a:rPr lang="de-DE" dirty="0" smtClean="0"/>
+              <a:rPr lang="de-DE" dirty="0"/>
               <a:t>Zweite Ebene</a:t>
             </a:r>
           </a:p>
           <a:p>
             <a:pPr lvl="2"/>
             <a:r>
-              <a:rPr lang="de-DE" dirty="0" smtClean="0"/>
+              <a:rPr lang="de-DE" dirty="0"/>
               <a:t>Dritte Ebene</a:t>
             </a:r>
           </a:p>
@@ -2198,21 +2165,21 @@
           <a:p>
             <a:pPr lvl="0"/>
             <a:r>
-              <a:rPr lang="de-DE" dirty="0" smtClean="0"/>
+              <a:rPr lang="de-DE" dirty="0"/>
               <a:t>Text durch Klicken bearbeiten</a:t>
             </a:r>
           </a:p>
           <a:p>
             <a:pPr lvl="1"/>
             <a:r>
-              <a:rPr lang="de-DE" dirty="0" smtClean="0"/>
+              <a:rPr lang="de-DE" dirty="0"/>
               <a:t>Zweite Ebene</a:t>
             </a:r>
           </a:p>
           <a:p>
             <a:pPr lvl="2"/>
             <a:r>
-              <a:rPr lang="de-DE" dirty="0" smtClean="0"/>
+              <a:rPr lang="de-DE" dirty="0"/>
               <a:t>Dritte Ebene</a:t>
             </a:r>
           </a:p>
@@ -2245,10 +2212,9 @@
           <a:p>
             <a:pPr lvl="0"/>
             <a:r>
-              <a:rPr lang="de-DE" dirty="0" smtClean="0"/>
+              <a:rPr lang="de-DE" dirty="0"/>
               <a:t>Text durch Klicken bearbeiten</a:t>
             </a:r>
-            <a:endParaRPr lang="de-DE" dirty="0"/>
           </a:p>
         </p:txBody>
       </p:sp>
@@ -2257,13 +2223,6 @@
   <p:clrMapOvr>
     <a:masterClrMapping/>
   </p:clrMapOvr>
-  <p:timing>
-    <p:tnLst>
-      <p:par>
-        <p:cTn id="1" dur="indefinite" restart="never" nodeType="tmRoot"/>
-      </p:par>
-    </p:tnLst>
-  </p:timing>
 </p:sldLayout>
 </file>
 
@@ -2352,10 +2311,9 @@
           </a:lstStyle>
           <a:p>
             <a:r>
-              <a:rPr lang="de-DE" dirty="0" smtClean="0"/>
+              <a:rPr lang="de-DE" dirty="0"/>
               <a:t>Titel durch Klicken bearbeiten</a:t>
             </a:r>
-            <a:endParaRPr lang="de-DE" dirty="0"/>
           </a:p>
         </p:txBody>
       </p:sp>
@@ -2427,7 +2385,7 @@
           <a:p>
             <a:pPr lvl="0"/>
             <a:r>
-              <a:rPr lang="de-DE" dirty="0" smtClean="0"/>
+              <a:rPr lang="de-DE" dirty="0"/>
               <a:t>Text durch Klicken bearbeiten</a:t>
             </a:r>
           </a:p>
@@ -2490,21 +2448,21 @@
           <a:p>
             <a:pPr lvl="0"/>
             <a:r>
-              <a:rPr lang="de-DE" dirty="0" smtClean="0"/>
+              <a:rPr lang="de-DE" dirty="0"/>
               <a:t>Text durch Klicken bearbeiten</a:t>
             </a:r>
           </a:p>
           <a:p>
             <a:pPr lvl="1"/>
             <a:r>
-              <a:rPr lang="de-DE" dirty="0" smtClean="0"/>
+              <a:rPr lang="de-DE" dirty="0"/>
               <a:t>Zweite Ebene</a:t>
             </a:r>
           </a:p>
           <a:p>
             <a:pPr lvl="2"/>
             <a:r>
-              <a:rPr lang="de-DE" dirty="0" smtClean="0"/>
+              <a:rPr lang="de-DE" dirty="0"/>
               <a:t>Dritte Ebene</a:t>
             </a:r>
           </a:p>
@@ -2578,7 +2536,7 @@
           <a:p>
             <a:pPr lvl="0"/>
             <a:r>
-              <a:rPr lang="de-DE" dirty="0" smtClean="0"/>
+              <a:rPr lang="de-DE" dirty="0"/>
               <a:t>Text durch Klicken bearbeiten</a:t>
             </a:r>
           </a:p>
@@ -2642,21 +2600,21 @@
           <a:p>
             <a:pPr lvl="0"/>
             <a:r>
-              <a:rPr lang="de-DE" dirty="0" smtClean="0"/>
+              <a:rPr lang="de-DE" dirty="0"/>
               <a:t>Text durch Klicken bearbeiten</a:t>
             </a:r>
           </a:p>
           <a:p>
             <a:pPr lvl="1"/>
             <a:r>
-              <a:rPr lang="de-DE" dirty="0" smtClean="0"/>
+              <a:rPr lang="de-DE" dirty="0"/>
               <a:t>Zweite Ebene</a:t>
             </a:r>
           </a:p>
           <a:p>
             <a:pPr lvl="2"/>
             <a:r>
-              <a:rPr lang="de-DE" dirty="0" smtClean="0"/>
+              <a:rPr lang="de-DE" dirty="0"/>
               <a:t>Dritte Ebene</a:t>
             </a:r>
           </a:p>
@@ -2680,7 +2638,7 @@
             <a:fld id="{DA5DE712-6C0E-4DF7-B336-AC97213DC93D}" type="datetime1">
               <a:rPr lang="de-DE" smtClean="0"/>
               <a:pPr/>
-              <a:t>17.02.2018</a:t>
+              <a:t>19.02.2018</a:t>
             </a:fld>
             <a:endParaRPr lang="de-DE"/>
           </a:p>
@@ -2702,30 +2660,29 @@
           <a:lstStyle/>
           <a:p>
             <a:r>
-              <a:rPr lang="de-DE" dirty="0" err="1" smtClean="0"/>
+              <a:rPr lang="de-DE" dirty="0" err="1"/>
               <a:t>Structural</a:t>
             </a:r>
             <a:r>
-              <a:rPr lang="de-DE" dirty="0" smtClean="0"/>
+              <a:rPr lang="de-DE" dirty="0"/>
               <a:t> </a:t>
             </a:r>
             <a:r>
-              <a:rPr lang="de-DE" dirty="0" err="1" smtClean="0"/>
+              <a:rPr lang="de-DE" dirty="0" err="1"/>
               <a:t>Equation</a:t>
             </a:r>
             <a:r>
-              <a:rPr lang="de-DE" dirty="0" smtClean="0"/>
+              <a:rPr lang="de-DE" dirty="0"/>
               <a:t> </a:t>
             </a:r>
             <a:r>
-              <a:rPr lang="de-DE" dirty="0" err="1" smtClean="0"/>
+              <a:rPr lang="de-DE" dirty="0" err="1"/>
               <a:t>Modelling</a:t>
             </a:r>
             <a:r>
-              <a:rPr lang="de-DE" dirty="0" smtClean="0"/>
+              <a:rPr lang="de-DE" dirty="0"/>
               <a:t> – Wintersemester 2017/2018</a:t>
             </a:r>
-            <a:endParaRPr lang="de-DE" dirty="0"/>
           </a:p>
         </p:txBody>
       </p:sp>
@@ -2787,21 +2744,21 @@
           <a:p>
             <a:pPr lvl="0"/>
             <a:r>
-              <a:rPr lang="de-DE" dirty="0" smtClean="0"/>
+              <a:rPr lang="de-DE" dirty="0"/>
               <a:t>Text durch Klicken bearbeiten</a:t>
             </a:r>
           </a:p>
           <a:p>
             <a:pPr lvl="1"/>
             <a:r>
-              <a:rPr lang="de-DE" dirty="0" smtClean="0"/>
+              <a:rPr lang="de-DE" dirty="0"/>
               <a:t>Zweite Ebene</a:t>
             </a:r>
           </a:p>
           <a:p>
             <a:pPr lvl="2"/>
             <a:r>
-              <a:rPr lang="de-DE" dirty="0" smtClean="0"/>
+              <a:rPr lang="de-DE" dirty="0"/>
               <a:t>Dritte Ebene</a:t>
             </a:r>
           </a:p>
@@ -2850,13 +2807,6 @@
   <p:clrMapOvr>
     <a:masterClrMapping/>
   </p:clrMapOvr>
-  <p:timing>
-    <p:tnLst>
-      <p:par>
-        <p:cTn id="1" dur="indefinite" restart="never" nodeType="tmRoot"/>
-      </p:par>
-    </p:tnLst>
-  </p:timing>
 </p:sldLayout>
 </file>
 
@@ -2945,10 +2895,9 @@
           </a:lstStyle>
           <a:p>
             <a:r>
-              <a:rPr lang="de-DE" dirty="0" smtClean="0"/>
+              <a:rPr lang="de-DE" dirty="0"/>
               <a:t>Titel durch Klicken bearbeiten</a:t>
             </a:r>
-            <a:endParaRPr lang="de-DE" dirty="0"/>
           </a:p>
         </p:txBody>
       </p:sp>
@@ -3020,7 +2969,7 @@
           <a:p>
             <a:pPr lvl="0"/>
             <a:r>
-              <a:rPr lang="de-DE" dirty="0" smtClean="0"/>
+              <a:rPr lang="de-DE" dirty="0"/>
               <a:t>Text durch Klicken bearbeiten</a:t>
             </a:r>
           </a:p>
@@ -3083,21 +3032,21 @@
           <a:p>
             <a:pPr lvl="0"/>
             <a:r>
-              <a:rPr lang="de-DE" dirty="0" smtClean="0"/>
+              <a:rPr lang="de-DE" dirty="0"/>
               <a:t>Text durch Klicken bearbeiten</a:t>
             </a:r>
           </a:p>
           <a:p>
             <a:pPr lvl="1"/>
             <a:r>
-              <a:rPr lang="de-DE" dirty="0" smtClean="0"/>
+              <a:rPr lang="de-DE" dirty="0"/>
               <a:t>Zweite Ebene</a:t>
             </a:r>
           </a:p>
           <a:p>
             <a:pPr lvl="2"/>
             <a:r>
-              <a:rPr lang="de-DE" dirty="0" smtClean="0"/>
+              <a:rPr lang="de-DE" dirty="0"/>
               <a:t>Dritte Ebene</a:t>
             </a:r>
           </a:p>
@@ -3171,7 +3120,7 @@
           <a:p>
             <a:pPr lvl="0"/>
             <a:r>
-              <a:rPr lang="de-DE" dirty="0" smtClean="0"/>
+              <a:rPr lang="de-DE" dirty="0"/>
               <a:t>Text durch Klicken bearbeiten</a:t>
             </a:r>
           </a:p>
@@ -3234,21 +3183,21 @@
           <a:p>
             <a:pPr lvl="0"/>
             <a:r>
-              <a:rPr lang="de-DE" dirty="0" smtClean="0"/>
+              <a:rPr lang="de-DE" dirty="0"/>
               <a:t>Text durch Klicken bearbeiten</a:t>
             </a:r>
           </a:p>
           <a:p>
             <a:pPr lvl="1"/>
             <a:r>
-              <a:rPr lang="de-DE" dirty="0" smtClean="0"/>
+              <a:rPr lang="de-DE" dirty="0"/>
               <a:t>Zweite Ebene</a:t>
             </a:r>
           </a:p>
           <a:p>
             <a:pPr lvl="2"/>
             <a:r>
-              <a:rPr lang="de-DE" dirty="0" smtClean="0"/>
+              <a:rPr lang="de-DE" dirty="0"/>
               <a:t>Dritte Ebene</a:t>
             </a:r>
           </a:p>
@@ -3272,7 +3221,7 @@
             <a:fld id="{DA5DE712-6C0E-4DF7-B336-AC97213DC93D}" type="datetime1">
               <a:rPr lang="de-DE" smtClean="0"/>
               <a:pPr/>
-              <a:t>17.02.2018</a:t>
+              <a:t>19.02.2018</a:t>
             </a:fld>
             <a:endParaRPr lang="de-DE"/>
           </a:p>
@@ -3294,30 +3243,29 @@
           <a:lstStyle/>
           <a:p>
             <a:r>
-              <a:rPr lang="de-DE" dirty="0" err="1" smtClean="0"/>
+              <a:rPr lang="de-DE" dirty="0" err="1"/>
               <a:t>Structural</a:t>
             </a:r>
             <a:r>
-              <a:rPr lang="de-DE" dirty="0" smtClean="0"/>
+              <a:rPr lang="de-DE" dirty="0"/>
               <a:t> </a:t>
             </a:r>
             <a:r>
-              <a:rPr lang="de-DE" dirty="0" err="1" smtClean="0"/>
+              <a:rPr lang="de-DE" dirty="0" err="1"/>
               <a:t>Equation</a:t>
             </a:r>
             <a:r>
-              <a:rPr lang="de-DE" dirty="0" smtClean="0"/>
+              <a:rPr lang="de-DE" dirty="0"/>
               <a:t> </a:t>
             </a:r>
             <a:r>
-              <a:rPr lang="de-DE" dirty="0" err="1" smtClean="0"/>
+              <a:rPr lang="de-DE" dirty="0" err="1"/>
               <a:t>Modelling</a:t>
             </a:r>
             <a:r>
-              <a:rPr lang="de-DE" dirty="0" smtClean="0"/>
+              <a:rPr lang="de-DE" dirty="0"/>
               <a:t> – Wintersemester 2017/2018</a:t>
             </a:r>
-            <a:endParaRPr lang="de-DE" dirty="0"/>
           </a:p>
         </p:txBody>
       </p:sp>
@@ -3378,21 +3326,21 @@
           <a:p>
             <a:pPr lvl="0"/>
             <a:r>
-              <a:rPr lang="de-DE" dirty="0" smtClean="0"/>
+              <a:rPr lang="de-DE" dirty="0"/>
               <a:t>Text durch Klicken bearbeiten</a:t>
             </a:r>
           </a:p>
           <a:p>
             <a:pPr lvl="1"/>
             <a:r>
-              <a:rPr lang="de-DE" dirty="0" smtClean="0"/>
+              <a:rPr lang="de-DE" dirty="0"/>
               <a:t>Zweite Ebene</a:t>
             </a:r>
           </a:p>
           <a:p>
             <a:pPr lvl="2"/>
             <a:r>
-              <a:rPr lang="de-DE" dirty="0" smtClean="0"/>
+              <a:rPr lang="de-DE" dirty="0"/>
               <a:t>Dritte Ebene</a:t>
             </a:r>
           </a:p>
@@ -3519,7 +3467,7 @@
           <a:p>
             <a:pPr lvl="0"/>
             <a:r>
-              <a:rPr lang="de-DE" dirty="0" smtClean="0"/>
+              <a:rPr lang="de-DE" dirty="0"/>
               <a:t>Text durch Klicken bearbeiten</a:t>
             </a:r>
           </a:p>
@@ -3530,13 +3478,6 @@
   <p:clrMapOvr>
     <a:masterClrMapping/>
   </p:clrMapOvr>
-  <p:timing>
-    <p:tnLst>
-      <p:par>
-        <p:cTn id="1" dur="indefinite" restart="never" nodeType="tmRoot"/>
-      </p:par>
-    </p:tnLst>
-  </p:timing>
 </p:sldLayout>
 </file>
 
@@ -3603,7 +3544,7 @@
             <a:fld id="{19A0FC43-5E73-44C2-BFDB-9FAD1E8FED0E}" type="datetime1">
               <a:rPr lang="de-DE" smtClean="0"/>
               <a:pPr/>
-              <a:t>17.02.2018</a:t>
+              <a:t>19.02.2018</a:t>
             </a:fld>
             <a:endParaRPr lang="de-DE"/>
           </a:p>
@@ -3625,30 +3566,29 @@
           <a:lstStyle/>
           <a:p>
             <a:r>
-              <a:rPr lang="de-DE" dirty="0" err="1" smtClean="0"/>
+              <a:rPr lang="de-DE" dirty="0" err="1"/>
               <a:t>Structural</a:t>
             </a:r>
             <a:r>
-              <a:rPr lang="de-DE" dirty="0" smtClean="0"/>
+              <a:rPr lang="de-DE" dirty="0"/>
               <a:t> </a:t>
             </a:r>
             <a:r>
-              <a:rPr lang="de-DE" dirty="0" err="1" smtClean="0"/>
+              <a:rPr lang="de-DE" dirty="0" err="1"/>
               <a:t>Equation</a:t>
             </a:r>
             <a:r>
-              <a:rPr lang="de-DE" dirty="0" smtClean="0"/>
+              <a:rPr lang="de-DE" dirty="0"/>
               <a:t> </a:t>
             </a:r>
             <a:r>
-              <a:rPr lang="de-DE" dirty="0" err="1" smtClean="0"/>
+              <a:rPr lang="de-DE" dirty="0" err="1"/>
               <a:t>Modelling</a:t>
             </a:r>
             <a:r>
-              <a:rPr lang="de-DE" dirty="0" smtClean="0"/>
+              <a:rPr lang="de-DE" dirty="0"/>
               <a:t> – Wintersemester 2017/2018</a:t>
             </a:r>
-            <a:endParaRPr lang="de-DE" dirty="0"/>
           </a:p>
         </p:txBody>
       </p:sp>
@@ -3718,13 +3658,6 @@
   <p:clrMapOvr>
     <a:masterClrMapping/>
   </p:clrMapOvr>
-  <p:timing>
-    <p:tnLst>
-      <p:par>
-        <p:cTn id="1" dur="indefinite" restart="never" nodeType="tmRoot"/>
-      </p:par>
-    </p:tnLst>
-  </p:timing>
 </p:sldLayout>
 </file>
 
@@ -3766,10 +3699,9 @@
           <a:lstStyle/>
           <a:p>
             <a:r>
-              <a:rPr lang="de-DE" dirty="0" smtClean="0"/>
+              <a:rPr lang="de-DE" dirty="0"/>
               <a:t>Titel durch Klicken bearbeiten</a:t>
             </a:r>
-            <a:endParaRPr lang="de-DE" dirty="0"/>
           </a:p>
         </p:txBody>
       </p:sp>
@@ -3885,10 +3817,9 @@
           </a:lstStyle>
           <a:p>
             <a:r>
-              <a:rPr lang="de-DE" dirty="0" smtClean="0"/>
+              <a:rPr lang="de-DE" dirty="0"/>
               <a:t>Formatvorlage des Untertitelmasters durch Klicken bearbeiten</a:t>
             </a:r>
-            <a:endParaRPr lang="de-DE" dirty="0"/>
           </a:p>
         </p:txBody>
       </p:sp>
@@ -3910,7 +3841,7 @@
             <a:fld id="{065E8A4D-8D16-457C-AFD8-844AF28C1B14}" type="datetime1">
               <a:rPr lang="de-DE" smtClean="0"/>
               <a:pPr/>
-              <a:t>17.02.2018</a:t>
+              <a:t>19.02.2018</a:t>
             </a:fld>
             <a:endParaRPr lang="de-DE"/>
           </a:p>
@@ -3932,30 +3863,29 @@
           <a:lstStyle/>
           <a:p>
             <a:r>
-              <a:rPr lang="de-DE" dirty="0" err="1" smtClean="0"/>
+              <a:rPr lang="de-DE" dirty="0" err="1"/>
               <a:t>Structural</a:t>
             </a:r>
             <a:r>
-              <a:rPr lang="de-DE" dirty="0" smtClean="0"/>
+              <a:rPr lang="de-DE" dirty="0"/>
               <a:t> </a:t>
             </a:r>
             <a:r>
-              <a:rPr lang="de-DE" dirty="0" err="1" smtClean="0"/>
+              <a:rPr lang="de-DE" dirty="0" err="1"/>
               <a:t>Equation</a:t>
             </a:r>
             <a:r>
-              <a:rPr lang="de-DE" dirty="0" smtClean="0"/>
+              <a:rPr lang="de-DE" dirty="0"/>
               <a:t> </a:t>
             </a:r>
             <a:r>
-              <a:rPr lang="de-DE" dirty="0" err="1" smtClean="0"/>
+              <a:rPr lang="de-DE" dirty="0" err="1"/>
               <a:t>Modelling</a:t>
             </a:r>
             <a:r>
-              <a:rPr lang="de-DE" dirty="0" smtClean="0"/>
+              <a:rPr lang="de-DE" dirty="0"/>
               <a:t> – Wintersemester 2017/2018</a:t>
             </a:r>
-            <a:endParaRPr lang="de-DE" dirty="0"/>
           </a:p>
         </p:txBody>
       </p:sp>
@@ -3988,13 +3918,6 @@
   <p:clrMapOvr>
     <a:masterClrMapping/>
   </p:clrMapOvr>
-  <p:timing>
-    <p:tnLst>
-      <p:par>
-        <p:cTn id="1" dur="indefinite" restart="never" nodeType="tmRoot"/>
-      </p:par>
-    </p:tnLst>
-  </p:timing>
 </p:sldLayout>
 </file>
 
@@ -4079,10 +4002,9 @@
           <a:lstStyle/>
           <a:p>
             <a:r>
-              <a:rPr lang="de-DE" dirty="0" smtClean="0"/>
+              <a:rPr lang="de-DE" dirty="0"/>
               <a:t>Titel durch Klicken bearbeiten</a:t>
             </a:r>
-            <a:endParaRPr lang="de-DE" dirty="0"/>
           </a:p>
         </p:txBody>
       </p:sp>
@@ -4103,21 +4025,21 @@
           <a:p>
             <a:pPr lvl="0"/>
             <a:r>
-              <a:rPr lang="de-DE" dirty="0" smtClean="0"/>
+              <a:rPr lang="de-DE" dirty="0"/>
               <a:t>Text durch Klicken bearbeiten</a:t>
             </a:r>
           </a:p>
           <a:p>
             <a:pPr lvl="1"/>
             <a:r>
-              <a:rPr lang="de-DE" dirty="0" smtClean="0"/>
+              <a:rPr lang="de-DE" dirty="0"/>
               <a:t>Zweite Ebene</a:t>
             </a:r>
           </a:p>
           <a:p>
             <a:pPr lvl="2"/>
             <a:r>
-              <a:rPr lang="de-DE" dirty="0" smtClean="0"/>
+              <a:rPr lang="de-DE" dirty="0"/>
               <a:t>Dritte Ebene</a:t>
             </a:r>
           </a:p>
@@ -4141,7 +4063,7 @@
             <a:fld id="{6DB845E5-DACF-426C-8A10-A6438D29DD66}" type="datetime1">
               <a:rPr lang="de-DE" smtClean="0"/>
               <a:pPr/>
-              <a:t>17.02.2018</a:t>
+              <a:t>19.02.2018</a:t>
             </a:fld>
             <a:endParaRPr lang="de-DE"/>
           </a:p>
@@ -4163,30 +4085,29 @@
           <a:lstStyle/>
           <a:p>
             <a:r>
-              <a:rPr lang="de-DE" dirty="0" err="1" smtClean="0"/>
+              <a:rPr lang="de-DE" dirty="0" err="1"/>
               <a:t>Structural</a:t>
             </a:r>
             <a:r>
-              <a:rPr lang="de-DE" dirty="0" smtClean="0"/>
+              <a:rPr lang="de-DE" dirty="0"/>
               <a:t> </a:t>
             </a:r>
             <a:r>
-              <a:rPr lang="de-DE" dirty="0" err="1" smtClean="0"/>
+              <a:rPr lang="de-DE" dirty="0" err="1"/>
               <a:t>Equation</a:t>
             </a:r>
             <a:r>
-              <a:rPr lang="de-DE" dirty="0" smtClean="0"/>
+              <a:rPr lang="de-DE" dirty="0"/>
               <a:t> </a:t>
             </a:r>
             <a:r>
-              <a:rPr lang="de-DE" dirty="0" err="1" smtClean="0"/>
+              <a:rPr lang="de-DE" dirty="0" err="1"/>
               <a:t>Modelling</a:t>
             </a:r>
             <a:r>
-              <a:rPr lang="de-DE" dirty="0" smtClean="0"/>
+              <a:rPr lang="de-DE" dirty="0"/>
               <a:t> – Wintersemester 2017/2018</a:t>
             </a:r>
-            <a:endParaRPr lang="de-DE" dirty="0"/>
           </a:p>
         </p:txBody>
       </p:sp>
@@ -4219,13 +4140,6 @@
   <p:clrMapOvr>
     <a:masterClrMapping/>
   </p:clrMapOvr>
-  <p:timing>
-    <p:tnLst>
-      <p:par>
-        <p:cTn id="1" dur="indefinite" restart="never" nodeType="tmRoot"/>
-      </p:par>
-    </p:tnLst>
-  </p:timing>
 </p:sldLayout>
 </file>
 
@@ -4310,10 +4224,9 @@
           <a:lstStyle/>
           <a:p>
             <a:r>
-              <a:rPr lang="de-DE" dirty="0" smtClean="0"/>
+              <a:rPr lang="de-DE" dirty="0"/>
               <a:t>Titel durch Klicken bearbeiten</a:t>
             </a:r>
-            <a:endParaRPr lang="de-DE" dirty="0"/>
           </a:p>
         </p:txBody>
       </p:sp>
@@ -4367,21 +4280,21 @@
           <a:p>
             <a:pPr lvl="0"/>
             <a:r>
-              <a:rPr lang="de-DE" dirty="0" smtClean="0"/>
+              <a:rPr lang="de-DE" dirty="0"/>
               <a:t>Text durch Klicken bearbeiten</a:t>
             </a:r>
           </a:p>
           <a:p>
             <a:pPr lvl="1"/>
             <a:r>
-              <a:rPr lang="de-DE" dirty="0" smtClean="0"/>
+              <a:rPr lang="de-DE" dirty="0"/>
               <a:t>Zweite Ebene</a:t>
             </a:r>
           </a:p>
           <a:p>
             <a:pPr lvl="2"/>
             <a:r>
-              <a:rPr lang="de-DE" dirty="0" smtClean="0"/>
+              <a:rPr lang="de-DE" dirty="0"/>
               <a:t>Dritte Ebene</a:t>
             </a:r>
           </a:p>
@@ -4437,21 +4350,21 @@
           <a:p>
             <a:pPr lvl="0"/>
             <a:r>
-              <a:rPr lang="de-DE" dirty="0" smtClean="0"/>
+              <a:rPr lang="de-DE" dirty="0"/>
               <a:t>Text durch Klicken bearbeiten</a:t>
             </a:r>
           </a:p>
           <a:p>
             <a:pPr lvl="1"/>
             <a:r>
-              <a:rPr lang="de-DE" dirty="0" smtClean="0"/>
+              <a:rPr lang="de-DE" dirty="0"/>
               <a:t>Zweite Ebene</a:t>
             </a:r>
           </a:p>
           <a:p>
             <a:pPr lvl="2"/>
             <a:r>
-              <a:rPr lang="de-DE" dirty="0" smtClean="0"/>
+              <a:rPr lang="de-DE" dirty="0"/>
               <a:t>Dritte Ebene</a:t>
             </a:r>
           </a:p>
@@ -4475,7 +4388,7 @@
             <a:fld id="{CA605C2C-549A-4615-A3C1-D5E9E9947B76}" type="datetime1">
               <a:rPr lang="de-DE" smtClean="0"/>
               <a:pPr/>
-              <a:t>17.02.2018</a:t>
+              <a:t>19.02.2018</a:t>
             </a:fld>
             <a:endParaRPr lang="de-DE"/>
           </a:p>
@@ -4497,30 +4410,29 @@
           <a:lstStyle/>
           <a:p>
             <a:r>
-              <a:rPr lang="de-DE" dirty="0" err="1" smtClean="0"/>
+              <a:rPr lang="de-DE" dirty="0" err="1"/>
               <a:t>Structural</a:t>
             </a:r>
             <a:r>
-              <a:rPr lang="de-DE" dirty="0" smtClean="0"/>
+              <a:rPr lang="de-DE" dirty="0"/>
               <a:t> </a:t>
             </a:r>
             <a:r>
-              <a:rPr lang="de-DE" dirty="0" err="1" smtClean="0"/>
+              <a:rPr lang="de-DE" dirty="0" err="1"/>
               <a:t>Equation</a:t>
             </a:r>
             <a:r>
-              <a:rPr lang="de-DE" dirty="0" smtClean="0"/>
+              <a:rPr lang="de-DE" dirty="0"/>
               <a:t> </a:t>
             </a:r>
             <a:r>
-              <a:rPr lang="de-DE" dirty="0" err="1" smtClean="0"/>
+              <a:rPr lang="de-DE" dirty="0" err="1"/>
               <a:t>Modelling</a:t>
             </a:r>
             <a:r>
-              <a:rPr lang="de-DE" dirty="0" smtClean="0"/>
+              <a:rPr lang="de-DE" dirty="0"/>
               <a:t> – Wintersemester 2017/2018</a:t>
             </a:r>
-            <a:endParaRPr lang="de-DE" dirty="0"/>
           </a:p>
         </p:txBody>
       </p:sp>
@@ -4553,13 +4465,6 @@
   <p:clrMapOvr>
     <a:masterClrMapping/>
   </p:clrMapOvr>
-  <p:timing>
-    <p:tnLst>
-      <p:par>
-        <p:cTn id="1" dur="indefinite" restart="never" nodeType="tmRoot"/>
-      </p:par>
-    </p:tnLst>
-  </p:timing>
 </p:sldLayout>
 </file>
 
@@ -4648,10 +4553,9 @@
           </a:lstStyle>
           <a:p>
             <a:r>
-              <a:rPr lang="de-DE" dirty="0" smtClean="0"/>
+              <a:rPr lang="de-DE" dirty="0"/>
               <a:t>Titel durch Klicken bearbeiten</a:t>
             </a:r>
-            <a:endParaRPr lang="de-DE" dirty="0"/>
           </a:p>
         </p:txBody>
       </p:sp>
@@ -4723,7 +4627,7 @@
           <a:p>
             <a:pPr lvl="0"/>
             <a:r>
-              <a:rPr lang="de-DE" dirty="0" smtClean="0"/>
+              <a:rPr lang="de-DE" dirty="0"/>
               <a:t>Text durch Klicken bearbeiten</a:t>
             </a:r>
           </a:p>
@@ -4786,21 +4690,21 @@
           <a:p>
             <a:pPr lvl="0"/>
             <a:r>
-              <a:rPr lang="de-DE" dirty="0" smtClean="0"/>
+              <a:rPr lang="de-DE" dirty="0"/>
               <a:t>Text durch Klicken bearbeiten</a:t>
             </a:r>
           </a:p>
           <a:p>
             <a:pPr lvl="1"/>
             <a:r>
-              <a:rPr lang="de-DE" dirty="0" smtClean="0"/>
+              <a:rPr lang="de-DE" dirty="0"/>
               <a:t>Zweite Ebene</a:t>
             </a:r>
           </a:p>
           <a:p>
             <a:pPr lvl="2"/>
             <a:r>
-              <a:rPr lang="de-DE" dirty="0" smtClean="0"/>
+              <a:rPr lang="de-DE" dirty="0"/>
               <a:t>Dritte Ebene</a:t>
             </a:r>
           </a:p>
@@ -4874,7 +4778,7 @@
           <a:p>
             <a:pPr lvl="0"/>
             <a:r>
-              <a:rPr lang="de-DE" dirty="0" smtClean="0"/>
+              <a:rPr lang="de-DE" dirty="0"/>
               <a:t>Text durch Klicken bearbeiten</a:t>
             </a:r>
           </a:p>
@@ -4937,21 +4841,21 @@
           <a:p>
             <a:pPr lvl="0"/>
             <a:r>
-              <a:rPr lang="de-DE" dirty="0" smtClean="0"/>
+              <a:rPr lang="de-DE" dirty="0"/>
               <a:t>Text durch Klicken bearbeiten</a:t>
             </a:r>
           </a:p>
           <a:p>
             <a:pPr lvl="1"/>
             <a:r>
-              <a:rPr lang="de-DE" dirty="0" smtClean="0"/>
+              <a:rPr lang="de-DE" dirty="0"/>
               <a:t>Zweite Ebene</a:t>
             </a:r>
           </a:p>
           <a:p>
             <a:pPr lvl="2"/>
             <a:r>
-              <a:rPr lang="de-DE" dirty="0" smtClean="0"/>
+              <a:rPr lang="de-DE" dirty="0"/>
               <a:t>Dritte Ebene</a:t>
             </a:r>
           </a:p>
@@ -4975,7 +4879,7 @@
             <a:fld id="{DA5DE712-6C0E-4DF7-B336-AC97213DC93D}" type="datetime1">
               <a:rPr lang="de-DE" smtClean="0"/>
               <a:pPr/>
-              <a:t>17.02.2018</a:t>
+              <a:t>19.02.2018</a:t>
             </a:fld>
             <a:endParaRPr lang="de-DE"/>
           </a:p>
@@ -4997,30 +4901,29 @@
           <a:lstStyle/>
           <a:p>
             <a:r>
-              <a:rPr lang="de-DE" dirty="0" err="1" smtClean="0"/>
+              <a:rPr lang="de-DE" dirty="0" err="1"/>
               <a:t>Structural</a:t>
             </a:r>
             <a:r>
-              <a:rPr lang="de-DE" dirty="0" smtClean="0"/>
+              <a:rPr lang="de-DE" dirty="0"/>
               <a:t> </a:t>
             </a:r>
             <a:r>
-              <a:rPr lang="de-DE" dirty="0" err="1" smtClean="0"/>
+              <a:rPr lang="de-DE" dirty="0" err="1"/>
               <a:t>Equation</a:t>
             </a:r>
             <a:r>
-              <a:rPr lang="de-DE" dirty="0" smtClean="0"/>
+              <a:rPr lang="de-DE" dirty="0"/>
               <a:t> </a:t>
             </a:r>
             <a:r>
-              <a:rPr lang="de-DE" dirty="0" err="1" smtClean="0"/>
+              <a:rPr lang="de-DE" dirty="0" err="1"/>
               <a:t>Modelling</a:t>
             </a:r>
             <a:r>
-              <a:rPr lang="de-DE" dirty="0" smtClean="0"/>
+              <a:rPr lang="de-DE" dirty="0"/>
               <a:t> – Wintersemester 2017/2018</a:t>
             </a:r>
-            <a:endParaRPr lang="de-DE" dirty="0"/>
           </a:p>
         </p:txBody>
       </p:sp>
@@ -5053,13 +4956,6 @@
   <p:clrMapOvr>
     <a:masterClrMapping/>
   </p:clrMapOvr>
-  <p:timing>
-    <p:tnLst>
-      <p:par>
-        <p:cTn id="1" dur="indefinite" restart="never" nodeType="tmRoot"/>
-      </p:par>
-    </p:tnLst>
-  </p:timing>
 </p:sldLayout>
 </file>
 
@@ -5148,10 +5044,9 @@
           </a:lstStyle>
           <a:p>
             <a:r>
-              <a:rPr lang="de-DE" dirty="0" smtClean="0"/>
+              <a:rPr lang="de-DE" dirty="0"/>
               <a:t>Titel durch Klicken bearbeiten</a:t>
             </a:r>
-            <a:endParaRPr lang="de-DE" dirty="0"/>
           </a:p>
         </p:txBody>
       </p:sp>
@@ -5223,7 +5118,7 @@
           <a:p>
             <a:pPr lvl="0"/>
             <a:r>
-              <a:rPr lang="de-DE" dirty="0" smtClean="0"/>
+              <a:rPr lang="de-DE" dirty="0"/>
               <a:t>Text durch Klicken bearbeiten</a:t>
             </a:r>
           </a:p>
@@ -5286,21 +5181,21 @@
           <a:p>
             <a:pPr lvl="0"/>
             <a:r>
-              <a:rPr lang="de-DE" dirty="0" smtClean="0"/>
+              <a:rPr lang="de-DE" dirty="0"/>
               <a:t>Text durch Klicken bearbeiten</a:t>
             </a:r>
           </a:p>
           <a:p>
             <a:pPr lvl="1"/>
             <a:r>
-              <a:rPr lang="de-DE" dirty="0" smtClean="0"/>
+              <a:rPr lang="de-DE" dirty="0"/>
               <a:t>Zweite Ebene</a:t>
             </a:r>
           </a:p>
           <a:p>
             <a:pPr lvl="2"/>
             <a:r>
-              <a:rPr lang="de-DE" dirty="0" smtClean="0"/>
+              <a:rPr lang="de-DE" dirty="0"/>
               <a:t>Dritte Ebene</a:t>
             </a:r>
           </a:p>
@@ -5374,7 +5269,7 @@
           <a:p>
             <a:pPr lvl="0"/>
             <a:r>
-              <a:rPr lang="de-DE" dirty="0" smtClean="0"/>
+              <a:rPr lang="de-DE" dirty="0"/>
               <a:t>Text durch Klicken bearbeiten</a:t>
             </a:r>
           </a:p>
@@ -5437,21 +5332,21 @@
           <a:p>
             <a:pPr lvl="0"/>
             <a:r>
-              <a:rPr lang="de-DE" dirty="0" smtClean="0"/>
+              <a:rPr lang="de-DE" dirty="0"/>
               <a:t>Text durch Klicken bearbeiten</a:t>
             </a:r>
           </a:p>
           <a:p>
             <a:pPr lvl="1"/>
             <a:r>
-              <a:rPr lang="de-DE" dirty="0" smtClean="0"/>
+              <a:rPr lang="de-DE" dirty="0"/>
               <a:t>Zweite Ebene</a:t>
             </a:r>
           </a:p>
           <a:p>
             <a:pPr lvl="2"/>
             <a:r>
-              <a:rPr lang="de-DE" dirty="0" smtClean="0"/>
+              <a:rPr lang="de-DE" dirty="0"/>
               <a:t>Dritte Ebene</a:t>
             </a:r>
           </a:p>
@@ -5475,7 +5370,7 @@
             <a:fld id="{DA5DE712-6C0E-4DF7-B336-AC97213DC93D}" type="datetime1">
               <a:rPr lang="de-DE" smtClean="0"/>
               <a:pPr/>
-              <a:t>17.02.2018</a:t>
+              <a:t>19.02.2018</a:t>
             </a:fld>
             <a:endParaRPr lang="de-DE"/>
           </a:p>
@@ -5497,30 +5392,29 @@
           <a:lstStyle/>
           <a:p>
             <a:r>
-              <a:rPr lang="de-DE" dirty="0" err="1" smtClean="0"/>
+              <a:rPr lang="de-DE" dirty="0" err="1"/>
               <a:t>Structural</a:t>
             </a:r>
             <a:r>
-              <a:rPr lang="de-DE" dirty="0" smtClean="0"/>
+              <a:rPr lang="de-DE" dirty="0"/>
               <a:t> </a:t>
             </a:r>
             <a:r>
-              <a:rPr lang="de-DE" dirty="0" err="1" smtClean="0"/>
+              <a:rPr lang="de-DE" dirty="0" err="1"/>
               <a:t>Equation</a:t>
             </a:r>
             <a:r>
-              <a:rPr lang="de-DE" dirty="0" smtClean="0"/>
+              <a:rPr lang="de-DE" dirty="0"/>
               <a:t> </a:t>
             </a:r>
             <a:r>
-              <a:rPr lang="de-DE" dirty="0" err="1" smtClean="0"/>
+              <a:rPr lang="de-DE" dirty="0" err="1"/>
               <a:t>Modelling</a:t>
             </a:r>
             <a:r>
-              <a:rPr lang="de-DE" dirty="0" smtClean="0"/>
+              <a:rPr lang="de-DE" dirty="0"/>
               <a:t> – Wintersemester 2017/2018</a:t>
             </a:r>
-            <a:endParaRPr lang="de-DE" dirty="0"/>
           </a:p>
         </p:txBody>
       </p:sp>
@@ -5644,7 +5538,7 @@
           <a:p>
             <a:pPr lvl="0"/>
             <a:r>
-              <a:rPr lang="de-DE" dirty="0" smtClean="0"/>
+              <a:rPr lang="de-DE" dirty="0"/>
               <a:t>Text durch Klicken bearbeiten</a:t>
             </a:r>
           </a:p>
@@ -5655,13 +5549,6 @@
   <p:clrMapOvr>
     <a:masterClrMapping/>
   </p:clrMapOvr>
-  <p:timing>
-    <p:tnLst>
-      <p:par>
-        <p:cTn id="1" dur="indefinite" restart="never" nodeType="tmRoot"/>
-      </p:par>
-    </p:tnLst>
-  </p:timing>
 </p:sldLayout>
 </file>
 
@@ -5750,10 +5637,9 @@
           </a:lstStyle>
           <a:p>
             <a:r>
-              <a:rPr lang="de-DE" dirty="0" smtClean="0"/>
+              <a:rPr lang="de-DE" dirty="0"/>
               <a:t>Titel durch Klicken bearbeiten</a:t>
             </a:r>
-            <a:endParaRPr lang="de-DE" dirty="0"/>
           </a:p>
         </p:txBody>
       </p:sp>
@@ -5775,7 +5661,7 @@
             <a:fld id="{12CE0ACD-0B71-463F-9507-4095300257BC}" type="datetime1">
               <a:rPr lang="de-DE" smtClean="0"/>
               <a:pPr/>
-              <a:t>17.02.2018</a:t>
+              <a:t>19.02.2018</a:t>
             </a:fld>
             <a:endParaRPr lang="de-DE"/>
           </a:p>
@@ -5797,30 +5683,29 @@
           <a:lstStyle/>
           <a:p>
             <a:r>
-              <a:rPr lang="de-DE" dirty="0" err="1" smtClean="0"/>
+              <a:rPr lang="de-DE" dirty="0" err="1"/>
               <a:t>Structural</a:t>
             </a:r>
             <a:r>
-              <a:rPr lang="de-DE" dirty="0" smtClean="0"/>
+              <a:rPr lang="de-DE" dirty="0"/>
               <a:t> </a:t>
             </a:r>
             <a:r>
-              <a:rPr lang="de-DE" dirty="0" err="1" smtClean="0"/>
+              <a:rPr lang="de-DE" dirty="0" err="1"/>
               <a:t>Equation</a:t>
             </a:r>
             <a:r>
-              <a:rPr lang="de-DE" dirty="0" smtClean="0"/>
+              <a:rPr lang="de-DE" dirty="0"/>
               <a:t> </a:t>
             </a:r>
             <a:r>
-              <a:rPr lang="de-DE" dirty="0" err="1" smtClean="0"/>
+              <a:rPr lang="de-DE" dirty="0" err="1"/>
               <a:t>Modelling</a:t>
             </a:r>
             <a:r>
-              <a:rPr lang="de-DE" dirty="0" smtClean="0"/>
+              <a:rPr lang="de-DE" dirty="0"/>
               <a:t> – Wintersemester 2017/2018</a:t>
             </a:r>
-            <a:endParaRPr lang="de-DE" dirty="0"/>
           </a:p>
         </p:txBody>
       </p:sp>
@@ -5853,13 +5738,6 @@
   <p:clrMapOvr>
     <a:masterClrMapping/>
   </p:clrMapOvr>
-  <p:timing>
-    <p:tnLst>
-      <p:par>
-        <p:cTn id="1" dur="indefinite" restart="never" nodeType="tmRoot"/>
-      </p:par>
-    </p:tnLst>
-  </p:timing>
 </p:sldLayout>
 </file>
 
@@ -5946,7 +5824,7 @@
             <a:fld id="{89026A34-A4A3-4CC2-B452-9E4A0F73B38C}" type="datetime1">
               <a:rPr lang="de-DE" smtClean="0"/>
               <a:pPr/>
-              <a:t>17.02.2018</a:t>
+              <a:t>19.02.2018</a:t>
             </a:fld>
             <a:endParaRPr lang="de-DE"/>
           </a:p>
@@ -5968,30 +5846,29 @@
           <a:lstStyle/>
           <a:p>
             <a:r>
-              <a:rPr lang="de-DE" dirty="0" err="1" smtClean="0"/>
+              <a:rPr lang="de-DE" dirty="0" err="1"/>
               <a:t>Structural</a:t>
             </a:r>
             <a:r>
-              <a:rPr lang="de-DE" dirty="0" smtClean="0"/>
+              <a:rPr lang="de-DE" dirty="0"/>
               <a:t> </a:t>
             </a:r>
             <a:r>
-              <a:rPr lang="de-DE" dirty="0" err="1" smtClean="0"/>
+              <a:rPr lang="de-DE" dirty="0" err="1"/>
               <a:t>Equation</a:t>
             </a:r>
             <a:r>
-              <a:rPr lang="de-DE" dirty="0" smtClean="0"/>
+              <a:rPr lang="de-DE" dirty="0"/>
               <a:t> </a:t>
             </a:r>
             <a:r>
-              <a:rPr lang="de-DE" dirty="0" err="1" smtClean="0"/>
+              <a:rPr lang="de-DE" dirty="0" err="1"/>
               <a:t>Modelling</a:t>
             </a:r>
             <a:r>
-              <a:rPr lang="de-DE" dirty="0" smtClean="0"/>
+              <a:rPr lang="de-DE" dirty="0"/>
               <a:t> – Wintersemester 2017/2018</a:t>
             </a:r>
-            <a:endParaRPr lang="de-DE" dirty="0"/>
           </a:p>
         </p:txBody>
       </p:sp>
@@ -6024,13 +5901,6 @@
   <p:clrMapOvr>
     <a:masterClrMapping/>
   </p:clrMapOvr>
-  <p:timing>
-    <p:tnLst>
-      <p:par>
-        <p:cTn id="1" dur="indefinite" restart="never" nodeType="tmRoot"/>
-      </p:par>
-    </p:tnLst>
-  </p:timing>
 </p:sldLayout>
 </file>
 
@@ -6149,21 +6019,21 @@
           <a:p>
             <a:pPr lvl="0"/>
             <a:r>
-              <a:rPr lang="de-DE" dirty="0" smtClean="0"/>
+              <a:rPr lang="de-DE" dirty="0"/>
               <a:t>Text durch Klicken bearbeiten</a:t>
             </a:r>
           </a:p>
           <a:p>
             <a:pPr lvl="1"/>
             <a:r>
-              <a:rPr lang="de-DE" dirty="0" smtClean="0"/>
+              <a:rPr lang="de-DE" dirty="0"/>
               <a:t>Zweite Ebene</a:t>
             </a:r>
           </a:p>
           <a:p>
             <a:pPr lvl="2"/>
             <a:r>
-              <a:rPr lang="de-DE" dirty="0" smtClean="0"/>
+              <a:rPr lang="de-DE" dirty="0"/>
               <a:t>Dritte Ebene</a:t>
             </a:r>
           </a:p>
@@ -6228,7 +6098,7 @@
           <a:p>
             <a:pPr lvl="0"/>
             <a:r>
-              <a:rPr lang="de-DE" dirty="0" smtClean="0"/>
+              <a:rPr lang="de-DE" dirty="0"/>
               <a:t>Text durch Klicken bearbeiten</a:t>
             </a:r>
           </a:p>
@@ -6252,7 +6122,7 @@
             <a:fld id="{D509922F-D4D2-4984-9115-CE10B66F29DF}" type="datetime1">
               <a:rPr lang="de-DE" smtClean="0"/>
               <a:pPr/>
-              <a:t>17.02.2018</a:t>
+              <a:t>19.02.2018</a:t>
             </a:fld>
             <a:endParaRPr lang="de-DE"/>
           </a:p>
@@ -6274,30 +6144,29 @@
           <a:lstStyle/>
           <a:p>
             <a:r>
-              <a:rPr lang="de-DE" dirty="0" err="1" smtClean="0"/>
+              <a:rPr lang="de-DE" dirty="0" err="1"/>
               <a:t>Structural</a:t>
             </a:r>
             <a:r>
-              <a:rPr lang="de-DE" dirty="0" smtClean="0"/>
+              <a:rPr lang="de-DE" dirty="0"/>
               <a:t> </a:t>
             </a:r>
             <a:r>
-              <a:rPr lang="de-DE" dirty="0" err="1" smtClean="0"/>
+              <a:rPr lang="de-DE" dirty="0" err="1"/>
               <a:t>Equation</a:t>
             </a:r>
             <a:r>
-              <a:rPr lang="de-DE" dirty="0" smtClean="0"/>
+              <a:rPr lang="de-DE" dirty="0"/>
               <a:t> </a:t>
             </a:r>
             <a:r>
-              <a:rPr lang="de-DE" dirty="0" err="1" smtClean="0"/>
+              <a:rPr lang="de-DE" dirty="0" err="1"/>
               <a:t>Modelling</a:t>
             </a:r>
             <a:r>
-              <a:rPr lang="de-DE" dirty="0" smtClean="0"/>
+              <a:rPr lang="de-DE" dirty="0"/>
               <a:t> – Wintersemester 2017/2018</a:t>
             </a:r>
-            <a:endParaRPr lang="de-DE" dirty="0"/>
           </a:p>
         </p:txBody>
       </p:sp>
@@ -6341,10 +6210,9 @@
           <a:lstStyle/>
           <a:p>
             <a:r>
-              <a:rPr lang="de-DE" dirty="0" smtClean="0"/>
+              <a:rPr lang="de-DE" dirty="0"/>
               <a:t>Titel durch Klicken bearbeiten</a:t>
             </a:r>
-            <a:endParaRPr lang="de-DE" dirty="0"/>
           </a:p>
         </p:txBody>
       </p:sp>
@@ -6353,13 +6221,6 @@
   <p:clrMapOvr>
     <a:masterClrMapping/>
   </p:clrMapOvr>
-  <p:timing>
-    <p:tnLst>
-      <p:par>
-        <p:cTn id="1" dur="indefinite" restart="never" nodeType="tmRoot"/>
-      </p:par>
-    </p:tnLst>
-  </p:timing>
 </p:sldLayout>
 </file>
 
@@ -6507,10 +6368,9 @@
           <a:lstStyle/>
           <a:p>
             <a:r>
-              <a:rPr lang="de-DE" dirty="0" smtClean="0"/>
+              <a:rPr lang="de-DE" dirty="0"/>
               <a:t>Titelmasterformat durch Klicken bearbeiten</a:t>
             </a:r>
-            <a:endParaRPr lang="de-DE" dirty="0"/>
           </a:p>
         </p:txBody>
       </p:sp>
@@ -6541,21 +6401,21 @@
           <a:p>
             <a:pPr lvl="0"/>
             <a:r>
-              <a:rPr lang="de-DE" dirty="0" smtClean="0"/>
+              <a:rPr lang="de-DE" dirty="0"/>
               <a:t>Textmasterformate durch Klicken bearbeiten</a:t>
             </a:r>
           </a:p>
           <a:p>
             <a:pPr lvl="1"/>
             <a:r>
-              <a:rPr lang="de-DE" dirty="0" smtClean="0"/>
+              <a:rPr lang="de-DE" dirty="0"/>
               <a:t>Zweite Ebene</a:t>
             </a:r>
           </a:p>
           <a:p>
             <a:pPr lvl="2"/>
             <a:r>
-              <a:rPr lang="de-DE" dirty="0" smtClean="0"/>
+              <a:rPr lang="de-DE" dirty="0"/>
               <a:t>Dritte Ebene</a:t>
             </a:r>
           </a:p>
@@ -6600,7 +6460,7 @@
             <a:fld id="{9624F9CC-0A0D-4C8D-81F7-82F64A12AE8F}" type="datetime1">
               <a:rPr lang="de-DE" smtClean="0"/>
               <a:pPr/>
-              <a:t>17.02.2018</a:t>
+              <a:t>19.02.2018</a:t>
             </a:fld>
             <a:endParaRPr lang="de-DE"/>
           </a:p>
@@ -6643,30 +6503,29 @@
           </a:lstStyle>
           <a:p>
             <a:r>
-              <a:rPr lang="de-DE" dirty="0" err="1" smtClean="0"/>
+              <a:rPr lang="de-DE" dirty="0" err="1"/>
               <a:t>Structural</a:t>
             </a:r>
             <a:r>
-              <a:rPr lang="de-DE" dirty="0" smtClean="0"/>
+              <a:rPr lang="de-DE" dirty="0"/>
               <a:t> </a:t>
             </a:r>
             <a:r>
-              <a:rPr lang="de-DE" dirty="0" err="1" smtClean="0"/>
+              <a:rPr lang="de-DE" dirty="0" err="1"/>
               <a:t>Equation</a:t>
             </a:r>
             <a:r>
-              <a:rPr lang="de-DE" dirty="0" smtClean="0"/>
+              <a:rPr lang="de-DE" dirty="0"/>
               <a:t> </a:t>
             </a:r>
             <a:r>
-              <a:rPr lang="de-DE" dirty="0" err="1" smtClean="0"/>
+              <a:rPr lang="de-DE" dirty="0" err="1"/>
               <a:t>Modelling</a:t>
             </a:r>
             <a:r>
-              <a:rPr lang="de-DE" dirty="0" smtClean="0"/>
+              <a:rPr lang="de-DE" dirty="0"/>
               <a:t> – Wintersemester 2017/2018</a:t>
             </a:r>
-            <a:endParaRPr lang="de-DE" dirty="0"/>
           </a:p>
         </p:txBody>
       </p:sp>
@@ -6760,13 +6619,6 @@
     <p:sldLayoutId id="2147483676" r:id="rId15"/>
     <p:sldLayoutId id="2147483669" r:id="rId16"/>
   </p:sldLayoutIdLst>
-  <p:timing>
-    <p:tnLst>
-      <p:par>
-        <p:cTn id="1" dur="indefinite" restart="never" nodeType="tmRoot"/>
-      </p:par>
-    </p:tnLst>
-  </p:timing>
   <p:hf hdr="0"/>
   <p:txStyles>
     <p:titleStyle>
@@ -7059,29 +6911,28 @@
           <a:lstStyle/>
           <a:p>
             <a:r>
-              <a:rPr lang="de-DE" dirty="0" err="1" smtClean="0"/>
+              <a:rPr lang="de-DE" dirty="0" err="1"/>
               <a:t>Structural</a:t>
             </a:r>
             <a:r>
-              <a:rPr lang="de-DE" dirty="0" smtClean="0"/>
+              <a:rPr lang="de-DE" dirty="0"/>
               <a:t> </a:t>
             </a:r>
             <a:r>
-              <a:rPr lang="de-DE" dirty="0" err="1" smtClean="0"/>
+              <a:rPr lang="de-DE" dirty="0" err="1"/>
               <a:t>Equation</a:t>
             </a:r>
             <a:r>
-              <a:rPr lang="de-DE" dirty="0" smtClean="0"/>
+              <a:rPr lang="de-DE" dirty="0"/>
               <a:t> Model:</a:t>
             </a:r>
             <a:br>
-              <a:rPr lang="de-DE" dirty="0" smtClean="0"/>
+              <a:rPr lang="de-DE" dirty="0"/>
             </a:br>
             <a:r>
-              <a:rPr lang="de-DE" dirty="0" smtClean="0"/>
+              <a:rPr lang="de-DE" dirty="0"/>
               <a:t>Wachstumsmodelle</a:t>
             </a:r>
-            <a:endParaRPr lang="de-DE" dirty="0"/>
           </a:p>
         </p:txBody>
       </p:sp>
@@ -7116,10 +6967,9 @@
               </a:spcAft>
             </a:pPr>
             <a:r>
-              <a:rPr lang="de-DE" sz="1200" dirty="0" smtClean="0"/>
+              <a:rPr lang="de-DE" sz="1200" dirty="0"/>
               <a:t>Christian Faber</a:t>
             </a:r>
-            <a:endParaRPr lang="de-DE" sz="1200" dirty="0" smtClean="0"/>
           </a:p>
           <a:p>
             <a:pPr>
@@ -7131,14 +6981,14 @@
               </a:spcAft>
             </a:pPr>
             <a:r>
-              <a:rPr lang="de-DE" sz="1200" dirty="0" smtClean="0"/>
+              <a:rPr lang="de-DE" sz="1200" dirty="0"/>
               <a:t>Mirco </a:t>
             </a:r>
             <a:r>
-              <a:rPr lang="de-DE" sz="1200" dirty="0" err="1" smtClean="0"/>
+              <a:rPr lang="de-DE" sz="1200" dirty="0" err="1"/>
               <a:t>Pyrtek</a:t>
             </a:r>
-            <a:endParaRPr lang="de-DE" sz="1200" dirty="0" smtClean="0"/>
+            <a:endParaRPr lang="de-DE" sz="1200" dirty="0"/>
           </a:p>
           <a:p>
             <a:endParaRPr lang="de-DE" dirty="0"/>
@@ -7184,7 +7034,6 @@
               <a:rPr lang="de-DE" dirty="0"/>
               <a:t> – Wintersemester 2017/2018</a:t>
             </a:r>
-            <a:endParaRPr lang="de-DE" dirty="0"/>
           </a:p>
         </p:txBody>
       </p:sp>
@@ -7193,13 +7042,3955 @@
   <p:clrMapOvr>
     <a:masterClrMapping/>
   </p:clrMapOvr>
-  <p:timing>
-    <p:tnLst>
-      <p:par>
-        <p:cTn id="1" dur="indefinite" restart="never" nodeType="tmRoot"/>
-      </p:par>
-    </p:tnLst>
-  </p:timing>
+</p:sld>
+</file>
+
+<file path=ppt/slides/slide10.xml><?xml version="1.0" encoding="utf-8"?>
+<p:sld xmlns:a="http://schemas.openxmlformats.org/drawingml/2006/main" xmlns:r="http://schemas.openxmlformats.org/officeDocument/2006/relationships" xmlns:p="http://schemas.openxmlformats.org/presentationml/2006/main">
+  <p:cSld>
+    <p:spTree>
+      <p:nvGrpSpPr>
+        <p:cNvPr id="1" name=""/>
+        <p:cNvGrpSpPr/>
+        <p:nvPr/>
+      </p:nvGrpSpPr>
+      <p:grpSpPr>
+        <a:xfrm>
+          <a:off x="0" y="0"/>
+          <a:ext cx="0" cy="0"/>
+          <a:chOff x="0" y="0"/>
+          <a:chExt cx="0" cy="0"/>
+        </a:xfrm>
+      </p:grpSpPr>
+      <p:sp>
+        <p:nvSpPr>
+          <p:cNvPr id="2" name="Titel 1"/>
+          <p:cNvSpPr>
+            <a:spLocks noGrp="1"/>
+          </p:cNvSpPr>
+          <p:nvPr>
+            <p:ph type="title"/>
+          </p:nvPr>
+        </p:nvSpPr>
+        <p:spPr/>
+        <p:txBody>
+          <a:bodyPr/>
+          <a:lstStyle/>
+          <a:p>
+            <a:r>
+              <a:rPr lang="de-DE" dirty="0"/>
+              <a:t>Polynominelles Wachstumsmodell – 1 </a:t>
+            </a:r>
+            <a:r>
+              <a:rPr lang="de-DE" dirty="0" err="1"/>
+              <a:t>slope</a:t>
+            </a:r>
+            <a:endParaRPr lang="de-DE" dirty="0"/>
+          </a:p>
+        </p:txBody>
+      </p:sp>
+      <p:sp>
+        <p:nvSpPr>
+          <p:cNvPr id="7" name="Datumsplatzhalter 6"/>
+          <p:cNvSpPr>
+            <a:spLocks noGrp="1"/>
+          </p:cNvSpPr>
+          <p:nvPr>
+            <p:ph type="dt" sz="half" idx="10"/>
+          </p:nvPr>
+        </p:nvSpPr>
+        <p:spPr/>
+        <p:txBody>
+          <a:bodyPr/>
+          <a:lstStyle/>
+          <a:p>
+            <a:fld id="{DA5DE712-6C0E-4DF7-B336-AC97213DC93D}" type="datetime1">
+              <a:rPr lang="de-DE" smtClean="0"/>
+              <a:pPr/>
+              <a:t>19.02.2018</a:t>
+            </a:fld>
+            <a:endParaRPr lang="de-DE"/>
+          </a:p>
+        </p:txBody>
+      </p:sp>
+      <p:sp>
+        <p:nvSpPr>
+          <p:cNvPr id="8" name="Fußzeilenplatzhalter 7"/>
+          <p:cNvSpPr>
+            <a:spLocks noGrp="1"/>
+          </p:cNvSpPr>
+          <p:nvPr>
+            <p:ph type="ftr" sz="quarter" idx="11"/>
+          </p:nvPr>
+        </p:nvSpPr>
+        <p:spPr/>
+        <p:txBody>
+          <a:bodyPr/>
+          <a:lstStyle/>
+          <a:p>
+            <a:r>
+              <a:rPr lang="de-DE"/>
+              <a:t>Structural Equation Modelling – Wintersemester 2017/2018</a:t>
+            </a:r>
+            <a:endParaRPr lang="de-DE" dirty="0"/>
+          </a:p>
+        </p:txBody>
+      </p:sp>
+      <p:sp>
+        <p:nvSpPr>
+          <p:cNvPr id="9" name="Foliennummernplatzhalter 8"/>
+          <p:cNvSpPr>
+            <a:spLocks noGrp="1"/>
+          </p:cNvSpPr>
+          <p:nvPr>
+            <p:ph type="sldNum" sz="quarter" idx="12"/>
+          </p:nvPr>
+        </p:nvSpPr>
+        <p:spPr/>
+        <p:txBody>
+          <a:bodyPr/>
+          <a:lstStyle/>
+          <a:p>
+            <a:fld id="{015363AA-F6CB-4A58-B5AD-B2CDFEAF0813}" type="slidenum">
+              <a:rPr lang="de-DE" smtClean="0"/>
+              <a:pPr/>
+              <a:t>10</a:t>
+            </a:fld>
+            <a:endParaRPr lang="de-DE"/>
+          </a:p>
+        </p:txBody>
+      </p:sp>
+      <p:pic>
+        <p:nvPicPr>
+          <p:cNvPr id="29" name="Grafik 28">
+            <a:extLst>
+              <a:ext uri="{FF2B5EF4-FFF2-40B4-BE49-F238E27FC236}">
+                <a16:creationId xmlns:a16="http://schemas.microsoft.com/office/drawing/2014/main" id="{C09074C9-3146-40A7-93CD-C96B5D177AF5}"/>
+              </a:ext>
+            </a:extLst>
+          </p:cNvPr>
+          <p:cNvPicPr>
+            <a:picLocks noChangeAspect="1"/>
+          </p:cNvPicPr>
+          <p:nvPr/>
+        </p:nvPicPr>
+        <p:blipFill>
+          <a:blip r:embed="rId2"/>
+          <a:stretch>
+            <a:fillRect/>
+          </a:stretch>
+        </p:blipFill>
+        <p:spPr>
+          <a:xfrm>
+            <a:off x="620478" y="1023587"/>
+            <a:ext cx="7903043" cy="3845277"/>
+          </a:xfrm>
+          <a:prstGeom prst="rect">
+            <a:avLst/>
+          </a:prstGeom>
+        </p:spPr>
+      </p:pic>
+      <p:sp>
+        <p:nvSpPr>
+          <p:cNvPr id="30" name="Textfeld 29">
+            <a:extLst>
+              <a:ext uri="{FF2B5EF4-FFF2-40B4-BE49-F238E27FC236}">
+                <a16:creationId xmlns:a16="http://schemas.microsoft.com/office/drawing/2014/main" id="{3820186A-CF30-4726-AF6E-350820D4F382}"/>
+              </a:ext>
+            </a:extLst>
+          </p:cNvPr>
+          <p:cNvSpPr txBox="1"/>
+          <p:nvPr/>
+        </p:nvSpPr>
+        <p:spPr>
+          <a:xfrm>
+            <a:off x="3442618" y="1781435"/>
+            <a:ext cx="121270" cy="307777"/>
+          </a:xfrm>
+          <a:prstGeom prst="rect">
+            <a:avLst/>
+          </a:prstGeom>
+          <a:noFill/>
+        </p:spPr>
+        <p:txBody>
+          <a:bodyPr wrap="square" rtlCol="0">
+            <a:spAutoFit/>
+          </a:bodyPr>
+          <a:lstStyle/>
+          <a:p>
+            <a:pPr algn="ctr"/>
+            <a:r>
+              <a:rPr lang="de-DE" sz="1400" dirty="0"/>
+              <a:t>1</a:t>
+            </a:r>
+            <a:endParaRPr lang="en-NZ" sz="1400" dirty="0"/>
+          </a:p>
+        </p:txBody>
+      </p:sp>
+      <p:sp>
+        <p:nvSpPr>
+          <p:cNvPr id="31" name="Textfeld 30">
+            <a:extLst>
+              <a:ext uri="{FF2B5EF4-FFF2-40B4-BE49-F238E27FC236}">
+                <a16:creationId xmlns:a16="http://schemas.microsoft.com/office/drawing/2014/main" id="{B70E975F-8D2B-40AE-8599-3745A8F85F93}"/>
+              </a:ext>
+            </a:extLst>
+          </p:cNvPr>
+          <p:cNvSpPr txBox="1"/>
+          <p:nvPr/>
+        </p:nvSpPr>
+        <p:spPr>
+          <a:xfrm>
+            <a:off x="3716288" y="1833610"/>
+            <a:ext cx="121270" cy="307777"/>
+          </a:xfrm>
+          <a:prstGeom prst="rect">
+            <a:avLst/>
+          </a:prstGeom>
+          <a:noFill/>
+        </p:spPr>
+        <p:txBody>
+          <a:bodyPr wrap="square" rtlCol="0">
+            <a:spAutoFit/>
+          </a:bodyPr>
+          <a:lstStyle/>
+          <a:p>
+            <a:pPr algn="ctr"/>
+            <a:r>
+              <a:rPr lang="de-DE" sz="1400" dirty="0"/>
+              <a:t>1</a:t>
+            </a:r>
+            <a:endParaRPr lang="en-NZ" sz="1400" dirty="0"/>
+          </a:p>
+        </p:txBody>
+      </p:sp>
+      <p:sp>
+        <p:nvSpPr>
+          <p:cNvPr id="32" name="Textfeld 31">
+            <a:extLst>
+              <a:ext uri="{FF2B5EF4-FFF2-40B4-BE49-F238E27FC236}">
+                <a16:creationId xmlns:a16="http://schemas.microsoft.com/office/drawing/2014/main" id="{8B9F0F9A-D29B-4867-A879-9756B64CFBA4}"/>
+              </a:ext>
+            </a:extLst>
+          </p:cNvPr>
+          <p:cNvSpPr txBox="1"/>
+          <p:nvPr/>
+        </p:nvSpPr>
+        <p:spPr>
+          <a:xfrm>
+            <a:off x="3989958" y="1833610"/>
+            <a:ext cx="121270" cy="307777"/>
+          </a:xfrm>
+          <a:prstGeom prst="rect">
+            <a:avLst/>
+          </a:prstGeom>
+          <a:noFill/>
+        </p:spPr>
+        <p:txBody>
+          <a:bodyPr wrap="square" rtlCol="0">
+            <a:spAutoFit/>
+          </a:bodyPr>
+          <a:lstStyle/>
+          <a:p>
+            <a:pPr algn="ctr"/>
+            <a:r>
+              <a:rPr lang="de-DE" sz="1400" dirty="0"/>
+              <a:t>1</a:t>
+            </a:r>
+            <a:endParaRPr lang="en-NZ" sz="1400" dirty="0"/>
+          </a:p>
+        </p:txBody>
+      </p:sp>
+      <p:sp>
+        <p:nvSpPr>
+          <p:cNvPr id="33" name="Textfeld 32">
+            <a:extLst>
+              <a:ext uri="{FF2B5EF4-FFF2-40B4-BE49-F238E27FC236}">
+                <a16:creationId xmlns:a16="http://schemas.microsoft.com/office/drawing/2014/main" id="{F9D77C7C-D8F9-4055-9957-9E7B544A9023}"/>
+              </a:ext>
+            </a:extLst>
+          </p:cNvPr>
+          <p:cNvSpPr txBox="1"/>
+          <p:nvPr/>
+        </p:nvSpPr>
+        <p:spPr>
+          <a:xfrm>
+            <a:off x="4184366" y="1780008"/>
+            <a:ext cx="121270" cy="307777"/>
+          </a:xfrm>
+          <a:prstGeom prst="rect">
+            <a:avLst/>
+          </a:prstGeom>
+          <a:noFill/>
+        </p:spPr>
+        <p:txBody>
+          <a:bodyPr wrap="square" rtlCol="0">
+            <a:spAutoFit/>
+          </a:bodyPr>
+          <a:lstStyle/>
+          <a:p>
+            <a:pPr algn="ctr"/>
+            <a:r>
+              <a:rPr lang="de-DE" sz="1400" dirty="0"/>
+              <a:t>1</a:t>
+            </a:r>
+            <a:endParaRPr lang="en-NZ" sz="1400" dirty="0"/>
+          </a:p>
+        </p:txBody>
+      </p:sp>
+      <p:sp>
+        <p:nvSpPr>
+          <p:cNvPr id="34" name="Textfeld 33">
+            <a:extLst>
+              <a:ext uri="{FF2B5EF4-FFF2-40B4-BE49-F238E27FC236}">
+                <a16:creationId xmlns:a16="http://schemas.microsoft.com/office/drawing/2014/main" id="{9F103D08-491A-48F5-B505-95D6E0E72DF2}"/>
+              </a:ext>
+            </a:extLst>
+          </p:cNvPr>
+          <p:cNvSpPr txBox="1"/>
+          <p:nvPr/>
+        </p:nvSpPr>
+        <p:spPr>
+          <a:xfrm>
+            <a:off x="4263628" y="1706429"/>
+            <a:ext cx="121270" cy="254361"/>
+          </a:xfrm>
+          <a:prstGeom prst="rect">
+            <a:avLst/>
+          </a:prstGeom>
+          <a:noFill/>
+        </p:spPr>
+        <p:txBody>
+          <a:bodyPr wrap="square" rtlCol="0">
+            <a:spAutoFit/>
+          </a:bodyPr>
+          <a:lstStyle/>
+          <a:p>
+            <a:pPr algn="ctr"/>
+            <a:r>
+              <a:rPr lang="de-DE" sz="1400" dirty="0"/>
+              <a:t>1</a:t>
+            </a:r>
+            <a:endParaRPr lang="en-NZ" sz="1400" dirty="0"/>
+          </a:p>
+        </p:txBody>
+      </p:sp>
+      <p:sp>
+        <p:nvSpPr>
+          <p:cNvPr id="35" name="Textfeld 34">
+            <a:extLst>
+              <a:ext uri="{FF2B5EF4-FFF2-40B4-BE49-F238E27FC236}">
+                <a16:creationId xmlns:a16="http://schemas.microsoft.com/office/drawing/2014/main" id="{0167AD8A-30E1-4D43-924B-8A880CDD44B5}"/>
+              </a:ext>
+            </a:extLst>
+          </p:cNvPr>
+          <p:cNvSpPr txBox="1"/>
+          <p:nvPr/>
+        </p:nvSpPr>
+        <p:spPr>
+          <a:xfrm>
+            <a:off x="4360832" y="1654171"/>
+            <a:ext cx="121270" cy="231237"/>
+          </a:xfrm>
+          <a:prstGeom prst="rect">
+            <a:avLst/>
+          </a:prstGeom>
+          <a:noFill/>
+        </p:spPr>
+        <p:txBody>
+          <a:bodyPr wrap="square" rtlCol="0">
+            <a:spAutoFit/>
+          </a:bodyPr>
+          <a:lstStyle/>
+          <a:p>
+            <a:pPr algn="ctr"/>
+            <a:r>
+              <a:rPr lang="de-DE" sz="1400" dirty="0"/>
+              <a:t>1</a:t>
+            </a:r>
+            <a:endParaRPr lang="en-NZ" sz="1400" dirty="0"/>
+          </a:p>
+        </p:txBody>
+      </p:sp>
+      <p:sp>
+        <p:nvSpPr>
+          <p:cNvPr id="36" name="Textfeld 35">
+            <a:extLst>
+              <a:ext uri="{FF2B5EF4-FFF2-40B4-BE49-F238E27FC236}">
+                <a16:creationId xmlns:a16="http://schemas.microsoft.com/office/drawing/2014/main" id="{1BB6CF53-DBB2-42F8-AA0F-E8896C8AC2F5}"/>
+              </a:ext>
+            </a:extLst>
+          </p:cNvPr>
+          <p:cNvSpPr txBox="1"/>
+          <p:nvPr/>
+        </p:nvSpPr>
+        <p:spPr>
+          <a:xfrm>
+            <a:off x="2411760" y="2578713"/>
+            <a:ext cx="121270" cy="254361"/>
+          </a:xfrm>
+          <a:prstGeom prst="rect">
+            <a:avLst/>
+          </a:prstGeom>
+          <a:noFill/>
+        </p:spPr>
+        <p:txBody>
+          <a:bodyPr wrap="square" rtlCol="0">
+            <a:spAutoFit/>
+          </a:bodyPr>
+          <a:lstStyle/>
+          <a:p>
+            <a:pPr algn="ctr"/>
+            <a:r>
+              <a:rPr lang="de-DE" sz="1400" dirty="0"/>
+              <a:t>0</a:t>
+            </a:r>
+            <a:endParaRPr lang="en-NZ" sz="1400" dirty="0"/>
+          </a:p>
+        </p:txBody>
+      </p:sp>
+      <p:sp>
+        <p:nvSpPr>
+          <p:cNvPr id="37" name="Textfeld 36">
+            <a:extLst>
+              <a:ext uri="{FF2B5EF4-FFF2-40B4-BE49-F238E27FC236}">
+                <a16:creationId xmlns:a16="http://schemas.microsoft.com/office/drawing/2014/main" id="{2286F7F7-5187-475A-A6F1-E6699125A4DE}"/>
+              </a:ext>
+            </a:extLst>
+          </p:cNvPr>
+          <p:cNvSpPr txBox="1"/>
+          <p:nvPr/>
+        </p:nvSpPr>
+        <p:spPr>
+          <a:xfrm>
+            <a:off x="3365887" y="2527529"/>
+            <a:ext cx="121270" cy="307777"/>
+          </a:xfrm>
+          <a:prstGeom prst="rect">
+            <a:avLst/>
+          </a:prstGeom>
+          <a:noFill/>
+        </p:spPr>
+        <p:txBody>
+          <a:bodyPr wrap="square" rtlCol="0">
+            <a:spAutoFit/>
+          </a:bodyPr>
+          <a:lstStyle/>
+          <a:p>
+            <a:pPr algn="ctr"/>
+            <a:r>
+              <a:rPr lang="de-DE" sz="1400" dirty="0"/>
+              <a:t>1</a:t>
+            </a:r>
+            <a:endParaRPr lang="en-NZ" sz="1400" dirty="0"/>
+          </a:p>
+        </p:txBody>
+      </p:sp>
+      <p:sp>
+        <p:nvSpPr>
+          <p:cNvPr id="38" name="Textfeld 37">
+            <a:extLst>
+              <a:ext uri="{FF2B5EF4-FFF2-40B4-BE49-F238E27FC236}">
+                <a16:creationId xmlns:a16="http://schemas.microsoft.com/office/drawing/2014/main" id="{EA64EE26-B423-4789-BF36-CEC5586E1E57}"/>
+              </a:ext>
+            </a:extLst>
+          </p:cNvPr>
+          <p:cNvSpPr txBox="1"/>
+          <p:nvPr/>
+        </p:nvSpPr>
+        <p:spPr>
+          <a:xfrm>
+            <a:off x="4239562" y="2522284"/>
+            <a:ext cx="121270" cy="307777"/>
+          </a:xfrm>
+          <a:prstGeom prst="rect">
+            <a:avLst/>
+          </a:prstGeom>
+          <a:noFill/>
+        </p:spPr>
+        <p:txBody>
+          <a:bodyPr wrap="square" rtlCol="0">
+            <a:spAutoFit/>
+          </a:bodyPr>
+          <a:lstStyle/>
+          <a:p>
+            <a:pPr algn="ctr"/>
+            <a:r>
+              <a:rPr lang="de-DE" sz="1400" dirty="0"/>
+              <a:t>4</a:t>
+            </a:r>
+            <a:endParaRPr lang="en-NZ" sz="1400" dirty="0"/>
+          </a:p>
+        </p:txBody>
+      </p:sp>
+      <p:sp>
+        <p:nvSpPr>
+          <p:cNvPr id="39" name="Textfeld 38">
+            <a:extLst>
+              <a:ext uri="{FF2B5EF4-FFF2-40B4-BE49-F238E27FC236}">
+                <a16:creationId xmlns:a16="http://schemas.microsoft.com/office/drawing/2014/main" id="{39846F52-2C64-4074-A4D5-E31F35344B69}"/>
+              </a:ext>
+            </a:extLst>
+          </p:cNvPr>
+          <p:cNvSpPr txBox="1"/>
+          <p:nvPr/>
+        </p:nvSpPr>
+        <p:spPr>
+          <a:xfrm>
+            <a:off x="5052602" y="2450863"/>
+            <a:ext cx="121270" cy="307777"/>
+          </a:xfrm>
+          <a:prstGeom prst="rect">
+            <a:avLst/>
+          </a:prstGeom>
+          <a:noFill/>
+        </p:spPr>
+        <p:txBody>
+          <a:bodyPr wrap="square" rtlCol="0">
+            <a:spAutoFit/>
+          </a:bodyPr>
+          <a:lstStyle/>
+          <a:p>
+            <a:pPr algn="ctr"/>
+            <a:r>
+              <a:rPr lang="de-DE" sz="1400" dirty="0"/>
+              <a:t>9</a:t>
+            </a:r>
+            <a:endParaRPr lang="en-NZ" sz="1400" dirty="0"/>
+          </a:p>
+        </p:txBody>
+      </p:sp>
+      <p:sp>
+        <p:nvSpPr>
+          <p:cNvPr id="40" name="Textfeld 39">
+            <a:extLst>
+              <a:ext uri="{FF2B5EF4-FFF2-40B4-BE49-F238E27FC236}">
+                <a16:creationId xmlns:a16="http://schemas.microsoft.com/office/drawing/2014/main" id="{1EFDEB18-93F5-4A53-818D-7DAFA21D7696}"/>
+              </a:ext>
+            </a:extLst>
+          </p:cNvPr>
+          <p:cNvSpPr txBox="1"/>
+          <p:nvPr/>
+        </p:nvSpPr>
+        <p:spPr>
+          <a:xfrm>
+            <a:off x="5608096" y="2417861"/>
+            <a:ext cx="427560" cy="307777"/>
+          </a:xfrm>
+          <a:prstGeom prst="rect">
+            <a:avLst/>
+          </a:prstGeom>
+          <a:noFill/>
+        </p:spPr>
+        <p:txBody>
+          <a:bodyPr wrap="square" rtlCol="0">
+            <a:spAutoFit/>
+          </a:bodyPr>
+          <a:lstStyle/>
+          <a:p>
+            <a:pPr algn="ctr"/>
+            <a:r>
+              <a:rPr lang="de-DE" sz="1400" dirty="0"/>
+              <a:t>16</a:t>
+            </a:r>
+            <a:endParaRPr lang="en-NZ" sz="1400" dirty="0"/>
+          </a:p>
+        </p:txBody>
+      </p:sp>
+      <p:sp>
+        <p:nvSpPr>
+          <p:cNvPr id="41" name="Textfeld 40">
+            <a:extLst>
+              <a:ext uri="{FF2B5EF4-FFF2-40B4-BE49-F238E27FC236}">
+                <a16:creationId xmlns:a16="http://schemas.microsoft.com/office/drawing/2014/main" id="{6B5947CF-21A5-40B4-A581-46B6D1286E91}"/>
+              </a:ext>
+            </a:extLst>
+          </p:cNvPr>
+          <p:cNvSpPr txBox="1"/>
+          <p:nvPr/>
+        </p:nvSpPr>
+        <p:spPr>
+          <a:xfrm>
+            <a:off x="6481786" y="2464897"/>
+            <a:ext cx="427560" cy="307777"/>
+          </a:xfrm>
+          <a:prstGeom prst="rect">
+            <a:avLst/>
+          </a:prstGeom>
+          <a:noFill/>
+        </p:spPr>
+        <p:txBody>
+          <a:bodyPr wrap="square" rtlCol="0">
+            <a:spAutoFit/>
+          </a:bodyPr>
+          <a:lstStyle/>
+          <a:p>
+            <a:pPr algn="ctr"/>
+            <a:r>
+              <a:rPr lang="de-DE" sz="1400" dirty="0"/>
+              <a:t>25</a:t>
+            </a:r>
+            <a:endParaRPr lang="en-NZ" sz="1400" dirty="0"/>
+          </a:p>
+        </p:txBody>
+      </p:sp>
+      <p:sp>
+        <p:nvSpPr>
+          <p:cNvPr id="3" name="Textfeld 2">
+            <a:extLst>
+              <a:ext uri="{FF2B5EF4-FFF2-40B4-BE49-F238E27FC236}">
+                <a16:creationId xmlns:a16="http://schemas.microsoft.com/office/drawing/2014/main" id="{A0C28BD8-3032-4D8E-9EA0-F98400F8C246}"/>
+              </a:ext>
+            </a:extLst>
+          </p:cNvPr>
+          <p:cNvSpPr txBox="1"/>
+          <p:nvPr/>
+        </p:nvSpPr>
+        <p:spPr>
+          <a:xfrm>
+            <a:off x="5052602" y="1534092"/>
+            <a:ext cx="146737" cy="203133"/>
+          </a:xfrm>
+          <a:prstGeom prst="rect">
+            <a:avLst/>
+          </a:prstGeom>
+          <a:noFill/>
+        </p:spPr>
+        <p:txBody>
+          <a:bodyPr wrap="square" rtlCol="0">
+            <a:spAutoFit/>
+          </a:bodyPr>
+          <a:lstStyle/>
+          <a:p>
+            <a:pPr algn="ctr"/>
+            <a:r>
+              <a:rPr lang="de-DE" sz="600" dirty="0"/>
+              <a:t>2</a:t>
+            </a:r>
+            <a:endParaRPr lang="en-NZ" sz="600" dirty="0"/>
+          </a:p>
+        </p:txBody>
+      </p:sp>
+    </p:spTree>
+    <p:extLst>
+      <p:ext uri="{BB962C8B-B14F-4D97-AF65-F5344CB8AC3E}">
+        <p14:creationId xmlns:p14="http://schemas.microsoft.com/office/powerpoint/2010/main" val="1271625376"/>
+      </p:ext>
+    </p:extLst>
+  </p:cSld>
+  <p:clrMapOvr>
+    <a:masterClrMapping/>
+  </p:clrMapOvr>
+</p:sld>
+</file>
+
+<file path=ppt/slides/slide11.xml><?xml version="1.0" encoding="utf-8"?>
+<p:sld xmlns:a="http://schemas.openxmlformats.org/drawingml/2006/main" xmlns:r="http://schemas.openxmlformats.org/officeDocument/2006/relationships" xmlns:p="http://schemas.openxmlformats.org/presentationml/2006/main">
+  <p:cSld>
+    <p:spTree>
+      <p:nvGrpSpPr>
+        <p:cNvPr id="1" name=""/>
+        <p:cNvGrpSpPr/>
+        <p:nvPr/>
+      </p:nvGrpSpPr>
+      <p:grpSpPr>
+        <a:xfrm>
+          <a:off x="0" y="0"/>
+          <a:ext cx="0" cy="0"/>
+          <a:chOff x="0" y="0"/>
+          <a:chExt cx="0" cy="0"/>
+        </a:xfrm>
+      </p:grpSpPr>
+      <p:pic>
+        <p:nvPicPr>
+          <p:cNvPr id="4" name="Grafik 3">
+            <a:extLst>
+              <a:ext uri="{FF2B5EF4-FFF2-40B4-BE49-F238E27FC236}">
+                <a16:creationId xmlns:a16="http://schemas.microsoft.com/office/drawing/2014/main" id="{4917FDA9-DAAC-4D94-8574-0286EF07359B}"/>
+              </a:ext>
+            </a:extLst>
+          </p:cNvPr>
+          <p:cNvPicPr>
+            <a:picLocks noChangeAspect="1"/>
+          </p:cNvPicPr>
+          <p:nvPr/>
+        </p:nvPicPr>
+        <p:blipFill>
+          <a:blip r:embed="rId2"/>
+          <a:stretch>
+            <a:fillRect/>
+          </a:stretch>
+        </p:blipFill>
+        <p:spPr>
+          <a:xfrm>
+            <a:off x="621000" y="958848"/>
+            <a:ext cx="7902000" cy="3845278"/>
+          </a:xfrm>
+          <a:prstGeom prst="rect">
+            <a:avLst/>
+          </a:prstGeom>
+        </p:spPr>
+      </p:pic>
+      <p:sp>
+        <p:nvSpPr>
+          <p:cNvPr id="2" name="Titel 1"/>
+          <p:cNvSpPr>
+            <a:spLocks noGrp="1"/>
+          </p:cNvSpPr>
+          <p:nvPr>
+            <p:ph type="title"/>
+          </p:nvPr>
+        </p:nvSpPr>
+        <p:spPr/>
+        <p:txBody>
+          <a:bodyPr/>
+          <a:lstStyle/>
+          <a:p>
+            <a:r>
+              <a:rPr lang="de-DE" dirty="0"/>
+              <a:t>Polynominelles Wachstumsmodell – 2 </a:t>
+            </a:r>
+            <a:r>
+              <a:rPr lang="de-DE" dirty="0" err="1"/>
+              <a:t>slopes</a:t>
+            </a:r>
+            <a:endParaRPr lang="de-DE" dirty="0"/>
+          </a:p>
+        </p:txBody>
+      </p:sp>
+      <p:sp>
+        <p:nvSpPr>
+          <p:cNvPr id="7" name="Datumsplatzhalter 6"/>
+          <p:cNvSpPr>
+            <a:spLocks noGrp="1"/>
+          </p:cNvSpPr>
+          <p:nvPr>
+            <p:ph type="dt" sz="half" idx="10"/>
+          </p:nvPr>
+        </p:nvSpPr>
+        <p:spPr/>
+        <p:txBody>
+          <a:bodyPr/>
+          <a:lstStyle/>
+          <a:p>
+            <a:fld id="{DA5DE712-6C0E-4DF7-B336-AC97213DC93D}" type="datetime1">
+              <a:rPr lang="de-DE" smtClean="0"/>
+              <a:pPr/>
+              <a:t>19.02.2018</a:t>
+            </a:fld>
+            <a:endParaRPr lang="de-DE"/>
+          </a:p>
+        </p:txBody>
+      </p:sp>
+      <p:sp>
+        <p:nvSpPr>
+          <p:cNvPr id="8" name="Fußzeilenplatzhalter 7"/>
+          <p:cNvSpPr>
+            <a:spLocks noGrp="1"/>
+          </p:cNvSpPr>
+          <p:nvPr>
+            <p:ph type="ftr" sz="quarter" idx="11"/>
+          </p:nvPr>
+        </p:nvSpPr>
+        <p:spPr/>
+        <p:txBody>
+          <a:bodyPr/>
+          <a:lstStyle/>
+          <a:p>
+            <a:r>
+              <a:rPr lang="de-DE"/>
+              <a:t>Structural Equation Modelling – Wintersemester 2017/2018</a:t>
+            </a:r>
+            <a:endParaRPr lang="de-DE" dirty="0"/>
+          </a:p>
+        </p:txBody>
+      </p:sp>
+      <p:sp>
+        <p:nvSpPr>
+          <p:cNvPr id="9" name="Foliennummernplatzhalter 8"/>
+          <p:cNvSpPr>
+            <a:spLocks noGrp="1"/>
+          </p:cNvSpPr>
+          <p:nvPr>
+            <p:ph type="sldNum" sz="quarter" idx="12"/>
+          </p:nvPr>
+        </p:nvSpPr>
+        <p:spPr/>
+        <p:txBody>
+          <a:bodyPr/>
+          <a:lstStyle/>
+          <a:p>
+            <a:fld id="{015363AA-F6CB-4A58-B5AD-B2CDFEAF0813}" type="slidenum">
+              <a:rPr lang="de-DE" smtClean="0"/>
+              <a:pPr/>
+              <a:t>11</a:t>
+            </a:fld>
+            <a:endParaRPr lang="de-DE"/>
+          </a:p>
+        </p:txBody>
+      </p:sp>
+      <p:sp>
+        <p:nvSpPr>
+          <p:cNvPr id="30" name="Textfeld 29">
+            <a:extLst>
+              <a:ext uri="{FF2B5EF4-FFF2-40B4-BE49-F238E27FC236}">
+                <a16:creationId xmlns:a16="http://schemas.microsoft.com/office/drawing/2014/main" id="{3820186A-CF30-4726-AF6E-350820D4F382}"/>
+              </a:ext>
+            </a:extLst>
+          </p:cNvPr>
+          <p:cNvSpPr txBox="1"/>
+          <p:nvPr/>
+        </p:nvSpPr>
+        <p:spPr>
+          <a:xfrm>
+            <a:off x="3077044" y="1695916"/>
+            <a:ext cx="121270" cy="307777"/>
+          </a:xfrm>
+          <a:prstGeom prst="rect">
+            <a:avLst/>
+          </a:prstGeom>
+          <a:noFill/>
+        </p:spPr>
+        <p:txBody>
+          <a:bodyPr wrap="square" rtlCol="0">
+            <a:spAutoFit/>
+          </a:bodyPr>
+          <a:lstStyle/>
+          <a:p>
+            <a:pPr algn="ctr"/>
+            <a:r>
+              <a:rPr lang="de-DE" sz="1400" dirty="0"/>
+              <a:t>1</a:t>
+            </a:r>
+            <a:endParaRPr lang="en-NZ" sz="1400" dirty="0"/>
+          </a:p>
+        </p:txBody>
+      </p:sp>
+      <p:sp>
+        <p:nvSpPr>
+          <p:cNvPr id="31" name="Textfeld 30">
+            <a:extLst>
+              <a:ext uri="{FF2B5EF4-FFF2-40B4-BE49-F238E27FC236}">
+                <a16:creationId xmlns:a16="http://schemas.microsoft.com/office/drawing/2014/main" id="{B70E975F-8D2B-40AE-8599-3745A8F85F93}"/>
+              </a:ext>
+            </a:extLst>
+          </p:cNvPr>
+          <p:cNvSpPr txBox="1"/>
+          <p:nvPr/>
+        </p:nvSpPr>
+        <p:spPr>
+          <a:xfrm>
+            <a:off x="3244617" y="1772870"/>
+            <a:ext cx="121270" cy="307777"/>
+          </a:xfrm>
+          <a:prstGeom prst="rect">
+            <a:avLst/>
+          </a:prstGeom>
+          <a:noFill/>
+        </p:spPr>
+        <p:txBody>
+          <a:bodyPr wrap="square" rtlCol="0">
+            <a:spAutoFit/>
+          </a:bodyPr>
+          <a:lstStyle/>
+          <a:p>
+            <a:pPr algn="ctr"/>
+            <a:r>
+              <a:rPr lang="de-DE" sz="1400" dirty="0"/>
+              <a:t>1</a:t>
+            </a:r>
+            <a:endParaRPr lang="en-NZ" sz="1400" dirty="0"/>
+          </a:p>
+        </p:txBody>
+      </p:sp>
+      <p:sp>
+        <p:nvSpPr>
+          <p:cNvPr id="32" name="Textfeld 31">
+            <a:extLst>
+              <a:ext uri="{FF2B5EF4-FFF2-40B4-BE49-F238E27FC236}">
+                <a16:creationId xmlns:a16="http://schemas.microsoft.com/office/drawing/2014/main" id="{8B9F0F9A-D29B-4867-A879-9756B64CFBA4}"/>
+              </a:ext>
+            </a:extLst>
+          </p:cNvPr>
+          <p:cNvSpPr txBox="1"/>
+          <p:nvPr/>
+        </p:nvSpPr>
+        <p:spPr>
+          <a:xfrm>
+            <a:off x="3516699" y="1737225"/>
+            <a:ext cx="121270" cy="307777"/>
+          </a:xfrm>
+          <a:prstGeom prst="rect">
+            <a:avLst/>
+          </a:prstGeom>
+          <a:noFill/>
+        </p:spPr>
+        <p:txBody>
+          <a:bodyPr wrap="square" rtlCol="0">
+            <a:spAutoFit/>
+          </a:bodyPr>
+          <a:lstStyle/>
+          <a:p>
+            <a:pPr algn="ctr"/>
+            <a:r>
+              <a:rPr lang="de-DE" sz="1400" dirty="0"/>
+              <a:t>1</a:t>
+            </a:r>
+            <a:endParaRPr lang="en-NZ" sz="1400" dirty="0"/>
+          </a:p>
+        </p:txBody>
+      </p:sp>
+      <p:sp>
+        <p:nvSpPr>
+          <p:cNvPr id="33" name="Textfeld 32">
+            <a:extLst>
+              <a:ext uri="{FF2B5EF4-FFF2-40B4-BE49-F238E27FC236}">
+                <a16:creationId xmlns:a16="http://schemas.microsoft.com/office/drawing/2014/main" id="{F9D77C7C-D8F9-4055-9957-9E7B544A9023}"/>
+              </a:ext>
+            </a:extLst>
+          </p:cNvPr>
+          <p:cNvSpPr txBox="1"/>
+          <p:nvPr/>
+        </p:nvSpPr>
+        <p:spPr>
+          <a:xfrm>
+            <a:off x="3609306" y="1640438"/>
+            <a:ext cx="121270" cy="307777"/>
+          </a:xfrm>
+          <a:prstGeom prst="rect">
+            <a:avLst/>
+          </a:prstGeom>
+          <a:noFill/>
+        </p:spPr>
+        <p:txBody>
+          <a:bodyPr wrap="square" rtlCol="0">
+            <a:spAutoFit/>
+          </a:bodyPr>
+          <a:lstStyle/>
+          <a:p>
+            <a:pPr algn="ctr"/>
+            <a:r>
+              <a:rPr lang="de-DE" sz="1400" dirty="0"/>
+              <a:t>1</a:t>
+            </a:r>
+            <a:endParaRPr lang="en-NZ" sz="1400" dirty="0"/>
+          </a:p>
+        </p:txBody>
+      </p:sp>
+      <p:sp>
+        <p:nvSpPr>
+          <p:cNvPr id="34" name="Textfeld 33">
+            <a:extLst>
+              <a:ext uri="{FF2B5EF4-FFF2-40B4-BE49-F238E27FC236}">
+                <a16:creationId xmlns:a16="http://schemas.microsoft.com/office/drawing/2014/main" id="{9F103D08-491A-48F5-B505-95D6E0E72DF2}"/>
+              </a:ext>
+            </a:extLst>
+          </p:cNvPr>
+          <p:cNvSpPr txBox="1"/>
+          <p:nvPr/>
+        </p:nvSpPr>
+        <p:spPr>
+          <a:xfrm>
+            <a:off x="3668316" y="1565259"/>
+            <a:ext cx="100223" cy="254361"/>
+          </a:xfrm>
+          <a:prstGeom prst="rect">
+            <a:avLst/>
+          </a:prstGeom>
+          <a:noFill/>
+        </p:spPr>
+        <p:txBody>
+          <a:bodyPr wrap="square" rtlCol="0">
+            <a:spAutoFit/>
+          </a:bodyPr>
+          <a:lstStyle/>
+          <a:p>
+            <a:pPr algn="ctr"/>
+            <a:r>
+              <a:rPr lang="de-DE" sz="1400" dirty="0"/>
+              <a:t>1</a:t>
+            </a:r>
+            <a:endParaRPr lang="en-NZ" sz="1400" dirty="0"/>
+          </a:p>
+        </p:txBody>
+      </p:sp>
+      <p:sp>
+        <p:nvSpPr>
+          <p:cNvPr id="35" name="Textfeld 34">
+            <a:extLst>
+              <a:ext uri="{FF2B5EF4-FFF2-40B4-BE49-F238E27FC236}">
+                <a16:creationId xmlns:a16="http://schemas.microsoft.com/office/drawing/2014/main" id="{0167AD8A-30E1-4D43-924B-8A880CDD44B5}"/>
+              </a:ext>
+            </a:extLst>
+          </p:cNvPr>
+          <p:cNvSpPr txBox="1"/>
+          <p:nvPr/>
+        </p:nvSpPr>
+        <p:spPr>
+          <a:xfrm>
+            <a:off x="3707904" y="1535458"/>
+            <a:ext cx="121270" cy="143580"/>
+          </a:xfrm>
+          <a:prstGeom prst="rect">
+            <a:avLst/>
+          </a:prstGeom>
+          <a:noFill/>
+        </p:spPr>
+        <p:txBody>
+          <a:bodyPr wrap="square" rtlCol="0">
+            <a:spAutoFit/>
+          </a:bodyPr>
+          <a:lstStyle/>
+          <a:p>
+            <a:pPr algn="ctr"/>
+            <a:r>
+              <a:rPr lang="de-DE" sz="1400" dirty="0"/>
+              <a:t>1</a:t>
+            </a:r>
+            <a:endParaRPr lang="en-NZ" sz="1400" dirty="0"/>
+          </a:p>
+        </p:txBody>
+      </p:sp>
+      <p:sp>
+        <p:nvSpPr>
+          <p:cNvPr id="36" name="Textfeld 35">
+            <a:extLst>
+              <a:ext uri="{FF2B5EF4-FFF2-40B4-BE49-F238E27FC236}">
+                <a16:creationId xmlns:a16="http://schemas.microsoft.com/office/drawing/2014/main" id="{1BB6CF53-DBB2-42F8-AA0F-E8896C8AC2F5}"/>
+              </a:ext>
+            </a:extLst>
+          </p:cNvPr>
+          <p:cNvSpPr txBox="1"/>
+          <p:nvPr/>
+        </p:nvSpPr>
+        <p:spPr>
+          <a:xfrm>
+            <a:off x="2412255" y="2548991"/>
+            <a:ext cx="121270" cy="254361"/>
+          </a:xfrm>
+          <a:prstGeom prst="rect">
+            <a:avLst/>
+          </a:prstGeom>
+          <a:noFill/>
+        </p:spPr>
+        <p:txBody>
+          <a:bodyPr wrap="square" rtlCol="0">
+            <a:spAutoFit/>
+          </a:bodyPr>
+          <a:lstStyle/>
+          <a:p>
+            <a:pPr algn="ctr"/>
+            <a:r>
+              <a:rPr lang="de-DE" sz="1400" dirty="0"/>
+              <a:t>0</a:t>
+            </a:r>
+            <a:endParaRPr lang="en-NZ" sz="1400" dirty="0"/>
+          </a:p>
+        </p:txBody>
+      </p:sp>
+      <p:sp>
+        <p:nvSpPr>
+          <p:cNvPr id="37" name="Textfeld 36">
+            <a:extLst>
+              <a:ext uri="{FF2B5EF4-FFF2-40B4-BE49-F238E27FC236}">
+                <a16:creationId xmlns:a16="http://schemas.microsoft.com/office/drawing/2014/main" id="{2286F7F7-5187-475A-A6F1-E6699125A4DE}"/>
+              </a:ext>
+            </a:extLst>
+          </p:cNvPr>
+          <p:cNvSpPr txBox="1"/>
+          <p:nvPr/>
+        </p:nvSpPr>
+        <p:spPr>
+          <a:xfrm>
+            <a:off x="3365887" y="2527529"/>
+            <a:ext cx="121270" cy="307777"/>
+          </a:xfrm>
+          <a:prstGeom prst="rect">
+            <a:avLst/>
+          </a:prstGeom>
+          <a:noFill/>
+        </p:spPr>
+        <p:txBody>
+          <a:bodyPr wrap="square" rtlCol="0">
+            <a:spAutoFit/>
+          </a:bodyPr>
+          <a:lstStyle/>
+          <a:p>
+            <a:pPr algn="ctr"/>
+            <a:r>
+              <a:rPr lang="de-DE" sz="1400" dirty="0"/>
+              <a:t>1</a:t>
+            </a:r>
+            <a:endParaRPr lang="en-NZ" sz="1400" dirty="0"/>
+          </a:p>
+        </p:txBody>
+      </p:sp>
+      <p:sp>
+        <p:nvSpPr>
+          <p:cNvPr id="38" name="Textfeld 37">
+            <a:extLst>
+              <a:ext uri="{FF2B5EF4-FFF2-40B4-BE49-F238E27FC236}">
+                <a16:creationId xmlns:a16="http://schemas.microsoft.com/office/drawing/2014/main" id="{EA64EE26-B423-4789-BF36-CEC5586E1E57}"/>
+              </a:ext>
+            </a:extLst>
+          </p:cNvPr>
+          <p:cNvSpPr txBox="1"/>
+          <p:nvPr/>
+        </p:nvSpPr>
+        <p:spPr>
+          <a:xfrm>
+            <a:off x="4294511" y="2495575"/>
+            <a:ext cx="121270" cy="307777"/>
+          </a:xfrm>
+          <a:prstGeom prst="rect">
+            <a:avLst/>
+          </a:prstGeom>
+          <a:noFill/>
+        </p:spPr>
+        <p:txBody>
+          <a:bodyPr wrap="square" rtlCol="0">
+            <a:spAutoFit/>
+          </a:bodyPr>
+          <a:lstStyle/>
+          <a:p>
+            <a:pPr algn="ctr"/>
+            <a:r>
+              <a:rPr lang="de-DE" sz="1400" dirty="0"/>
+              <a:t>4</a:t>
+            </a:r>
+            <a:endParaRPr lang="en-NZ" sz="1400" dirty="0"/>
+          </a:p>
+        </p:txBody>
+      </p:sp>
+      <p:sp>
+        <p:nvSpPr>
+          <p:cNvPr id="39" name="Textfeld 38">
+            <a:extLst>
+              <a:ext uri="{FF2B5EF4-FFF2-40B4-BE49-F238E27FC236}">
+                <a16:creationId xmlns:a16="http://schemas.microsoft.com/office/drawing/2014/main" id="{39846F52-2C64-4074-A4D5-E31F35344B69}"/>
+              </a:ext>
+            </a:extLst>
+          </p:cNvPr>
+          <p:cNvSpPr txBox="1"/>
+          <p:nvPr/>
+        </p:nvSpPr>
+        <p:spPr>
+          <a:xfrm>
+            <a:off x="5198755" y="2424824"/>
+            <a:ext cx="121270" cy="307777"/>
+          </a:xfrm>
+          <a:prstGeom prst="rect">
+            <a:avLst/>
+          </a:prstGeom>
+          <a:noFill/>
+        </p:spPr>
+        <p:txBody>
+          <a:bodyPr wrap="square" rtlCol="0">
+            <a:spAutoFit/>
+          </a:bodyPr>
+          <a:lstStyle/>
+          <a:p>
+            <a:pPr algn="ctr"/>
+            <a:r>
+              <a:rPr lang="de-DE" sz="1400" dirty="0"/>
+              <a:t>9</a:t>
+            </a:r>
+            <a:endParaRPr lang="en-NZ" sz="1400" dirty="0"/>
+          </a:p>
+        </p:txBody>
+      </p:sp>
+      <p:sp>
+        <p:nvSpPr>
+          <p:cNvPr id="40" name="Textfeld 39">
+            <a:extLst>
+              <a:ext uri="{FF2B5EF4-FFF2-40B4-BE49-F238E27FC236}">
+                <a16:creationId xmlns:a16="http://schemas.microsoft.com/office/drawing/2014/main" id="{1EFDEB18-93F5-4A53-818D-7DAFA21D7696}"/>
+              </a:ext>
+            </a:extLst>
+          </p:cNvPr>
+          <p:cNvSpPr txBox="1"/>
+          <p:nvPr/>
+        </p:nvSpPr>
+        <p:spPr>
+          <a:xfrm>
+            <a:off x="5824631" y="2424824"/>
+            <a:ext cx="427560" cy="307777"/>
+          </a:xfrm>
+          <a:prstGeom prst="rect">
+            <a:avLst/>
+          </a:prstGeom>
+          <a:noFill/>
+        </p:spPr>
+        <p:txBody>
+          <a:bodyPr wrap="square" rtlCol="0">
+            <a:spAutoFit/>
+          </a:bodyPr>
+          <a:lstStyle/>
+          <a:p>
+            <a:pPr algn="ctr"/>
+            <a:r>
+              <a:rPr lang="de-DE" sz="1400" dirty="0"/>
+              <a:t>16</a:t>
+            </a:r>
+            <a:endParaRPr lang="en-NZ" sz="1400" dirty="0"/>
+          </a:p>
+        </p:txBody>
+      </p:sp>
+      <p:sp>
+        <p:nvSpPr>
+          <p:cNvPr id="41" name="Textfeld 40">
+            <a:extLst>
+              <a:ext uri="{FF2B5EF4-FFF2-40B4-BE49-F238E27FC236}">
+                <a16:creationId xmlns:a16="http://schemas.microsoft.com/office/drawing/2014/main" id="{6B5947CF-21A5-40B4-A581-46B6D1286E91}"/>
+              </a:ext>
+            </a:extLst>
+          </p:cNvPr>
+          <p:cNvSpPr txBox="1"/>
+          <p:nvPr/>
+        </p:nvSpPr>
+        <p:spPr>
+          <a:xfrm>
+            <a:off x="6604063" y="2368395"/>
+            <a:ext cx="427560" cy="307777"/>
+          </a:xfrm>
+          <a:prstGeom prst="rect">
+            <a:avLst/>
+          </a:prstGeom>
+          <a:noFill/>
+        </p:spPr>
+        <p:txBody>
+          <a:bodyPr wrap="square" rtlCol="0">
+            <a:spAutoFit/>
+          </a:bodyPr>
+          <a:lstStyle/>
+          <a:p>
+            <a:pPr algn="ctr"/>
+            <a:r>
+              <a:rPr lang="de-DE" sz="1400" dirty="0"/>
+              <a:t>25</a:t>
+            </a:r>
+            <a:endParaRPr lang="en-NZ" sz="1400" dirty="0"/>
+          </a:p>
+        </p:txBody>
+      </p:sp>
+      <p:sp>
+        <p:nvSpPr>
+          <p:cNvPr id="21" name="Textfeld 20">
+            <a:extLst>
+              <a:ext uri="{FF2B5EF4-FFF2-40B4-BE49-F238E27FC236}">
+                <a16:creationId xmlns:a16="http://schemas.microsoft.com/office/drawing/2014/main" id="{00E2108A-9270-4A9F-80D8-57F8DA7A2043}"/>
+              </a:ext>
+            </a:extLst>
+          </p:cNvPr>
+          <p:cNvSpPr txBox="1"/>
+          <p:nvPr/>
+        </p:nvSpPr>
+        <p:spPr>
+          <a:xfrm>
+            <a:off x="2357306" y="2453243"/>
+            <a:ext cx="121270" cy="254361"/>
+          </a:xfrm>
+          <a:prstGeom prst="rect">
+            <a:avLst/>
+          </a:prstGeom>
+          <a:noFill/>
+        </p:spPr>
+        <p:txBody>
+          <a:bodyPr wrap="square" rtlCol="0">
+            <a:spAutoFit/>
+          </a:bodyPr>
+          <a:lstStyle/>
+          <a:p>
+            <a:pPr algn="ctr"/>
+            <a:r>
+              <a:rPr lang="de-DE" sz="1400" dirty="0"/>
+              <a:t>0</a:t>
+            </a:r>
+            <a:endParaRPr lang="en-NZ" sz="1400" dirty="0"/>
+          </a:p>
+        </p:txBody>
+      </p:sp>
+      <p:sp>
+        <p:nvSpPr>
+          <p:cNvPr id="22" name="Textfeld 21">
+            <a:extLst>
+              <a:ext uri="{FF2B5EF4-FFF2-40B4-BE49-F238E27FC236}">
+                <a16:creationId xmlns:a16="http://schemas.microsoft.com/office/drawing/2014/main" id="{8ABE401B-CE1F-4FFF-B627-6C598095D6BB}"/>
+              </a:ext>
+            </a:extLst>
+          </p:cNvPr>
+          <p:cNvSpPr txBox="1"/>
+          <p:nvPr/>
+        </p:nvSpPr>
+        <p:spPr>
+          <a:xfrm>
+            <a:off x="3255864" y="2393918"/>
+            <a:ext cx="121270" cy="307777"/>
+          </a:xfrm>
+          <a:prstGeom prst="rect">
+            <a:avLst/>
+          </a:prstGeom>
+          <a:noFill/>
+        </p:spPr>
+        <p:txBody>
+          <a:bodyPr wrap="square" rtlCol="0">
+            <a:spAutoFit/>
+          </a:bodyPr>
+          <a:lstStyle/>
+          <a:p>
+            <a:pPr algn="ctr"/>
+            <a:r>
+              <a:rPr lang="de-DE" sz="1400" dirty="0"/>
+              <a:t>1</a:t>
+            </a:r>
+            <a:endParaRPr lang="en-NZ" sz="1400" dirty="0"/>
+          </a:p>
+        </p:txBody>
+      </p:sp>
+      <p:sp>
+        <p:nvSpPr>
+          <p:cNvPr id="23" name="Textfeld 22">
+            <a:extLst>
+              <a:ext uri="{FF2B5EF4-FFF2-40B4-BE49-F238E27FC236}">
+                <a16:creationId xmlns:a16="http://schemas.microsoft.com/office/drawing/2014/main" id="{AE681820-16A1-45EC-9F0F-58CF01B6908F}"/>
+              </a:ext>
+            </a:extLst>
+          </p:cNvPr>
+          <p:cNvSpPr txBox="1"/>
+          <p:nvPr/>
+        </p:nvSpPr>
+        <p:spPr>
+          <a:xfrm>
+            <a:off x="4024499" y="2350137"/>
+            <a:ext cx="121270" cy="307777"/>
+          </a:xfrm>
+          <a:prstGeom prst="rect">
+            <a:avLst/>
+          </a:prstGeom>
+          <a:noFill/>
+        </p:spPr>
+        <p:txBody>
+          <a:bodyPr wrap="square" rtlCol="0">
+            <a:spAutoFit/>
+          </a:bodyPr>
+          <a:lstStyle/>
+          <a:p>
+            <a:pPr algn="ctr"/>
+            <a:r>
+              <a:rPr lang="de-DE" sz="1400" dirty="0"/>
+              <a:t>2</a:t>
+            </a:r>
+            <a:endParaRPr lang="en-NZ" sz="1400" dirty="0"/>
+          </a:p>
+        </p:txBody>
+      </p:sp>
+      <p:sp>
+        <p:nvSpPr>
+          <p:cNvPr id="24" name="Textfeld 23">
+            <a:extLst>
+              <a:ext uri="{FF2B5EF4-FFF2-40B4-BE49-F238E27FC236}">
+                <a16:creationId xmlns:a16="http://schemas.microsoft.com/office/drawing/2014/main" id="{C0576936-1FC5-4C7C-875A-BA81594513F4}"/>
+              </a:ext>
+            </a:extLst>
+          </p:cNvPr>
+          <p:cNvSpPr txBox="1"/>
+          <p:nvPr/>
+        </p:nvSpPr>
+        <p:spPr>
+          <a:xfrm>
+            <a:off x="4792815" y="2359309"/>
+            <a:ext cx="121270" cy="307777"/>
+          </a:xfrm>
+          <a:prstGeom prst="rect">
+            <a:avLst/>
+          </a:prstGeom>
+          <a:noFill/>
+        </p:spPr>
+        <p:txBody>
+          <a:bodyPr wrap="square" rtlCol="0">
+            <a:spAutoFit/>
+          </a:bodyPr>
+          <a:lstStyle/>
+          <a:p>
+            <a:pPr algn="ctr"/>
+            <a:r>
+              <a:rPr lang="de-DE" sz="1400" dirty="0"/>
+              <a:t>3</a:t>
+            </a:r>
+            <a:endParaRPr lang="en-NZ" sz="1400" dirty="0"/>
+          </a:p>
+        </p:txBody>
+      </p:sp>
+      <p:sp>
+        <p:nvSpPr>
+          <p:cNvPr id="25" name="Textfeld 24">
+            <a:extLst>
+              <a:ext uri="{FF2B5EF4-FFF2-40B4-BE49-F238E27FC236}">
+                <a16:creationId xmlns:a16="http://schemas.microsoft.com/office/drawing/2014/main" id="{327037F5-896F-4DE7-ACC6-6244346A750D}"/>
+              </a:ext>
+            </a:extLst>
+          </p:cNvPr>
+          <p:cNvSpPr txBox="1"/>
+          <p:nvPr/>
+        </p:nvSpPr>
+        <p:spPr>
+          <a:xfrm>
+            <a:off x="5561131" y="2368481"/>
+            <a:ext cx="121270" cy="307777"/>
+          </a:xfrm>
+          <a:prstGeom prst="rect">
+            <a:avLst/>
+          </a:prstGeom>
+          <a:noFill/>
+        </p:spPr>
+        <p:txBody>
+          <a:bodyPr wrap="square" rtlCol="0">
+            <a:spAutoFit/>
+          </a:bodyPr>
+          <a:lstStyle/>
+          <a:p>
+            <a:pPr algn="ctr"/>
+            <a:r>
+              <a:rPr lang="de-DE" sz="1400" dirty="0"/>
+              <a:t>4</a:t>
+            </a:r>
+            <a:endParaRPr lang="en-NZ" sz="1400" dirty="0"/>
+          </a:p>
+        </p:txBody>
+      </p:sp>
+      <p:sp>
+        <p:nvSpPr>
+          <p:cNvPr id="26" name="Textfeld 25">
+            <a:extLst>
+              <a:ext uri="{FF2B5EF4-FFF2-40B4-BE49-F238E27FC236}">
+                <a16:creationId xmlns:a16="http://schemas.microsoft.com/office/drawing/2014/main" id="{24F4E54B-84F7-4A33-9A90-46E847D91B40}"/>
+              </a:ext>
+            </a:extLst>
+          </p:cNvPr>
+          <p:cNvSpPr txBox="1"/>
+          <p:nvPr/>
+        </p:nvSpPr>
+        <p:spPr>
+          <a:xfrm>
+            <a:off x="6306819" y="2350136"/>
+            <a:ext cx="121270" cy="307777"/>
+          </a:xfrm>
+          <a:prstGeom prst="rect">
+            <a:avLst/>
+          </a:prstGeom>
+          <a:noFill/>
+        </p:spPr>
+        <p:txBody>
+          <a:bodyPr wrap="square" rtlCol="0">
+            <a:spAutoFit/>
+          </a:bodyPr>
+          <a:lstStyle/>
+          <a:p>
+            <a:pPr algn="ctr"/>
+            <a:r>
+              <a:rPr lang="de-DE" sz="1400" dirty="0"/>
+              <a:t>5</a:t>
+            </a:r>
+            <a:endParaRPr lang="en-NZ" sz="1400" dirty="0"/>
+          </a:p>
+        </p:txBody>
+      </p:sp>
+    </p:spTree>
+    <p:extLst>
+      <p:ext uri="{BB962C8B-B14F-4D97-AF65-F5344CB8AC3E}">
+        <p14:creationId xmlns:p14="http://schemas.microsoft.com/office/powerpoint/2010/main" val="1321234980"/>
+      </p:ext>
+    </p:extLst>
+  </p:cSld>
+  <p:clrMapOvr>
+    <a:masterClrMapping/>
+  </p:clrMapOvr>
+</p:sld>
+</file>
+
+<file path=ppt/slides/slide12.xml><?xml version="1.0" encoding="utf-8"?>
+<p:sld xmlns:a="http://schemas.openxmlformats.org/drawingml/2006/main" xmlns:r="http://schemas.openxmlformats.org/officeDocument/2006/relationships" xmlns:p="http://schemas.openxmlformats.org/presentationml/2006/main">
+  <p:cSld>
+    <p:spTree>
+      <p:nvGrpSpPr>
+        <p:cNvPr id="1" name=""/>
+        <p:cNvGrpSpPr/>
+        <p:nvPr/>
+      </p:nvGrpSpPr>
+      <p:grpSpPr>
+        <a:xfrm>
+          <a:off x="0" y="0"/>
+          <a:ext cx="0" cy="0"/>
+          <a:chOff x="0" y="0"/>
+          <a:chExt cx="0" cy="0"/>
+        </a:xfrm>
+      </p:grpSpPr>
+      <p:sp>
+        <p:nvSpPr>
+          <p:cNvPr id="2" name="Titel 1"/>
+          <p:cNvSpPr>
+            <a:spLocks noGrp="1"/>
+          </p:cNvSpPr>
+          <p:nvPr>
+            <p:ph type="title"/>
+          </p:nvPr>
+        </p:nvSpPr>
+        <p:spPr/>
+        <p:txBody>
+          <a:bodyPr/>
+          <a:lstStyle/>
+          <a:p>
+            <a:r>
+              <a:rPr lang="de-DE" dirty="0"/>
+              <a:t>Polynominelles Wachstumsmodell – 2 </a:t>
+            </a:r>
+            <a:r>
+              <a:rPr lang="de-DE" dirty="0" err="1"/>
+              <a:t>slopes</a:t>
+            </a:r>
+            <a:r>
+              <a:rPr lang="de-DE" dirty="0"/>
+              <a:t> </a:t>
+            </a:r>
+          </a:p>
+        </p:txBody>
+      </p:sp>
+      <p:sp>
+        <p:nvSpPr>
+          <p:cNvPr id="3" name="Textplatzhalter 2"/>
+          <p:cNvSpPr>
+            <a:spLocks noGrp="1"/>
+          </p:cNvSpPr>
+          <p:nvPr>
+            <p:ph type="body" idx="1"/>
+          </p:nvPr>
+        </p:nvSpPr>
+        <p:spPr/>
+        <p:txBody>
+          <a:bodyPr/>
+          <a:lstStyle/>
+          <a:p>
+            <a:r>
+              <a:rPr lang="de-DE" dirty="0"/>
+              <a:t>Lineare Daten</a:t>
+            </a:r>
+          </a:p>
+        </p:txBody>
+      </p:sp>
+      <p:sp>
+        <p:nvSpPr>
+          <p:cNvPr id="4" name="Inhaltsplatzhalter 3"/>
+          <p:cNvSpPr>
+            <a:spLocks noGrp="1"/>
+          </p:cNvSpPr>
+          <p:nvPr>
+            <p:ph sz="half" idx="2"/>
+          </p:nvPr>
+        </p:nvSpPr>
+        <p:spPr/>
+        <p:txBody>
+          <a:bodyPr>
+            <a:normAutofit/>
+          </a:bodyPr>
+          <a:lstStyle/>
+          <a:p>
+            <a:pPr marL="0" indent="0">
+              <a:buNone/>
+            </a:pPr>
+            <a:r>
+              <a:rPr lang="en-NZ" sz="1100" dirty="0"/>
+              <a:t>Minimum Function Test Statistic   6.004</a:t>
+            </a:r>
+          </a:p>
+          <a:p>
+            <a:pPr marL="0" indent="0">
+              <a:buNone/>
+            </a:pPr>
+            <a:r>
+              <a:rPr lang="en-NZ" sz="1100" dirty="0"/>
+              <a:t>Degrees of freedom                              7</a:t>
+            </a:r>
+          </a:p>
+          <a:p>
+            <a:pPr marL="0" indent="0">
+              <a:buNone/>
+            </a:pPr>
+            <a:r>
+              <a:rPr lang="en-NZ" sz="1100" dirty="0"/>
+              <a:t>P-value (Chi-square)  	       0.539</a:t>
+            </a:r>
+          </a:p>
+          <a:p>
+            <a:pPr marL="0" indent="0">
+              <a:buNone/>
+            </a:pPr>
+            <a:endParaRPr lang="de-DE" sz="1100" dirty="0"/>
+          </a:p>
+          <a:p>
+            <a:pPr marL="0" indent="0">
+              <a:buNone/>
+            </a:pPr>
+            <a:r>
+              <a:rPr lang="de-DE" sz="1100" dirty="0"/>
+              <a:t>s~1                                                 4.008</a:t>
+            </a:r>
+          </a:p>
+          <a:p>
+            <a:pPr marL="0" indent="0">
+              <a:buNone/>
+            </a:pPr>
+            <a:r>
+              <a:rPr lang="de-DE" sz="1100" dirty="0"/>
+              <a:t>s2~1                                              -0.002</a:t>
+            </a:r>
+          </a:p>
+          <a:p>
+            <a:pPr marL="0" indent="0">
+              <a:buNone/>
+            </a:pPr>
+            <a:r>
+              <a:rPr lang="de-DE" sz="1100" dirty="0"/>
+              <a:t>i~1		       9.992</a:t>
+            </a:r>
+          </a:p>
+        </p:txBody>
+      </p:sp>
+      <p:sp>
+        <p:nvSpPr>
+          <p:cNvPr id="5" name="Textplatzhalter 4"/>
+          <p:cNvSpPr>
+            <a:spLocks noGrp="1"/>
+          </p:cNvSpPr>
+          <p:nvPr>
+            <p:ph type="body" sz="quarter" idx="3"/>
+          </p:nvPr>
+        </p:nvSpPr>
+        <p:spPr/>
+        <p:txBody>
+          <a:bodyPr/>
+          <a:lstStyle/>
+          <a:p>
+            <a:r>
+              <a:rPr lang="de-DE" dirty="0"/>
+              <a:t>Polynominelle Daten</a:t>
+            </a:r>
+          </a:p>
+        </p:txBody>
+      </p:sp>
+      <p:sp>
+        <p:nvSpPr>
+          <p:cNvPr id="6" name="Inhaltsplatzhalter 5"/>
+          <p:cNvSpPr>
+            <a:spLocks noGrp="1"/>
+          </p:cNvSpPr>
+          <p:nvPr>
+            <p:ph sz="quarter" idx="4"/>
+          </p:nvPr>
+        </p:nvSpPr>
+        <p:spPr>
+          <a:xfrm>
+            <a:off x="3131841" y="1419622"/>
+            <a:ext cx="2808311" cy="2016224"/>
+          </a:xfrm>
+        </p:spPr>
+        <p:txBody>
+          <a:bodyPr/>
+          <a:lstStyle/>
+          <a:p>
+            <a:pPr marL="0" lvl="0" indent="0">
+              <a:buNone/>
+            </a:pPr>
+            <a:r>
+              <a:rPr lang="en-NZ" sz="1100" dirty="0">
+                <a:solidFill>
+                  <a:prstClr val="black"/>
+                </a:solidFill>
+              </a:rPr>
+              <a:t>Minimum Function Test Statistic       6.004</a:t>
+            </a:r>
+          </a:p>
+          <a:p>
+            <a:pPr marL="0" lvl="0" indent="0">
+              <a:buNone/>
+            </a:pPr>
+            <a:r>
+              <a:rPr lang="en-NZ" sz="1100" dirty="0">
+                <a:solidFill>
+                  <a:prstClr val="black"/>
+                </a:solidFill>
+              </a:rPr>
+              <a:t>Degrees of freedom                                  7</a:t>
+            </a:r>
+          </a:p>
+          <a:p>
+            <a:pPr marL="0" lvl="0" indent="0">
+              <a:buNone/>
+            </a:pPr>
+            <a:r>
+              <a:rPr lang="en-NZ" sz="1100" dirty="0">
+                <a:solidFill>
+                  <a:prstClr val="black"/>
+                </a:solidFill>
+              </a:rPr>
+              <a:t>P-value (Chi-square)                         0.539</a:t>
+            </a:r>
+          </a:p>
+          <a:p>
+            <a:pPr marL="0" lvl="0" indent="0">
+              <a:buNone/>
+            </a:pPr>
+            <a:endParaRPr lang="de-DE" sz="1100" dirty="0">
+              <a:solidFill>
+                <a:prstClr val="black"/>
+              </a:solidFill>
+            </a:endParaRPr>
+          </a:p>
+          <a:p>
+            <a:pPr marL="0" indent="0">
+              <a:buNone/>
+            </a:pPr>
+            <a:r>
+              <a:rPr lang="de-DE" sz="1100" dirty="0"/>
+              <a:t>s~1                                                     4.998</a:t>
+            </a:r>
+          </a:p>
+          <a:p>
+            <a:pPr marL="0" indent="0">
+              <a:buNone/>
+            </a:pPr>
+            <a:r>
+              <a:rPr lang="de-DE" sz="1100" dirty="0"/>
+              <a:t>s2~1                                                   3.008</a:t>
+            </a:r>
+          </a:p>
+          <a:p>
+            <a:pPr marL="0" indent="0">
+              <a:buNone/>
+            </a:pPr>
+            <a:r>
+              <a:rPr lang="de-DE" sz="1100" dirty="0"/>
+              <a:t>i~1		           9.992</a:t>
+            </a:r>
+          </a:p>
+          <a:p>
+            <a:pPr marL="0" indent="0">
+              <a:buNone/>
+            </a:pPr>
+            <a:endParaRPr lang="de-DE" dirty="0"/>
+          </a:p>
+        </p:txBody>
+      </p:sp>
+      <p:sp>
+        <p:nvSpPr>
+          <p:cNvPr id="7" name="Datumsplatzhalter 6"/>
+          <p:cNvSpPr>
+            <a:spLocks noGrp="1"/>
+          </p:cNvSpPr>
+          <p:nvPr>
+            <p:ph type="dt" sz="half" idx="10"/>
+          </p:nvPr>
+        </p:nvSpPr>
+        <p:spPr/>
+        <p:txBody>
+          <a:bodyPr/>
+          <a:lstStyle/>
+          <a:p>
+            <a:fld id="{DA5DE712-6C0E-4DF7-B336-AC97213DC93D}" type="datetime1">
+              <a:rPr lang="de-DE" smtClean="0"/>
+              <a:pPr/>
+              <a:t>19.02.2018</a:t>
+            </a:fld>
+            <a:endParaRPr lang="de-DE"/>
+          </a:p>
+        </p:txBody>
+      </p:sp>
+      <p:sp>
+        <p:nvSpPr>
+          <p:cNvPr id="8" name="Fußzeilenplatzhalter 7"/>
+          <p:cNvSpPr>
+            <a:spLocks noGrp="1"/>
+          </p:cNvSpPr>
+          <p:nvPr>
+            <p:ph type="ftr" sz="quarter" idx="11"/>
+          </p:nvPr>
+        </p:nvSpPr>
+        <p:spPr/>
+        <p:txBody>
+          <a:bodyPr/>
+          <a:lstStyle/>
+          <a:p>
+            <a:r>
+              <a:rPr lang="de-DE"/>
+              <a:t>Structural Equation Modelling – Wintersemester 2017/2018</a:t>
+            </a:r>
+            <a:endParaRPr lang="de-DE" dirty="0"/>
+          </a:p>
+        </p:txBody>
+      </p:sp>
+      <p:sp>
+        <p:nvSpPr>
+          <p:cNvPr id="9" name="Foliennummernplatzhalter 8"/>
+          <p:cNvSpPr>
+            <a:spLocks noGrp="1"/>
+          </p:cNvSpPr>
+          <p:nvPr>
+            <p:ph type="sldNum" sz="quarter" idx="12"/>
+          </p:nvPr>
+        </p:nvSpPr>
+        <p:spPr/>
+        <p:txBody>
+          <a:bodyPr/>
+          <a:lstStyle/>
+          <a:p>
+            <a:fld id="{015363AA-F6CB-4A58-B5AD-B2CDFEAF0813}" type="slidenum">
+              <a:rPr lang="de-DE" smtClean="0"/>
+              <a:pPr/>
+              <a:t>12</a:t>
+            </a:fld>
+            <a:endParaRPr lang="de-DE"/>
+          </a:p>
+        </p:txBody>
+      </p:sp>
+      <p:sp>
+        <p:nvSpPr>
+          <p:cNvPr id="10" name="Inhaltsplatzhalter 9"/>
+          <p:cNvSpPr>
+            <a:spLocks noGrp="1"/>
+          </p:cNvSpPr>
+          <p:nvPr>
+            <p:ph sz="quarter" idx="13"/>
+          </p:nvPr>
+        </p:nvSpPr>
+        <p:spPr/>
+        <p:txBody>
+          <a:bodyPr/>
+          <a:lstStyle/>
+          <a:p>
+            <a:pPr marL="0" lvl="0" indent="0">
+              <a:buNone/>
+            </a:pPr>
+            <a:r>
+              <a:rPr lang="en-NZ" sz="1100" dirty="0">
+                <a:solidFill>
+                  <a:prstClr val="black"/>
+                </a:solidFill>
+              </a:rPr>
+              <a:t>Minimum Function Test Statistic 593.381</a:t>
+            </a:r>
+          </a:p>
+          <a:p>
+            <a:pPr marL="0" lvl="0" indent="0">
+              <a:buNone/>
+            </a:pPr>
+            <a:r>
+              <a:rPr lang="en-NZ" sz="1100" dirty="0">
+                <a:solidFill>
+                  <a:prstClr val="black"/>
+                </a:solidFill>
+              </a:rPr>
+              <a:t>Degrees of freedom                                7</a:t>
+            </a:r>
+          </a:p>
+          <a:p>
+            <a:pPr marL="0" lvl="0" indent="0">
+              <a:buNone/>
+            </a:pPr>
+            <a:r>
+              <a:rPr lang="en-NZ" sz="1100" dirty="0">
+                <a:solidFill>
+                  <a:prstClr val="black"/>
+                </a:solidFill>
+              </a:rPr>
+              <a:t>P-value (Chi-square)                       0.000</a:t>
+            </a:r>
+          </a:p>
+          <a:p>
+            <a:pPr marL="0" lvl="0" indent="0">
+              <a:buNone/>
+            </a:pPr>
+            <a:endParaRPr lang="de-DE" sz="1100" dirty="0">
+              <a:solidFill>
+                <a:prstClr val="black"/>
+              </a:solidFill>
+            </a:endParaRPr>
+          </a:p>
+          <a:p>
+            <a:pPr marL="0" indent="0">
+              <a:buNone/>
+            </a:pPr>
+            <a:r>
+              <a:rPr lang="de-DE" sz="1100" dirty="0"/>
+              <a:t>s~1                                                   9.895</a:t>
+            </a:r>
+          </a:p>
+          <a:p>
+            <a:pPr marL="0" indent="0">
+              <a:buNone/>
+            </a:pPr>
+            <a:r>
+              <a:rPr lang="de-DE" sz="1100" dirty="0"/>
+              <a:t>s2~1                                                -1.089</a:t>
+            </a:r>
+          </a:p>
+          <a:p>
+            <a:pPr marL="0" indent="0">
+              <a:buNone/>
+            </a:pPr>
+            <a:r>
+              <a:rPr lang="de-DE" sz="1100" dirty="0"/>
+              <a:t>i~1		       11.894</a:t>
+            </a:r>
+          </a:p>
+          <a:p>
+            <a:pPr marL="0" indent="0">
+              <a:buNone/>
+            </a:pPr>
+            <a:endParaRPr lang="de-DE" dirty="0"/>
+          </a:p>
+        </p:txBody>
+      </p:sp>
+      <p:sp>
+        <p:nvSpPr>
+          <p:cNvPr id="11" name="Textplatzhalter 10"/>
+          <p:cNvSpPr>
+            <a:spLocks noGrp="1"/>
+          </p:cNvSpPr>
+          <p:nvPr>
+            <p:ph type="body" sz="quarter" idx="14"/>
+          </p:nvPr>
+        </p:nvSpPr>
+        <p:spPr/>
+        <p:txBody>
+          <a:bodyPr/>
+          <a:lstStyle/>
+          <a:p>
+            <a:r>
+              <a:rPr lang="de-DE" dirty="0"/>
+              <a:t>Nicht-Lineare Daten</a:t>
+            </a:r>
+          </a:p>
+        </p:txBody>
+      </p:sp>
+      <p:sp>
+        <p:nvSpPr>
+          <p:cNvPr id="12" name="Inhaltsplatzhalter 11"/>
+          <p:cNvSpPr>
+            <a:spLocks noGrp="1"/>
+          </p:cNvSpPr>
+          <p:nvPr>
+            <p:ph sz="quarter" idx="15"/>
+          </p:nvPr>
+        </p:nvSpPr>
+        <p:spPr/>
+        <p:txBody>
+          <a:bodyPr/>
+          <a:lstStyle/>
+          <a:p>
+            <a:r>
+              <a:rPr lang="de-DE" dirty="0"/>
+              <a:t>Best fit: Lineare Daten, Polynominelle Daten</a:t>
+            </a:r>
+          </a:p>
+          <a:p>
+            <a:endParaRPr lang="de-DE" dirty="0"/>
+          </a:p>
+        </p:txBody>
+      </p:sp>
+    </p:spTree>
+    <p:extLst>
+      <p:ext uri="{BB962C8B-B14F-4D97-AF65-F5344CB8AC3E}">
+        <p14:creationId xmlns:p14="http://schemas.microsoft.com/office/powerpoint/2010/main" val="3418783221"/>
+      </p:ext>
+    </p:extLst>
+  </p:cSld>
+  <p:clrMapOvr>
+    <a:masterClrMapping/>
+  </p:clrMapOvr>
+</p:sld>
+</file>
+
+<file path=ppt/slides/slide13.xml><?xml version="1.0" encoding="utf-8"?>
+<p:sld xmlns:a="http://schemas.openxmlformats.org/drawingml/2006/main" xmlns:r="http://schemas.openxmlformats.org/officeDocument/2006/relationships" xmlns:p="http://schemas.openxmlformats.org/presentationml/2006/main">
+  <p:cSld>
+    <p:spTree>
+      <p:nvGrpSpPr>
+        <p:cNvPr id="1" name=""/>
+        <p:cNvGrpSpPr/>
+        <p:nvPr/>
+      </p:nvGrpSpPr>
+      <p:grpSpPr>
+        <a:xfrm>
+          <a:off x="0" y="0"/>
+          <a:ext cx="0" cy="0"/>
+          <a:chOff x="0" y="0"/>
+          <a:chExt cx="0" cy="0"/>
+        </a:xfrm>
+      </p:grpSpPr>
+      <p:pic>
+        <p:nvPicPr>
+          <p:cNvPr id="3" name="Grafik 2">
+            <a:extLst>
+              <a:ext uri="{FF2B5EF4-FFF2-40B4-BE49-F238E27FC236}">
+                <a16:creationId xmlns:a16="http://schemas.microsoft.com/office/drawing/2014/main" id="{DC7E8739-4B11-4A75-AA8B-0137647AF8A2}"/>
+              </a:ext>
+            </a:extLst>
+          </p:cNvPr>
+          <p:cNvPicPr>
+            <a:picLocks noChangeAspect="1"/>
+          </p:cNvPicPr>
+          <p:nvPr/>
+        </p:nvPicPr>
+        <p:blipFill>
+          <a:blip r:embed="rId2"/>
+          <a:stretch>
+            <a:fillRect/>
+          </a:stretch>
+        </p:blipFill>
+        <p:spPr>
+          <a:xfrm>
+            <a:off x="629397" y="915566"/>
+            <a:ext cx="7903043" cy="3845278"/>
+          </a:xfrm>
+          <a:prstGeom prst="rect">
+            <a:avLst/>
+          </a:prstGeom>
+        </p:spPr>
+      </p:pic>
+      <p:sp>
+        <p:nvSpPr>
+          <p:cNvPr id="2" name="Titel 1"/>
+          <p:cNvSpPr>
+            <a:spLocks noGrp="1"/>
+          </p:cNvSpPr>
+          <p:nvPr>
+            <p:ph type="title"/>
+          </p:nvPr>
+        </p:nvSpPr>
+        <p:spPr/>
+        <p:txBody>
+          <a:bodyPr/>
+          <a:lstStyle/>
+          <a:p>
+            <a:r>
+              <a:rPr lang="de-DE" dirty="0" err="1"/>
+              <a:t>Curvilineares</a:t>
+            </a:r>
+            <a:r>
+              <a:rPr lang="de-DE" dirty="0"/>
+              <a:t> Wachstumsmodell</a:t>
+            </a:r>
+          </a:p>
+        </p:txBody>
+      </p:sp>
+      <p:sp>
+        <p:nvSpPr>
+          <p:cNvPr id="7" name="Datumsplatzhalter 6"/>
+          <p:cNvSpPr>
+            <a:spLocks noGrp="1"/>
+          </p:cNvSpPr>
+          <p:nvPr>
+            <p:ph type="dt" sz="half" idx="10"/>
+          </p:nvPr>
+        </p:nvSpPr>
+        <p:spPr/>
+        <p:txBody>
+          <a:bodyPr/>
+          <a:lstStyle/>
+          <a:p>
+            <a:fld id="{DA5DE712-6C0E-4DF7-B336-AC97213DC93D}" type="datetime1">
+              <a:rPr lang="de-DE" smtClean="0"/>
+              <a:pPr/>
+              <a:t>19.02.2018</a:t>
+            </a:fld>
+            <a:endParaRPr lang="de-DE"/>
+          </a:p>
+        </p:txBody>
+      </p:sp>
+      <p:sp>
+        <p:nvSpPr>
+          <p:cNvPr id="8" name="Fußzeilenplatzhalter 7"/>
+          <p:cNvSpPr>
+            <a:spLocks noGrp="1"/>
+          </p:cNvSpPr>
+          <p:nvPr>
+            <p:ph type="ftr" sz="quarter" idx="11"/>
+          </p:nvPr>
+        </p:nvSpPr>
+        <p:spPr>
+          <a:xfrm>
+            <a:off x="971601" y="4868864"/>
+            <a:ext cx="7272809" cy="223167"/>
+          </a:xfrm>
+        </p:spPr>
+        <p:txBody>
+          <a:bodyPr/>
+          <a:lstStyle/>
+          <a:p>
+            <a:r>
+              <a:rPr lang="de-DE"/>
+              <a:t>Structural Equation Modelling – Wintersemester 2017/2018</a:t>
+            </a:r>
+            <a:endParaRPr lang="de-DE" dirty="0"/>
+          </a:p>
+        </p:txBody>
+      </p:sp>
+      <p:sp>
+        <p:nvSpPr>
+          <p:cNvPr id="9" name="Foliennummernplatzhalter 8"/>
+          <p:cNvSpPr>
+            <a:spLocks noGrp="1"/>
+          </p:cNvSpPr>
+          <p:nvPr>
+            <p:ph type="sldNum" sz="quarter" idx="12"/>
+          </p:nvPr>
+        </p:nvSpPr>
+        <p:spPr/>
+        <p:txBody>
+          <a:bodyPr/>
+          <a:lstStyle/>
+          <a:p>
+            <a:fld id="{015363AA-F6CB-4A58-B5AD-B2CDFEAF0813}" type="slidenum">
+              <a:rPr lang="de-DE" smtClean="0"/>
+              <a:pPr/>
+              <a:t>13</a:t>
+            </a:fld>
+            <a:endParaRPr lang="de-DE"/>
+          </a:p>
+        </p:txBody>
+      </p:sp>
+      <p:sp>
+        <p:nvSpPr>
+          <p:cNvPr id="30" name="Textfeld 29">
+            <a:extLst>
+              <a:ext uri="{FF2B5EF4-FFF2-40B4-BE49-F238E27FC236}">
+                <a16:creationId xmlns:a16="http://schemas.microsoft.com/office/drawing/2014/main" id="{3820186A-CF30-4726-AF6E-350820D4F382}"/>
+              </a:ext>
+            </a:extLst>
+          </p:cNvPr>
+          <p:cNvSpPr txBox="1"/>
+          <p:nvPr/>
+        </p:nvSpPr>
+        <p:spPr>
+          <a:xfrm>
+            <a:off x="3442618" y="1666273"/>
+            <a:ext cx="121270" cy="307777"/>
+          </a:xfrm>
+          <a:prstGeom prst="rect">
+            <a:avLst/>
+          </a:prstGeom>
+          <a:noFill/>
+        </p:spPr>
+        <p:txBody>
+          <a:bodyPr wrap="square" rtlCol="0">
+            <a:spAutoFit/>
+          </a:bodyPr>
+          <a:lstStyle/>
+          <a:p>
+            <a:pPr algn="ctr"/>
+            <a:r>
+              <a:rPr lang="de-DE" sz="1400" dirty="0"/>
+              <a:t>1</a:t>
+            </a:r>
+            <a:endParaRPr lang="en-NZ" sz="1400" dirty="0"/>
+          </a:p>
+        </p:txBody>
+      </p:sp>
+      <p:sp>
+        <p:nvSpPr>
+          <p:cNvPr id="31" name="Textfeld 30">
+            <a:extLst>
+              <a:ext uri="{FF2B5EF4-FFF2-40B4-BE49-F238E27FC236}">
+                <a16:creationId xmlns:a16="http://schemas.microsoft.com/office/drawing/2014/main" id="{B70E975F-8D2B-40AE-8599-3745A8F85F93}"/>
+              </a:ext>
+            </a:extLst>
+          </p:cNvPr>
+          <p:cNvSpPr txBox="1"/>
+          <p:nvPr/>
+        </p:nvSpPr>
+        <p:spPr>
+          <a:xfrm>
+            <a:off x="3716288" y="1718448"/>
+            <a:ext cx="121270" cy="307777"/>
+          </a:xfrm>
+          <a:prstGeom prst="rect">
+            <a:avLst/>
+          </a:prstGeom>
+          <a:noFill/>
+        </p:spPr>
+        <p:txBody>
+          <a:bodyPr wrap="square" rtlCol="0">
+            <a:spAutoFit/>
+          </a:bodyPr>
+          <a:lstStyle/>
+          <a:p>
+            <a:pPr algn="ctr"/>
+            <a:r>
+              <a:rPr lang="de-DE" sz="1400" dirty="0"/>
+              <a:t>1</a:t>
+            </a:r>
+            <a:endParaRPr lang="en-NZ" sz="1400" dirty="0"/>
+          </a:p>
+        </p:txBody>
+      </p:sp>
+      <p:sp>
+        <p:nvSpPr>
+          <p:cNvPr id="32" name="Textfeld 31">
+            <a:extLst>
+              <a:ext uri="{FF2B5EF4-FFF2-40B4-BE49-F238E27FC236}">
+                <a16:creationId xmlns:a16="http://schemas.microsoft.com/office/drawing/2014/main" id="{8B9F0F9A-D29B-4867-A879-9756B64CFBA4}"/>
+              </a:ext>
+            </a:extLst>
+          </p:cNvPr>
+          <p:cNvSpPr txBox="1"/>
+          <p:nvPr/>
+        </p:nvSpPr>
+        <p:spPr>
+          <a:xfrm>
+            <a:off x="3989958" y="1718448"/>
+            <a:ext cx="121270" cy="307777"/>
+          </a:xfrm>
+          <a:prstGeom prst="rect">
+            <a:avLst/>
+          </a:prstGeom>
+          <a:noFill/>
+        </p:spPr>
+        <p:txBody>
+          <a:bodyPr wrap="square" rtlCol="0">
+            <a:spAutoFit/>
+          </a:bodyPr>
+          <a:lstStyle/>
+          <a:p>
+            <a:pPr algn="ctr"/>
+            <a:r>
+              <a:rPr lang="de-DE" sz="1400" dirty="0"/>
+              <a:t>1</a:t>
+            </a:r>
+            <a:endParaRPr lang="en-NZ" sz="1400" dirty="0"/>
+          </a:p>
+        </p:txBody>
+      </p:sp>
+      <p:sp>
+        <p:nvSpPr>
+          <p:cNvPr id="33" name="Textfeld 32">
+            <a:extLst>
+              <a:ext uri="{FF2B5EF4-FFF2-40B4-BE49-F238E27FC236}">
+                <a16:creationId xmlns:a16="http://schemas.microsoft.com/office/drawing/2014/main" id="{F9D77C7C-D8F9-4055-9957-9E7B544A9023}"/>
+              </a:ext>
+            </a:extLst>
+          </p:cNvPr>
+          <p:cNvSpPr txBox="1"/>
+          <p:nvPr/>
+        </p:nvSpPr>
+        <p:spPr>
+          <a:xfrm>
+            <a:off x="4184366" y="1664846"/>
+            <a:ext cx="121270" cy="307777"/>
+          </a:xfrm>
+          <a:prstGeom prst="rect">
+            <a:avLst/>
+          </a:prstGeom>
+          <a:noFill/>
+        </p:spPr>
+        <p:txBody>
+          <a:bodyPr wrap="square" rtlCol="0">
+            <a:spAutoFit/>
+          </a:bodyPr>
+          <a:lstStyle/>
+          <a:p>
+            <a:pPr algn="ctr"/>
+            <a:r>
+              <a:rPr lang="de-DE" sz="1400" dirty="0"/>
+              <a:t>1</a:t>
+            </a:r>
+            <a:endParaRPr lang="en-NZ" sz="1400" dirty="0"/>
+          </a:p>
+        </p:txBody>
+      </p:sp>
+      <p:sp>
+        <p:nvSpPr>
+          <p:cNvPr id="34" name="Textfeld 33">
+            <a:extLst>
+              <a:ext uri="{FF2B5EF4-FFF2-40B4-BE49-F238E27FC236}">
+                <a16:creationId xmlns:a16="http://schemas.microsoft.com/office/drawing/2014/main" id="{9F103D08-491A-48F5-B505-95D6E0E72DF2}"/>
+              </a:ext>
+            </a:extLst>
+          </p:cNvPr>
+          <p:cNvSpPr txBox="1"/>
+          <p:nvPr/>
+        </p:nvSpPr>
+        <p:spPr>
+          <a:xfrm>
+            <a:off x="4263628" y="1591267"/>
+            <a:ext cx="121270" cy="254361"/>
+          </a:xfrm>
+          <a:prstGeom prst="rect">
+            <a:avLst/>
+          </a:prstGeom>
+          <a:noFill/>
+        </p:spPr>
+        <p:txBody>
+          <a:bodyPr wrap="square" rtlCol="0">
+            <a:spAutoFit/>
+          </a:bodyPr>
+          <a:lstStyle/>
+          <a:p>
+            <a:pPr algn="ctr"/>
+            <a:r>
+              <a:rPr lang="de-DE" sz="1400" dirty="0"/>
+              <a:t>1</a:t>
+            </a:r>
+            <a:endParaRPr lang="en-NZ" sz="1400" dirty="0"/>
+          </a:p>
+        </p:txBody>
+      </p:sp>
+      <p:sp>
+        <p:nvSpPr>
+          <p:cNvPr id="35" name="Textfeld 34">
+            <a:extLst>
+              <a:ext uri="{FF2B5EF4-FFF2-40B4-BE49-F238E27FC236}">
+                <a16:creationId xmlns:a16="http://schemas.microsoft.com/office/drawing/2014/main" id="{0167AD8A-30E1-4D43-924B-8A880CDD44B5}"/>
+              </a:ext>
+            </a:extLst>
+          </p:cNvPr>
+          <p:cNvSpPr txBox="1"/>
+          <p:nvPr/>
+        </p:nvSpPr>
+        <p:spPr>
+          <a:xfrm>
+            <a:off x="4360832" y="1539009"/>
+            <a:ext cx="121270" cy="231237"/>
+          </a:xfrm>
+          <a:prstGeom prst="rect">
+            <a:avLst/>
+          </a:prstGeom>
+          <a:noFill/>
+        </p:spPr>
+        <p:txBody>
+          <a:bodyPr wrap="square" rtlCol="0">
+            <a:spAutoFit/>
+          </a:bodyPr>
+          <a:lstStyle/>
+          <a:p>
+            <a:pPr algn="ctr"/>
+            <a:r>
+              <a:rPr lang="de-DE" sz="1400" dirty="0"/>
+              <a:t>1</a:t>
+            </a:r>
+            <a:endParaRPr lang="en-NZ" sz="1400" dirty="0"/>
+          </a:p>
+        </p:txBody>
+      </p:sp>
+      <p:sp>
+        <p:nvSpPr>
+          <p:cNvPr id="36" name="Textfeld 35">
+            <a:extLst>
+              <a:ext uri="{FF2B5EF4-FFF2-40B4-BE49-F238E27FC236}">
+                <a16:creationId xmlns:a16="http://schemas.microsoft.com/office/drawing/2014/main" id="{1BB6CF53-DBB2-42F8-AA0F-E8896C8AC2F5}"/>
+              </a:ext>
+            </a:extLst>
+          </p:cNvPr>
+          <p:cNvSpPr txBox="1"/>
+          <p:nvPr/>
+        </p:nvSpPr>
+        <p:spPr>
+          <a:xfrm>
+            <a:off x="2411760" y="2463551"/>
+            <a:ext cx="121270" cy="254361"/>
+          </a:xfrm>
+          <a:prstGeom prst="rect">
+            <a:avLst/>
+          </a:prstGeom>
+          <a:noFill/>
+        </p:spPr>
+        <p:txBody>
+          <a:bodyPr wrap="square" rtlCol="0">
+            <a:spAutoFit/>
+          </a:bodyPr>
+          <a:lstStyle/>
+          <a:p>
+            <a:pPr algn="ctr"/>
+            <a:r>
+              <a:rPr lang="de-DE" sz="1400" dirty="0"/>
+              <a:t>0</a:t>
+            </a:r>
+            <a:endParaRPr lang="en-NZ" sz="1400" dirty="0"/>
+          </a:p>
+        </p:txBody>
+      </p:sp>
+      <p:sp>
+        <p:nvSpPr>
+          <p:cNvPr id="37" name="Textfeld 36">
+            <a:extLst>
+              <a:ext uri="{FF2B5EF4-FFF2-40B4-BE49-F238E27FC236}">
+                <a16:creationId xmlns:a16="http://schemas.microsoft.com/office/drawing/2014/main" id="{2286F7F7-5187-475A-A6F1-E6699125A4DE}"/>
+              </a:ext>
+            </a:extLst>
+          </p:cNvPr>
+          <p:cNvSpPr txBox="1"/>
+          <p:nvPr/>
+        </p:nvSpPr>
+        <p:spPr>
+          <a:xfrm>
+            <a:off x="3365887" y="2412367"/>
+            <a:ext cx="121270" cy="307777"/>
+          </a:xfrm>
+          <a:prstGeom prst="rect">
+            <a:avLst/>
+          </a:prstGeom>
+          <a:noFill/>
+        </p:spPr>
+        <p:txBody>
+          <a:bodyPr wrap="square" rtlCol="0">
+            <a:spAutoFit/>
+          </a:bodyPr>
+          <a:lstStyle/>
+          <a:p>
+            <a:pPr algn="ctr"/>
+            <a:r>
+              <a:rPr lang="de-DE" sz="1400" dirty="0"/>
+              <a:t>1</a:t>
+            </a:r>
+            <a:endParaRPr lang="en-NZ" sz="1400" dirty="0"/>
+          </a:p>
+        </p:txBody>
+      </p:sp>
+    </p:spTree>
+    <p:extLst>
+      <p:ext uri="{BB962C8B-B14F-4D97-AF65-F5344CB8AC3E}">
+        <p14:creationId xmlns:p14="http://schemas.microsoft.com/office/powerpoint/2010/main" val="1169244232"/>
+      </p:ext>
+    </p:extLst>
+  </p:cSld>
+  <p:clrMapOvr>
+    <a:masterClrMapping/>
+  </p:clrMapOvr>
+</p:sld>
+</file>
+
+<file path=ppt/slides/slide14.xml><?xml version="1.0" encoding="utf-8"?>
+<p:sld xmlns:a="http://schemas.openxmlformats.org/drawingml/2006/main" xmlns:r="http://schemas.openxmlformats.org/officeDocument/2006/relationships" xmlns:p="http://schemas.openxmlformats.org/presentationml/2006/main">
+  <p:cSld>
+    <p:spTree>
+      <p:nvGrpSpPr>
+        <p:cNvPr id="1" name=""/>
+        <p:cNvGrpSpPr/>
+        <p:nvPr/>
+      </p:nvGrpSpPr>
+      <p:grpSpPr>
+        <a:xfrm>
+          <a:off x="0" y="0"/>
+          <a:ext cx="0" cy="0"/>
+          <a:chOff x="0" y="0"/>
+          <a:chExt cx="0" cy="0"/>
+        </a:xfrm>
+      </p:grpSpPr>
+      <p:sp>
+        <p:nvSpPr>
+          <p:cNvPr id="2" name="Titel 1"/>
+          <p:cNvSpPr>
+            <a:spLocks noGrp="1"/>
+          </p:cNvSpPr>
+          <p:nvPr>
+            <p:ph type="title"/>
+          </p:nvPr>
+        </p:nvSpPr>
+        <p:spPr/>
+        <p:txBody>
+          <a:bodyPr/>
+          <a:lstStyle/>
+          <a:p>
+            <a:r>
+              <a:rPr lang="de-DE" dirty="0" err="1"/>
+              <a:t>Curvilineares</a:t>
+            </a:r>
+            <a:r>
+              <a:rPr lang="de-DE" dirty="0"/>
+              <a:t> Wachstumsmodell</a:t>
+            </a:r>
+          </a:p>
+        </p:txBody>
+      </p:sp>
+      <p:sp>
+        <p:nvSpPr>
+          <p:cNvPr id="3" name="Textplatzhalter 2"/>
+          <p:cNvSpPr>
+            <a:spLocks noGrp="1"/>
+          </p:cNvSpPr>
+          <p:nvPr>
+            <p:ph type="body" idx="1"/>
+          </p:nvPr>
+        </p:nvSpPr>
+        <p:spPr/>
+        <p:txBody>
+          <a:bodyPr/>
+          <a:lstStyle/>
+          <a:p>
+            <a:r>
+              <a:rPr lang="de-DE" dirty="0"/>
+              <a:t>Lineare Daten</a:t>
+            </a:r>
+          </a:p>
+        </p:txBody>
+      </p:sp>
+      <p:sp>
+        <p:nvSpPr>
+          <p:cNvPr id="4" name="Inhaltsplatzhalter 3"/>
+          <p:cNvSpPr>
+            <a:spLocks noGrp="1"/>
+          </p:cNvSpPr>
+          <p:nvPr>
+            <p:ph sz="half" idx="2"/>
+          </p:nvPr>
+        </p:nvSpPr>
+        <p:spPr/>
+        <p:txBody>
+          <a:bodyPr>
+            <a:normAutofit/>
+          </a:bodyPr>
+          <a:lstStyle/>
+          <a:p>
+            <a:pPr marL="0" indent="0">
+              <a:buNone/>
+            </a:pPr>
+            <a:r>
+              <a:rPr lang="en-NZ" sz="1100" dirty="0"/>
+              <a:t>Minimum Function Test Statistic    8.344</a:t>
+            </a:r>
+          </a:p>
+          <a:p>
+            <a:pPr marL="0" indent="0">
+              <a:buNone/>
+            </a:pPr>
+            <a:r>
+              <a:rPr lang="en-NZ" sz="1100" dirty="0"/>
+              <a:t>Degrees of freedom                              7</a:t>
+            </a:r>
+          </a:p>
+          <a:p>
+            <a:pPr marL="0" indent="0">
+              <a:buNone/>
+            </a:pPr>
+            <a:r>
+              <a:rPr lang="en-NZ" sz="1100" dirty="0"/>
+              <a:t>P-value (Chi-square)                      0.303</a:t>
+            </a:r>
+          </a:p>
+          <a:p>
+            <a:pPr marL="0" indent="0">
+              <a:buNone/>
+            </a:pPr>
+            <a:endParaRPr lang="de-DE" sz="1100" dirty="0"/>
+          </a:p>
+          <a:p>
+            <a:pPr marL="0" indent="0">
+              <a:buNone/>
+            </a:pPr>
+            <a:r>
+              <a:rPr lang="de-DE" sz="1100" dirty="0"/>
+              <a:t>s~1                                                 4.012</a:t>
+            </a:r>
+          </a:p>
+          <a:p>
+            <a:pPr marL="0" indent="0">
+              <a:buNone/>
+            </a:pPr>
+            <a:r>
+              <a:rPr lang="de-DE" sz="1100" dirty="0"/>
+              <a:t>i~1		       9.989</a:t>
+            </a:r>
+          </a:p>
+        </p:txBody>
+      </p:sp>
+      <p:sp>
+        <p:nvSpPr>
+          <p:cNvPr id="5" name="Textplatzhalter 4"/>
+          <p:cNvSpPr>
+            <a:spLocks noGrp="1"/>
+          </p:cNvSpPr>
+          <p:nvPr>
+            <p:ph type="body" sz="quarter" idx="3"/>
+          </p:nvPr>
+        </p:nvSpPr>
+        <p:spPr/>
+        <p:txBody>
+          <a:bodyPr/>
+          <a:lstStyle/>
+          <a:p>
+            <a:r>
+              <a:rPr lang="de-DE" dirty="0"/>
+              <a:t>Polynominelle Daten</a:t>
+            </a:r>
+          </a:p>
+        </p:txBody>
+      </p:sp>
+      <p:sp>
+        <p:nvSpPr>
+          <p:cNvPr id="6" name="Inhaltsplatzhalter 5"/>
+          <p:cNvSpPr>
+            <a:spLocks noGrp="1"/>
+          </p:cNvSpPr>
+          <p:nvPr>
+            <p:ph sz="quarter" idx="4"/>
+          </p:nvPr>
+        </p:nvSpPr>
+        <p:spPr>
+          <a:xfrm>
+            <a:off x="3131841" y="1419622"/>
+            <a:ext cx="2808311" cy="2016224"/>
+          </a:xfrm>
+        </p:spPr>
+        <p:txBody>
+          <a:bodyPr/>
+          <a:lstStyle/>
+          <a:p>
+            <a:pPr marL="0" lvl="0" indent="0">
+              <a:buNone/>
+            </a:pPr>
+            <a:r>
+              <a:rPr lang="en-NZ" sz="1100" dirty="0">
+                <a:solidFill>
+                  <a:prstClr val="black"/>
+                </a:solidFill>
+              </a:rPr>
+              <a:t>Minimum Function Test Statistic       8.378</a:t>
+            </a:r>
+          </a:p>
+          <a:p>
+            <a:pPr marL="0" lvl="0" indent="0">
+              <a:buNone/>
+            </a:pPr>
+            <a:r>
+              <a:rPr lang="en-NZ" sz="1100" dirty="0">
+                <a:solidFill>
+                  <a:prstClr val="black"/>
+                </a:solidFill>
+              </a:rPr>
+              <a:t>Degrees of freedom                                  7</a:t>
+            </a:r>
+          </a:p>
+          <a:p>
+            <a:pPr marL="0" lvl="0" indent="0">
+              <a:buNone/>
+            </a:pPr>
+            <a:r>
+              <a:rPr lang="en-NZ" sz="1100" dirty="0">
+                <a:solidFill>
+                  <a:prstClr val="black"/>
+                </a:solidFill>
+              </a:rPr>
+              <a:t>P-value (Chi-square)                         0.300</a:t>
+            </a:r>
+          </a:p>
+          <a:p>
+            <a:pPr marL="0" lvl="0" indent="0">
+              <a:buNone/>
+            </a:pPr>
+            <a:endParaRPr lang="de-DE" sz="1100" dirty="0">
+              <a:solidFill>
+                <a:prstClr val="black"/>
+              </a:solidFill>
+            </a:endParaRPr>
+          </a:p>
+          <a:p>
+            <a:pPr marL="0" lvl="0" indent="0">
+              <a:buNone/>
+            </a:pPr>
+            <a:r>
+              <a:rPr lang="de-DE" sz="1100" dirty="0">
+                <a:solidFill>
+                  <a:prstClr val="black"/>
+                </a:solidFill>
+              </a:rPr>
+              <a:t>s~1 		           8.012</a:t>
+            </a:r>
+          </a:p>
+          <a:p>
+            <a:pPr marL="0" lvl="0" indent="0">
+              <a:buNone/>
+            </a:pPr>
+            <a:r>
+              <a:rPr lang="de-DE" sz="1100" dirty="0">
+                <a:solidFill>
+                  <a:prstClr val="black"/>
+                </a:solidFill>
+              </a:rPr>
+              <a:t>i~1		           9.989</a:t>
+            </a:r>
+          </a:p>
+          <a:p>
+            <a:pPr marL="0" indent="0">
+              <a:buNone/>
+            </a:pPr>
+            <a:endParaRPr lang="de-DE" dirty="0"/>
+          </a:p>
+        </p:txBody>
+      </p:sp>
+      <p:sp>
+        <p:nvSpPr>
+          <p:cNvPr id="7" name="Datumsplatzhalter 6"/>
+          <p:cNvSpPr>
+            <a:spLocks noGrp="1"/>
+          </p:cNvSpPr>
+          <p:nvPr>
+            <p:ph type="dt" sz="half" idx="10"/>
+          </p:nvPr>
+        </p:nvSpPr>
+        <p:spPr/>
+        <p:txBody>
+          <a:bodyPr/>
+          <a:lstStyle/>
+          <a:p>
+            <a:fld id="{DA5DE712-6C0E-4DF7-B336-AC97213DC93D}" type="datetime1">
+              <a:rPr lang="de-DE" smtClean="0"/>
+              <a:pPr/>
+              <a:t>19.02.2018</a:t>
+            </a:fld>
+            <a:endParaRPr lang="de-DE"/>
+          </a:p>
+        </p:txBody>
+      </p:sp>
+      <p:sp>
+        <p:nvSpPr>
+          <p:cNvPr id="8" name="Fußzeilenplatzhalter 7"/>
+          <p:cNvSpPr>
+            <a:spLocks noGrp="1"/>
+          </p:cNvSpPr>
+          <p:nvPr>
+            <p:ph type="ftr" sz="quarter" idx="11"/>
+          </p:nvPr>
+        </p:nvSpPr>
+        <p:spPr/>
+        <p:txBody>
+          <a:bodyPr/>
+          <a:lstStyle/>
+          <a:p>
+            <a:r>
+              <a:rPr lang="de-DE"/>
+              <a:t>Structural Equation Modelling – Wintersemester 2017/2018</a:t>
+            </a:r>
+            <a:endParaRPr lang="de-DE" dirty="0"/>
+          </a:p>
+        </p:txBody>
+      </p:sp>
+      <p:sp>
+        <p:nvSpPr>
+          <p:cNvPr id="9" name="Foliennummernplatzhalter 8"/>
+          <p:cNvSpPr>
+            <a:spLocks noGrp="1"/>
+          </p:cNvSpPr>
+          <p:nvPr>
+            <p:ph type="sldNum" sz="quarter" idx="12"/>
+          </p:nvPr>
+        </p:nvSpPr>
+        <p:spPr/>
+        <p:txBody>
+          <a:bodyPr/>
+          <a:lstStyle/>
+          <a:p>
+            <a:fld id="{015363AA-F6CB-4A58-B5AD-B2CDFEAF0813}" type="slidenum">
+              <a:rPr lang="de-DE" smtClean="0"/>
+              <a:pPr/>
+              <a:t>14</a:t>
+            </a:fld>
+            <a:endParaRPr lang="de-DE"/>
+          </a:p>
+        </p:txBody>
+      </p:sp>
+      <p:sp>
+        <p:nvSpPr>
+          <p:cNvPr id="10" name="Inhaltsplatzhalter 9"/>
+          <p:cNvSpPr>
+            <a:spLocks noGrp="1"/>
+          </p:cNvSpPr>
+          <p:nvPr>
+            <p:ph sz="quarter" idx="13"/>
+          </p:nvPr>
+        </p:nvSpPr>
+        <p:spPr/>
+        <p:txBody>
+          <a:bodyPr/>
+          <a:lstStyle/>
+          <a:p>
+            <a:pPr marL="0" lvl="0" indent="0">
+              <a:buNone/>
+            </a:pPr>
+            <a:r>
+              <a:rPr lang="en-NZ" sz="1100" dirty="0">
+                <a:solidFill>
+                  <a:prstClr val="black"/>
+                </a:solidFill>
+              </a:rPr>
+              <a:t>Minimum Function Test Statistic   11.453</a:t>
+            </a:r>
+          </a:p>
+          <a:p>
+            <a:pPr marL="0" lvl="0" indent="0">
+              <a:buNone/>
+            </a:pPr>
+            <a:r>
+              <a:rPr lang="en-NZ" sz="1100" dirty="0">
+                <a:solidFill>
+                  <a:prstClr val="black"/>
+                </a:solidFill>
+              </a:rPr>
+              <a:t>Degrees of freedom                                7</a:t>
+            </a:r>
+          </a:p>
+          <a:p>
+            <a:pPr marL="0" lvl="0" indent="0">
+              <a:buNone/>
+            </a:pPr>
+            <a:r>
+              <a:rPr lang="en-NZ" sz="1100" dirty="0">
+                <a:solidFill>
+                  <a:prstClr val="black"/>
+                </a:solidFill>
+              </a:rPr>
+              <a:t>P-value (Chi-square)                      0.120</a:t>
+            </a:r>
+          </a:p>
+          <a:p>
+            <a:pPr marL="0" lvl="0" indent="0">
+              <a:buNone/>
+            </a:pPr>
+            <a:endParaRPr lang="de-DE" sz="1100" dirty="0">
+              <a:solidFill>
+                <a:prstClr val="black"/>
+              </a:solidFill>
+            </a:endParaRPr>
+          </a:p>
+          <a:p>
+            <a:pPr marL="0" lvl="0" indent="0">
+              <a:buNone/>
+            </a:pPr>
+            <a:r>
+              <a:rPr lang="de-DE" sz="1100" dirty="0">
+                <a:solidFill>
+                  <a:prstClr val="black"/>
+                </a:solidFill>
+              </a:rPr>
+              <a:t>s~1		         9.620 </a:t>
+            </a:r>
+          </a:p>
+          <a:p>
+            <a:pPr marL="0" lvl="0" indent="0">
+              <a:buNone/>
+            </a:pPr>
+            <a:r>
+              <a:rPr lang="de-DE" sz="1100" dirty="0">
+                <a:solidFill>
+                  <a:prstClr val="black"/>
+                </a:solidFill>
+              </a:rPr>
+              <a:t>i~1		       11.770</a:t>
+            </a:r>
+          </a:p>
+          <a:p>
+            <a:pPr marL="0" indent="0">
+              <a:buNone/>
+            </a:pPr>
+            <a:endParaRPr lang="de-DE" dirty="0"/>
+          </a:p>
+        </p:txBody>
+      </p:sp>
+      <p:sp>
+        <p:nvSpPr>
+          <p:cNvPr id="11" name="Textplatzhalter 10"/>
+          <p:cNvSpPr>
+            <a:spLocks noGrp="1"/>
+          </p:cNvSpPr>
+          <p:nvPr>
+            <p:ph type="body" sz="quarter" idx="14"/>
+          </p:nvPr>
+        </p:nvSpPr>
+        <p:spPr/>
+        <p:txBody>
+          <a:bodyPr/>
+          <a:lstStyle/>
+          <a:p>
+            <a:r>
+              <a:rPr lang="de-DE" dirty="0"/>
+              <a:t>Nicht-Lineare Daten</a:t>
+            </a:r>
+          </a:p>
+        </p:txBody>
+      </p:sp>
+      <p:sp>
+        <p:nvSpPr>
+          <p:cNvPr id="12" name="Inhaltsplatzhalter 11"/>
+          <p:cNvSpPr>
+            <a:spLocks noGrp="1"/>
+          </p:cNvSpPr>
+          <p:nvPr>
+            <p:ph sz="quarter" idx="15"/>
+          </p:nvPr>
+        </p:nvSpPr>
+        <p:spPr/>
+        <p:txBody>
+          <a:bodyPr/>
+          <a:lstStyle/>
+          <a:p>
+            <a:r>
+              <a:rPr lang="de-DE" dirty="0" err="1"/>
+              <a:t>Fitted</a:t>
+            </a:r>
+            <a:r>
+              <a:rPr lang="de-DE" dirty="0"/>
+              <a:t> auch Nicht-Lineare Daten</a:t>
+            </a:r>
+          </a:p>
+        </p:txBody>
+      </p:sp>
+    </p:spTree>
+    <p:extLst>
+      <p:ext uri="{BB962C8B-B14F-4D97-AF65-F5344CB8AC3E}">
+        <p14:creationId xmlns:p14="http://schemas.microsoft.com/office/powerpoint/2010/main" val="2496136712"/>
+      </p:ext>
+    </p:extLst>
+  </p:cSld>
+  <p:clrMapOvr>
+    <a:masterClrMapping/>
+  </p:clrMapOvr>
+</p:sld>
+</file>
+
+<file path=ppt/slides/slide15.xml><?xml version="1.0" encoding="utf-8"?>
+<p:sld xmlns:a="http://schemas.openxmlformats.org/drawingml/2006/main" xmlns:r="http://schemas.openxmlformats.org/officeDocument/2006/relationships" xmlns:p="http://schemas.openxmlformats.org/presentationml/2006/main">
+  <p:cSld>
+    <p:spTree>
+      <p:nvGrpSpPr>
+        <p:cNvPr id="1" name=""/>
+        <p:cNvGrpSpPr/>
+        <p:nvPr/>
+      </p:nvGrpSpPr>
+      <p:grpSpPr>
+        <a:xfrm>
+          <a:off x="0" y="0"/>
+          <a:ext cx="0" cy="0"/>
+          <a:chOff x="0" y="0"/>
+          <a:chExt cx="0" cy="0"/>
+        </a:xfrm>
+      </p:grpSpPr>
+      <p:pic>
+        <p:nvPicPr>
+          <p:cNvPr id="3" name="Grafik 2">
+            <a:extLst>
+              <a:ext uri="{FF2B5EF4-FFF2-40B4-BE49-F238E27FC236}">
+                <a16:creationId xmlns:a16="http://schemas.microsoft.com/office/drawing/2014/main" id="{DC7E8739-4B11-4A75-AA8B-0137647AF8A2}"/>
+              </a:ext>
+            </a:extLst>
+          </p:cNvPr>
+          <p:cNvPicPr>
+            <a:picLocks noChangeAspect="1"/>
+          </p:cNvPicPr>
+          <p:nvPr/>
+        </p:nvPicPr>
+        <p:blipFill rotWithShape="1">
+          <a:blip r:embed="rId2"/>
+          <a:srcRect l="11844" r="12531"/>
+          <a:stretch/>
+        </p:blipFill>
+        <p:spPr>
+          <a:xfrm>
+            <a:off x="179512" y="915566"/>
+            <a:ext cx="5976665" cy="3845278"/>
+          </a:xfrm>
+          <a:prstGeom prst="rect">
+            <a:avLst/>
+          </a:prstGeom>
+        </p:spPr>
+      </p:pic>
+      <p:sp>
+        <p:nvSpPr>
+          <p:cNvPr id="2" name="Titel 1"/>
+          <p:cNvSpPr>
+            <a:spLocks noGrp="1"/>
+          </p:cNvSpPr>
+          <p:nvPr>
+            <p:ph type="title"/>
+          </p:nvPr>
+        </p:nvSpPr>
+        <p:spPr/>
+        <p:txBody>
+          <a:bodyPr/>
+          <a:lstStyle/>
+          <a:p>
+            <a:r>
+              <a:rPr lang="de-DE" dirty="0" err="1"/>
+              <a:t>Curvilineares</a:t>
+            </a:r>
+            <a:r>
+              <a:rPr lang="de-DE" dirty="0"/>
+              <a:t> Wachstumsmodell – Polynominelle Daten</a:t>
+            </a:r>
+          </a:p>
+        </p:txBody>
+      </p:sp>
+      <p:sp>
+        <p:nvSpPr>
+          <p:cNvPr id="7" name="Datumsplatzhalter 6"/>
+          <p:cNvSpPr>
+            <a:spLocks noGrp="1"/>
+          </p:cNvSpPr>
+          <p:nvPr>
+            <p:ph type="dt" sz="half" idx="10"/>
+          </p:nvPr>
+        </p:nvSpPr>
+        <p:spPr/>
+        <p:txBody>
+          <a:bodyPr/>
+          <a:lstStyle/>
+          <a:p>
+            <a:fld id="{DA5DE712-6C0E-4DF7-B336-AC97213DC93D}" type="datetime1">
+              <a:rPr lang="de-DE" smtClean="0"/>
+              <a:pPr/>
+              <a:t>19.02.2018</a:t>
+            </a:fld>
+            <a:endParaRPr lang="de-DE"/>
+          </a:p>
+        </p:txBody>
+      </p:sp>
+      <p:sp>
+        <p:nvSpPr>
+          <p:cNvPr id="8" name="Fußzeilenplatzhalter 7"/>
+          <p:cNvSpPr>
+            <a:spLocks noGrp="1"/>
+          </p:cNvSpPr>
+          <p:nvPr>
+            <p:ph type="ftr" sz="quarter" idx="11"/>
+          </p:nvPr>
+        </p:nvSpPr>
+        <p:spPr>
+          <a:xfrm>
+            <a:off x="971601" y="4868864"/>
+            <a:ext cx="7272809" cy="223167"/>
+          </a:xfrm>
+        </p:spPr>
+        <p:txBody>
+          <a:bodyPr/>
+          <a:lstStyle/>
+          <a:p>
+            <a:r>
+              <a:rPr lang="de-DE"/>
+              <a:t>Structural Equation Modelling – Wintersemester 2017/2018</a:t>
+            </a:r>
+            <a:endParaRPr lang="de-DE" dirty="0"/>
+          </a:p>
+        </p:txBody>
+      </p:sp>
+      <p:sp>
+        <p:nvSpPr>
+          <p:cNvPr id="9" name="Foliennummernplatzhalter 8"/>
+          <p:cNvSpPr>
+            <a:spLocks noGrp="1"/>
+          </p:cNvSpPr>
+          <p:nvPr>
+            <p:ph type="sldNum" sz="quarter" idx="12"/>
+          </p:nvPr>
+        </p:nvSpPr>
+        <p:spPr/>
+        <p:txBody>
+          <a:bodyPr/>
+          <a:lstStyle/>
+          <a:p>
+            <a:fld id="{015363AA-F6CB-4A58-B5AD-B2CDFEAF0813}" type="slidenum">
+              <a:rPr lang="de-DE" smtClean="0"/>
+              <a:pPr/>
+              <a:t>15</a:t>
+            </a:fld>
+            <a:endParaRPr lang="de-DE"/>
+          </a:p>
+        </p:txBody>
+      </p:sp>
+      <p:sp>
+        <p:nvSpPr>
+          <p:cNvPr id="30" name="Textfeld 29">
+            <a:extLst>
+              <a:ext uri="{FF2B5EF4-FFF2-40B4-BE49-F238E27FC236}">
+                <a16:creationId xmlns:a16="http://schemas.microsoft.com/office/drawing/2014/main" id="{3820186A-CF30-4726-AF6E-350820D4F382}"/>
+              </a:ext>
+            </a:extLst>
+          </p:cNvPr>
+          <p:cNvSpPr txBox="1"/>
+          <p:nvPr/>
+        </p:nvSpPr>
+        <p:spPr>
+          <a:xfrm>
+            <a:off x="2056630" y="1666273"/>
+            <a:ext cx="121270" cy="307777"/>
+          </a:xfrm>
+          <a:prstGeom prst="rect">
+            <a:avLst/>
+          </a:prstGeom>
+          <a:noFill/>
+        </p:spPr>
+        <p:txBody>
+          <a:bodyPr wrap="square" rtlCol="0">
+            <a:spAutoFit/>
+          </a:bodyPr>
+          <a:lstStyle/>
+          <a:p>
+            <a:pPr algn="ctr"/>
+            <a:r>
+              <a:rPr lang="de-DE" sz="1400" dirty="0"/>
+              <a:t>1</a:t>
+            </a:r>
+            <a:endParaRPr lang="en-NZ" sz="1400" dirty="0"/>
+          </a:p>
+        </p:txBody>
+      </p:sp>
+      <p:sp>
+        <p:nvSpPr>
+          <p:cNvPr id="31" name="Textfeld 30">
+            <a:extLst>
+              <a:ext uri="{FF2B5EF4-FFF2-40B4-BE49-F238E27FC236}">
+                <a16:creationId xmlns:a16="http://schemas.microsoft.com/office/drawing/2014/main" id="{B70E975F-8D2B-40AE-8599-3745A8F85F93}"/>
+              </a:ext>
+            </a:extLst>
+          </p:cNvPr>
+          <p:cNvSpPr txBox="1"/>
+          <p:nvPr/>
+        </p:nvSpPr>
+        <p:spPr>
+          <a:xfrm>
+            <a:off x="2330300" y="1718448"/>
+            <a:ext cx="121270" cy="307777"/>
+          </a:xfrm>
+          <a:prstGeom prst="rect">
+            <a:avLst/>
+          </a:prstGeom>
+          <a:noFill/>
+        </p:spPr>
+        <p:txBody>
+          <a:bodyPr wrap="square" rtlCol="0">
+            <a:spAutoFit/>
+          </a:bodyPr>
+          <a:lstStyle/>
+          <a:p>
+            <a:pPr algn="ctr"/>
+            <a:r>
+              <a:rPr lang="de-DE" sz="1400" dirty="0"/>
+              <a:t>1</a:t>
+            </a:r>
+            <a:endParaRPr lang="en-NZ" sz="1400" dirty="0"/>
+          </a:p>
+        </p:txBody>
+      </p:sp>
+      <p:sp>
+        <p:nvSpPr>
+          <p:cNvPr id="32" name="Textfeld 31">
+            <a:extLst>
+              <a:ext uri="{FF2B5EF4-FFF2-40B4-BE49-F238E27FC236}">
+                <a16:creationId xmlns:a16="http://schemas.microsoft.com/office/drawing/2014/main" id="{8B9F0F9A-D29B-4867-A879-9756B64CFBA4}"/>
+              </a:ext>
+            </a:extLst>
+          </p:cNvPr>
+          <p:cNvSpPr txBox="1"/>
+          <p:nvPr/>
+        </p:nvSpPr>
+        <p:spPr>
+          <a:xfrm>
+            <a:off x="2603970" y="1718448"/>
+            <a:ext cx="121270" cy="307777"/>
+          </a:xfrm>
+          <a:prstGeom prst="rect">
+            <a:avLst/>
+          </a:prstGeom>
+          <a:noFill/>
+        </p:spPr>
+        <p:txBody>
+          <a:bodyPr wrap="square" rtlCol="0">
+            <a:spAutoFit/>
+          </a:bodyPr>
+          <a:lstStyle/>
+          <a:p>
+            <a:pPr algn="ctr"/>
+            <a:r>
+              <a:rPr lang="de-DE" sz="1400" dirty="0"/>
+              <a:t>1</a:t>
+            </a:r>
+            <a:endParaRPr lang="en-NZ" sz="1400" dirty="0"/>
+          </a:p>
+        </p:txBody>
+      </p:sp>
+      <p:sp>
+        <p:nvSpPr>
+          <p:cNvPr id="33" name="Textfeld 32">
+            <a:extLst>
+              <a:ext uri="{FF2B5EF4-FFF2-40B4-BE49-F238E27FC236}">
+                <a16:creationId xmlns:a16="http://schemas.microsoft.com/office/drawing/2014/main" id="{F9D77C7C-D8F9-4055-9957-9E7B544A9023}"/>
+              </a:ext>
+            </a:extLst>
+          </p:cNvPr>
+          <p:cNvSpPr txBox="1"/>
+          <p:nvPr/>
+        </p:nvSpPr>
+        <p:spPr>
+          <a:xfrm>
+            <a:off x="2798378" y="1664846"/>
+            <a:ext cx="121270" cy="307777"/>
+          </a:xfrm>
+          <a:prstGeom prst="rect">
+            <a:avLst/>
+          </a:prstGeom>
+          <a:noFill/>
+        </p:spPr>
+        <p:txBody>
+          <a:bodyPr wrap="square" rtlCol="0">
+            <a:spAutoFit/>
+          </a:bodyPr>
+          <a:lstStyle/>
+          <a:p>
+            <a:pPr algn="ctr"/>
+            <a:r>
+              <a:rPr lang="de-DE" sz="1400" dirty="0"/>
+              <a:t>1</a:t>
+            </a:r>
+            <a:endParaRPr lang="en-NZ" sz="1400" dirty="0"/>
+          </a:p>
+        </p:txBody>
+      </p:sp>
+      <p:sp>
+        <p:nvSpPr>
+          <p:cNvPr id="34" name="Textfeld 33">
+            <a:extLst>
+              <a:ext uri="{FF2B5EF4-FFF2-40B4-BE49-F238E27FC236}">
+                <a16:creationId xmlns:a16="http://schemas.microsoft.com/office/drawing/2014/main" id="{9F103D08-491A-48F5-B505-95D6E0E72DF2}"/>
+              </a:ext>
+            </a:extLst>
+          </p:cNvPr>
+          <p:cNvSpPr txBox="1"/>
+          <p:nvPr/>
+        </p:nvSpPr>
+        <p:spPr>
+          <a:xfrm>
+            <a:off x="2877640" y="1591267"/>
+            <a:ext cx="121270" cy="254361"/>
+          </a:xfrm>
+          <a:prstGeom prst="rect">
+            <a:avLst/>
+          </a:prstGeom>
+          <a:noFill/>
+        </p:spPr>
+        <p:txBody>
+          <a:bodyPr wrap="square" rtlCol="0">
+            <a:spAutoFit/>
+          </a:bodyPr>
+          <a:lstStyle/>
+          <a:p>
+            <a:pPr algn="ctr"/>
+            <a:r>
+              <a:rPr lang="de-DE" sz="1400" dirty="0"/>
+              <a:t>1</a:t>
+            </a:r>
+            <a:endParaRPr lang="en-NZ" sz="1400" dirty="0"/>
+          </a:p>
+        </p:txBody>
+      </p:sp>
+      <p:sp>
+        <p:nvSpPr>
+          <p:cNvPr id="35" name="Textfeld 34">
+            <a:extLst>
+              <a:ext uri="{FF2B5EF4-FFF2-40B4-BE49-F238E27FC236}">
+                <a16:creationId xmlns:a16="http://schemas.microsoft.com/office/drawing/2014/main" id="{0167AD8A-30E1-4D43-924B-8A880CDD44B5}"/>
+              </a:ext>
+            </a:extLst>
+          </p:cNvPr>
+          <p:cNvSpPr txBox="1"/>
+          <p:nvPr/>
+        </p:nvSpPr>
+        <p:spPr>
+          <a:xfrm>
+            <a:off x="2974844" y="1539009"/>
+            <a:ext cx="121270" cy="231237"/>
+          </a:xfrm>
+          <a:prstGeom prst="rect">
+            <a:avLst/>
+          </a:prstGeom>
+          <a:noFill/>
+        </p:spPr>
+        <p:txBody>
+          <a:bodyPr wrap="square" rtlCol="0">
+            <a:spAutoFit/>
+          </a:bodyPr>
+          <a:lstStyle/>
+          <a:p>
+            <a:pPr algn="ctr"/>
+            <a:r>
+              <a:rPr lang="de-DE" sz="1400" dirty="0"/>
+              <a:t>1</a:t>
+            </a:r>
+            <a:endParaRPr lang="en-NZ" sz="1400" dirty="0"/>
+          </a:p>
+        </p:txBody>
+      </p:sp>
+      <p:sp>
+        <p:nvSpPr>
+          <p:cNvPr id="36" name="Textfeld 35">
+            <a:extLst>
+              <a:ext uri="{FF2B5EF4-FFF2-40B4-BE49-F238E27FC236}">
+                <a16:creationId xmlns:a16="http://schemas.microsoft.com/office/drawing/2014/main" id="{1BB6CF53-DBB2-42F8-AA0F-E8896C8AC2F5}"/>
+              </a:ext>
+            </a:extLst>
+          </p:cNvPr>
+          <p:cNvSpPr txBox="1"/>
+          <p:nvPr/>
+        </p:nvSpPr>
+        <p:spPr>
+          <a:xfrm>
+            <a:off x="1025772" y="2463551"/>
+            <a:ext cx="121270" cy="254361"/>
+          </a:xfrm>
+          <a:prstGeom prst="rect">
+            <a:avLst/>
+          </a:prstGeom>
+          <a:noFill/>
+        </p:spPr>
+        <p:txBody>
+          <a:bodyPr wrap="square" rtlCol="0">
+            <a:spAutoFit/>
+          </a:bodyPr>
+          <a:lstStyle/>
+          <a:p>
+            <a:pPr algn="ctr"/>
+            <a:r>
+              <a:rPr lang="de-DE" sz="1400" dirty="0"/>
+              <a:t>0</a:t>
+            </a:r>
+            <a:endParaRPr lang="en-NZ" sz="1400" dirty="0"/>
+          </a:p>
+        </p:txBody>
+      </p:sp>
+      <p:sp>
+        <p:nvSpPr>
+          <p:cNvPr id="37" name="Textfeld 36">
+            <a:extLst>
+              <a:ext uri="{FF2B5EF4-FFF2-40B4-BE49-F238E27FC236}">
+                <a16:creationId xmlns:a16="http://schemas.microsoft.com/office/drawing/2014/main" id="{2286F7F7-5187-475A-A6F1-E6699125A4DE}"/>
+              </a:ext>
+            </a:extLst>
+          </p:cNvPr>
+          <p:cNvSpPr txBox="1"/>
+          <p:nvPr/>
+        </p:nvSpPr>
+        <p:spPr>
+          <a:xfrm>
+            <a:off x="1979899" y="2412367"/>
+            <a:ext cx="121270" cy="307777"/>
+          </a:xfrm>
+          <a:prstGeom prst="rect">
+            <a:avLst/>
+          </a:prstGeom>
+          <a:noFill/>
+        </p:spPr>
+        <p:txBody>
+          <a:bodyPr wrap="square" rtlCol="0">
+            <a:spAutoFit/>
+          </a:bodyPr>
+          <a:lstStyle/>
+          <a:p>
+            <a:pPr algn="ctr"/>
+            <a:r>
+              <a:rPr lang="de-DE" sz="1400" dirty="0"/>
+              <a:t>1</a:t>
+            </a:r>
+            <a:endParaRPr lang="en-NZ" sz="1400" dirty="0"/>
+          </a:p>
+        </p:txBody>
+      </p:sp>
+      <p:sp>
+        <p:nvSpPr>
+          <p:cNvPr id="16" name="Textfeld 15">
+            <a:extLst>
+              <a:ext uri="{FF2B5EF4-FFF2-40B4-BE49-F238E27FC236}">
+                <a16:creationId xmlns:a16="http://schemas.microsoft.com/office/drawing/2014/main" id="{E4B7DD86-3BE3-4117-A636-35D5A8986FD0}"/>
+              </a:ext>
+            </a:extLst>
+          </p:cNvPr>
+          <p:cNvSpPr txBox="1"/>
+          <p:nvPr/>
+        </p:nvSpPr>
+        <p:spPr>
+          <a:xfrm>
+            <a:off x="1649579" y="1322492"/>
+            <a:ext cx="781910" cy="307777"/>
+          </a:xfrm>
+          <a:prstGeom prst="rect">
+            <a:avLst/>
+          </a:prstGeom>
+          <a:noFill/>
+        </p:spPr>
+        <p:txBody>
+          <a:bodyPr wrap="square" rtlCol="0">
+            <a:spAutoFit/>
+          </a:bodyPr>
+          <a:lstStyle/>
+          <a:p>
+            <a:pPr algn="ctr"/>
+            <a:r>
+              <a:rPr lang="de-DE" sz="1400" dirty="0">
+                <a:solidFill>
+                  <a:srgbClr val="10427A"/>
+                </a:solidFill>
+              </a:rPr>
+              <a:t>10</a:t>
+            </a:r>
+            <a:endParaRPr lang="en-NZ" sz="1400" dirty="0">
+              <a:solidFill>
+                <a:srgbClr val="10427A"/>
+              </a:solidFill>
+            </a:endParaRPr>
+          </a:p>
+        </p:txBody>
+      </p:sp>
+      <p:sp>
+        <p:nvSpPr>
+          <p:cNvPr id="17" name="Textfeld 16">
+            <a:extLst>
+              <a:ext uri="{FF2B5EF4-FFF2-40B4-BE49-F238E27FC236}">
+                <a16:creationId xmlns:a16="http://schemas.microsoft.com/office/drawing/2014/main" id="{C202B6EE-F93F-4BCD-98AF-B7D71B48256A}"/>
+              </a:ext>
+            </a:extLst>
+          </p:cNvPr>
+          <p:cNvSpPr txBox="1"/>
+          <p:nvPr/>
+        </p:nvSpPr>
+        <p:spPr>
+          <a:xfrm>
+            <a:off x="3948418" y="1316436"/>
+            <a:ext cx="781910" cy="307777"/>
+          </a:xfrm>
+          <a:prstGeom prst="rect">
+            <a:avLst/>
+          </a:prstGeom>
+          <a:noFill/>
+        </p:spPr>
+        <p:txBody>
+          <a:bodyPr wrap="square" rtlCol="0">
+            <a:spAutoFit/>
+          </a:bodyPr>
+          <a:lstStyle/>
+          <a:p>
+            <a:pPr algn="ctr"/>
+            <a:r>
+              <a:rPr lang="de-DE" sz="1400" dirty="0">
+                <a:solidFill>
+                  <a:srgbClr val="10427A"/>
+                </a:solidFill>
+              </a:rPr>
+              <a:t>8</a:t>
+            </a:r>
+            <a:endParaRPr lang="en-NZ" sz="1400" dirty="0">
+              <a:solidFill>
+                <a:srgbClr val="10427A"/>
+              </a:solidFill>
+            </a:endParaRPr>
+          </a:p>
+        </p:txBody>
+      </p:sp>
+      <p:sp>
+        <p:nvSpPr>
+          <p:cNvPr id="18" name="Textfeld 17">
+            <a:extLst>
+              <a:ext uri="{FF2B5EF4-FFF2-40B4-BE49-F238E27FC236}">
+                <a16:creationId xmlns:a16="http://schemas.microsoft.com/office/drawing/2014/main" id="{BD977FD7-AF17-4E3C-AF3E-6638F0849EA5}"/>
+              </a:ext>
+            </a:extLst>
+          </p:cNvPr>
+          <p:cNvSpPr txBox="1"/>
+          <p:nvPr/>
+        </p:nvSpPr>
+        <p:spPr>
+          <a:xfrm>
+            <a:off x="2603970" y="2270370"/>
+            <a:ext cx="781910" cy="307777"/>
+          </a:xfrm>
+          <a:prstGeom prst="rect">
+            <a:avLst/>
+          </a:prstGeom>
+          <a:noFill/>
+        </p:spPr>
+        <p:txBody>
+          <a:bodyPr wrap="square" rtlCol="0">
+            <a:spAutoFit/>
+          </a:bodyPr>
+          <a:lstStyle/>
+          <a:p>
+            <a:pPr algn="ctr"/>
+            <a:r>
+              <a:rPr lang="de-DE" sz="1400" dirty="0">
+                <a:solidFill>
+                  <a:srgbClr val="10427A"/>
+                </a:solidFill>
+              </a:rPr>
+              <a:t>3,25</a:t>
+            </a:r>
+            <a:endParaRPr lang="en-NZ" sz="1400" dirty="0">
+              <a:solidFill>
+                <a:srgbClr val="10427A"/>
+              </a:solidFill>
+            </a:endParaRPr>
+          </a:p>
+        </p:txBody>
+      </p:sp>
+      <p:sp>
+        <p:nvSpPr>
+          <p:cNvPr id="19" name="Textfeld 18">
+            <a:extLst>
+              <a:ext uri="{FF2B5EF4-FFF2-40B4-BE49-F238E27FC236}">
+                <a16:creationId xmlns:a16="http://schemas.microsoft.com/office/drawing/2014/main" id="{39D94078-CAB7-447A-B644-4602268B9329}"/>
+              </a:ext>
+            </a:extLst>
+          </p:cNvPr>
+          <p:cNvSpPr txBox="1"/>
+          <p:nvPr/>
+        </p:nvSpPr>
+        <p:spPr>
+          <a:xfrm>
+            <a:off x="3331836" y="2270370"/>
+            <a:ext cx="781910" cy="307777"/>
+          </a:xfrm>
+          <a:prstGeom prst="rect">
+            <a:avLst/>
+          </a:prstGeom>
+          <a:noFill/>
+        </p:spPr>
+        <p:txBody>
+          <a:bodyPr wrap="square" rtlCol="0">
+            <a:spAutoFit/>
+          </a:bodyPr>
+          <a:lstStyle/>
+          <a:p>
+            <a:pPr algn="ctr"/>
+            <a:r>
+              <a:rPr lang="de-DE" sz="1400" dirty="0">
+                <a:solidFill>
+                  <a:srgbClr val="10427A"/>
+                </a:solidFill>
+              </a:rPr>
+              <a:t>6,75</a:t>
+            </a:r>
+            <a:endParaRPr lang="en-NZ" sz="1400" dirty="0">
+              <a:solidFill>
+                <a:srgbClr val="10427A"/>
+              </a:solidFill>
+            </a:endParaRPr>
+          </a:p>
+        </p:txBody>
+      </p:sp>
+      <p:sp>
+        <p:nvSpPr>
+          <p:cNvPr id="20" name="Textfeld 19">
+            <a:extLst>
+              <a:ext uri="{FF2B5EF4-FFF2-40B4-BE49-F238E27FC236}">
+                <a16:creationId xmlns:a16="http://schemas.microsoft.com/office/drawing/2014/main" id="{3DBADA35-3181-4BAF-92A7-05EA1DA9A22F}"/>
+              </a:ext>
+            </a:extLst>
+          </p:cNvPr>
+          <p:cNvSpPr txBox="1"/>
+          <p:nvPr/>
+        </p:nvSpPr>
+        <p:spPr>
+          <a:xfrm>
+            <a:off x="4062197" y="2282667"/>
+            <a:ext cx="781910" cy="307777"/>
+          </a:xfrm>
+          <a:prstGeom prst="rect">
+            <a:avLst/>
+          </a:prstGeom>
+          <a:noFill/>
+        </p:spPr>
+        <p:txBody>
+          <a:bodyPr wrap="square" rtlCol="0">
+            <a:spAutoFit/>
+          </a:bodyPr>
+          <a:lstStyle/>
+          <a:p>
+            <a:pPr algn="ctr"/>
+            <a:r>
+              <a:rPr lang="de-DE" sz="1400" dirty="0">
+                <a:solidFill>
+                  <a:srgbClr val="10427A"/>
+                </a:solidFill>
+              </a:rPr>
+              <a:t>11,5</a:t>
+            </a:r>
+            <a:endParaRPr lang="en-NZ" sz="1400" dirty="0">
+              <a:solidFill>
+                <a:srgbClr val="10427A"/>
+              </a:solidFill>
+            </a:endParaRPr>
+          </a:p>
+        </p:txBody>
+      </p:sp>
+      <p:sp>
+        <p:nvSpPr>
+          <p:cNvPr id="21" name="Textfeld 20">
+            <a:extLst>
+              <a:ext uri="{FF2B5EF4-FFF2-40B4-BE49-F238E27FC236}">
+                <a16:creationId xmlns:a16="http://schemas.microsoft.com/office/drawing/2014/main" id="{1509732D-5CAE-49B8-B4C5-65D90871C324}"/>
+              </a:ext>
+            </a:extLst>
+          </p:cNvPr>
+          <p:cNvSpPr txBox="1"/>
+          <p:nvPr/>
+        </p:nvSpPr>
+        <p:spPr>
+          <a:xfrm>
+            <a:off x="4848189" y="2309662"/>
+            <a:ext cx="781910" cy="307777"/>
+          </a:xfrm>
+          <a:prstGeom prst="rect">
+            <a:avLst/>
+          </a:prstGeom>
+          <a:noFill/>
+        </p:spPr>
+        <p:txBody>
+          <a:bodyPr wrap="square" rtlCol="0">
+            <a:spAutoFit/>
+          </a:bodyPr>
+          <a:lstStyle/>
+          <a:p>
+            <a:pPr algn="ctr"/>
+            <a:r>
+              <a:rPr lang="de-DE" sz="1400" dirty="0">
+                <a:solidFill>
+                  <a:srgbClr val="10427A"/>
+                </a:solidFill>
+              </a:rPr>
+              <a:t>17,5</a:t>
+            </a:r>
+            <a:endParaRPr lang="en-NZ" sz="1400" dirty="0">
+              <a:solidFill>
+                <a:srgbClr val="10427A"/>
+              </a:solidFill>
+            </a:endParaRPr>
+          </a:p>
+        </p:txBody>
+      </p:sp>
+      <p:sp>
+        <p:nvSpPr>
+          <p:cNvPr id="5" name="Textfeld 4">
+            <a:extLst>
+              <a:ext uri="{FF2B5EF4-FFF2-40B4-BE49-F238E27FC236}">
+                <a16:creationId xmlns:a16="http://schemas.microsoft.com/office/drawing/2014/main" id="{0982468C-74E1-4CF2-A95A-35DF6DA952E6}"/>
+              </a:ext>
+            </a:extLst>
+          </p:cNvPr>
+          <p:cNvSpPr txBox="1"/>
+          <p:nvPr/>
+        </p:nvSpPr>
+        <p:spPr>
+          <a:xfrm>
+            <a:off x="6352193" y="1275606"/>
+            <a:ext cx="2530997" cy="2308324"/>
+          </a:xfrm>
+          <a:prstGeom prst="rect">
+            <a:avLst/>
+          </a:prstGeom>
+          <a:noFill/>
+        </p:spPr>
+        <p:txBody>
+          <a:bodyPr wrap="square" rtlCol="0">
+            <a:spAutoFit/>
+          </a:bodyPr>
+          <a:lstStyle/>
+          <a:p>
+            <a:r>
+              <a:rPr lang="de-DE" dirty="0">
+                <a:solidFill>
+                  <a:srgbClr val="10427A"/>
+                </a:solidFill>
+              </a:rPr>
+              <a:t>TODO Formel </a:t>
+            </a:r>
+            <a:r>
+              <a:rPr lang="de-DE" dirty="0" err="1">
+                <a:solidFill>
+                  <a:srgbClr val="10427A"/>
+                </a:solidFill>
+              </a:rPr>
+              <a:t>Poly</a:t>
+            </a:r>
+            <a:br>
+              <a:rPr lang="de-DE" dirty="0">
+                <a:solidFill>
+                  <a:srgbClr val="10427A"/>
+                </a:solidFill>
+              </a:rPr>
+            </a:br>
+            <a:br>
+              <a:rPr lang="de-DE" dirty="0">
+                <a:solidFill>
+                  <a:srgbClr val="10427A"/>
+                </a:solidFill>
+              </a:rPr>
+            </a:br>
+            <a:r>
+              <a:rPr lang="de-DE" dirty="0">
+                <a:solidFill>
+                  <a:srgbClr val="10427A"/>
+                </a:solidFill>
+              </a:rPr>
+              <a:t>8 = </a:t>
+            </a:r>
+            <a:r>
+              <a:rPr lang="de-DE" dirty="0">
+                <a:solidFill>
+                  <a:schemeClr val="tx1">
+                    <a:lumMod val="95000"/>
+                    <a:lumOff val="5000"/>
+                  </a:schemeClr>
+                </a:solidFill>
+              </a:rPr>
+              <a:t>3</a:t>
+            </a:r>
+            <a:r>
+              <a:rPr lang="de-DE" dirty="0">
+                <a:solidFill>
+                  <a:srgbClr val="10427A"/>
+                </a:solidFill>
+              </a:rPr>
+              <a:t> + </a:t>
+            </a:r>
+            <a:r>
+              <a:rPr lang="de-DE" dirty="0">
+                <a:solidFill>
+                  <a:schemeClr val="tx1">
+                    <a:lumMod val="95000"/>
+                    <a:lumOff val="5000"/>
+                  </a:schemeClr>
+                </a:solidFill>
+              </a:rPr>
+              <a:t>5</a:t>
+            </a:r>
+          </a:p>
+          <a:p>
+            <a:endParaRPr lang="de-DE" dirty="0">
+              <a:solidFill>
+                <a:srgbClr val="10427A"/>
+              </a:solidFill>
+            </a:endParaRPr>
+          </a:p>
+          <a:p>
+            <a:r>
+              <a:rPr lang="de-DE" dirty="0">
+                <a:solidFill>
+                  <a:srgbClr val="10427A"/>
+                </a:solidFill>
+              </a:rPr>
+              <a:t>3,25 = (</a:t>
+            </a:r>
+            <a:r>
+              <a:rPr lang="de-DE" dirty="0">
+                <a:solidFill>
+                  <a:schemeClr val="tx1">
+                    <a:lumMod val="95000"/>
+                    <a:lumOff val="5000"/>
+                  </a:schemeClr>
+                </a:solidFill>
+              </a:rPr>
+              <a:t>3</a:t>
+            </a:r>
+            <a:r>
+              <a:rPr lang="de-DE" dirty="0">
+                <a:solidFill>
+                  <a:srgbClr val="10427A"/>
+                </a:solidFill>
+              </a:rPr>
+              <a:t>*2+</a:t>
+            </a:r>
+            <a:r>
+              <a:rPr lang="de-DE" dirty="0">
+                <a:solidFill>
+                  <a:schemeClr val="tx1">
+                    <a:lumMod val="95000"/>
+                    <a:lumOff val="5000"/>
+                  </a:schemeClr>
+                </a:solidFill>
+              </a:rPr>
+              <a:t>5</a:t>
+            </a:r>
+            <a:r>
+              <a:rPr lang="de-DE" dirty="0">
+                <a:solidFill>
+                  <a:srgbClr val="10427A"/>
+                </a:solidFill>
+              </a:rPr>
+              <a:t>*2^2) / 8</a:t>
+            </a:r>
+          </a:p>
+          <a:p>
+            <a:r>
+              <a:rPr lang="de-DE" dirty="0">
+                <a:solidFill>
+                  <a:srgbClr val="10427A"/>
+                </a:solidFill>
+              </a:rPr>
+              <a:t>6,75 = (</a:t>
+            </a:r>
+            <a:r>
+              <a:rPr lang="de-DE" dirty="0">
+                <a:solidFill>
+                  <a:schemeClr val="tx1">
+                    <a:lumMod val="95000"/>
+                    <a:lumOff val="5000"/>
+                  </a:schemeClr>
+                </a:solidFill>
+              </a:rPr>
+              <a:t>3</a:t>
+            </a:r>
+            <a:r>
+              <a:rPr lang="de-DE" dirty="0">
+                <a:solidFill>
+                  <a:srgbClr val="10427A"/>
+                </a:solidFill>
+              </a:rPr>
+              <a:t>*3+</a:t>
+            </a:r>
+            <a:r>
+              <a:rPr lang="de-DE" dirty="0">
+                <a:solidFill>
+                  <a:schemeClr val="tx1">
+                    <a:lumMod val="95000"/>
+                    <a:lumOff val="5000"/>
+                  </a:schemeClr>
+                </a:solidFill>
+              </a:rPr>
+              <a:t>5</a:t>
+            </a:r>
+            <a:r>
+              <a:rPr lang="de-DE" dirty="0">
+                <a:solidFill>
+                  <a:srgbClr val="10427A"/>
+                </a:solidFill>
+              </a:rPr>
+              <a:t>*3^2) / 8</a:t>
+            </a:r>
+            <a:endParaRPr lang="en-NZ" dirty="0">
+              <a:solidFill>
+                <a:srgbClr val="10427A"/>
+              </a:solidFill>
+            </a:endParaRPr>
+          </a:p>
+          <a:p>
+            <a:r>
+              <a:rPr lang="de-DE" dirty="0">
+                <a:solidFill>
+                  <a:srgbClr val="10427A"/>
+                </a:solidFill>
+              </a:rPr>
+              <a:t>11,5 = (</a:t>
+            </a:r>
+            <a:r>
+              <a:rPr lang="de-DE" dirty="0">
+                <a:solidFill>
+                  <a:schemeClr val="tx1">
+                    <a:lumMod val="95000"/>
+                    <a:lumOff val="5000"/>
+                  </a:schemeClr>
+                </a:solidFill>
+              </a:rPr>
+              <a:t>3</a:t>
+            </a:r>
+            <a:r>
+              <a:rPr lang="de-DE" dirty="0">
+                <a:solidFill>
+                  <a:srgbClr val="10427A"/>
+                </a:solidFill>
+              </a:rPr>
+              <a:t>*4+</a:t>
+            </a:r>
+            <a:r>
+              <a:rPr lang="de-DE" dirty="0">
+                <a:solidFill>
+                  <a:schemeClr val="tx1">
+                    <a:lumMod val="95000"/>
+                    <a:lumOff val="5000"/>
+                  </a:schemeClr>
+                </a:solidFill>
+              </a:rPr>
+              <a:t>5</a:t>
+            </a:r>
+            <a:r>
+              <a:rPr lang="de-DE" dirty="0">
+                <a:solidFill>
+                  <a:srgbClr val="10427A"/>
+                </a:solidFill>
+              </a:rPr>
+              <a:t>*4^2) / 8</a:t>
+            </a:r>
+            <a:endParaRPr lang="en-NZ" dirty="0">
+              <a:solidFill>
+                <a:srgbClr val="10427A"/>
+              </a:solidFill>
+            </a:endParaRPr>
+          </a:p>
+          <a:p>
+            <a:r>
+              <a:rPr lang="de-DE" dirty="0">
+                <a:solidFill>
+                  <a:srgbClr val="10427A"/>
+                </a:solidFill>
+              </a:rPr>
+              <a:t>17,5 = (</a:t>
+            </a:r>
+            <a:r>
+              <a:rPr lang="de-DE" dirty="0">
+                <a:solidFill>
+                  <a:schemeClr val="tx1">
+                    <a:lumMod val="95000"/>
+                    <a:lumOff val="5000"/>
+                  </a:schemeClr>
+                </a:solidFill>
+              </a:rPr>
+              <a:t>3</a:t>
+            </a:r>
+            <a:r>
+              <a:rPr lang="de-DE" dirty="0">
+                <a:solidFill>
+                  <a:srgbClr val="10427A"/>
+                </a:solidFill>
+              </a:rPr>
+              <a:t>*5+</a:t>
+            </a:r>
+            <a:r>
+              <a:rPr lang="de-DE" dirty="0">
+                <a:solidFill>
+                  <a:schemeClr val="tx1">
+                    <a:lumMod val="95000"/>
+                    <a:lumOff val="5000"/>
+                  </a:schemeClr>
+                </a:solidFill>
+              </a:rPr>
+              <a:t>5</a:t>
+            </a:r>
+            <a:r>
+              <a:rPr lang="de-DE" dirty="0">
+                <a:solidFill>
+                  <a:srgbClr val="10427A"/>
+                </a:solidFill>
+              </a:rPr>
+              <a:t>*5^2) / 8</a:t>
+            </a:r>
+            <a:endParaRPr lang="en-NZ" dirty="0">
+              <a:solidFill>
+                <a:srgbClr val="10427A"/>
+              </a:solidFill>
+            </a:endParaRPr>
+          </a:p>
+        </p:txBody>
+      </p:sp>
+    </p:spTree>
+    <p:extLst>
+      <p:ext uri="{BB962C8B-B14F-4D97-AF65-F5344CB8AC3E}">
+        <p14:creationId xmlns:p14="http://schemas.microsoft.com/office/powerpoint/2010/main" val="3247124863"/>
+      </p:ext>
+    </p:extLst>
+  </p:cSld>
+  <p:clrMapOvr>
+    <a:masterClrMapping/>
+  </p:clrMapOvr>
 </p:sld>
 </file>
 
@@ -7236,10 +11027,9 @@
           <a:lstStyle/>
           <a:p>
             <a:r>
-              <a:rPr lang="de-DE" dirty="0" smtClean="0"/>
+              <a:rPr lang="de-DE" dirty="0"/>
               <a:t>Inhalt</a:t>
             </a:r>
-            <a:endParaRPr lang="de-DE" dirty="0"/>
           </a:p>
         </p:txBody>
       </p:sp>
@@ -7267,7 +11057,7 @@
               <a:buAutoNum type="arabicPeriod"/>
             </a:pPr>
             <a:r>
-              <a:rPr lang="de-DE" dirty="0" smtClean="0"/>
+              <a:rPr lang="de-DE" dirty="0"/>
               <a:t>Grundlagen</a:t>
             </a:r>
           </a:p>
@@ -7288,10 +11078,10 @@
               <a:t> </a:t>
             </a:r>
             <a:r>
-              <a:rPr lang="de-DE" dirty="0" err="1" smtClean="0"/>
+              <a:rPr lang="de-DE" dirty="0" err="1"/>
               <a:t>structures</a:t>
             </a:r>
-            <a:endParaRPr lang="de-DE" dirty="0" smtClean="0"/>
+            <a:endParaRPr lang="de-DE" dirty="0"/>
           </a:p>
           <a:p>
             <a:pPr lvl="1">
@@ -7301,10 +11091,10 @@
               <a:buAutoNum type="arabicPeriod"/>
             </a:pPr>
             <a:r>
-              <a:rPr lang="de-DE" dirty="0" err="1" smtClean="0"/>
+              <a:rPr lang="de-DE" dirty="0" err="1"/>
               <a:t>Wachtumsmodelle</a:t>
             </a:r>
-            <a:endParaRPr lang="de-DE" dirty="0" smtClean="0"/>
+            <a:endParaRPr lang="de-DE" dirty="0"/>
           </a:p>
           <a:p>
             <a:pPr>
@@ -7314,7 +11104,7 @@
               <a:buAutoNum type="arabicPeriod"/>
             </a:pPr>
             <a:r>
-              <a:rPr lang="de-DE" dirty="0" smtClean="0"/>
+              <a:rPr lang="de-DE" dirty="0"/>
               <a:t>Versuchsaufbau</a:t>
             </a:r>
           </a:p>
@@ -7326,7 +11116,7 @@
               <a:buAutoNum type="arabicPeriod"/>
             </a:pPr>
             <a:r>
-              <a:rPr lang="de-DE" dirty="0" smtClean="0"/>
+              <a:rPr lang="de-DE" dirty="0"/>
               <a:t>Datensätze</a:t>
             </a:r>
           </a:p>
@@ -7338,7 +11128,7 @@
               <a:buAutoNum type="arabicPeriod"/>
             </a:pPr>
             <a:r>
-              <a:rPr lang="de-DE" dirty="0" smtClean="0"/>
+              <a:rPr lang="de-DE" dirty="0"/>
               <a:t>Modellierung</a:t>
             </a:r>
           </a:p>
@@ -7350,7 +11140,7 @@
               <a:buAutoNum type="arabicPeriod"/>
             </a:pPr>
             <a:r>
-              <a:rPr lang="de-DE" dirty="0" smtClean="0"/>
+              <a:rPr lang="de-DE" dirty="0"/>
               <a:t>Lineare Wachstumsmodelle</a:t>
             </a:r>
           </a:p>
@@ -7362,11 +11152,11 @@
               <a:buAutoNum type="arabicPeriod"/>
             </a:pPr>
             <a:r>
-              <a:rPr lang="de-DE" dirty="0" err="1" smtClean="0"/>
+              <a:rPr lang="de-DE" dirty="0" err="1"/>
               <a:t>Polynomielle</a:t>
             </a:r>
             <a:r>
-              <a:rPr lang="de-DE" dirty="0" smtClean="0"/>
+              <a:rPr lang="de-DE" dirty="0"/>
               <a:t> Wachstumsmodelle</a:t>
             </a:r>
           </a:p>
@@ -7378,11 +11168,11 @@
               <a:buAutoNum type="arabicPeriod"/>
             </a:pPr>
             <a:r>
-              <a:rPr lang="de-DE" dirty="0" err="1" smtClean="0"/>
+              <a:rPr lang="de-DE" dirty="0" err="1"/>
               <a:t>Curvilineare</a:t>
             </a:r>
             <a:r>
-              <a:rPr lang="de-DE" dirty="0" smtClean="0"/>
+              <a:rPr lang="de-DE" dirty="0"/>
               <a:t> Wachstumsmodelle</a:t>
             </a:r>
           </a:p>
@@ -7394,7 +11184,7 @@
               <a:buAutoNum type="arabicPeriod"/>
             </a:pPr>
             <a:r>
-              <a:rPr lang="de-DE" dirty="0" smtClean="0"/>
+              <a:rPr lang="de-DE" dirty="0"/>
               <a:t>Weitere Ansätze</a:t>
             </a:r>
           </a:p>
@@ -7406,15 +11196,15 @@
               <a:buAutoNum type="arabicPeriod"/>
             </a:pPr>
             <a:r>
-              <a:rPr lang="de-DE" dirty="0" smtClean="0"/>
+              <a:rPr lang="de-DE" dirty="0"/>
               <a:t>(Alternativ) </a:t>
             </a:r>
             <a:r>
-              <a:rPr lang="de-DE" dirty="0" err="1" smtClean="0"/>
+              <a:rPr lang="de-DE" dirty="0" err="1"/>
               <a:t>Prediction</a:t>
             </a:r>
             <a:r>
-              <a:rPr lang="de-DE" dirty="0" smtClean="0"/>
+              <a:rPr lang="de-DE" dirty="0"/>
               <a:t> Models</a:t>
             </a:r>
           </a:p>
@@ -7426,10 +11216,9 @@
               <a:buAutoNum type="arabicPeriod"/>
             </a:pPr>
             <a:r>
-              <a:rPr lang="de-DE" dirty="0" smtClean="0"/>
+              <a:rPr lang="de-DE" dirty="0"/>
               <a:t>Resümee</a:t>
             </a:r>
-            <a:endParaRPr lang="de-DE" dirty="0" smtClean="0"/>
           </a:p>
         </p:txBody>
       </p:sp>
@@ -7451,7 +11240,7 @@
             <a:fld id="{6DB845E5-DACF-426C-8A10-A6438D29DD66}" type="datetime1">
               <a:rPr lang="de-DE" smtClean="0"/>
               <a:pPr/>
-              <a:t>17.02.2018</a:t>
+              <a:t>19.02.2018</a:t>
             </a:fld>
             <a:endParaRPr lang="de-DE"/>
           </a:p>
@@ -7496,7 +11285,6 @@
               <a:rPr lang="de-DE" dirty="0"/>
               <a:t> – Wintersemester 2017/2018</a:t>
             </a:r>
-            <a:endParaRPr lang="de-DE" dirty="0"/>
           </a:p>
         </p:txBody>
       </p:sp>
@@ -7529,13 +11317,6 @@
   <p:clrMapOvr>
     <a:masterClrMapping/>
   </p:clrMapOvr>
-  <p:timing>
-    <p:tnLst>
-      <p:par>
-        <p:cTn id="1" dur="indefinite" restart="never" nodeType="tmRoot"/>
-      </p:par>
-    </p:tnLst>
-  </p:timing>
 </p:sld>
 </file>
 
@@ -7572,19 +11353,19 @@
           <a:lstStyle/>
           <a:p>
             <a:r>
-              <a:rPr lang="de-DE" dirty="0" smtClean="0"/>
+              <a:rPr lang="de-DE" dirty="0"/>
               <a:t>Grundlagen – </a:t>
             </a:r>
             <a:r>
-              <a:rPr lang="de-DE" dirty="0" err="1" smtClean="0"/>
+              <a:rPr lang="de-DE" dirty="0" err="1"/>
               <a:t>Mean</a:t>
             </a:r>
             <a:r>
-              <a:rPr lang="de-DE" dirty="0" smtClean="0"/>
+              <a:rPr lang="de-DE" dirty="0"/>
               <a:t> </a:t>
             </a:r>
             <a:r>
-              <a:rPr lang="de-DE" dirty="0" err="1" smtClean="0"/>
+              <a:rPr lang="de-DE" dirty="0" err="1"/>
               <a:t>Structures</a:t>
             </a:r>
             <a:endParaRPr lang="de-DE" dirty="0"/>
@@ -7607,69 +11388,69 @@
           <a:lstStyle/>
           <a:p>
             <a:r>
-              <a:rPr lang="de-DE" dirty="0" smtClean="0"/>
+              <a:rPr lang="de-DE" dirty="0"/>
               <a:t>Standardmäßig keine Berücksichtigung von </a:t>
             </a:r>
             <a:r>
-              <a:rPr lang="de-DE" dirty="0" err="1" smtClean="0"/>
+              <a:rPr lang="de-DE" dirty="0" err="1"/>
               <a:t>Means</a:t>
             </a:r>
             <a:r>
-              <a:rPr lang="de-DE" dirty="0" smtClean="0"/>
+              <a:rPr lang="de-DE" dirty="0"/>
               <a:t> (bzw. </a:t>
             </a:r>
             <a:r>
-              <a:rPr lang="de-DE" dirty="0" err="1" smtClean="0"/>
+              <a:rPr lang="de-DE" dirty="0" err="1"/>
               <a:t>Mean</a:t>
             </a:r>
             <a:r>
-              <a:rPr lang="de-DE" dirty="0" smtClean="0"/>
+              <a:rPr lang="de-DE" dirty="0"/>
               <a:t> </a:t>
             </a:r>
             <a:r>
-              <a:rPr lang="de-DE" dirty="0" err="1" smtClean="0"/>
+              <a:rPr lang="de-DE" dirty="0" err="1"/>
               <a:t>Structures</a:t>
             </a:r>
             <a:r>
-              <a:rPr lang="de-DE" dirty="0" smtClean="0"/>
+              <a:rPr lang="de-DE" dirty="0"/>
               <a:t>) in Strukturgleichungsmodellen</a:t>
             </a:r>
           </a:p>
           <a:p>
             <a:pPr lvl="1"/>
             <a:r>
-              <a:rPr lang="de-DE" dirty="0" smtClean="0"/>
+              <a:rPr lang="de-DE" dirty="0"/>
               <a:t>Schätzung anhand der Varianz-Kovarianz-Matrix</a:t>
             </a:r>
           </a:p>
           <a:p>
             <a:pPr lvl="1"/>
             <a:r>
-              <a:rPr lang="de-DE" dirty="0" smtClean="0"/>
+              <a:rPr lang="de-DE" dirty="0"/>
               <a:t>Skalierung der Werte</a:t>
             </a:r>
           </a:p>
           <a:p>
             <a:r>
-              <a:rPr lang="de-DE" dirty="0" err="1" smtClean="0"/>
+              <a:rPr lang="de-DE" dirty="0" err="1"/>
               <a:t>Mean</a:t>
             </a:r>
             <a:r>
-              <a:rPr lang="de-DE" dirty="0" smtClean="0"/>
+              <a:rPr lang="de-DE" dirty="0"/>
               <a:t> </a:t>
             </a:r>
             <a:r>
-              <a:rPr lang="de-DE" dirty="0" err="1" smtClean="0"/>
+              <a:rPr lang="de-DE" dirty="0" err="1"/>
               <a:t>Structures</a:t>
             </a:r>
             <a:r>
-              <a:rPr lang="de-DE" dirty="0" smtClean="0"/>
+              <a:rPr lang="de-DE" dirty="0"/>
               <a:t> können signifikante Bedeutungen haben</a:t>
             </a:r>
           </a:p>
           <a:p>
             <a:r>
-              <a:rPr lang="de-DE" dirty="0" smtClean="0"/>
+              <a:rPr lang="de-DE" dirty="0"/>
               <a:t>Laden über Konstanten (mit Wert 1) auf endogene und exogene Variablen</a:t>
             </a:r>
           </a:p>
@@ -7693,7 +11474,7 @@
             <a:fld id="{6DB845E5-DACF-426C-8A10-A6438D29DD66}" type="datetime1">
               <a:rPr lang="de-DE" smtClean="0"/>
               <a:pPr/>
-              <a:t>17.02.2018</a:t>
+              <a:t>19.02.2018</a:t>
             </a:fld>
             <a:endParaRPr lang="de-DE"/>
           </a:p>
@@ -7715,7 +11496,7 @@
           <a:lstStyle/>
           <a:p>
             <a:r>
-              <a:rPr lang="de-DE" smtClean="0"/>
+              <a:rPr lang="de-DE"/>
               <a:t>Structural Equation Modelling – Wintersemester 2017/2018</a:t>
             </a:r>
             <a:endParaRPr lang="de-DE" dirty="0"/>
@@ -7756,13 +11537,6 @@
   <p:clrMapOvr>
     <a:masterClrMapping/>
   </p:clrMapOvr>
-  <p:timing>
-    <p:tnLst>
-      <p:par>
-        <p:cTn id="1" dur="indefinite" restart="never" nodeType="tmRoot"/>
-      </p:par>
-    </p:tnLst>
-  </p:timing>
 </p:sld>
 </file>
 
@@ -7801,18 +11575,9 @@
           <a:lstStyle/>
           <a:p>
             <a:r>
-              <a:rPr lang="de-DE" dirty="0" smtClean="0"/>
-              <a:t>Grundlagen</a:t>
-            </a:r>
-            <a:r>
-              <a:rPr lang="de-DE" dirty="0"/>
-              <a:t> </a:t>
-            </a:r>
-            <a:r>
-              <a:rPr lang="de-DE" dirty="0" smtClean="0"/>
-              <a:t>- Wachstumsmodelle</a:t>
-            </a:r>
-            <a:endParaRPr lang="de-DE" dirty="0"/>
+              <a:rPr lang="de-DE" dirty="0"/>
+              <a:t>Grundlagen - Wachstumsmodelle</a:t>
+            </a:r>
           </a:p>
         </p:txBody>
       </p:sp>
@@ -7834,44 +11599,44 @@
           <a:lstStyle/>
           <a:p>
             <a:r>
-              <a:rPr lang="de-DE" dirty="0" smtClean="0"/>
+              <a:rPr lang="de-DE" dirty="0"/>
               <a:t>Wachstumsmodelle in der Natur weit verbreitet → beobachtbar</a:t>
             </a:r>
           </a:p>
           <a:p>
             <a:pPr lvl="1"/>
             <a:r>
-              <a:rPr lang="de-DE" dirty="0" smtClean="0"/>
+              <a:rPr lang="de-DE" dirty="0"/>
               <a:t>Körperwachstum</a:t>
             </a:r>
           </a:p>
           <a:p>
             <a:pPr lvl="1"/>
             <a:r>
-              <a:rPr lang="de-DE" dirty="0" smtClean="0"/>
+              <a:rPr lang="de-DE" dirty="0"/>
               <a:t>Bakterienwachstum</a:t>
             </a:r>
           </a:p>
           <a:p>
             <a:pPr lvl="1"/>
             <a:r>
-              <a:rPr lang="de-DE" dirty="0" smtClean="0"/>
+              <a:rPr lang="de-DE" dirty="0"/>
               <a:t>etc.</a:t>
             </a:r>
           </a:p>
           <a:p>
             <a:r>
-              <a:rPr lang="de-DE" dirty="0" smtClean="0"/>
+              <a:rPr lang="de-DE" dirty="0"/>
               <a:t>Wachstumsmodelle in SEM sowohl mit latenten als auch mit beobachtbaren Variablen möglich</a:t>
             </a:r>
           </a:p>
           <a:p>
             <a:r>
-              <a:rPr lang="de-DE" dirty="0" smtClean="0"/>
+              <a:rPr lang="de-DE" dirty="0"/>
               <a:t>Stark verbreitetes Strukturgleichungsmodell mit einer </a:t>
             </a:r>
             <a:r>
-              <a:rPr lang="de-DE" dirty="0" err="1" smtClean="0"/>
+              <a:rPr lang="de-DE" dirty="0" err="1"/>
               <a:t>Mean</a:t>
             </a:r>
             <a:r>
@@ -7879,14 +11644,14 @@
               <a:t> </a:t>
             </a:r>
             <a:r>
-              <a:rPr lang="de-DE" dirty="0" err="1" smtClean="0"/>
+              <a:rPr lang="de-DE" dirty="0" err="1"/>
               <a:t>Structure</a:t>
             </a:r>
-            <a:endParaRPr lang="de-DE" dirty="0" smtClean="0"/>
-          </a:p>
-          <a:p>
-            <a:r>
-              <a:rPr lang="de-DE" dirty="0" smtClean="0"/>
+            <a:endParaRPr lang="de-DE" dirty="0"/>
+          </a:p>
+          <a:p>
+            <a:r>
+              <a:rPr lang="de-DE" dirty="0"/>
               <a:t>Längsschnitt-Analysetechnik zur Vorhersage von Wachstum über Zeit</a:t>
             </a:r>
           </a:p>
@@ -7910,7 +11675,7 @@
             <a:fld id="{6DB845E5-DACF-426C-8A10-A6438D29DD66}" type="datetime1">
               <a:rPr lang="de-DE" smtClean="0"/>
               <a:pPr/>
-              <a:t>17.02.2018</a:t>
+              <a:t>19.02.2018</a:t>
             </a:fld>
             <a:endParaRPr lang="de-DE"/>
           </a:p>
@@ -7932,7 +11697,7 @@
           <a:lstStyle/>
           <a:p>
             <a:r>
-              <a:rPr lang="de-DE" smtClean="0"/>
+              <a:rPr lang="de-DE"/>
               <a:t>Structural Equation Modelling – Wintersemester 2017/2018</a:t>
             </a:r>
             <a:endParaRPr lang="de-DE" dirty="0"/>
@@ -7973,13 +11738,6 @@
   <p:clrMapOvr>
     <a:masterClrMapping/>
   </p:clrMapOvr>
-  <p:timing>
-    <p:tnLst>
-      <p:par>
-        <p:cTn id="1" dur="indefinite" restart="never" nodeType="tmRoot"/>
-      </p:par>
-    </p:tnLst>
-  </p:timing>
 </p:sld>
 </file>
 
@@ -8018,18 +11776,9 @@
           <a:lstStyle/>
           <a:p>
             <a:r>
-              <a:rPr lang="de-DE" dirty="0" smtClean="0"/>
-              <a:t>Grundlagen</a:t>
-            </a:r>
-            <a:r>
-              <a:rPr lang="de-DE" dirty="0"/>
-              <a:t> </a:t>
-            </a:r>
-            <a:r>
-              <a:rPr lang="de-DE" dirty="0" smtClean="0"/>
-              <a:t>- Wachstumsmodelle</a:t>
-            </a:r>
-            <a:endParaRPr lang="de-DE" dirty="0"/>
+              <a:rPr lang="de-DE" dirty="0"/>
+              <a:t>Grundlagen - Wachstumsmodelle</a:t>
+            </a:r>
           </a:p>
         </p:txBody>
       </p:sp>
@@ -8095,19 +11844,14 @@
             </a:r>
             <a:r>
               <a:rPr lang="de-DE" dirty="0"/>
-              <a:t> (aka Growth rate, Shape</a:t>
-            </a:r>
-            <a:r>
-              <a:rPr lang="de-DE" dirty="0" smtClean="0"/>
-              <a:t>)</a:t>
-            </a:r>
-          </a:p>
-          <a:p>
-            <a:r>
-              <a:rPr lang="de-DE" dirty="0" smtClean="0"/>
+              <a:t> (aka Growth rate, Shape)</a:t>
+            </a:r>
+          </a:p>
+          <a:p>
+            <a:r>
+              <a:rPr lang="de-DE" dirty="0"/>
               <a:t>Kritik: Quadratische, kubische oder höher komplexe Abhängigkeiten nicht sinnvoll mit zwei Parametern abbildbar</a:t>
             </a:r>
-            <a:endParaRPr lang="de-DE" dirty="0"/>
           </a:p>
         </p:txBody>
       </p:sp>
@@ -8129,7 +11873,7 @@
             <a:fld id="{6DB845E5-DACF-426C-8A10-A6438D29DD66}" type="datetime1">
               <a:rPr lang="de-DE" smtClean="0"/>
               <a:pPr/>
-              <a:t>17.02.2018</a:t>
+              <a:t>19.02.2018</a:t>
             </a:fld>
             <a:endParaRPr lang="de-DE"/>
           </a:p>
@@ -8151,7 +11895,7 @@
           <a:lstStyle/>
           <a:p>
             <a:r>
-              <a:rPr lang="de-DE" smtClean="0"/>
+              <a:rPr lang="de-DE"/>
               <a:t>Structural Equation Modelling – Wintersemester 2017/2018</a:t>
             </a:r>
             <a:endParaRPr lang="de-DE" dirty="0"/>
@@ -8192,13 +11936,6 @@
   <p:clrMapOvr>
     <a:masterClrMapping/>
   </p:clrMapOvr>
-  <p:timing>
-    <p:tnLst>
-      <p:par>
-        <p:cTn id="1" dur="indefinite" restart="never" nodeType="tmRoot"/>
-      </p:par>
-    </p:tnLst>
-  </p:timing>
 </p:sld>
 </file>
 
@@ -8235,10 +11972,9 @@
           <a:lstStyle/>
           <a:p>
             <a:r>
-              <a:rPr lang="de-DE" dirty="0" smtClean="0"/>
+              <a:rPr lang="de-DE" dirty="0"/>
               <a:t>Versuchsaufbau</a:t>
             </a:r>
-            <a:endParaRPr lang="de-DE" dirty="0"/>
           </a:p>
         </p:txBody>
       </p:sp>
@@ -8260,7 +11996,7 @@
             <a:fld id="{6DB845E5-DACF-426C-8A10-A6438D29DD66}" type="datetime1">
               <a:rPr lang="de-DE" smtClean="0"/>
               <a:pPr/>
-              <a:t>17.02.2018</a:t>
+              <a:t>19.02.2018</a:t>
             </a:fld>
             <a:endParaRPr lang="de-DE"/>
           </a:p>
@@ -8282,7 +12018,7 @@
           <a:lstStyle/>
           <a:p>
             <a:r>
-              <a:rPr lang="de-DE" smtClean="0"/>
+              <a:rPr lang="de-DE"/>
               <a:t>Structural Equation Modelling – Wintersemester 2017/2018</a:t>
             </a:r>
             <a:endParaRPr lang="de-DE" dirty="0"/>
@@ -8450,10 +12186,9 @@
           <a:p>
             <a:pPr algn="ctr"/>
             <a:r>
-              <a:rPr lang="de-DE" sz="1600" dirty="0" smtClean="0"/>
+              <a:rPr lang="de-DE" sz="1600" dirty="0"/>
               <a:t>Daten</a:t>
             </a:r>
-            <a:endParaRPr lang="de-DE" sz="1600" dirty="0"/>
           </a:p>
         </p:txBody>
       </p:sp>
@@ -8489,10 +12224,9 @@
           <a:p>
             <a:pPr algn="ctr"/>
             <a:r>
-              <a:rPr lang="de-DE" sz="1600" dirty="0" smtClean="0"/>
+              <a:rPr lang="de-DE" sz="1600" dirty="0"/>
               <a:t>Modelle</a:t>
             </a:r>
-            <a:endParaRPr lang="de-DE" sz="1600" dirty="0"/>
           </a:p>
         </p:txBody>
       </p:sp>
@@ -8600,18 +12334,13 @@
           <a:p>
             <a:pPr algn="ctr"/>
             <a:r>
-              <a:rPr lang="de-DE" sz="1400" dirty="0" smtClean="0">
+              <a:rPr lang="de-DE" sz="1400" dirty="0">
                 <a:solidFill>
                   <a:schemeClr val="tx1"/>
                 </a:solidFill>
               </a:rPr>
               <a:t>Lineare Rohdaten</a:t>
             </a:r>
-            <a:endParaRPr lang="de-DE" sz="1400" dirty="0">
-              <a:solidFill>
-                <a:schemeClr val="tx1"/>
-              </a:solidFill>
-            </a:endParaRPr>
           </a:p>
         </p:txBody>
       </p:sp>
@@ -8665,18 +12394,13 @@
           <a:p>
             <a:pPr algn="ctr"/>
             <a:r>
-              <a:rPr lang="de-DE" sz="1400" dirty="0" smtClean="0">
+              <a:rPr lang="de-DE" sz="1400" dirty="0">
                 <a:solidFill>
                   <a:schemeClr val="tx1"/>
                 </a:solidFill>
               </a:rPr>
               <a:t>Quadratische Rohdaten</a:t>
             </a:r>
-            <a:endParaRPr lang="de-DE" sz="1400" dirty="0">
-              <a:solidFill>
-                <a:schemeClr val="tx1"/>
-              </a:solidFill>
-            </a:endParaRPr>
           </a:p>
         </p:txBody>
       </p:sp>
@@ -8730,7 +12454,7 @@
           <a:p>
             <a:pPr algn="ctr"/>
             <a:r>
-              <a:rPr lang="de-DE" sz="1400" dirty="0" err="1" smtClean="0">
+              <a:rPr lang="de-DE" sz="1400" dirty="0" err="1">
                 <a:solidFill>
                   <a:schemeClr val="tx1"/>
                 </a:solidFill>
@@ -8738,18 +12462,13 @@
               <a:t>Exponetielle</a:t>
             </a:r>
             <a:r>
-              <a:rPr lang="de-DE" sz="1400" dirty="0" smtClean="0">
+              <a:rPr lang="de-DE" sz="1400" dirty="0">
                 <a:solidFill>
                   <a:schemeClr val="tx1"/>
                 </a:solidFill>
               </a:rPr>
               <a:t> Rohdaten</a:t>
             </a:r>
-            <a:endParaRPr lang="de-DE" sz="1400" dirty="0">
-              <a:solidFill>
-                <a:schemeClr val="tx1"/>
-              </a:solidFill>
-            </a:endParaRPr>
           </a:p>
         </p:txBody>
       </p:sp>
@@ -8776,10 +12495,9 @@
           <a:lstStyle/>
           <a:p>
             <a:r>
-              <a:rPr lang="de-DE" sz="1400" dirty="0" smtClean="0"/>
+              <a:rPr lang="de-DE" sz="1400" dirty="0"/>
               <a:t>Erzeugt</a:t>
             </a:r>
-            <a:endParaRPr lang="de-DE" sz="1400" dirty="0"/>
           </a:p>
         </p:txBody>
       </p:sp>
@@ -8806,10 +12524,9 @@
           <a:lstStyle/>
           <a:p>
             <a:r>
-              <a:rPr lang="de-DE" sz="1400" dirty="0" smtClean="0"/>
+              <a:rPr lang="de-DE" sz="1400" dirty="0"/>
               <a:t>Beobachtet</a:t>
             </a:r>
-            <a:endParaRPr lang="de-DE" sz="1400" dirty="0"/>
           </a:p>
         </p:txBody>
       </p:sp>
@@ -8861,18 +12578,13 @@
           <a:p>
             <a:pPr algn="ctr"/>
             <a:r>
-              <a:rPr lang="de-DE" sz="1400" dirty="0" smtClean="0">
+              <a:rPr lang="de-DE" sz="1400" dirty="0">
                 <a:solidFill>
                   <a:schemeClr val="tx1"/>
                 </a:solidFill>
               </a:rPr>
               <a:t>Lineares Wachstumsmodell</a:t>
             </a:r>
-            <a:endParaRPr lang="de-DE" sz="1400" dirty="0">
-              <a:solidFill>
-                <a:schemeClr val="tx1"/>
-              </a:solidFill>
-            </a:endParaRPr>
           </a:p>
         </p:txBody>
       </p:sp>
@@ -8923,14 +12635,13 @@
           <a:p>
             <a:pPr algn="ctr"/>
             <a:r>
-              <a:rPr lang="de-DE" sz="1400" dirty="0" err="1" smtClean="0"/>
+              <a:rPr lang="de-DE" sz="1400" dirty="0" err="1"/>
               <a:t>Curvilineares</a:t>
             </a:r>
             <a:r>
-              <a:rPr lang="de-DE" sz="1400" dirty="0" smtClean="0"/>
+              <a:rPr lang="de-DE" sz="1400" dirty="0"/>
               <a:t> Wachstumsmodell</a:t>
             </a:r>
-            <a:endParaRPr lang="de-DE" sz="1400" dirty="0"/>
           </a:p>
         </p:txBody>
       </p:sp>
@@ -8981,14 +12692,13 @@
           <a:p>
             <a:pPr algn="ctr"/>
             <a:r>
-              <a:rPr lang="de-DE" sz="1400" dirty="0" err="1" smtClean="0"/>
+              <a:rPr lang="de-DE" sz="1400" dirty="0" err="1"/>
               <a:t>Polynomielles</a:t>
             </a:r>
             <a:r>
-              <a:rPr lang="de-DE" sz="1400" dirty="0" smtClean="0"/>
+              <a:rPr lang="de-DE" sz="1400" dirty="0"/>
               <a:t> Wachstumsmodell</a:t>
             </a:r>
-            <a:endParaRPr lang="de-DE" sz="1400" dirty="0"/>
           </a:p>
         </p:txBody>
       </p:sp>
@@ -9039,10 +12749,9 @@
           <a:p>
             <a:pPr algn="ctr"/>
             <a:r>
-              <a:rPr lang="de-DE" sz="1400" dirty="0" smtClean="0"/>
+              <a:rPr lang="de-DE" sz="1400" dirty="0"/>
               <a:t>Mit einer latenten Wachstumsvariable</a:t>
             </a:r>
-            <a:endParaRPr lang="de-DE" sz="1400" dirty="0"/>
           </a:p>
         </p:txBody>
       </p:sp>
@@ -9091,10 +12800,9 @@
           <a:p>
             <a:pPr algn="ctr"/>
             <a:r>
-              <a:rPr lang="de-DE" sz="1400" dirty="0" smtClean="0"/>
+              <a:rPr lang="de-DE" sz="1400" dirty="0"/>
               <a:t>Mit zwei latenten Wachstumsvariablen</a:t>
             </a:r>
-            <a:endParaRPr lang="de-DE" sz="1400" dirty="0"/>
           </a:p>
         </p:txBody>
       </p:sp>
@@ -9579,10 +13287,9 @@
           <a:lstStyle/>
           <a:p>
             <a:r>
-              <a:rPr lang="de-DE" sz="1400" dirty="0" smtClean="0"/>
+              <a:rPr lang="de-DE" sz="1400" dirty="0"/>
               <a:t>Komplexität</a:t>
             </a:r>
-            <a:endParaRPr lang="de-DE" sz="1400" dirty="0"/>
           </a:p>
         </p:txBody>
       </p:sp>
@@ -9596,13 +13303,6 @@
   <p:clrMapOvr>
     <a:masterClrMapping/>
   </p:clrMapOvr>
-  <p:timing>
-    <p:tnLst>
-      <p:par>
-        <p:cTn id="1" dur="indefinite" restart="never" nodeType="tmRoot"/>
-      </p:par>
-    </p:tnLst>
-  </p:timing>
 </p:sld>
 </file>
 
@@ -9639,10 +13339,9 @@
           <a:lstStyle/>
           <a:p>
             <a:r>
-              <a:rPr lang="de-DE" dirty="0" smtClean="0"/>
+              <a:rPr lang="de-DE" dirty="0"/>
               <a:t>Datensätze</a:t>
             </a:r>
-            <a:endParaRPr lang="de-DE" dirty="0"/>
           </a:p>
         </p:txBody>
       </p:sp>
@@ -9663,10 +13362,9 @@
           <a:p>
             <a:pPr algn="ctr"/>
             <a:r>
-              <a:rPr lang="de-DE" dirty="0" smtClean="0"/>
+              <a:rPr lang="de-DE" dirty="0"/>
               <a:t>Lineare Daten</a:t>
             </a:r>
-            <a:endParaRPr lang="de-DE" dirty="0"/>
           </a:p>
         </p:txBody>
       </p:sp>
@@ -9706,10 +13404,9 @@
           <a:p>
             <a:pPr algn="ctr"/>
             <a:r>
-              <a:rPr lang="de-DE" dirty="0" smtClean="0"/>
+              <a:rPr lang="de-DE" dirty="0"/>
               <a:t>Quadratische Daten</a:t>
             </a:r>
-            <a:endParaRPr lang="de-DE" dirty="0"/>
           </a:p>
         </p:txBody>
       </p:sp>
@@ -9750,7 +13447,7 @@
             <a:fld id="{6DB845E5-DACF-426C-8A10-A6438D29DD66}" type="datetime1">
               <a:rPr lang="de-DE" smtClean="0"/>
               <a:pPr/>
-              <a:t>17.02.2018</a:t>
+              <a:t>19.02.2018</a:t>
             </a:fld>
             <a:endParaRPr lang="de-DE"/>
           </a:p>
@@ -9772,7 +13469,7 @@
           <a:lstStyle/>
           <a:p>
             <a:r>
-              <a:rPr lang="de-DE" smtClean="0"/>
+              <a:rPr lang="de-DE"/>
               <a:t>Structural Equation Modelling – Wintersemester 2017/2018</a:t>
             </a:r>
             <a:endParaRPr lang="de-DE" dirty="0"/>
@@ -9819,34 +13516,33 @@
           <a:lstStyle/>
           <a:p>
             <a:r>
-              <a:rPr lang="de-DE" dirty="0" smtClean="0"/>
+              <a:rPr lang="de-DE" dirty="0"/>
               <a:t>Air </a:t>
             </a:r>
             <a:r>
-              <a:rPr lang="de-DE" dirty="0" err="1" smtClean="0"/>
+              <a:rPr lang="de-DE" dirty="0" err="1"/>
               <a:t>traffic</a:t>
             </a:r>
             <a:r>
-              <a:rPr lang="de-DE" dirty="0" smtClean="0"/>
+              <a:rPr lang="de-DE" dirty="0"/>
               <a:t> </a:t>
             </a:r>
             <a:r>
-              <a:rPr lang="de-DE" dirty="0" err="1" smtClean="0"/>
+              <a:rPr lang="de-DE" dirty="0" err="1"/>
               <a:t>controller</a:t>
             </a:r>
             <a:r>
-              <a:rPr lang="de-DE" dirty="0" smtClean="0"/>
+              <a:rPr lang="de-DE" dirty="0"/>
               <a:t> </a:t>
             </a:r>
             <a:r>
-              <a:rPr lang="de-DE" dirty="0" err="1" smtClean="0"/>
+              <a:rPr lang="de-DE" dirty="0" err="1"/>
               <a:t>task</a:t>
             </a:r>
             <a:r>
-              <a:rPr lang="de-DE" dirty="0" smtClean="0"/>
+              <a:rPr lang="de-DE" dirty="0"/>
               <a:t> (siehe Literatur)</a:t>
             </a:r>
-            <a:endParaRPr lang="de-DE" dirty="0"/>
           </a:p>
         </p:txBody>
       </p:sp>
@@ -9867,10 +13563,9 @@
           <a:p>
             <a:pPr algn="ctr"/>
             <a:r>
-              <a:rPr lang="de-DE" dirty="0" smtClean="0"/>
+              <a:rPr lang="de-DE" dirty="0"/>
               <a:t>Exponentielle Daten</a:t>
             </a:r>
-            <a:endParaRPr lang="de-DE" dirty="0"/>
           </a:p>
         </p:txBody>
       </p:sp>
@@ -9884,13 +13579,6 @@
   <p:clrMapOvr>
     <a:masterClrMapping/>
   </p:clrMapOvr>
-  <p:timing>
-    <p:tnLst>
-      <p:par>
-        <p:cTn id="1" dur="indefinite" restart="never" nodeType="tmRoot"/>
-      </p:par>
-    </p:tnLst>
-  </p:timing>
 </p:sld>
 </file>
 
@@ -9927,21 +13615,20 @@
           <a:lstStyle/>
           <a:p>
             <a:r>
-              <a:rPr lang="de-DE" dirty="0" smtClean="0"/>
-              <a:t>Lineare Wachstumsmodelle</a:t>
-            </a:r>
-            <a:endParaRPr lang="de-DE" dirty="0"/>
-          </a:p>
-        </p:txBody>
-      </p:sp>
-      <p:sp>
-        <p:nvSpPr>
-          <p:cNvPr id="3" name="Inhaltsplatzhalter 2"/>
-          <p:cNvSpPr>
-            <a:spLocks noGrp="1"/>
-          </p:cNvSpPr>
-          <p:nvPr>
-            <p:ph idx="1"/>
+              <a:rPr lang="de-DE" dirty="0"/>
+              <a:t>Lineares Wachstumsmodell</a:t>
+            </a:r>
+          </a:p>
+        </p:txBody>
+      </p:sp>
+      <p:sp>
+        <p:nvSpPr>
+          <p:cNvPr id="7" name="Datumsplatzhalter 6"/>
+          <p:cNvSpPr>
+            <a:spLocks noGrp="1"/>
+          </p:cNvSpPr>
+          <p:nvPr>
+            <p:ph type="dt" sz="half" idx="10"/>
           </p:nvPr>
         </p:nvSpPr>
         <p:spPr/>
@@ -9949,29 +13636,10 @@
           <a:bodyPr/>
           <a:lstStyle/>
           <a:p>
-            <a:endParaRPr lang="de-DE"/>
-          </a:p>
-        </p:txBody>
-      </p:sp>
-      <p:sp>
-        <p:nvSpPr>
-          <p:cNvPr id="4" name="Datumsplatzhalter 3"/>
-          <p:cNvSpPr>
-            <a:spLocks noGrp="1"/>
-          </p:cNvSpPr>
-          <p:nvPr>
-            <p:ph type="dt" sz="half" idx="10"/>
-          </p:nvPr>
-        </p:nvSpPr>
-        <p:spPr/>
-        <p:txBody>
-          <a:bodyPr/>
-          <a:lstStyle/>
-          <a:p>
-            <a:fld id="{6DB845E5-DACF-426C-8A10-A6438D29DD66}" type="datetime1">
+            <a:fld id="{DA5DE712-6C0E-4DF7-B336-AC97213DC93D}" type="datetime1">
               <a:rPr lang="de-DE" smtClean="0"/>
               <a:pPr/>
-              <a:t>17.02.2018</a:t>
+              <a:t>19.02.2018</a:t>
             </a:fld>
             <a:endParaRPr lang="de-DE"/>
           </a:p>
@@ -9979,7 +13647,7 @@
       </p:sp>
       <p:sp>
         <p:nvSpPr>
-          <p:cNvPr id="5" name="Fußzeilenplatzhalter 4"/>
+          <p:cNvPr id="8" name="Fußzeilenplatzhalter 7"/>
           <p:cNvSpPr>
             <a:spLocks noGrp="1"/>
           </p:cNvSpPr>
@@ -9993,7 +13661,7 @@
           <a:lstStyle/>
           <a:p>
             <a:r>
-              <a:rPr lang="de-DE" smtClean="0"/>
+              <a:rPr lang="de-DE"/>
               <a:t>Structural Equation Modelling – Wintersemester 2017/2018</a:t>
             </a:r>
             <a:endParaRPr lang="de-DE" dirty="0"/>
@@ -10002,7 +13670,7 @@
       </p:sp>
       <p:sp>
         <p:nvSpPr>
-          <p:cNvPr id="6" name="Foliennummernplatzhalter 5"/>
+          <p:cNvPr id="9" name="Foliennummernplatzhalter 8"/>
           <p:cNvSpPr>
             <a:spLocks noGrp="1"/>
           </p:cNvSpPr>
@@ -10024,23 +13692,490 @@
           </a:p>
         </p:txBody>
       </p:sp>
+      <p:pic>
+        <p:nvPicPr>
+          <p:cNvPr id="29" name="Grafik 28">
+            <a:extLst>
+              <a:ext uri="{FF2B5EF4-FFF2-40B4-BE49-F238E27FC236}">
+                <a16:creationId xmlns:a16="http://schemas.microsoft.com/office/drawing/2014/main" id="{C09074C9-3146-40A7-93CD-C96B5D177AF5}"/>
+              </a:ext>
+            </a:extLst>
+          </p:cNvPr>
+          <p:cNvPicPr>
+            <a:picLocks noChangeAspect="1"/>
+          </p:cNvPicPr>
+          <p:nvPr/>
+        </p:nvPicPr>
+        <p:blipFill>
+          <a:blip r:embed="rId2"/>
+          <a:stretch>
+            <a:fillRect/>
+          </a:stretch>
+        </p:blipFill>
+        <p:spPr>
+          <a:xfrm>
+            <a:off x="620478" y="1023587"/>
+            <a:ext cx="7903043" cy="3845277"/>
+          </a:xfrm>
+          <a:prstGeom prst="rect">
+            <a:avLst/>
+          </a:prstGeom>
+        </p:spPr>
+      </p:pic>
+      <p:sp>
+        <p:nvSpPr>
+          <p:cNvPr id="30" name="Textfeld 29">
+            <a:extLst>
+              <a:ext uri="{FF2B5EF4-FFF2-40B4-BE49-F238E27FC236}">
+                <a16:creationId xmlns:a16="http://schemas.microsoft.com/office/drawing/2014/main" id="{3820186A-CF30-4726-AF6E-350820D4F382}"/>
+              </a:ext>
+            </a:extLst>
+          </p:cNvPr>
+          <p:cNvSpPr txBox="1"/>
+          <p:nvPr/>
+        </p:nvSpPr>
+        <p:spPr>
+          <a:xfrm>
+            <a:off x="3442618" y="1781435"/>
+            <a:ext cx="121270" cy="307777"/>
+          </a:xfrm>
+          <a:prstGeom prst="rect">
+            <a:avLst/>
+          </a:prstGeom>
+          <a:noFill/>
+        </p:spPr>
+        <p:txBody>
+          <a:bodyPr wrap="square" rtlCol="0">
+            <a:spAutoFit/>
+          </a:bodyPr>
+          <a:lstStyle/>
+          <a:p>
+            <a:pPr algn="ctr"/>
+            <a:r>
+              <a:rPr lang="de-DE" sz="1400" dirty="0"/>
+              <a:t>1</a:t>
+            </a:r>
+            <a:endParaRPr lang="en-NZ" sz="1400" dirty="0"/>
+          </a:p>
+        </p:txBody>
+      </p:sp>
+      <p:sp>
+        <p:nvSpPr>
+          <p:cNvPr id="31" name="Textfeld 30">
+            <a:extLst>
+              <a:ext uri="{FF2B5EF4-FFF2-40B4-BE49-F238E27FC236}">
+                <a16:creationId xmlns:a16="http://schemas.microsoft.com/office/drawing/2014/main" id="{B70E975F-8D2B-40AE-8599-3745A8F85F93}"/>
+              </a:ext>
+            </a:extLst>
+          </p:cNvPr>
+          <p:cNvSpPr txBox="1"/>
+          <p:nvPr/>
+        </p:nvSpPr>
+        <p:spPr>
+          <a:xfrm>
+            <a:off x="3716288" y="1833610"/>
+            <a:ext cx="121270" cy="307777"/>
+          </a:xfrm>
+          <a:prstGeom prst="rect">
+            <a:avLst/>
+          </a:prstGeom>
+          <a:noFill/>
+        </p:spPr>
+        <p:txBody>
+          <a:bodyPr wrap="square" rtlCol="0">
+            <a:spAutoFit/>
+          </a:bodyPr>
+          <a:lstStyle/>
+          <a:p>
+            <a:pPr algn="ctr"/>
+            <a:r>
+              <a:rPr lang="de-DE" sz="1400" dirty="0"/>
+              <a:t>1</a:t>
+            </a:r>
+            <a:endParaRPr lang="en-NZ" sz="1400" dirty="0"/>
+          </a:p>
+        </p:txBody>
+      </p:sp>
+      <p:sp>
+        <p:nvSpPr>
+          <p:cNvPr id="32" name="Textfeld 31">
+            <a:extLst>
+              <a:ext uri="{FF2B5EF4-FFF2-40B4-BE49-F238E27FC236}">
+                <a16:creationId xmlns:a16="http://schemas.microsoft.com/office/drawing/2014/main" id="{8B9F0F9A-D29B-4867-A879-9756B64CFBA4}"/>
+              </a:ext>
+            </a:extLst>
+          </p:cNvPr>
+          <p:cNvSpPr txBox="1"/>
+          <p:nvPr/>
+        </p:nvSpPr>
+        <p:spPr>
+          <a:xfrm>
+            <a:off x="3989958" y="1833610"/>
+            <a:ext cx="121270" cy="307777"/>
+          </a:xfrm>
+          <a:prstGeom prst="rect">
+            <a:avLst/>
+          </a:prstGeom>
+          <a:noFill/>
+        </p:spPr>
+        <p:txBody>
+          <a:bodyPr wrap="square" rtlCol="0">
+            <a:spAutoFit/>
+          </a:bodyPr>
+          <a:lstStyle/>
+          <a:p>
+            <a:pPr algn="ctr"/>
+            <a:r>
+              <a:rPr lang="de-DE" sz="1400" dirty="0"/>
+              <a:t>1</a:t>
+            </a:r>
+            <a:endParaRPr lang="en-NZ" sz="1400" dirty="0"/>
+          </a:p>
+        </p:txBody>
+      </p:sp>
+      <p:sp>
+        <p:nvSpPr>
+          <p:cNvPr id="33" name="Textfeld 32">
+            <a:extLst>
+              <a:ext uri="{FF2B5EF4-FFF2-40B4-BE49-F238E27FC236}">
+                <a16:creationId xmlns:a16="http://schemas.microsoft.com/office/drawing/2014/main" id="{F9D77C7C-D8F9-4055-9957-9E7B544A9023}"/>
+              </a:ext>
+            </a:extLst>
+          </p:cNvPr>
+          <p:cNvSpPr txBox="1"/>
+          <p:nvPr/>
+        </p:nvSpPr>
+        <p:spPr>
+          <a:xfrm>
+            <a:off x="4184366" y="1780008"/>
+            <a:ext cx="121270" cy="307777"/>
+          </a:xfrm>
+          <a:prstGeom prst="rect">
+            <a:avLst/>
+          </a:prstGeom>
+          <a:noFill/>
+        </p:spPr>
+        <p:txBody>
+          <a:bodyPr wrap="square" rtlCol="0">
+            <a:spAutoFit/>
+          </a:bodyPr>
+          <a:lstStyle/>
+          <a:p>
+            <a:pPr algn="ctr"/>
+            <a:r>
+              <a:rPr lang="de-DE" sz="1400" dirty="0"/>
+              <a:t>1</a:t>
+            </a:r>
+            <a:endParaRPr lang="en-NZ" sz="1400" dirty="0"/>
+          </a:p>
+        </p:txBody>
+      </p:sp>
+      <p:sp>
+        <p:nvSpPr>
+          <p:cNvPr id="34" name="Textfeld 33">
+            <a:extLst>
+              <a:ext uri="{FF2B5EF4-FFF2-40B4-BE49-F238E27FC236}">
+                <a16:creationId xmlns:a16="http://schemas.microsoft.com/office/drawing/2014/main" id="{9F103D08-491A-48F5-B505-95D6E0E72DF2}"/>
+              </a:ext>
+            </a:extLst>
+          </p:cNvPr>
+          <p:cNvSpPr txBox="1"/>
+          <p:nvPr/>
+        </p:nvSpPr>
+        <p:spPr>
+          <a:xfrm>
+            <a:off x="4263628" y="1706429"/>
+            <a:ext cx="121270" cy="254361"/>
+          </a:xfrm>
+          <a:prstGeom prst="rect">
+            <a:avLst/>
+          </a:prstGeom>
+          <a:noFill/>
+        </p:spPr>
+        <p:txBody>
+          <a:bodyPr wrap="square" rtlCol="0">
+            <a:spAutoFit/>
+          </a:bodyPr>
+          <a:lstStyle/>
+          <a:p>
+            <a:pPr algn="ctr"/>
+            <a:r>
+              <a:rPr lang="de-DE" sz="1400" dirty="0"/>
+              <a:t>1</a:t>
+            </a:r>
+            <a:endParaRPr lang="en-NZ" sz="1400" dirty="0"/>
+          </a:p>
+        </p:txBody>
+      </p:sp>
+      <p:sp>
+        <p:nvSpPr>
+          <p:cNvPr id="35" name="Textfeld 34">
+            <a:extLst>
+              <a:ext uri="{FF2B5EF4-FFF2-40B4-BE49-F238E27FC236}">
+                <a16:creationId xmlns:a16="http://schemas.microsoft.com/office/drawing/2014/main" id="{0167AD8A-30E1-4D43-924B-8A880CDD44B5}"/>
+              </a:ext>
+            </a:extLst>
+          </p:cNvPr>
+          <p:cNvSpPr txBox="1"/>
+          <p:nvPr/>
+        </p:nvSpPr>
+        <p:spPr>
+          <a:xfrm>
+            <a:off x="4360832" y="1654171"/>
+            <a:ext cx="121270" cy="231237"/>
+          </a:xfrm>
+          <a:prstGeom prst="rect">
+            <a:avLst/>
+          </a:prstGeom>
+          <a:noFill/>
+        </p:spPr>
+        <p:txBody>
+          <a:bodyPr wrap="square" rtlCol="0">
+            <a:spAutoFit/>
+          </a:bodyPr>
+          <a:lstStyle/>
+          <a:p>
+            <a:pPr algn="ctr"/>
+            <a:r>
+              <a:rPr lang="de-DE" sz="1400" dirty="0"/>
+              <a:t>1</a:t>
+            </a:r>
+            <a:endParaRPr lang="en-NZ" sz="1400" dirty="0"/>
+          </a:p>
+        </p:txBody>
+      </p:sp>
+      <p:sp>
+        <p:nvSpPr>
+          <p:cNvPr id="36" name="Textfeld 35">
+            <a:extLst>
+              <a:ext uri="{FF2B5EF4-FFF2-40B4-BE49-F238E27FC236}">
+                <a16:creationId xmlns:a16="http://schemas.microsoft.com/office/drawing/2014/main" id="{1BB6CF53-DBB2-42F8-AA0F-E8896C8AC2F5}"/>
+              </a:ext>
+            </a:extLst>
+          </p:cNvPr>
+          <p:cNvSpPr txBox="1"/>
+          <p:nvPr/>
+        </p:nvSpPr>
+        <p:spPr>
+          <a:xfrm>
+            <a:off x="2411760" y="2578713"/>
+            <a:ext cx="121270" cy="254361"/>
+          </a:xfrm>
+          <a:prstGeom prst="rect">
+            <a:avLst/>
+          </a:prstGeom>
+          <a:noFill/>
+        </p:spPr>
+        <p:txBody>
+          <a:bodyPr wrap="square" rtlCol="0">
+            <a:spAutoFit/>
+          </a:bodyPr>
+          <a:lstStyle/>
+          <a:p>
+            <a:pPr algn="ctr"/>
+            <a:r>
+              <a:rPr lang="de-DE" sz="1400" dirty="0"/>
+              <a:t>0</a:t>
+            </a:r>
+            <a:endParaRPr lang="en-NZ" sz="1400" dirty="0"/>
+          </a:p>
+        </p:txBody>
+      </p:sp>
+      <p:sp>
+        <p:nvSpPr>
+          <p:cNvPr id="37" name="Textfeld 36">
+            <a:extLst>
+              <a:ext uri="{FF2B5EF4-FFF2-40B4-BE49-F238E27FC236}">
+                <a16:creationId xmlns:a16="http://schemas.microsoft.com/office/drawing/2014/main" id="{2286F7F7-5187-475A-A6F1-E6699125A4DE}"/>
+              </a:ext>
+            </a:extLst>
+          </p:cNvPr>
+          <p:cNvSpPr txBox="1"/>
+          <p:nvPr/>
+        </p:nvSpPr>
+        <p:spPr>
+          <a:xfrm>
+            <a:off x="3365887" y="2527529"/>
+            <a:ext cx="121270" cy="307777"/>
+          </a:xfrm>
+          <a:prstGeom prst="rect">
+            <a:avLst/>
+          </a:prstGeom>
+          <a:noFill/>
+        </p:spPr>
+        <p:txBody>
+          <a:bodyPr wrap="square" rtlCol="0">
+            <a:spAutoFit/>
+          </a:bodyPr>
+          <a:lstStyle/>
+          <a:p>
+            <a:pPr algn="ctr"/>
+            <a:r>
+              <a:rPr lang="de-DE" sz="1400" dirty="0"/>
+              <a:t>1</a:t>
+            </a:r>
+            <a:endParaRPr lang="en-NZ" sz="1400" dirty="0"/>
+          </a:p>
+        </p:txBody>
+      </p:sp>
+      <p:sp>
+        <p:nvSpPr>
+          <p:cNvPr id="38" name="Textfeld 37">
+            <a:extLst>
+              <a:ext uri="{FF2B5EF4-FFF2-40B4-BE49-F238E27FC236}">
+                <a16:creationId xmlns:a16="http://schemas.microsoft.com/office/drawing/2014/main" id="{EA64EE26-B423-4789-BF36-CEC5586E1E57}"/>
+              </a:ext>
+            </a:extLst>
+          </p:cNvPr>
+          <p:cNvSpPr txBox="1"/>
+          <p:nvPr/>
+        </p:nvSpPr>
+        <p:spPr>
+          <a:xfrm>
+            <a:off x="4239562" y="2522284"/>
+            <a:ext cx="121270" cy="307777"/>
+          </a:xfrm>
+          <a:prstGeom prst="rect">
+            <a:avLst/>
+          </a:prstGeom>
+          <a:noFill/>
+        </p:spPr>
+        <p:txBody>
+          <a:bodyPr wrap="square" rtlCol="0">
+            <a:spAutoFit/>
+          </a:bodyPr>
+          <a:lstStyle/>
+          <a:p>
+            <a:pPr algn="ctr"/>
+            <a:r>
+              <a:rPr lang="de-DE" sz="1400" dirty="0"/>
+              <a:t>2</a:t>
+            </a:r>
+            <a:endParaRPr lang="en-NZ" sz="1400" dirty="0"/>
+          </a:p>
+        </p:txBody>
+      </p:sp>
+      <p:sp>
+        <p:nvSpPr>
+          <p:cNvPr id="39" name="Textfeld 38">
+            <a:extLst>
+              <a:ext uri="{FF2B5EF4-FFF2-40B4-BE49-F238E27FC236}">
+                <a16:creationId xmlns:a16="http://schemas.microsoft.com/office/drawing/2014/main" id="{39846F52-2C64-4074-A4D5-E31F35344B69}"/>
+              </a:ext>
+            </a:extLst>
+          </p:cNvPr>
+          <p:cNvSpPr txBox="1"/>
+          <p:nvPr/>
+        </p:nvSpPr>
+        <p:spPr>
+          <a:xfrm>
+            <a:off x="5052602" y="2450863"/>
+            <a:ext cx="121270" cy="450617"/>
+          </a:xfrm>
+          <a:prstGeom prst="rect">
+            <a:avLst/>
+          </a:prstGeom>
+          <a:noFill/>
+        </p:spPr>
+        <p:txBody>
+          <a:bodyPr wrap="square" rtlCol="0">
+            <a:spAutoFit/>
+          </a:bodyPr>
+          <a:lstStyle/>
+          <a:p>
+            <a:pPr algn="ctr"/>
+            <a:r>
+              <a:rPr lang="de-DE" sz="1400" dirty="0"/>
+              <a:t>3</a:t>
+            </a:r>
+            <a:endParaRPr lang="en-NZ" sz="1400" dirty="0"/>
+          </a:p>
+        </p:txBody>
+      </p:sp>
+      <p:sp>
+        <p:nvSpPr>
+          <p:cNvPr id="40" name="Textfeld 39">
+            <a:extLst>
+              <a:ext uri="{FF2B5EF4-FFF2-40B4-BE49-F238E27FC236}">
+                <a16:creationId xmlns:a16="http://schemas.microsoft.com/office/drawing/2014/main" id="{1EFDEB18-93F5-4A53-818D-7DAFA21D7696}"/>
+              </a:ext>
+            </a:extLst>
+          </p:cNvPr>
+          <p:cNvSpPr txBox="1"/>
+          <p:nvPr/>
+        </p:nvSpPr>
+        <p:spPr>
+          <a:xfrm>
+            <a:off x="5805007" y="2424824"/>
+            <a:ext cx="121270" cy="307777"/>
+          </a:xfrm>
+          <a:prstGeom prst="rect">
+            <a:avLst/>
+          </a:prstGeom>
+          <a:noFill/>
+        </p:spPr>
+        <p:txBody>
+          <a:bodyPr wrap="square" rtlCol="0">
+            <a:spAutoFit/>
+          </a:bodyPr>
+          <a:lstStyle/>
+          <a:p>
+            <a:pPr algn="ctr"/>
+            <a:r>
+              <a:rPr lang="de-DE" sz="1400" dirty="0"/>
+              <a:t>4</a:t>
+            </a:r>
+            <a:endParaRPr lang="en-NZ" sz="1400" dirty="0"/>
+          </a:p>
+        </p:txBody>
+      </p:sp>
+      <p:sp>
+        <p:nvSpPr>
+          <p:cNvPr id="41" name="Textfeld 40">
+            <a:extLst>
+              <a:ext uri="{FF2B5EF4-FFF2-40B4-BE49-F238E27FC236}">
+                <a16:creationId xmlns:a16="http://schemas.microsoft.com/office/drawing/2014/main" id="{6B5947CF-21A5-40B4-A581-46B6D1286E91}"/>
+              </a:ext>
+            </a:extLst>
+          </p:cNvPr>
+          <p:cNvSpPr txBox="1"/>
+          <p:nvPr/>
+        </p:nvSpPr>
+        <p:spPr>
+          <a:xfrm>
+            <a:off x="6754986" y="2526450"/>
+            <a:ext cx="121270" cy="254361"/>
+          </a:xfrm>
+          <a:prstGeom prst="rect">
+            <a:avLst/>
+          </a:prstGeom>
+          <a:noFill/>
+        </p:spPr>
+        <p:txBody>
+          <a:bodyPr wrap="square" rtlCol="0">
+            <a:spAutoFit/>
+          </a:bodyPr>
+          <a:lstStyle/>
+          <a:p>
+            <a:pPr algn="ctr"/>
+            <a:r>
+              <a:rPr lang="de-DE" sz="1400" dirty="0"/>
+              <a:t>5</a:t>
+            </a:r>
+            <a:endParaRPr lang="en-NZ" sz="1400" dirty="0"/>
+          </a:p>
+        </p:txBody>
+      </p:sp>
     </p:spTree>
     <p:extLst>
       <p:ext uri="{BB962C8B-B14F-4D97-AF65-F5344CB8AC3E}">
-        <p14:creationId xmlns:p14="http://schemas.microsoft.com/office/powerpoint/2010/main" val="3102899165"/>
+        <p14:creationId xmlns:p14="http://schemas.microsoft.com/office/powerpoint/2010/main" val="2043488892"/>
       </p:ext>
     </p:extLst>
   </p:cSld>
   <p:clrMapOvr>
     <a:masterClrMapping/>
   </p:clrMapOvr>
-  <p:timing>
-    <p:tnLst>
-      <p:par>
-        <p:cTn id="1" dur="indefinite" restart="never" nodeType="tmRoot"/>
-      </p:par>
-    </p:tnLst>
-  </p:timing>
 </p:sld>
 </file>
 
@@ -10077,10 +14212,9 @@
           <a:lstStyle/>
           <a:p>
             <a:r>
-              <a:rPr lang="de-DE" dirty="0" smtClean="0"/>
-              <a:t>Lineare Wachstumsmodelle</a:t>
-            </a:r>
-            <a:endParaRPr lang="de-DE" dirty="0"/>
+              <a:rPr lang="de-DE" dirty="0"/>
+              <a:t>Lineares Wachstumsmodell</a:t>
+            </a:r>
           </a:p>
         </p:txBody>
       </p:sp>
@@ -10100,10 +14234,9 @@
           <a:lstStyle/>
           <a:p>
             <a:r>
-              <a:rPr lang="de-DE" dirty="0" smtClean="0"/>
+              <a:rPr lang="de-DE" dirty="0"/>
               <a:t>Lineare Daten</a:t>
             </a:r>
-            <a:endParaRPr lang="de-DE" dirty="0"/>
           </a:p>
         </p:txBody>
       </p:sp>
@@ -10119,10 +14252,60 @@
         </p:nvSpPr>
         <p:spPr/>
         <p:txBody>
-          <a:bodyPr/>
-          <a:lstStyle/>
-          <a:p>
-            <a:endParaRPr lang="de-DE" dirty="0"/>
+          <a:bodyPr>
+            <a:normAutofit/>
+          </a:bodyPr>
+          <a:lstStyle/>
+          <a:p>
+            <a:pPr marL="0" indent="0">
+              <a:buNone/>
+            </a:pPr>
+            <a:r>
+              <a:rPr lang="en-NZ" sz="1100" dirty="0"/>
+              <a:t>Minimum Function Test Statistic  10.782</a:t>
+            </a:r>
+          </a:p>
+          <a:p>
+            <a:pPr marL="0" indent="0">
+              <a:buNone/>
+            </a:pPr>
+            <a:r>
+              <a:rPr lang="en-NZ" sz="1100" dirty="0"/>
+              <a:t>Degrees of freedom                            11</a:t>
+            </a:r>
+          </a:p>
+          <a:p>
+            <a:pPr marL="0" indent="0">
+              <a:buNone/>
+            </a:pPr>
+            <a:r>
+              <a:rPr lang="en-NZ" sz="1100" dirty="0"/>
+              <a:t>P-value (Chi-square)                      0.462</a:t>
+            </a:r>
+          </a:p>
+          <a:p>
+            <a:pPr marL="0" indent="0">
+              <a:buNone/>
+            </a:pPr>
+            <a:endParaRPr lang="de-DE" sz="1100" dirty="0"/>
+          </a:p>
+          <a:p>
+            <a:pPr marL="0" indent="0">
+              <a:buNone/>
+            </a:pPr>
+            <a:r>
+              <a:rPr lang="de-DE" sz="1100" dirty="0"/>
+              <a:t>s~1                                                 4.000</a:t>
+            </a:r>
+          </a:p>
+          <a:p>
+            <a:pPr marL="0" indent="0">
+              <a:buNone/>
+            </a:pPr>
+            <a:r>
+              <a:rPr lang="de-DE" sz="1100" dirty="0"/>
+              <a:t>i~1		       9.997</a:t>
+            </a:r>
           </a:p>
         </p:txBody>
       </p:sp>
@@ -10142,10 +14325,9 @@
           <a:lstStyle/>
           <a:p>
             <a:r>
-              <a:rPr lang="de-DE" dirty="0" smtClean="0"/>
-              <a:t>Quadratische Daten</a:t>
-            </a:r>
-            <a:endParaRPr lang="de-DE" dirty="0"/>
+              <a:rPr lang="de-DE" dirty="0"/>
+              <a:t>Polynominelle Daten</a:t>
+            </a:r>
           </a:p>
         </p:txBody>
       </p:sp>
@@ -10159,11 +14341,94 @@
             <p:ph sz="quarter" idx="4"/>
           </p:nvPr>
         </p:nvSpPr>
-        <p:spPr/>
-        <p:txBody>
-          <a:bodyPr/>
-          <a:lstStyle/>
-          <a:p>
+        <p:spPr>
+          <a:xfrm>
+            <a:off x="3131841" y="1419622"/>
+            <a:ext cx="2808311" cy="2016224"/>
+          </a:xfrm>
+        </p:spPr>
+        <p:txBody>
+          <a:bodyPr/>
+          <a:lstStyle/>
+          <a:p>
+            <a:pPr marL="0" lvl="0" indent="0">
+              <a:buNone/>
+            </a:pPr>
+            <a:r>
+              <a:rPr lang="en-NZ" sz="1100" dirty="0">
+                <a:solidFill>
+                  <a:prstClr val="black"/>
+                </a:solidFill>
+              </a:rPr>
+              <a:t>Minimum Function Test Statistic 146766.1</a:t>
+            </a:r>
+          </a:p>
+          <a:p>
+            <a:pPr marL="0" lvl="0" indent="0">
+              <a:buNone/>
+            </a:pPr>
+            <a:r>
+              <a:rPr lang="en-NZ" sz="1100" dirty="0">
+                <a:solidFill>
+                  <a:prstClr val="black"/>
+                </a:solidFill>
+              </a:rPr>
+              <a:t>Degrees of freedom                                11</a:t>
+            </a:r>
+          </a:p>
+          <a:p>
+            <a:pPr marL="0" lvl="0" indent="0">
+              <a:buNone/>
+            </a:pPr>
+            <a:r>
+              <a:rPr lang="en-NZ" sz="1100" dirty="0">
+                <a:solidFill>
+                  <a:prstClr val="black"/>
+                </a:solidFill>
+              </a:rPr>
+              <a:t>P-value (Chi-square)                         0.000</a:t>
+            </a:r>
+          </a:p>
+          <a:p>
+            <a:pPr marL="0" lvl="0" indent="0">
+              <a:buNone/>
+            </a:pPr>
+            <a:endParaRPr lang="de-DE" sz="1100" dirty="0">
+              <a:solidFill>
+                <a:prstClr val="black"/>
+              </a:solidFill>
+            </a:endParaRPr>
+          </a:p>
+          <a:p>
+            <a:pPr marL="0" lvl="0" indent="0">
+              <a:buNone/>
+            </a:pPr>
+            <a:r>
+              <a:rPr lang="de-DE" sz="1100" dirty="0">
+                <a:solidFill>
+                  <a:prstClr val="black"/>
+                </a:solidFill>
+              </a:rPr>
+              <a:t>s~1 		         28.430</a:t>
+            </a:r>
+          </a:p>
+          <a:p>
+            <a:pPr marL="0" lvl="0" indent="0">
+              <a:buNone/>
+            </a:pPr>
+            <a:r>
+              <a:rPr lang="de-DE" sz="1100" dirty="0">
+                <a:solidFill>
+                  <a:prstClr val="black"/>
+                </a:solidFill>
+              </a:rPr>
+              <a:t>i~1		        -16.049</a:t>
+            </a:r>
+          </a:p>
+          <a:p>
+            <a:pPr marL="0" indent="0">
+              <a:buNone/>
+            </a:pPr>
             <a:endParaRPr lang="de-DE" dirty="0"/>
           </a:p>
         </p:txBody>
@@ -10186,7 +14451,7 @@
             <a:fld id="{DA5DE712-6C0E-4DF7-B336-AC97213DC93D}" type="datetime1">
               <a:rPr lang="de-DE" smtClean="0"/>
               <a:pPr/>
-              <a:t>17.02.2018</a:t>
+              <a:t>19.02.2018</a:t>
             </a:fld>
             <a:endParaRPr lang="de-DE"/>
           </a:p>
@@ -10208,7 +14473,7 @@
           <a:lstStyle/>
           <a:p>
             <a:r>
-              <a:rPr lang="de-DE" smtClean="0"/>
+              <a:rPr lang="de-DE"/>
               <a:t>Structural Equation Modelling – Wintersemester 2017/2018</a:t>
             </a:r>
             <a:endParaRPr lang="de-DE" dirty="0"/>
@@ -10254,6 +14519,84 @@
           <a:bodyPr/>
           <a:lstStyle/>
           <a:p>
+            <a:pPr marL="0" lvl="0" indent="0">
+              <a:buNone/>
+            </a:pPr>
+            <a:r>
+              <a:rPr lang="en-NZ" sz="1100" dirty="0">
+                <a:solidFill>
+                  <a:prstClr val="black"/>
+                </a:solidFill>
+              </a:rPr>
+              <a:t>Minimum Function Test Statistic 1095.67</a:t>
+            </a:r>
+          </a:p>
+          <a:p>
+            <a:pPr marL="0" lvl="0" indent="0">
+              <a:buNone/>
+            </a:pPr>
+            <a:r>
+              <a:rPr lang="en-NZ" sz="1100" dirty="0">
+                <a:solidFill>
+                  <a:prstClr val="black"/>
+                </a:solidFill>
+              </a:rPr>
+              <a:t>Degrees of freedom                             11</a:t>
+            </a:r>
+          </a:p>
+          <a:p>
+            <a:pPr marL="0" lvl="0" indent="0">
+              <a:buNone/>
+            </a:pPr>
+            <a:r>
+              <a:rPr lang="en-NZ" sz="1100" dirty="0">
+                <a:solidFill>
+                  <a:prstClr val="black"/>
+                </a:solidFill>
+              </a:rPr>
+              <a:t>P-value (Chi-square)                      0.000</a:t>
+            </a:r>
+          </a:p>
+          <a:p>
+            <a:pPr marL="0" lvl="0" indent="0">
+              <a:buNone/>
+            </a:pPr>
+            <a:endParaRPr lang="de-DE" sz="1100" dirty="0">
+              <a:solidFill>
+                <a:prstClr val="black"/>
+              </a:solidFill>
+            </a:endParaRPr>
+          </a:p>
+          <a:p>
+            <a:pPr marL="0" lvl="0" indent="0">
+              <a:buNone/>
+            </a:pPr>
+            <a:r>
+              <a:rPr lang="de-DE" sz="1100" dirty="0">
+                <a:solidFill>
+                  <a:prstClr val="black"/>
+                </a:solidFill>
+              </a:rPr>
+              <a:t>s~1                                                   2.224</a:t>
+            </a:r>
+          </a:p>
+          <a:p>
+            <a:pPr marL="0" lvl="0" indent="0">
+              <a:buNone/>
+            </a:pPr>
+            <a:r>
+              <a:rPr lang="de-DE" sz="1100" dirty="0">
+                <a:solidFill>
+                  <a:prstClr val="black"/>
+                </a:solidFill>
+              </a:rPr>
+              <a:t>i~1		       23.094</a:t>
+            </a:r>
+          </a:p>
+          <a:p>
+            <a:pPr marL="0" indent="0">
+              <a:buNone/>
+            </a:pPr>
             <a:endParaRPr lang="de-DE" dirty="0"/>
           </a:p>
         </p:txBody>
@@ -10274,14 +14617,9 @@
           <a:lstStyle/>
           <a:p>
             <a:r>
-              <a:rPr lang="de-DE" dirty="0" err="1" smtClean="0"/>
-              <a:t>Exponetielle</a:t>
-            </a:r>
-            <a:r>
-              <a:rPr lang="de-DE" dirty="0" smtClean="0"/>
-              <a:t> Daten</a:t>
-            </a:r>
-            <a:endParaRPr lang="de-DE" dirty="0"/>
+              <a:rPr lang="de-DE" dirty="0"/>
+              <a:t>Nicht-Lineare Daten</a:t>
+            </a:r>
           </a:p>
         </p:txBody>
       </p:sp>
@@ -10300,27 +14638,23 @@
           <a:bodyPr/>
           <a:lstStyle/>
           <a:p>
-            <a:endParaRPr lang="de-DE" dirty="0"/>
+            <a:r>
+              <a:rPr lang="de-DE" dirty="0"/>
+              <a:t>Best fit: Lineare Daten</a:t>
+            </a:r>
           </a:p>
         </p:txBody>
       </p:sp>
     </p:spTree>
     <p:extLst>
       <p:ext uri="{BB962C8B-B14F-4D97-AF65-F5344CB8AC3E}">
-        <p14:creationId xmlns:p14="http://schemas.microsoft.com/office/powerpoint/2010/main" val="2053520102"/>
+        <p14:creationId xmlns:p14="http://schemas.microsoft.com/office/powerpoint/2010/main" val="1362165013"/>
       </p:ext>
     </p:extLst>
   </p:cSld>
   <p:clrMapOvr>
     <a:masterClrMapping/>
   </p:clrMapOvr>
-  <p:timing>
-    <p:tnLst>
-      <p:par>
-        <p:cTn id="1" dur="indefinite" restart="never" nodeType="tmRoot"/>
-      </p:par>
-    </p:tnLst>
-  </p:timing>
 </p:sld>
 </file>
 

--- a/Christian_sem17_18_wachstumsmodelle_präsentation.pptx
+++ b/Christian_sem17_18_wachstumsmodelle_präsentation.pptx
@@ -5,27 +5,33 @@
     <p:sldMasterId id="2147483658" r:id="rId1"/>
   </p:sldMasterIdLst>
   <p:notesMasterIdLst>
-    <p:notesMasterId r:id="rId17"/>
+    <p:notesMasterId r:id="rId23"/>
   </p:notesMasterIdLst>
   <p:handoutMasterIdLst>
-    <p:handoutMasterId r:id="rId18"/>
+    <p:handoutMasterId r:id="rId24"/>
   </p:handoutMasterIdLst>
   <p:sldIdLst>
-    <p:sldId id="259" r:id="rId2"/>
-    <p:sldId id="273" r:id="rId3"/>
-    <p:sldId id="275" r:id="rId4"/>
-    <p:sldId id="274" r:id="rId5"/>
-    <p:sldId id="278" r:id="rId6"/>
-    <p:sldId id="277" r:id="rId7"/>
-    <p:sldId id="276" r:id="rId8"/>
-    <p:sldId id="283" r:id="rId9"/>
-    <p:sldId id="284" r:id="rId10"/>
-    <p:sldId id="285" r:id="rId11"/>
-    <p:sldId id="286" r:id="rId12"/>
-    <p:sldId id="281" r:id="rId13"/>
-    <p:sldId id="287" r:id="rId14"/>
-    <p:sldId id="282" r:id="rId15"/>
-    <p:sldId id="288" r:id="rId16"/>
+    <p:sldId id="290" r:id="rId2"/>
+    <p:sldId id="291" r:id="rId3"/>
+    <p:sldId id="292" r:id="rId4"/>
+    <p:sldId id="293" r:id="rId5"/>
+    <p:sldId id="294" r:id="rId6"/>
+    <p:sldId id="295" r:id="rId7"/>
+    <p:sldId id="296" r:id="rId8"/>
+    <p:sldId id="297" r:id="rId9"/>
+    <p:sldId id="298" r:id="rId10"/>
+    <p:sldId id="299" r:id="rId11"/>
+    <p:sldId id="283" r:id="rId12"/>
+    <p:sldId id="284" r:id="rId13"/>
+    <p:sldId id="285" r:id="rId14"/>
+    <p:sldId id="286" r:id="rId15"/>
+    <p:sldId id="281" r:id="rId16"/>
+    <p:sldId id="287" r:id="rId17"/>
+    <p:sldId id="282" r:id="rId18"/>
+    <p:sldId id="288" r:id="rId19"/>
+    <p:sldId id="302" r:id="rId20"/>
+    <p:sldId id="300" r:id="rId21"/>
+    <p:sldId id="301" r:id="rId22"/>
   </p:sldIdLst>
   <p:sldSz cx="9144000" cy="5143500" type="screen16x9"/>
   <p:notesSz cx="6858000" cy="9144000"/>
@@ -752,6 +758,382 @@
         </p:txBody>
       </p:sp>
     </p:spTree>
+    <p:extLst>
+      <p:ext uri="{BB962C8B-B14F-4D97-AF65-F5344CB8AC3E}">
+        <p14:creationId xmlns:p14="http://schemas.microsoft.com/office/powerpoint/2010/main" val="4110111087"/>
+      </p:ext>
+    </p:extLst>
+  </p:cSld>
+  <p:clrMapOvr>
+    <a:masterClrMapping/>
+  </p:clrMapOvr>
+</p:notes>
+</file>
+
+<file path=ppt/notesSlides/notesSlide2.xml><?xml version="1.0" encoding="utf-8"?>
+<p:notes xmlns:a="http://schemas.openxmlformats.org/drawingml/2006/main" xmlns:r="http://schemas.openxmlformats.org/officeDocument/2006/relationships" xmlns:p="http://schemas.openxmlformats.org/presentationml/2006/main">
+  <p:cSld>
+    <p:spTree>
+      <p:nvGrpSpPr>
+        <p:cNvPr id="1" name=""/>
+        <p:cNvGrpSpPr/>
+        <p:nvPr/>
+      </p:nvGrpSpPr>
+      <p:grpSpPr>
+        <a:xfrm>
+          <a:off x="0" y="0"/>
+          <a:ext cx="0" cy="0"/>
+          <a:chOff x="0" y="0"/>
+          <a:chExt cx="0" cy="0"/>
+        </a:xfrm>
+      </p:grpSpPr>
+      <p:sp>
+        <p:nvSpPr>
+          <p:cNvPr id="2" name="Folienbildplatzhalter 1"/>
+          <p:cNvSpPr>
+            <a:spLocks noGrp="1" noRot="1" noChangeAspect="1"/>
+          </p:cNvSpPr>
+          <p:nvPr>
+            <p:ph type="sldImg"/>
+          </p:nvPr>
+        </p:nvSpPr>
+        <p:spPr/>
+      </p:sp>
+      <p:sp>
+        <p:nvSpPr>
+          <p:cNvPr id="3" name="Notizenplatzhalter 2"/>
+          <p:cNvSpPr>
+            <a:spLocks noGrp="1"/>
+          </p:cNvSpPr>
+          <p:nvPr>
+            <p:ph type="body" idx="1"/>
+          </p:nvPr>
+        </p:nvSpPr>
+        <p:spPr/>
+        <p:txBody>
+          <a:bodyPr/>
+          <a:lstStyle/>
+          <a:p>
+            <a:r>
+              <a:rPr lang="de-DE" baseline="0" dirty="0" err="1"/>
+              <a:t>Mean</a:t>
+            </a:r>
+            <a:r>
+              <a:rPr lang="de-DE" baseline="0" dirty="0"/>
+              <a:t> der endogenen Variable Y: </a:t>
+            </a:r>
+            <a:r>
+              <a:rPr lang="de-DE" baseline="0" dirty="0" err="1"/>
+              <a:t>Mean</a:t>
+            </a:r>
+            <a:r>
+              <a:rPr lang="de-DE" baseline="0" dirty="0"/>
+              <a:t>(Y) = 20.000 + (11.000)*0,455 = 25.000</a:t>
+            </a:r>
+          </a:p>
+          <a:p>
+            <a:endParaRPr lang="de-DE" baseline="0" dirty="0"/>
+          </a:p>
+          <a:p>
+            <a:r>
+              <a:rPr lang="de-DE" baseline="0" dirty="0"/>
+              <a:t>Exogene Variable: Direkter Effekt der Konstante ist ein </a:t>
+            </a:r>
+            <a:r>
+              <a:rPr lang="de-DE" baseline="0" dirty="0" err="1"/>
+              <a:t>Mean</a:t>
+            </a:r>
+            <a:endParaRPr lang="de-DE" baseline="0" dirty="0"/>
+          </a:p>
+          <a:p>
+            <a:r>
+              <a:rPr lang="de-DE" baseline="0" dirty="0"/>
+              <a:t>Endogene Variable: Der direkte Effekt der Konstante ist ein </a:t>
+            </a:r>
+            <a:r>
+              <a:rPr lang="de-DE" baseline="0" dirty="0" err="1"/>
+              <a:t>Intercept</a:t>
+            </a:r>
+            <a:r>
+              <a:rPr lang="de-DE" baseline="0" dirty="0"/>
+              <a:t> (y-Achsenabschnitt) und der totale Effekt ist ein </a:t>
+            </a:r>
+            <a:r>
+              <a:rPr lang="de-DE" baseline="0" dirty="0" err="1"/>
+              <a:t>Mean</a:t>
+            </a:r>
+            <a:endParaRPr lang="de-DE" baseline="0" dirty="0"/>
+          </a:p>
+        </p:txBody>
+      </p:sp>
+      <p:sp>
+        <p:nvSpPr>
+          <p:cNvPr id="4" name="Foliennummernplatzhalter 3"/>
+          <p:cNvSpPr>
+            <a:spLocks noGrp="1"/>
+          </p:cNvSpPr>
+          <p:nvPr>
+            <p:ph type="sldNum" sz="quarter" idx="10"/>
+          </p:nvPr>
+        </p:nvSpPr>
+        <p:spPr/>
+        <p:txBody>
+          <a:bodyPr/>
+          <a:lstStyle/>
+          <a:p>
+            <a:fld id="{6706D1AF-4C0D-4753-9D96-DDC1A4BC5412}" type="slidenum">
+              <a:rPr lang="de-DE" smtClean="0"/>
+              <a:pPr/>
+              <a:t>3</a:t>
+            </a:fld>
+            <a:endParaRPr lang="de-DE"/>
+          </a:p>
+        </p:txBody>
+      </p:sp>
+    </p:spTree>
+    <p:extLst>
+      <p:ext uri="{BB962C8B-B14F-4D97-AF65-F5344CB8AC3E}">
+        <p14:creationId xmlns:p14="http://schemas.microsoft.com/office/powerpoint/2010/main" val="2601734618"/>
+      </p:ext>
+    </p:extLst>
+  </p:cSld>
+  <p:clrMapOvr>
+    <a:masterClrMapping/>
+  </p:clrMapOvr>
+</p:notes>
+</file>
+
+<file path=ppt/notesSlides/notesSlide3.xml><?xml version="1.0" encoding="utf-8"?>
+<p:notes xmlns:a="http://schemas.openxmlformats.org/drawingml/2006/main" xmlns:r="http://schemas.openxmlformats.org/officeDocument/2006/relationships" xmlns:p="http://schemas.openxmlformats.org/presentationml/2006/main">
+  <p:cSld>
+    <p:spTree>
+      <p:nvGrpSpPr>
+        <p:cNvPr id="1" name=""/>
+        <p:cNvGrpSpPr/>
+        <p:nvPr/>
+      </p:nvGrpSpPr>
+      <p:grpSpPr>
+        <a:xfrm>
+          <a:off x="0" y="0"/>
+          <a:ext cx="0" cy="0"/>
+          <a:chOff x="0" y="0"/>
+          <a:chExt cx="0" cy="0"/>
+        </a:xfrm>
+      </p:grpSpPr>
+      <p:sp>
+        <p:nvSpPr>
+          <p:cNvPr id="2" name="Folienbildplatzhalter 1"/>
+          <p:cNvSpPr>
+            <a:spLocks noGrp="1" noRot="1" noChangeAspect="1"/>
+          </p:cNvSpPr>
+          <p:nvPr>
+            <p:ph type="sldImg"/>
+          </p:nvPr>
+        </p:nvSpPr>
+        <p:spPr/>
+      </p:sp>
+      <p:sp>
+        <p:nvSpPr>
+          <p:cNvPr id="3" name="Notizenplatzhalter 2"/>
+          <p:cNvSpPr>
+            <a:spLocks noGrp="1"/>
+          </p:cNvSpPr>
+          <p:nvPr>
+            <p:ph type="body" idx="1"/>
+          </p:nvPr>
+        </p:nvSpPr>
+        <p:spPr/>
+        <p:txBody>
+          <a:bodyPr/>
+          <a:lstStyle/>
+          <a:p>
+            <a:r>
+              <a:rPr lang="de-DE" baseline="0" dirty="0" err="1"/>
+              <a:t>Mean</a:t>
+            </a:r>
+            <a:r>
+              <a:rPr lang="de-DE" baseline="0" dirty="0"/>
+              <a:t> der endogenen Variable Y: </a:t>
+            </a:r>
+            <a:r>
+              <a:rPr lang="de-DE" baseline="0" dirty="0" err="1"/>
+              <a:t>Mean</a:t>
+            </a:r>
+            <a:r>
+              <a:rPr lang="de-DE" baseline="0" dirty="0"/>
+              <a:t>(Y) = 20.000 + (11.000)*0,455 = 25.000</a:t>
+            </a:r>
+          </a:p>
+          <a:p>
+            <a:endParaRPr lang="de-DE" baseline="0" dirty="0"/>
+          </a:p>
+          <a:p>
+            <a:r>
+              <a:rPr lang="de-DE" baseline="0" dirty="0"/>
+              <a:t>Exogene Variable: Direkter Effekt der Konstante ist ein </a:t>
+            </a:r>
+            <a:r>
+              <a:rPr lang="de-DE" baseline="0" dirty="0" err="1"/>
+              <a:t>Mean</a:t>
+            </a:r>
+            <a:endParaRPr lang="de-DE" baseline="0" dirty="0"/>
+          </a:p>
+          <a:p>
+            <a:r>
+              <a:rPr lang="de-DE" baseline="0" dirty="0"/>
+              <a:t>Endogene Variable: Der direkte Effekt der Konstante ist ein </a:t>
+            </a:r>
+            <a:r>
+              <a:rPr lang="de-DE" baseline="0" dirty="0" err="1"/>
+              <a:t>Intercept</a:t>
+            </a:r>
+            <a:r>
+              <a:rPr lang="de-DE" baseline="0" dirty="0"/>
+              <a:t> (y-Achsenabschnitt) und der totale Effekt ist ein </a:t>
+            </a:r>
+            <a:r>
+              <a:rPr lang="de-DE" baseline="0" dirty="0" err="1"/>
+              <a:t>Mean</a:t>
+            </a:r>
+            <a:endParaRPr lang="de-DE" baseline="0" dirty="0"/>
+          </a:p>
+        </p:txBody>
+      </p:sp>
+      <p:sp>
+        <p:nvSpPr>
+          <p:cNvPr id="4" name="Foliennummernplatzhalter 3"/>
+          <p:cNvSpPr>
+            <a:spLocks noGrp="1"/>
+          </p:cNvSpPr>
+          <p:nvPr>
+            <p:ph type="sldNum" sz="quarter" idx="10"/>
+          </p:nvPr>
+        </p:nvSpPr>
+        <p:spPr/>
+        <p:txBody>
+          <a:bodyPr/>
+          <a:lstStyle/>
+          <a:p>
+            <a:fld id="{6706D1AF-4C0D-4753-9D96-DDC1A4BC5412}" type="slidenum">
+              <a:rPr lang="de-DE" smtClean="0"/>
+              <a:pPr/>
+              <a:t>4</a:t>
+            </a:fld>
+            <a:endParaRPr lang="de-DE"/>
+          </a:p>
+        </p:txBody>
+      </p:sp>
+    </p:spTree>
+    <p:extLst>
+      <p:ext uri="{BB962C8B-B14F-4D97-AF65-F5344CB8AC3E}">
+        <p14:creationId xmlns:p14="http://schemas.microsoft.com/office/powerpoint/2010/main" val="756272603"/>
+      </p:ext>
+    </p:extLst>
+  </p:cSld>
+  <p:clrMapOvr>
+    <a:masterClrMapping/>
+  </p:clrMapOvr>
+</p:notes>
+</file>
+
+<file path=ppt/notesSlides/notesSlide4.xml><?xml version="1.0" encoding="utf-8"?>
+<p:notes xmlns:a="http://schemas.openxmlformats.org/drawingml/2006/main" xmlns:r="http://schemas.openxmlformats.org/officeDocument/2006/relationships" xmlns:p="http://schemas.openxmlformats.org/presentationml/2006/main">
+  <p:cSld>
+    <p:spTree>
+      <p:nvGrpSpPr>
+        <p:cNvPr id="1" name=""/>
+        <p:cNvGrpSpPr/>
+        <p:nvPr/>
+      </p:nvGrpSpPr>
+      <p:grpSpPr>
+        <a:xfrm>
+          <a:off x="0" y="0"/>
+          <a:ext cx="0" cy="0"/>
+          <a:chOff x="0" y="0"/>
+          <a:chExt cx="0" cy="0"/>
+        </a:xfrm>
+      </p:grpSpPr>
+      <p:sp>
+        <p:nvSpPr>
+          <p:cNvPr id="2" name="Folienbildplatzhalter 1"/>
+          <p:cNvSpPr>
+            <a:spLocks noGrp="1" noRot="1" noChangeAspect="1"/>
+          </p:cNvSpPr>
+          <p:nvPr>
+            <p:ph type="sldImg"/>
+          </p:nvPr>
+        </p:nvSpPr>
+        <p:spPr/>
+      </p:sp>
+      <p:sp>
+        <p:nvSpPr>
+          <p:cNvPr id="3" name="Notizenplatzhalter 2"/>
+          <p:cNvSpPr>
+            <a:spLocks noGrp="1"/>
+          </p:cNvSpPr>
+          <p:nvPr>
+            <p:ph type="body" idx="1"/>
+          </p:nvPr>
+        </p:nvSpPr>
+        <p:spPr/>
+        <p:txBody>
+          <a:bodyPr/>
+          <a:lstStyle/>
+          <a:p>
+            <a:r>
+              <a:rPr lang="de-DE" dirty="0" err="1"/>
+              <a:t>Ability</a:t>
+            </a:r>
+            <a:r>
+              <a:rPr lang="de-DE" dirty="0"/>
+              <a:t> sinkt hier pro Versuch, d.h. dass die Übung</a:t>
+            </a:r>
+            <a:r>
+              <a:rPr lang="de-DE" baseline="0" dirty="0"/>
+              <a:t> immer weiter die initialen kognitiven Fähigkeiten übertreffen und </a:t>
+            </a:r>
+            <a:r>
+              <a:rPr lang="de-DE" baseline="0" dirty="0" err="1"/>
+              <a:t>Ability</a:t>
+            </a:r>
+            <a:r>
+              <a:rPr lang="de-DE" baseline="0" dirty="0"/>
+              <a:t> immer weniger Einfluss auf das Ergebnis hat.</a:t>
+            </a:r>
+            <a:endParaRPr lang="de-DE" dirty="0"/>
+          </a:p>
+        </p:txBody>
+      </p:sp>
+      <p:sp>
+        <p:nvSpPr>
+          <p:cNvPr id="4" name="Foliennummernplatzhalter 3"/>
+          <p:cNvSpPr>
+            <a:spLocks noGrp="1"/>
+          </p:cNvSpPr>
+          <p:nvPr>
+            <p:ph type="sldNum" sz="quarter" idx="10"/>
+          </p:nvPr>
+        </p:nvSpPr>
+        <p:spPr/>
+        <p:txBody>
+          <a:bodyPr/>
+          <a:lstStyle/>
+          <a:p>
+            <a:fld id="{6706D1AF-4C0D-4753-9D96-DDC1A4BC5412}" type="slidenum">
+              <a:rPr lang="de-DE" smtClean="0"/>
+              <a:pPr/>
+              <a:t>10</a:t>
+            </a:fld>
+            <a:endParaRPr lang="de-DE"/>
+          </a:p>
+        </p:txBody>
+      </p:sp>
+    </p:spTree>
+    <p:extLst>
+      <p:ext uri="{BB962C8B-B14F-4D97-AF65-F5344CB8AC3E}">
+        <p14:creationId xmlns:p14="http://schemas.microsoft.com/office/powerpoint/2010/main" val="3026370478"/>
+      </p:ext>
+    </p:extLst>
   </p:cSld>
   <p:clrMapOvr>
     <a:masterClrMapping/>
@@ -7038,6 +7420,11 @@
         </p:txBody>
       </p:sp>
     </p:spTree>
+    <p:extLst>
+      <p:ext uri="{BB962C8B-B14F-4D97-AF65-F5344CB8AC3E}">
+        <p14:creationId xmlns:p14="http://schemas.microsoft.com/office/powerpoint/2010/main" val="2043870414"/>
+      </p:ext>
+    </p:extLst>
   </p:cSld>
   <p:clrMapOvr>
     <a:masterClrMapping/>
@@ -7079,13 +7466,281 @@
           <a:p>
             <a:r>
               <a:rPr lang="de-DE" dirty="0"/>
-              <a:t>Polynominelles Wachstumsmodell – 1 </a:t>
-            </a:r>
+              <a:t>Datensätze</a:t>
+            </a:r>
+          </a:p>
+        </p:txBody>
+      </p:sp>
+      <p:sp>
+        <p:nvSpPr>
+          <p:cNvPr id="3" name="Inhaltsplatzhalter 2"/>
+          <p:cNvSpPr>
+            <a:spLocks noGrp="1"/>
+          </p:cNvSpPr>
+          <p:nvPr>
+            <p:ph idx="1"/>
+          </p:nvPr>
+        </p:nvSpPr>
+        <p:spPr>
+          <a:xfrm>
+            <a:off x="323530" y="987574"/>
+            <a:ext cx="4392486" cy="3744416"/>
+          </a:xfrm>
+        </p:spPr>
+        <p:txBody>
+          <a:bodyPr/>
+          <a:lstStyle/>
+          <a:p>
+            <a:r>
+              <a:rPr lang="de-DE" dirty="0"/>
+              <a:t>Datensatz aus Kline, 2015</a:t>
+            </a:r>
+          </a:p>
+          <a:p>
+            <a:pPr lvl="1"/>
+            <a:r>
+              <a:rPr lang="de-DE" dirty="0"/>
+              <a:t>Während einer Flugsimulation bei 137 Militärpiloten über 6 Versuche gemessen wurde</a:t>
+            </a:r>
+          </a:p>
+          <a:p>
+            <a:pPr lvl="1"/>
+            <a:r>
+              <a:rPr lang="de-DE" dirty="0"/>
+              <a:t>Der Wert ist die Anzahl der erfolgreichen Landungen</a:t>
+            </a:r>
+          </a:p>
+          <a:p>
+            <a:pPr lvl="1"/>
+            <a:r>
+              <a:rPr lang="de-DE" dirty="0"/>
+              <a:t>Starke Korrelationen zwischen aufeinanderfolgenden Versuchen → typisch für Lernkurven</a:t>
+            </a:r>
+          </a:p>
+          <a:p>
+            <a:pPr lvl="1"/>
             <a:r>
               <a:rPr lang="de-DE" dirty="0" err="1"/>
-              <a:t>slope</a:t>
-            </a:r>
+              <a:t>Ability</a:t>
+            </a:r>
+            <a:r>
+              <a:rPr lang="de-DE" dirty="0"/>
+              <a:t> misst dabei die generelle kognitive Fähigkeit, wobei ein </a:t>
+            </a:r>
+            <a:r>
+              <a:rPr lang="de-DE" dirty="0" err="1"/>
+              <a:t>hoherer</a:t>
+            </a:r>
+            <a:r>
+              <a:rPr lang="de-DE" dirty="0"/>
+              <a:t> Wert ein Indikator für ein besseres Ergebnis ist</a:t>
+            </a:r>
+          </a:p>
+          <a:p>
+            <a:pPr lvl="1"/>
+            <a:r>
+              <a:rPr lang="de-DE" dirty="0"/>
+              <a:t>Sowohl </a:t>
+            </a:r>
+            <a:r>
+              <a:rPr lang="de-DE" dirty="0" err="1"/>
+              <a:t>Means</a:t>
+            </a:r>
+            <a:r>
+              <a:rPr lang="de-DE" dirty="0"/>
+              <a:t> als auch die Standardabweichungen steigen im Zeitreihenkontext → Wachstum</a:t>
+            </a:r>
+          </a:p>
+          <a:p>
             <a:endParaRPr lang="de-DE" dirty="0"/>
+          </a:p>
+        </p:txBody>
+      </p:sp>
+      <p:sp>
+        <p:nvSpPr>
+          <p:cNvPr id="4" name="Datumsplatzhalter 3"/>
+          <p:cNvSpPr>
+            <a:spLocks noGrp="1"/>
+          </p:cNvSpPr>
+          <p:nvPr>
+            <p:ph type="dt" sz="half" idx="10"/>
+          </p:nvPr>
+        </p:nvSpPr>
+        <p:spPr/>
+        <p:txBody>
+          <a:bodyPr/>
+          <a:lstStyle/>
+          <a:p>
+            <a:fld id="{6DB845E5-DACF-426C-8A10-A6438D29DD66}" type="datetime1">
+              <a:rPr lang="de-DE" smtClean="0"/>
+              <a:pPr/>
+              <a:t>19.02.2018</a:t>
+            </a:fld>
+            <a:endParaRPr lang="de-DE"/>
+          </a:p>
+        </p:txBody>
+      </p:sp>
+      <p:sp>
+        <p:nvSpPr>
+          <p:cNvPr id="5" name="Fußzeilenplatzhalter 4"/>
+          <p:cNvSpPr>
+            <a:spLocks noGrp="1"/>
+          </p:cNvSpPr>
+          <p:nvPr>
+            <p:ph type="ftr" sz="quarter" idx="11"/>
+          </p:nvPr>
+        </p:nvSpPr>
+        <p:spPr/>
+        <p:txBody>
+          <a:bodyPr/>
+          <a:lstStyle/>
+          <a:p>
+            <a:r>
+              <a:rPr lang="de-DE"/>
+              <a:t>Structural Equation Modelling – Wintersemester 2017/2018</a:t>
+            </a:r>
+            <a:endParaRPr lang="de-DE" dirty="0"/>
+          </a:p>
+        </p:txBody>
+      </p:sp>
+      <p:sp>
+        <p:nvSpPr>
+          <p:cNvPr id="6" name="Foliennummernplatzhalter 5"/>
+          <p:cNvSpPr>
+            <a:spLocks noGrp="1"/>
+          </p:cNvSpPr>
+          <p:nvPr>
+            <p:ph type="sldNum" sz="quarter" idx="12"/>
+          </p:nvPr>
+        </p:nvSpPr>
+        <p:spPr/>
+        <p:txBody>
+          <a:bodyPr/>
+          <a:lstStyle/>
+          <a:p>
+            <a:fld id="{015363AA-F6CB-4A58-B5AD-B2CDFEAF0813}" type="slidenum">
+              <a:rPr lang="de-DE" smtClean="0"/>
+              <a:pPr/>
+              <a:t>10</a:t>
+            </a:fld>
+            <a:endParaRPr lang="de-DE"/>
+          </a:p>
+        </p:txBody>
+      </p:sp>
+      <p:pic>
+        <p:nvPicPr>
+          <p:cNvPr id="7" name="Grafik 6" descr="Bildschirmausschnitt"/>
+          <p:cNvPicPr>
+            <a:picLocks noChangeAspect="1"/>
+          </p:cNvPicPr>
+          <p:nvPr/>
+        </p:nvPicPr>
+        <p:blipFill>
+          <a:blip r:embed="rId3" cstate="print">
+            <a:extLst>
+              <a:ext uri="{28A0092B-C50C-407E-A947-70E740481C1C}">
+                <a14:useLocalDpi xmlns:a14="http://schemas.microsoft.com/office/drawing/2010/main" val="0"/>
+              </a:ext>
+            </a:extLst>
+          </a:blip>
+          <a:stretch>
+            <a:fillRect/>
+          </a:stretch>
+        </p:blipFill>
+        <p:spPr>
+          <a:xfrm>
+            <a:off x="5056519" y="1419622"/>
+            <a:ext cx="3913845" cy="2376264"/>
+          </a:xfrm>
+          <a:prstGeom prst="rect">
+            <a:avLst/>
+          </a:prstGeom>
+          <a:ln>
+            <a:solidFill>
+              <a:schemeClr val="tx1"/>
+            </a:solidFill>
+          </a:ln>
+        </p:spPr>
+      </p:pic>
+      <p:sp>
+        <p:nvSpPr>
+          <p:cNvPr id="8" name="Textfeld 7"/>
+          <p:cNvSpPr txBox="1"/>
+          <p:nvPr/>
+        </p:nvSpPr>
+        <p:spPr>
+          <a:xfrm>
+            <a:off x="5292080" y="3837697"/>
+            <a:ext cx="3384376" cy="246221"/>
+          </a:xfrm>
+          <a:prstGeom prst="rect">
+            <a:avLst/>
+          </a:prstGeom>
+          <a:noFill/>
+        </p:spPr>
+        <p:txBody>
+          <a:bodyPr wrap="square" rtlCol="0">
+            <a:spAutoFit/>
+          </a:bodyPr>
+          <a:lstStyle/>
+          <a:p>
+            <a:pPr algn="ctr"/>
+            <a:r>
+              <a:rPr lang="de-DE" sz="1000" dirty="0"/>
+              <a:t>Varianz-Kovarianz-Matrix der Versuchsreihe (Kline, 2015)</a:t>
+            </a:r>
+          </a:p>
+        </p:txBody>
+      </p:sp>
+    </p:spTree>
+    <p:extLst>
+      <p:ext uri="{BB962C8B-B14F-4D97-AF65-F5344CB8AC3E}">
+        <p14:creationId xmlns:p14="http://schemas.microsoft.com/office/powerpoint/2010/main" val="1483792533"/>
+      </p:ext>
+    </p:extLst>
+  </p:cSld>
+  <p:clrMapOvr>
+    <a:masterClrMapping/>
+  </p:clrMapOvr>
+</p:sld>
+</file>
+
+<file path=ppt/slides/slide11.xml><?xml version="1.0" encoding="utf-8"?>
+<p:sld xmlns:a="http://schemas.openxmlformats.org/drawingml/2006/main" xmlns:r="http://schemas.openxmlformats.org/officeDocument/2006/relationships" xmlns:p="http://schemas.openxmlformats.org/presentationml/2006/main">
+  <p:cSld>
+    <p:spTree>
+      <p:nvGrpSpPr>
+        <p:cNvPr id="1" name=""/>
+        <p:cNvGrpSpPr/>
+        <p:nvPr/>
+      </p:nvGrpSpPr>
+      <p:grpSpPr>
+        <a:xfrm>
+          <a:off x="0" y="0"/>
+          <a:ext cx="0" cy="0"/>
+          <a:chOff x="0" y="0"/>
+          <a:chExt cx="0" cy="0"/>
+        </a:xfrm>
+      </p:grpSpPr>
+      <p:sp>
+        <p:nvSpPr>
+          <p:cNvPr id="2" name="Titel 1"/>
+          <p:cNvSpPr>
+            <a:spLocks noGrp="1"/>
+          </p:cNvSpPr>
+          <p:nvPr>
+            <p:ph type="title"/>
+          </p:nvPr>
+        </p:nvSpPr>
+        <p:spPr/>
+        <p:txBody>
+          <a:bodyPr/>
+          <a:lstStyle/>
+          <a:p>
+            <a:r>
+              <a:rPr lang="de-DE" dirty="0"/>
+              <a:t>Lineares Wachstumsmodell</a:t>
+            </a:r>
           </a:p>
         </p:txBody>
       </p:sp>
@@ -7154,7 +7809,7 @@
             <a:fld id="{015363AA-F6CB-4A58-B5AD-B2CDFEAF0813}" type="slidenum">
               <a:rPr lang="de-DE" smtClean="0"/>
               <a:pPr/>
-              <a:t>10</a:t>
+              <a:t>11</a:t>
             </a:fld>
             <a:endParaRPr lang="de-DE"/>
           </a:p>
@@ -7517,6 +8172,1087 @@
             <a:pPr algn="ctr"/>
             <a:r>
               <a:rPr lang="de-DE" sz="1400" dirty="0"/>
+              <a:t>2</a:t>
+            </a:r>
+            <a:endParaRPr lang="en-NZ" sz="1400" dirty="0"/>
+          </a:p>
+        </p:txBody>
+      </p:sp>
+      <p:sp>
+        <p:nvSpPr>
+          <p:cNvPr id="39" name="Textfeld 38">
+            <a:extLst>
+              <a:ext uri="{FF2B5EF4-FFF2-40B4-BE49-F238E27FC236}">
+                <a16:creationId xmlns:a16="http://schemas.microsoft.com/office/drawing/2014/main" id="{39846F52-2C64-4074-A4D5-E31F35344B69}"/>
+              </a:ext>
+            </a:extLst>
+          </p:cNvPr>
+          <p:cNvSpPr txBox="1"/>
+          <p:nvPr/>
+        </p:nvSpPr>
+        <p:spPr>
+          <a:xfrm>
+            <a:off x="5052602" y="2450863"/>
+            <a:ext cx="121270" cy="450617"/>
+          </a:xfrm>
+          <a:prstGeom prst="rect">
+            <a:avLst/>
+          </a:prstGeom>
+          <a:noFill/>
+        </p:spPr>
+        <p:txBody>
+          <a:bodyPr wrap="square" rtlCol="0">
+            <a:spAutoFit/>
+          </a:bodyPr>
+          <a:lstStyle/>
+          <a:p>
+            <a:pPr algn="ctr"/>
+            <a:r>
+              <a:rPr lang="de-DE" sz="1400" dirty="0"/>
+              <a:t>3</a:t>
+            </a:r>
+            <a:endParaRPr lang="en-NZ" sz="1400" dirty="0"/>
+          </a:p>
+        </p:txBody>
+      </p:sp>
+      <p:sp>
+        <p:nvSpPr>
+          <p:cNvPr id="40" name="Textfeld 39">
+            <a:extLst>
+              <a:ext uri="{FF2B5EF4-FFF2-40B4-BE49-F238E27FC236}">
+                <a16:creationId xmlns:a16="http://schemas.microsoft.com/office/drawing/2014/main" id="{1EFDEB18-93F5-4A53-818D-7DAFA21D7696}"/>
+              </a:ext>
+            </a:extLst>
+          </p:cNvPr>
+          <p:cNvSpPr txBox="1"/>
+          <p:nvPr/>
+        </p:nvSpPr>
+        <p:spPr>
+          <a:xfrm>
+            <a:off x="5805007" y="2424824"/>
+            <a:ext cx="121270" cy="307777"/>
+          </a:xfrm>
+          <a:prstGeom prst="rect">
+            <a:avLst/>
+          </a:prstGeom>
+          <a:noFill/>
+        </p:spPr>
+        <p:txBody>
+          <a:bodyPr wrap="square" rtlCol="0">
+            <a:spAutoFit/>
+          </a:bodyPr>
+          <a:lstStyle/>
+          <a:p>
+            <a:pPr algn="ctr"/>
+            <a:r>
+              <a:rPr lang="de-DE" sz="1400" dirty="0"/>
+              <a:t>4</a:t>
+            </a:r>
+            <a:endParaRPr lang="en-NZ" sz="1400" dirty="0"/>
+          </a:p>
+        </p:txBody>
+      </p:sp>
+      <p:sp>
+        <p:nvSpPr>
+          <p:cNvPr id="41" name="Textfeld 40">
+            <a:extLst>
+              <a:ext uri="{FF2B5EF4-FFF2-40B4-BE49-F238E27FC236}">
+                <a16:creationId xmlns:a16="http://schemas.microsoft.com/office/drawing/2014/main" id="{6B5947CF-21A5-40B4-A581-46B6D1286E91}"/>
+              </a:ext>
+            </a:extLst>
+          </p:cNvPr>
+          <p:cNvSpPr txBox="1"/>
+          <p:nvPr/>
+        </p:nvSpPr>
+        <p:spPr>
+          <a:xfrm>
+            <a:off x="6754986" y="2526450"/>
+            <a:ext cx="121270" cy="254361"/>
+          </a:xfrm>
+          <a:prstGeom prst="rect">
+            <a:avLst/>
+          </a:prstGeom>
+          <a:noFill/>
+        </p:spPr>
+        <p:txBody>
+          <a:bodyPr wrap="square" rtlCol="0">
+            <a:spAutoFit/>
+          </a:bodyPr>
+          <a:lstStyle/>
+          <a:p>
+            <a:pPr algn="ctr"/>
+            <a:r>
+              <a:rPr lang="de-DE" sz="1400" dirty="0"/>
+              <a:t>5</a:t>
+            </a:r>
+            <a:endParaRPr lang="en-NZ" sz="1400" dirty="0"/>
+          </a:p>
+        </p:txBody>
+      </p:sp>
+    </p:spTree>
+    <p:extLst>
+      <p:ext uri="{BB962C8B-B14F-4D97-AF65-F5344CB8AC3E}">
+        <p14:creationId xmlns:p14="http://schemas.microsoft.com/office/powerpoint/2010/main" val="2043488892"/>
+      </p:ext>
+    </p:extLst>
+  </p:cSld>
+  <p:clrMapOvr>
+    <a:masterClrMapping/>
+  </p:clrMapOvr>
+</p:sld>
+</file>
+
+<file path=ppt/slides/slide12.xml><?xml version="1.0" encoding="utf-8"?>
+<p:sld xmlns:a="http://schemas.openxmlformats.org/drawingml/2006/main" xmlns:r="http://schemas.openxmlformats.org/officeDocument/2006/relationships" xmlns:p="http://schemas.openxmlformats.org/presentationml/2006/main">
+  <p:cSld>
+    <p:spTree>
+      <p:nvGrpSpPr>
+        <p:cNvPr id="1" name=""/>
+        <p:cNvGrpSpPr/>
+        <p:nvPr/>
+      </p:nvGrpSpPr>
+      <p:grpSpPr>
+        <a:xfrm>
+          <a:off x="0" y="0"/>
+          <a:ext cx="0" cy="0"/>
+          <a:chOff x="0" y="0"/>
+          <a:chExt cx="0" cy="0"/>
+        </a:xfrm>
+      </p:grpSpPr>
+      <p:sp>
+        <p:nvSpPr>
+          <p:cNvPr id="2" name="Titel 1"/>
+          <p:cNvSpPr>
+            <a:spLocks noGrp="1"/>
+          </p:cNvSpPr>
+          <p:nvPr>
+            <p:ph type="title"/>
+          </p:nvPr>
+        </p:nvSpPr>
+        <p:spPr/>
+        <p:txBody>
+          <a:bodyPr/>
+          <a:lstStyle/>
+          <a:p>
+            <a:r>
+              <a:rPr lang="de-DE" dirty="0"/>
+              <a:t>Lineares Wachstumsmodell</a:t>
+            </a:r>
+          </a:p>
+        </p:txBody>
+      </p:sp>
+      <p:sp>
+        <p:nvSpPr>
+          <p:cNvPr id="3" name="Textplatzhalter 2"/>
+          <p:cNvSpPr>
+            <a:spLocks noGrp="1"/>
+          </p:cNvSpPr>
+          <p:nvPr>
+            <p:ph type="body" idx="1"/>
+          </p:nvPr>
+        </p:nvSpPr>
+        <p:spPr/>
+        <p:txBody>
+          <a:bodyPr/>
+          <a:lstStyle/>
+          <a:p>
+            <a:r>
+              <a:rPr lang="de-DE" dirty="0"/>
+              <a:t>Lineare Daten</a:t>
+            </a:r>
+          </a:p>
+        </p:txBody>
+      </p:sp>
+      <p:sp>
+        <p:nvSpPr>
+          <p:cNvPr id="4" name="Inhaltsplatzhalter 3"/>
+          <p:cNvSpPr>
+            <a:spLocks noGrp="1"/>
+          </p:cNvSpPr>
+          <p:nvPr>
+            <p:ph sz="half" idx="2"/>
+          </p:nvPr>
+        </p:nvSpPr>
+        <p:spPr/>
+        <p:txBody>
+          <a:bodyPr>
+            <a:normAutofit/>
+          </a:bodyPr>
+          <a:lstStyle/>
+          <a:p>
+            <a:pPr marL="0" indent="0">
+              <a:buNone/>
+            </a:pPr>
+            <a:r>
+              <a:rPr lang="en-NZ" sz="1100" dirty="0"/>
+              <a:t>Minimum Function Test Statistic  10.782</a:t>
+            </a:r>
+          </a:p>
+          <a:p>
+            <a:pPr marL="0" indent="0">
+              <a:buNone/>
+            </a:pPr>
+            <a:r>
+              <a:rPr lang="en-NZ" sz="1100" dirty="0"/>
+              <a:t>Degrees of freedom                            11</a:t>
+            </a:r>
+          </a:p>
+          <a:p>
+            <a:pPr marL="0" indent="0">
+              <a:buNone/>
+            </a:pPr>
+            <a:r>
+              <a:rPr lang="en-NZ" sz="1100" dirty="0"/>
+              <a:t>P-value (Chi-square)                      0.462</a:t>
+            </a:r>
+          </a:p>
+          <a:p>
+            <a:pPr marL="0" indent="0">
+              <a:buNone/>
+            </a:pPr>
+            <a:endParaRPr lang="de-DE" sz="1100" dirty="0"/>
+          </a:p>
+          <a:p>
+            <a:pPr marL="0" indent="0">
+              <a:buNone/>
+            </a:pPr>
+            <a:r>
+              <a:rPr lang="de-DE" sz="1100" dirty="0"/>
+              <a:t>s~1                                                 4.000</a:t>
+            </a:r>
+          </a:p>
+          <a:p>
+            <a:pPr marL="0" indent="0">
+              <a:buNone/>
+            </a:pPr>
+            <a:r>
+              <a:rPr lang="de-DE" sz="1100" dirty="0"/>
+              <a:t>i~1		       9.997</a:t>
+            </a:r>
+          </a:p>
+        </p:txBody>
+      </p:sp>
+      <p:sp>
+        <p:nvSpPr>
+          <p:cNvPr id="5" name="Textplatzhalter 4"/>
+          <p:cNvSpPr>
+            <a:spLocks noGrp="1"/>
+          </p:cNvSpPr>
+          <p:nvPr>
+            <p:ph type="body" sz="quarter" idx="3"/>
+          </p:nvPr>
+        </p:nvSpPr>
+        <p:spPr/>
+        <p:txBody>
+          <a:bodyPr/>
+          <a:lstStyle/>
+          <a:p>
+            <a:r>
+              <a:rPr lang="de-DE" dirty="0"/>
+              <a:t>Polynominelle Daten</a:t>
+            </a:r>
+          </a:p>
+        </p:txBody>
+      </p:sp>
+      <p:sp>
+        <p:nvSpPr>
+          <p:cNvPr id="6" name="Inhaltsplatzhalter 5"/>
+          <p:cNvSpPr>
+            <a:spLocks noGrp="1"/>
+          </p:cNvSpPr>
+          <p:nvPr>
+            <p:ph sz="quarter" idx="4"/>
+          </p:nvPr>
+        </p:nvSpPr>
+        <p:spPr>
+          <a:xfrm>
+            <a:off x="3131841" y="1419622"/>
+            <a:ext cx="2808311" cy="2016224"/>
+          </a:xfrm>
+        </p:spPr>
+        <p:txBody>
+          <a:bodyPr/>
+          <a:lstStyle/>
+          <a:p>
+            <a:pPr marL="0" lvl="0" indent="0">
+              <a:buNone/>
+            </a:pPr>
+            <a:r>
+              <a:rPr lang="en-NZ" sz="1100" dirty="0">
+                <a:solidFill>
+                  <a:prstClr val="black"/>
+                </a:solidFill>
+              </a:rPr>
+              <a:t>Minimum Function Test Statistic 146766.1</a:t>
+            </a:r>
+          </a:p>
+          <a:p>
+            <a:pPr marL="0" lvl="0" indent="0">
+              <a:buNone/>
+            </a:pPr>
+            <a:r>
+              <a:rPr lang="en-NZ" sz="1100" dirty="0">
+                <a:solidFill>
+                  <a:prstClr val="black"/>
+                </a:solidFill>
+              </a:rPr>
+              <a:t>Degrees of freedom                                11</a:t>
+            </a:r>
+          </a:p>
+          <a:p>
+            <a:pPr marL="0" lvl="0" indent="0">
+              <a:buNone/>
+            </a:pPr>
+            <a:r>
+              <a:rPr lang="en-NZ" sz="1100" dirty="0">
+                <a:solidFill>
+                  <a:prstClr val="black"/>
+                </a:solidFill>
+              </a:rPr>
+              <a:t>P-value (Chi-square)                         0.000</a:t>
+            </a:r>
+          </a:p>
+          <a:p>
+            <a:pPr marL="0" lvl="0" indent="0">
+              <a:buNone/>
+            </a:pPr>
+            <a:endParaRPr lang="de-DE" sz="1100" dirty="0">
+              <a:solidFill>
+                <a:prstClr val="black"/>
+              </a:solidFill>
+            </a:endParaRPr>
+          </a:p>
+          <a:p>
+            <a:pPr marL="0" lvl="0" indent="0">
+              <a:buNone/>
+            </a:pPr>
+            <a:r>
+              <a:rPr lang="de-DE" sz="1100" dirty="0">
+                <a:solidFill>
+                  <a:prstClr val="black"/>
+                </a:solidFill>
+              </a:rPr>
+              <a:t>s~1 		         28.430</a:t>
+            </a:r>
+          </a:p>
+          <a:p>
+            <a:pPr marL="0" lvl="0" indent="0">
+              <a:buNone/>
+            </a:pPr>
+            <a:r>
+              <a:rPr lang="de-DE" sz="1100" dirty="0">
+                <a:solidFill>
+                  <a:prstClr val="black"/>
+                </a:solidFill>
+              </a:rPr>
+              <a:t>i~1		        -16.049</a:t>
+            </a:r>
+          </a:p>
+          <a:p>
+            <a:pPr marL="0" indent="0">
+              <a:buNone/>
+            </a:pPr>
+            <a:endParaRPr lang="de-DE" dirty="0"/>
+          </a:p>
+        </p:txBody>
+      </p:sp>
+      <p:sp>
+        <p:nvSpPr>
+          <p:cNvPr id="7" name="Datumsplatzhalter 6"/>
+          <p:cNvSpPr>
+            <a:spLocks noGrp="1"/>
+          </p:cNvSpPr>
+          <p:nvPr>
+            <p:ph type="dt" sz="half" idx="10"/>
+          </p:nvPr>
+        </p:nvSpPr>
+        <p:spPr/>
+        <p:txBody>
+          <a:bodyPr/>
+          <a:lstStyle/>
+          <a:p>
+            <a:fld id="{DA5DE712-6C0E-4DF7-B336-AC97213DC93D}" type="datetime1">
+              <a:rPr lang="de-DE" smtClean="0"/>
+              <a:pPr/>
+              <a:t>19.02.2018</a:t>
+            </a:fld>
+            <a:endParaRPr lang="de-DE"/>
+          </a:p>
+        </p:txBody>
+      </p:sp>
+      <p:sp>
+        <p:nvSpPr>
+          <p:cNvPr id="8" name="Fußzeilenplatzhalter 7"/>
+          <p:cNvSpPr>
+            <a:spLocks noGrp="1"/>
+          </p:cNvSpPr>
+          <p:nvPr>
+            <p:ph type="ftr" sz="quarter" idx="11"/>
+          </p:nvPr>
+        </p:nvSpPr>
+        <p:spPr/>
+        <p:txBody>
+          <a:bodyPr/>
+          <a:lstStyle/>
+          <a:p>
+            <a:r>
+              <a:rPr lang="de-DE"/>
+              <a:t>Structural Equation Modelling – Wintersemester 2017/2018</a:t>
+            </a:r>
+            <a:endParaRPr lang="de-DE" dirty="0"/>
+          </a:p>
+        </p:txBody>
+      </p:sp>
+      <p:sp>
+        <p:nvSpPr>
+          <p:cNvPr id="9" name="Foliennummernplatzhalter 8"/>
+          <p:cNvSpPr>
+            <a:spLocks noGrp="1"/>
+          </p:cNvSpPr>
+          <p:nvPr>
+            <p:ph type="sldNum" sz="quarter" idx="12"/>
+          </p:nvPr>
+        </p:nvSpPr>
+        <p:spPr/>
+        <p:txBody>
+          <a:bodyPr/>
+          <a:lstStyle/>
+          <a:p>
+            <a:fld id="{015363AA-F6CB-4A58-B5AD-B2CDFEAF0813}" type="slidenum">
+              <a:rPr lang="de-DE" smtClean="0"/>
+              <a:pPr/>
+              <a:t>12</a:t>
+            </a:fld>
+            <a:endParaRPr lang="de-DE"/>
+          </a:p>
+        </p:txBody>
+      </p:sp>
+      <p:sp>
+        <p:nvSpPr>
+          <p:cNvPr id="10" name="Inhaltsplatzhalter 9"/>
+          <p:cNvSpPr>
+            <a:spLocks noGrp="1"/>
+          </p:cNvSpPr>
+          <p:nvPr>
+            <p:ph sz="quarter" idx="13"/>
+          </p:nvPr>
+        </p:nvSpPr>
+        <p:spPr/>
+        <p:txBody>
+          <a:bodyPr/>
+          <a:lstStyle/>
+          <a:p>
+            <a:pPr marL="0" lvl="0" indent="0">
+              <a:buNone/>
+            </a:pPr>
+            <a:r>
+              <a:rPr lang="en-NZ" sz="1100" dirty="0">
+                <a:solidFill>
+                  <a:prstClr val="black"/>
+                </a:solidFill>
+              </a:rPr>
+              <a:t>Minimum Function Test Statistic 1095.67</a:t>
+            </a:r>
+          </a:p>
+          <a:p>
+            <a:pPr marL="0" lvl="0" indent="0">
+              <a:buNone/>
+            </a:pPr>
+            <a:r>
+              <a:rPr lang="en-NZ" sz="1100" dirty="0">
+                <a:solidFill>
+                  <a:prstClr val="black"/>
+                </a:solidFill>
+              </a:rPr>
+              <a:t>Degrees of freedom                             11</a:t>
+            </a:r>
+          </a:p>
+          <a:p>
+            <a:pPr marL="0" lvl="0" indent="0">
+              <a:buNone/>
+            </a:pPr>
+            <a:r>
+              <a:rPr lang="en-NZ" sz="1100" dirty="0">
+                <a:solidFill>
+                  <a:prstClr val="black"/>
+                </a:solidFill>
+              </a:rPr>
+              <a:t>P-value (Chi-square)                      0.000</a:t>
+            </a:r>
+          </a:p>
+          <a:p>
+            <a:pPr marL="0" lvl="0" indent="0">
+              <a:buNone/>
+            </a:pPr>
+            <a:endParaRPr lang="de-DE" sz="1100" dirty="0">
+              <a:solidFill>
+                <a:prstClr val="black"/>
+              </a:solidFill>
+            </a:endParaRPr>
+          </a:p>
+          <a:p>
+            <a:pPr marL="0" lvl="0" indent="0">
+              <a:buNone/>
+            </a:pPr>
+            <a:r>
+              <a:rPr lang="de-DE" sz="1100" dirty="0">
+                <a:solidFill>
+                  <a:prstClr val="black"/>
+                </a:solidFill>
+              </a:rPr>
+              <a:t>s~1                                                   2.224</a:t>
+            </a:r>
+          </a:p>
+          <a:p>
+            <a:pPr marL="0" lvl="0" indent="0">
+              <a:buNone/>
+            </a:pPr>
+            <a:r>
+              <a:rPr lang="de-DE" sz="1100" dirty="0">
+                <a:solidFill>
+                  <a:prstClr val="black"/>
+                </a:solidFill>
+              </a:rPr>
+              <a:t>i~1		       23.094</a:t>
+            </a:r>
+          </a:p>
+          <a:p>
+            <a:pPr marL="0" indent="0">
+              <a:buNone/>
+            </a:pPr>
+            <a:endParaRPr lang="de-DE" dirty="0"/>
+          </a:p>
+        </p:txBody>
+      </p:sp>
+      <p:sp>
+        <p:nvSpPr>
+          <p:cNvPr id="11" name="Textplatzhalter 10"/>
+          <p:cNvSpPr>
+            <a:spLocks noGrp="1"/>
+          </p:cNvSpPr>
+          <p:nvPr>
+            <p:ph type="body" sz="quarter" idx="14"/>
+          </p:nvPr>
+        </p:nvSpPr>
+        <p:spPr/>
+        <p:txBody>
+          <a:bodyPr/>
+          <a:lstStyle/>
+          <a:p>
+            <a:r>
+              <a:rPr lang="de-DE" dirty="0"/>
+              <a:t>Nicht-Lineare Daten</a:t>
+            </a:r>
+          </a:p>
+        </p:txBody>
+      </p:sp>
+      <p:sp>
+        <p:nvSpPr>
+          <p:cNvPr id="12" name="Inhaltsplatzhalter 11"/>
+          <p:cNvSpPr>
+            <a:spLocks noGrp="1"/>
+          </p:cNvSpPr>
+          <p:nvPr>
+            <p:ph sz="quarter" idx="15"/>
+          </p:nvPr>
+        </p:nvSpPr>
+        <p:spPr/>
+        <p:txBody>
+          <a:bodyPr/>
+          <a:lstStyle/>
+          <a:p>
+            <a:r>
+              <a:rPr lang="de-DE" dirty="0"/>
+              <a:t>Best fit: Lineare Daten</a:t>
+            </a:r>
+          </a:p>
+        </p:txBody>
+      </p:sp>
+    </p:spTree>
+    <p:extLst>
+      <p:ext uri="{BB962C8B-B14F-4D97-AF65-F5344CB8AC3E}">
+        <p14:creationId xmlns:p14="http://schemas.microsoft.com/office/powerpoint/2010/main" val="1362165013"/>
+      </p:ext>
+    </p:extLst>
+  </p:cSld>
+  <p:clrMapOvr>
+    <a:masterClrMapping/>
+  </p:clrMapOvr>
+</p:sld>
+</file>
+
+<file path=ppt/slides/slide13.xml><?xml version="1.0" encoding="utf-8"?>
+<p:sld xmlns:a="http://schemas.openxmlformats.org/drawingml/2006/main" xmlns:r="http://schemas.openxmlformats.org/officeDocument/2006/relationships" xmlns:p="http://schemas.openxmlformats.org/presentationml/2006/main">
+  <p:cSld>
+    <p:spTree>
+      <p:nvGrpSpPr>
+        <p:cNvPr id="1" name=""/>
+        <p:cNvGrpSpPr/>
+        <p:nvPr/>
+      </p:nvGrpSpPr>
+      <p:grpSpPr>
+        <a:xfrm>
+          <a:off x="0" y="0"/>
+          <a:ext cx="0" cy="0"/>
+          <a:chOff x="0" y="0"/>
+          <a:chExt cx="0" cy="0"/>
+        </a:xfrm>
+      </p:grpSpPr>
+      <p:sp>
+        <p:nvSpPr>
+          <p:cNvPr id="2" name="Titel 1"/>
+          <p:cNvSpPr>
+            <a:spLocks noGrp="1"/>
+          </p:cNvSpPr>
+          <p:nvPr>
+            <p:ph type="title"/>
+          </p:nvPr>
+        </p:nvSpPr>
+        <p:spPr/>
+        <p:txBody>
+          <a:bodyPr/>
+          <a:lstStyle/>
+          <a:p>
+            <a:r>
+              <a:rPr lang="de-DE" dirty="0"/>
+              <a:t>Polynominelles Wachstumsmodell – 1 </a:t>
+            </a:r>
+            <a:r>
+              <a:rPr lang="de-DE" dirty="0" err="1"/>
+              <a:t>slope</a:t>
+            </a:r>
+            <a:endParaRPr lang="de-DE" dirty="0"/>
+          </a:p>
+        </p:txBody>
+      </p:sp>
+      <p:sp>
+        <p:nvSpPr>
+          <p:cNvPr id="7" name="Datumsplatzhalter 6"/>
+          <p:cNvSpPr>
+            <a:spLocks noGrp="1"/>
+          </p:cNvSpPr>
+          <p:nvPr>
+            <p:ph type="dt" sz="half" idx="10"/>
+          </p:nvPr>
+        </p:nvSpPr>
+        <p:spPr/>
+        <p:txBody>
+          <a:bodyPr/>
+          <a:lstStyle/>
+          <a:p>
+            <a:fld id="{DA5DE712-6C0E-4DF7-B336-AC97213DC93D}" type="datetime1">
+              <a:rPr lang="de-DE" smtClean="0"/>
+              <a:pPr/>
+              <a:t>19.02.2018</a:t>
+            </a:fld>
+            <a:endParaRPr lang="de-DE"/>
+          </a:p>
+        </p:txBody>
+      </p:sp>
+      <p:sp>
+        <p:nvSpPr>
+          <p:cNvPr id="8" name="Fußzeilenplatzhalter 7"/>
+          <p:cNvSpPr>
+            <a:spLocks noGrp="1"/>
+          </p:cNvSpPr>
+          <p:nvPr>
+            <p:ph type="ftr" sz="quarter" idx="11"/>
+          </p:nvPr>
+        </p:nvSpPr>
+        <p:spPr/>
+        <p:txBody>
+          <a:bodyPr/>
+          <a:lstStyle/>
+          <a:p>
+            <a:r>
+              <a:rPr lang="de-DE"/>
+              <a:t>Structural Equation Modelling – Wintersemester 2017/2018</a:t>
+            </a:r>
+            <a:endParaRPr lang="de-DE" dirty="0"/>
+          </a:p>
+        </p:txBody>
+      </p:sp>
+      <p:sp>
+        <p:nvSpPr>
+          <p:cNvPr id="9" name="Foliennummernplatzhalter 8"/>
+          <p:cNvSpPr>
+            <a:spLocks noGrp="1"/>
+          </p:cNvSpPr>
+          <p:nvPr>
+            <p:ph type="sldNum" sz="quarter" idx="12"/>
+          </p:nvPr>
+        </p:nvSpPr>
+        <p:spPr/>
+        <p:txBody>
+          <a:bodyPr/>
+          <a:lstStyle/>
+          <a:p>
+            <a:fld id="{015363AA-F6CB-4A58-B5AD-B2CDFEAF0813}" type="slidenum">
+              <a:rPr lang="de-DE" smtClean="0"/>
+              <a:pPr/>
+              <a:t>13</a:t>
+            </a:fld>
+            <a:endParaRPr lang="de-DE"/>
+          </a:p>
+        </p:txBody>
+      </p:sp>
+      <p:pic>
+        <p:nvPicPr>
+          <p:cNvPr id="29" name="Grafik 28">
+            <a:extLst>
+              <a:ext uri="{FF2B5EF4-FFF2-40B4-BE49-F238E27FC236}">
+                <a16:creationId xmlns:a16="http://schemas.microsoft.com/office/drawing/2014/main" id="{C09074C9-3146-40A7-93CD-C96B5D177AF5}"/>
+              </a:ext>
+            </a:extLst>
+          </p:cNvPr>
+          <p:cNvPicPr>
+            <a:picLocks noChangeAspect="1"/>
+          </p:cNvPicPr>
+          <p:nvPr/>
+        </p:nvPicPr>
+        <p:blipFill>
+          <a:blip r:embed="rId2"/>
+          <a:stretch>
+            <a:fillRect/>
+          </a:stretch>
+        </p:blipFill>
+        <p:spPr>
+          <a:xfrm>
+            <a:off x="620478" y="1023587"/>
+            <a:ext cx="7903043" cy="3845277"/>
+          </a:xfrm>
+          <a:prstGeom prst="rect">
+            <a:avLst/>
+          </a:prstGeom>
+        </p:spPr>
+      </p:pic>
+      <p:sp>
+        <p:nvSpPr>
+          <p:cNvPr id="30" name="Textfeld 29">
+            <a:extLst>
+              <a:ext uri="{FF2B5EF4-FFF2-40B4-BE49-F238E27FC236}">
+                <a16:creationId xmlns:a16="http://schemas.microsoft.com/office/drawing/2014/main" id="{3820186A-CF30-4726-AF6E-350820D4F382}"/>
+              </a:ext>
+            </a:extLst>
+          </p:cNvPr>
+          <p:cNvSpPr txBox="1"/>
+          <p:nvPr/>
+        </p:nvSpPr>
+        <p:spPr>
+          <a:xfrm>
+            <a:off x="3442618" y="1781435"/>
+            <a:ext cx="121270" cy="307777"/>
+          </a:xfrm>
+          <a:prstGeom prst="rect">
+            <a:avLst/>
+          </a:prstGeom>
+          <a:noFill/>
+        </p:spPr>
+        <p:txBody>
+          <a:bodyPr wrap="square" rtlCol="0">
+            <a:spAutoFit/>
+          </a:bodyPr>
+          <a:lstStyle/>
+          <a:p>
+            <a:pPr algn="ctr"/>
+            <a:r>
+              <a:rPr lang="de-DE" sz="1400" dirty="0"/>
+              <a:t>1</a:t>
+            </a:r>
+            <a:endParaRPr lang="en-NZ" sz="1400" dirty="0"/>
+          </a:p>
+        </p:txBody>
+      </p:sp>
+      <p:sp>
+        <p:nvSpPr>
+          <p:cNvPr id="31" name="Textfeld 30">
+            <a:extLst>
+              <a:ext uri="{FF2B5EF4-FFF2-40B4-BE49-F238E27FC236}">
+                <a16:creationId xmlns:a16="http://schemas.microsoft.com/office/drawing/2014/main" id="{B70E975F-8D2B-40AE-8599-3745A8F85F93}"/>
+              </a:ext>
+            </a:extLst>
+          </p:cNvPr>
+          <p:cNvSpPr txBox="1"/>
+          <p:nvPr/>
+        </p:nvSpPr>
+        <p:spPr>
+          <a:xfrm>
+            <a:off x="3716288" y="1833610"/>
+            <a:ext cx="121270" cy="307777"/>
+          </a:xfrm>
+          <a:prstGeom prst="rect">
+            <a:avLst/>
+          </a:prstGeom>
+          <a:noFill/>
+        </p:spPr>
+        <p:txBody>
+          <a:bodyPr wrap="square" rtlCol="0">
+            <a:spAutoFit/>
+          </a:bodyPr>
+          <a:lstStyle/>
+          <a:p>
+            <a:pPr algn="ctr"/>
+            <a:r>
+              <a:rPr lang="de-DE" sz="1400" dirty="0"/>
+              <a:t>1</a:t>
+            </a:r>
+            <a:endParaRPr lang="en-NZ" sz="1400" dirty="0"/>
+          </a:p>
+        </p:txBody>
+      </p:sp>
+      <p:sp>
+        <p:nvSpPr>
+          <p:cNvPr id="32" name="Textfeld 31">
+            <a:extLst>
+              <a:ext uri="{FF2B5EF4-FFF2-40B4-BE49-F238E27FC236}">
+                <a16:creationId xmlns:a16="http://schemas.microsoft.com/office/drawing/2014/main" id="{8B9F0F9A-D29B-4867-A879-9756B64CFBA4}"/>
+              </a:ext>
+            </a:extLst>
+          </p:cNvPr>
+          <p:cNvSpPr txBox="1"/>
+          <p:nvPr/>
+        </p:nvSpPr>
+        <p:spPr>
+          <a:xfrm>
+            <a:off x="3989958" y="1833610"/>
+            <a:ext cx="121270" cy="307777"/>
+          </a:xfrm>
+          <a:prstGeom prst="rect">
+            <a:avLst/>
+          </a:prstGeom>
+          <a:noFill/>
+        </p:spPr>
+        <p:txBody>
+          <a:bodyPr wrap="square" rtlCol="0">
+            <a:spAutoFit/>
+          </a:bodyPr>
+          <a:lstStyle/>
+          <a:p>
+            <a:pPr algn="ctr"/>
+            <a:r>
+              <a:rPr lang="de-DE" sz="1400" dirty="0"/>
+              <a:t>1</a:t>
+            </a:r>
+            <a:endParaRPr lang="en-NZ" sz="1400" dirty="0"/>
+          </a:p>
+        </p:txBody>
+      </p:sp>
+      <p:sp>
+        <p:nvSpPr>
+          <p:cNvPr id="33" name="Textfeld 32">
+            <a:extLst>
+              <a:ext uri="{FF2B5EF4-FFF2-40B4-BE49-F238E27FC236}">
+                <a16:creationId xmlns:a16="http://schemas.microsoft.com/office/drawing/2014/main" id="{F9D77C7C-D8F9-4055-9957-9E7B544A9023}"/>
+              </a:ext>
+            </a:extLst>
+          </p:cNvPr>
+          <p:cNvSpPr txBox="1"/>
+          <p:nvPr/>
+        </p:nvSpPr>
+        <p:spPr>
+          <a:xfrm>
+            <a:off x="4184366" y="1780008"/>
+            <a:ext cx="121270" cy="307777"/>
+          </a:xfrm>
+          <a:prstGeom prst="rect">
+            <a:avLst/>
+          </a:prstGeom>
+          <a:noFill/>
+        </p:spPr>
+        <p:txBody>
+          <a:bodyPr wrap="square" rtlCol="0">
+            <a:spAutoFit/>
+          </a:bodyPr>
+          <a:lstStyle/>
+          <a:p>
+            <a:pPr algn="ctr"/>
+            <a:r>
+              <a:rPr lang="de-DE" sz="1400" dirty="0"/>
+              <a:t>1</a:t>
+            </a:r>
+            <a:endParaRPr lang="en-NZ" sz="1400" dirty="0"/>
+          </a:p>
+        </p:txBody>
+      </p:sp>
+      <p:sp>
+        <p:nvSpPr>
+          <p:cNvPr id="34" name="Textfeld 33">
+            <a:extLst>
+              <a:ext uri="{FF2B5EF4-FFF2-40B4-BE49-F238E27FC236}">
+                <a16:creationId xmlns:a16="http://schemas.microsoft.com/office/drawing/2014/main" id="{9F103D08-491A-48F5-B505-95D6E0E72DF2}"/>
+              </a:ext>
+            </a:extLst>
+          </p:cNvPr>
+          <p:cNvSpPr txBox="1"/>
+          <p:nvPr/>
+        </p:nvSpPr>
+        <p:spPr>
+          <a:xfrm>
+            <a:off x="4263628" y="1706429"/>
+            <a:ext cx="121270" cy="254361"/>
+          </a:xfrm>
+          <a:prstGeom prst="rect">
+            <a:avLst/>
+          </a:prstGeom>
+          <a:noFill/>
+        </p:spPr>
+        <p:txBody>
+          <a:bodyPr wrap="square" rtlCol="0">
+            <a:spAutoFit/>
+          </a:bodyPr>
+          <a:lstStyle/>
+          <a:p>
+            <a:pPr algn="ctr"/>
+            <a:r>
+              <a:rPr lang="de-DE" sz="1400" dirty="0"/>
+              <a:t>1</a:t>
+            </a:r>
+            <a:endParaRPr lang="en-NZ" sz="1400" dirty="0"/>
+          </a:p>
+        </p:txBody>
+      </p:sp>
+      <p:sp>
+        <p:nvSpPr>
+          <p:cNvPr id="35" name="Textfeld 34">
+            <a:extLst>
+              <a:ext uri="{FF2B5EF4-FFF2-40B4-BE49-F238E27FC236}">
+                <a16:creationId xmlns:a16="http://schemas.microsoft.com/office/drawing/2014/main" id="{0167AD8A-30E1-4D43-924B-8A880CDD44B5}"/>
+              </a:ext>
+            </a:extLst>
+          </p:cNvPr>
+          <p:cNvSpPr txBox="1"/>
+          <p:nvPr/>
+        </p:nvSpPr>
+        <p:spPr>
+          <a:xfrm>
+            <a:off x="4360832" y="1654171"/>
+            <a:ext cx="121270" cy="231237"/>
+          </a:xfrm>
+          <a:prstGeom prst="rect">
+            <a:avLst/>
+          </a:prstGeom>
+          <a:noFill/>
+        </p:spPr>
+        <p:txBody>
+          <a:bodyPr wrap="square" rtlCol="0">
+            <a:spAutoFit/>
+          </a:bodyPr>
+          <a:lstStyle/>
+          <a:p>
+            <a:pPr algn="ctr"/>
+            <a:r>
+              <a:rPr lang="de-DE" sz="1400" dirty="0"/>
+              <a:t>1</a:t>
+            </a:r>
+            <a:endParaRPr lang="en-NZ" sz="1400" dirty="0"/>
+          </a:p>
+        </p:txBody>
+      </p:sp>
+      <p:sp>
+        <p:nvSpPr>
+          <p:cNvPr id="36" name="Textfeld 35">
+            <a:extLst>
+              <a:ext uri="{FF2B5EF4-FFF2-40B4-BE49-F238E27FC236}">
+                <a16:creationId xmlns:a16="http://schemas.microsoft.com/office/drawing/2014/main" id="{1BB6CF53-DBB2-42F8-AA0F-E8896C8AC2F5}"/>
+              </a:ext>
+            </a:extLst>
+          </p:cNvPr>
+          <p:cNvSpPr txBox="1"/>
+          <p:nvPr/>
+        </p:nvSpPr>
+        <p:spPr>
+          <a:xfrm>
+            <a:off x="2411760" y="2578713"/>
+            <a:ext cx="121270" cy="254361"/>
+          </a:xfrm>
+          <a:prstGeom prst="rect">
+            <a:avLst/>
+          </a:prstGeom>
+          <a:noFill/>
+        </p:spPr>
+        <p:txBody>
+          <a:bodyPr wrap="square" rtlCol="0">
+            <a:spAutoFit/>
+          </a:bodyPr>
+          <a:lstStyle/>
+          <a:p>
+            <a:pPr algn="ctr"/>
+            <a:r>
+              <a:rPr lang="de-DE" sz="1400" dirty="0"/>
+              <a:t>0</a:t>
+            </a:r>
+            <a:endParaRPr lang="en-NZ" sz="1400" dirty="0"/>
+          </a:p>
+        </p:txBody>
+      </p:sp>
+      <p:sp>
+        <p:nvSpPr>
+          <p:cNvPr id="37" name="Textfeld 36">
+            <a:extLst>
+              <a:ext uri="{FF2B5EF4-FFF2-40B4-BE49-F238E27FC236}">
+                <a16:creationId xmlns:a16="http://schemas.microsoft.com/office/drawing/2014/main" id="{2286F7F7-5187-475A-A6F1-E6699125A4DE}"/>
+              </a:ext>
+            </a:extLst>
+          </p:cNvPr>
+          <p:cNvSpPr txBox="1"/>
+          <p:nvPr/>
+        </p:nvSpPr>
+        <p:spPr>
+          <a:xfrm>
+            <a:off x="3365887" y="2527529"/>
+            <a:ext cx="121270" cy="307777"/>
+          </a:xfrm>
+          <a:prstGeom prst="rect">
+            <a:avLst/>
+          </a:prstGeom>
+          <a:noFill/>
+        </p:spPr>
+        <p:txBody>
+          <a:bodyPr wrap="square" rtlCol="0">
+            <a:spAutoFit/>
+          </a:bodyPr>
+          <a:lstStyle/>
+          <a:p>
+            <a:pPr algn="ctr"/>
+            <a:r>
+              <a:rPr lang="de-DE" sz="1400" dirty="0"/>
+              <a:t>1</a:t>
+            </a:r>
+            <a:endParaRPr lang="en-NZ" sz="1400" dirty="0"/>
+          </a:p>
+        </p:txBody>
+      </p:sp>
+      <p:sp>
+        <p:nvSpPr>
+          <p:cNvPr id="38" name="Textfeld 37">
+            <a:extLst>
+              <a:ext uri="{FF2B5EF4-FFF2-40B4-BE49-F238E27FC236}">
+                <a16:creationId xmlns:a16="http://schemas.microsoft.com/office/drawing/2014/main" id="{EA64EE26-B423-4789-BF36-CEC5586E1E57}"/>
+              </a:ext>
+            </a:extLst>
+          </p:cNvPr>
+          <p:cNvSpPr txBox="1"/>
+          <p:nvPr/>
+        </p:nvSpPr>
+        <p:spPr>
+          <a:xfrm>
+            <a:off x="4239562" y="2522284"/>
+            <a:ext cx="121270" cy="307777"/>
+          </a:xfrm>
+          <a:prstGeom prst="rect">
+            <a:avLst/>
+          </a:prstGeom>
+          <a:noFill/>
+        </p:spPr>
+        <p:txBody>
+          <a:bodyPr wrap="square" rtlCol="0">
+            <a:spAutoFit/>
+          </a:bodyPr>
+          <a:lstStyle/>
+          <a:p>
+            <a:pPr algn="ctr"/>
+            <a:r>
+              <a:rPr lang="de-DE" sz="1400" dirty="0"/>
               <a:t>4</a:t>
             </a:r>
             <a:endParaRPr lang="en-NZ" sz="1400" dirty="0"/>
@@ -7684,7 +9420,7 @@
 </p:sld>
 </file>
 
-<file path=ppt/slides/slide11.xml><?xml version="1.0" encoding="utf-8"?>
+<file path=ppt/slides/slide14.xml><?xml version="1.0" encoding="utf-8"?>
 <p:sld xmlns:a="http://schemas.openxmlformats.org/drawingml/2006/main" xmlns:r="http://schemas.openxmlformats.org/officeDocument/2006/relationships" xmlns:p="http://schemas.openxmlformats.org/presentationml/2006/main">
   <p:cSld>
     <p:spTree>
@@ -7823,7 +9559,7 @@
             <a:fld id="{015363AA-F6CB-4A58-B5AD-B2CDFEAF0813}" type="slidenum">
               <a:rPr lang="de-DE" smtClean="0"/>
               <a:pPr/>
-              <a:t>11</a:t>
+              <a:t>14</a:t>
             </a:fld>
             <a:endParaRPr lang="de-DE"/>
           </a:p>
@@ -8508,7 +10244,7 @@
 </p:sld>
 </file>
 
-<file path=ppt/slides/slide12.xml><?xml version="1.0" encoding="utf-8"?>
+<file path=ppt/slides/slide15.xml><?xml version="1.0" encoding="utf-8"?>
 <p:sld xmlns:a="http://schemas.openxmlformats.org/drawingml/2006/main" xmlns:r="http://schemas.openxmlformats.org/officeDocument/2006/relationships" xmlns:p="http://schemas.openxmlformats.org/presentationml/2006/main">
   <p:cSld>
     <p:spTree>
@@ -8845,7 +10581,7 @@
             <a:fld id="{015363AA-F6CB-4A58-B5AD-B2CDFEAF0813}" type="slidenum">
               <a:rPr lang="de-DE" smtClean="0"/>
               <a:pPr/>
-              <a:t>12</a:t>
+              <a:t>15</a:t>
             </a:fld>
             <a:endParaRPr lang="de-DE"/>
           </a:p>
@@ -9009,7 +10745,7 @@
 </p:sld>
 </file>
 
-<file path=ppt/slides/slide13.xml><?xml version="1.0" encoding="utf-8"?>
+<file path=ppt/slides/slide16.xml><?xml version="1.0" encoding="utf-8"?>
 <p:sld xmlns:a="http://schemas.openxmlformats.org/drawingml/2006/main" xmlns:r="http://schemas.openxmlformats.org/officeDocument/2006/relationships" xmlns:p="http://schemas.openxmlformats.org/presentationml/2006/main">
   <p:cSld>
     <p:spTree>
@@ -9152,7 +10888,7 @@
             <a:fld id="{015363AA-F6CB-4A58-B5AD-B2CDFEAF0813}" type="slidenum">
               <a:rPr lang="de-DE" smtClean="0"/>
               <a:pPr/>
-              <a:t>13</a:t>
+              <a:t>16</a:t>
             </a:fld>
             <a:endParaRPr lang="de-DE"/>
           </a:p>
@@ -9467,7 +11203,7 @@
 </p:sld>
 </file>
 
-<file path=ppt/slides/slide14.xml><?xml version="1.0" encoding="utf-8"?>
+<file path=ppt/slides/slide17.xml><?xml version="1.0" encoding="utf-8"?>
 <p:sld xmlns:a="http://schemas.openxmlformats.org/drawingml/2006/main" xmlns:r="http://schemas.openxmlformats.org/officeDocument/2006/relationships" xmlns:p="http://schemas.openxmlformats.org/presentationml/2006/main">
   <p:cSld>
     <p:spTree>
@@ -9790,7 +11526,7 @@
             <a:fld id="{015363AA-F6CB-4A58-B5AD-B2CDFEAF0813}" type="slidenum">
               <a:rPr lang="de-DE" smtClean="0"/>
               <a:pPr/>
-              <a:t>14</a:t>
+              <a:t>17</a:t>
             </a:fld>
             <a:endParaRPr lang="de-DE"/>
           </a:p>
@@ -9954,7 +11690,7 @@
 </p:sld>
 </file>
 
-<file path=ppt/slides/slide15.xml><?xml version="1.0" encoding="utf-8"?>
+<file path=ppt/slides/slide18.xml><?xml version="1.0" encoding="utf-8"?>
 <p:sld xmlns:a="http://schemas.openxmlformats.org/drawingml/2006/main" xmlns:r="http://schemas.openxmlformats.org/officeDocument/2006/relationships" xmlns:p="http://schemas.openxmlformats.org/presentationml/2006/main">
   <p:cSld>
     <p:spTree>
@@ -10096,7 +11832,7 @@
             <a:fld id="{015363AA-F6CB-4A58-B5AD-B2CDFEAF0813}" type="slidenum">
               <a:rPr lang="de-DE" smtClean="0"/>
               <a:pPr/>
-              <a:t>15</a:t>
+              <a:t>18</a:t>
             </a:fld>
             <a:endParaRPr lang="de-DE"/>
           </a:p>
@@ -10985,6 +12721,189 @@
     <p:extLst>
       <p:ext uri="{BB962C8B-B14F-4D97-AF65-F5344CB8AC3E}">
         <p14:creationId xmlns:p14="http://schemas.microsoft.com/office/powerpoint/2010/main" val="3247124863"/>
+      </p:ext>
+    </p:extLst>
+  </p:cSld>
+  <p:clrMapOvr>
+    <a:masterClrMapping/>
+  </p:clrMapOvr>
+</p:sld>
+</file>
+
+<file path=ppt/slides/slide19.xml><?xml version="1.0" encoding="utf-8"?>
+<p:sld xmlns:a="http://schemas.openxmlformats.org/drawingml/2006/main" xmlns:r="http://schemas.openxmlformats.org/officeDocument/2006/relationships" xmlns:p="http://schemas.openxmlformats.org/presentationml/2006/main">
+  <p:cSld>
+    <p:spTree>
+      <p:nvGrpSpPr>
+        <p:cNvPr id="1" name=""/>
+        <p:cNvGrpSpPr/>
+        <p:nvPr/>
+      </p:nvGrpSpPr>
+      <p:grpSpPr>
+        <a:xfrm>
+          <a:off x="0" y="0"/>
+          <a:ext cx="0" cy="0"/>
+          <a:chOff x="0" y="0"/>
+          <a:chExt cx="0" cy="0"/>
+        </a:xfrm>
+      </p:grpSpPr>
+      <p:sp>
+        <p:nvSpPr>
+          <p:cNvPr id="2" name="Titel 1">
+            <a:extLst>
+              <a:ext uri="{FF2B5EF4-FFF2-40B4-BE49-F238E27FC236}">
+                <a16:creationId xmlns:a16="http://schemas.microsoft.com/office/drawing/2014/main" id="{8F9CD9AC-2277-4533-B29E-18F824684C1D}"/>
+              </a:ext>
+            </a:extLst>
+          </p:cNvPr>
+          <p:cNvSpPr>
+            <a:spLocks noGrp="1"/>
+          </p:cNvSpPr>
+          <p:nvPr>
+            <p:ph type="title"/>
+          </p:nvPr>
+        </p:nvSpPr>
+        <p:spPr/>
+        <p:txBody>
+          <a:bodyPr/>
+          <a:lstStyle/>
+          <a:p>
+            <a:r>
+              <a:rPr lang="de-DE" dirty="0" err="1"/>
+              <a:t>Predicting</a:t>
+            </a:r>
+            <a:r>
+              <a:rPr lang="de-DE" dirty="0"/>
+              <a:t> Change Model </a:t>
+            </a:r>
+            <a:endParaRPr lang="en-NZ" dirty="0"/>
+          </a:p>
+        </p:txBody>
+      </p:sp>
+      <p:pic>
+        <p:nvPicPr>
+          <p:cNvPr id="7" name="Inhaltsplatzhalter 6">
+            <a:extLst>
+              <a:ext uri="{FF2B5EF4-FFF2-40B4-BE49-F238E27FC236}">
+                <a16:creationId xmlns:a16="http://schemas.microsoft.com/office/drawing/2014/main" id="{22062FB6-49FC-479A-BC51-287B6C3DA781}"/>
+              </a:ext>
+            </a:extLst>
+          </p:cNvPr>
+          <p:cNvPicPr>
+            <a:picLocks noGrp="1" noChangeAspect="1"/>
+          </p:cNvPicPr>
+          <p:nvPr>
+            <p:ph idx="1"/>
+          </p:nvPr>
+        </p:nvPicPr>
+        <p:blipFill rotWithShape="1">
+          <a:blip r:embed="rId2"/>
+          <a:srcRect l="12727" t="12454" r="13633" b="8580"/>
+          <a:stretch/>
+        </p:blipFill>
+        <p:spPr>
+          <a:xfrm>
+            <a:off x="827584" y="945028"/>
+            <a:ext cx="7675686" cy="3786962"/>
+          </a:xfrm>
+          <a:prstGeom prst="rect">
+            <a:avLst/>
+          </a:prstGeom>
+        </p:spPr>
+      </p:pic>
+      <p:sp>
+        <p:nvSpPr>
+          <p:cNvPr id="4" name="Datumsplatzhalter 3">
+            <a:extLst>
+              <a:ext uri="{FF2B5EF4-FFF2-40B4-BE49-F238E27FC236}">
+                <a16:creationId xmlns:a16="http://schemas.microsoft.com/office/drawing/2014/main" id="{1322CE8B-7C17-42A4-8ADE-82549C611C2E}"/>
+              </a:ext>
+            </a:extLst>
+          </p:cNvPr>
+          <p:cNvSpPr>
+            <a:spLocks noGrp="1"/>
+          </p:cNvSpPr>
+          <p:nvPr>
+            <p:ph type="dt" sz="half" idx="10"/>
+          </p:nvPr>
+        </p:nvSpPr>
+        <p:spPr/>
+        <p:txBody>
+          <a:bodyPr/>
+          <a:lstStyle/>
+          <a:p>
+            <a:fld id="{6DB845E5-DACF-426C-8A10-A6438D29DD66}" type="datetime1">
+              <a:rPr lang="de-DE" smtClean="0"/>
+              <a:pPr/>
+              <a:t>19.02.2018</a:t>
+            </a:fld>
+            <a:endParaRPr lang="de-DE"/>
+          </a:p>
+        </p:txBody>
+      </p:sp>
+      <p:sp>
+        <p:nvSpPr>
+          <p:cNvPr id="5" name="Fußzeilenplatzhalter 4">
+            <a:extLst>
+              <a:ext uri="{FF2B5EF4-FFF2-40B4-BE49-F238E27FC236}">
+                <a16:creationId xmlns:a16="http://schemas.microsoft.com/office/drawing/2014/main" id="{0232782A-509C-4B82-931D-180632390FBC}"/>
+              </a:ext>
+            </a:extLst>
+          </p:cNvPr>
+          <p:cNvSpPr>
+            <a:spLocks noGrp="1"/>
+          </p:cNvSpPr>
+          <p:nvPr>
+            <p:ph type="ftr" sz="quarter" idx="11"/>
+          </p:nvPr>
+        </p:nvSpPr>
+        <p:spPr/>
+        <p:txBody>
+          <a:bodyPr/>
+          <a:lstStyle/>
+          <a:p>
+            <a:r>
+              <a:rPr lang="de-DE"/>
+              <a:t>Structural Equation Modelling – Wintersemester 2017/2018</a:t>
+            </a:r>
+            <a:endParaRPr lang="de-DE" dirty="0"/>
+          </a:p>
+        </p:txBody>
+      </p:sp>
+      <p:sp>
+        <p:nvSpPr>
+          <p:cNvPr id="6" name="Foliennummernplatzhalter 5">
+            <a:extLst>
+              <a:ext uri="{FF2B5EF4-FFF2-40B4-BE49-F238E27FC236}">
+                <a16:creationId xmlns:a16="http://schemas.microsoft.com/office/drawing/2014/main" id="{BED88E5B-CB30-497D-849F-6E25F6017F17}"/>
+              </a:ext>
+            </a:extLst>
+          </p:cNvPr>
+          <p:cNvSpPr>
+            <a:spLocks noGrp="1"/>
+          </p:cNvSpPr>
+          <p:nvPr>
+            <p:ph type="sldNum" sz="quarter" idx="12"/>
+          </p:nvPr>
+        </p:nvSpPr>
+        <p:spPr/>
+        <p:txBody>
+          <a:bodyPr/>
+          <a:lstStyle/>
+          <a:p>
+            <a:fld id="{015363AA-F6CB-4A58-B5AD-B2CDFEAF0813}" type="slidenum">
+              <a:rPr lang="de-DE" smtClean="0"/>
+              <a:pPr/>
+              <a:t>19</a:t>
+            </a:fld>
+            <a:endParaRPr lang="de-DE"/>
+          </a:p>
+        </p:txBody>
+      </p:sp>
+    </p:spTree>
+    <p:extLst>
+      <p:ext uri="{BB962C8B-B14F-4D97-AF65-F5344CB8AC3E}">
+        <p14:creationId xmlns:p14="http://schemas.microsoft.com/office/powerpoint/2010/main" val="2432948422"/>
       </p:ext>
     </p:extLst>
   </p:cSld>
@@ -11185,7 +13104,7 @@
             </a:pPr>
             <a:r>
               <a:rPr lang="de-DE" dirty="0"/>
-              <a:t>Weitere Ansätze</a:t>
+              <a:t>Ansätze zur Parameterbestimmung</a:t>
             </a:r>
           </a:p>
           <a:p>
@@ -11313,6 +13232,446 @@
         </p:txBody>
       </p:sp>
     </p:spTree>
+    <p:extLst>
+      <p:ext uri="{BB962C8B-B14F-4D97-AF65-F5344CB8AC3E}">
+        <p14:creationId xmlns:p14="http://schemas.microsoft.com/office/powerpoint/2010/main" val="3315212134"/>
+      </p:ext>
+    </p:extLst>
+  </p:cSld>
+  <p:clrMapOvr>
+    <a:masterClrMapping/>
+  </p:clrMapOvr>
+</p:sld>
+</file>
+
+<file path=ppt/slides/slide20.xml><?xml version="1.0" encoding="utf-8"?>
+<p:sld xmlns:a="http://schemas.openxmlformats.org/drawingml/2006/main" xmlns:r="http://schemas.openxmlformats.org/officeDocument/2006/relationships" xmlns:p="http://schemas.openxmlformats.org/presentationml/2006/main">
+  <p:cSld>
+    <p:spTree>
+      <p:nvGrpSpPr>
+        <p:cNvPr id="1" name=""/>
+        <p:cNvGrpSpPr/>
+        <p:nvPr/>
+      </p:nvGrpSpPr>
+      <p:grpSpPr>
+        <a:xfrm>
+          <a:off x="0" y="0"/>
+          <a:ext cx="0" cy="0"/>
+          <a:chOff x="0" y="0"/>
+          <a:chExt cx="0" cy="0"/>
+        </a:xfrm>
+      </p:grpSpPr>
+      <p:sp>
+        <p:nvSpPr>
+          <p:cNvPr id="2" name="Titel 1"/>
+          <p:cNvSpPr>
+            <a:spLocks noGrp="1"/>
+          </p:cNvSpPr>
+          <p:nvPr>
+            <p:ph type="title"/>
+          </p:nvPr>
+        </p:nvSpPr>
+        <p:spPr/>
+        <p:txBody>
+          <a:bodyPr/>
+          <a:lstStyle/>
+          <a:p>
+            <a:r>
+              <a:rPr lang="de-DE" dirty="0"/>
+              <a:t>Literatur</a:t>
+            </a:r>
+          </a:p>
+        </p:txBody>
+      </p:sp>
+      <p:sp>
+        <p:nvSpPr>
+          <p:cNvPr id="3" name="Inhaltsplatzhalter 2"/>
+          <p:cNvSpPr>
+            <a:spLocks noGrp="1"/>
+          </p:cNvSpPr>
+          <p:nvPr>
+            <p:ph idx="1"/>
+          </p:nvPr>
+        </p:nvSpPr>
+        <p:spPr/>
+        <p:txBody>
+          <a:bodyPr/>
+          <a:lstStyle/>
+          <a:p>
+            <a:r>
+              <a:rPr lang="de-DE" dirty="0"/>
+              <a:t>Kline, Rex: </a:t>
+            </a:r>
+            <a:br>
+              <a:rPr lang="de-DE" dirty="0"/>
+            </a:br>
+            <a:r>
+              <a:rPr lang="de-DE" sz="1400" dirty="0" err="1">
+                <a:solidFill>
+                  <a:schemeClr val="tx1">
+                    <a:lumMod val="75000"/>
+                    <a:lumOff val="25000"/>
+                  </a:schemeClr>
+                </a:solidFill>
+              </a:rPr>
+              <a:t>Pinciples</a:t>
+            </a:r>
+            <a:r>
+              <a:rPr lang="de-DE" sz="1400" dirty="0">
+                <a:solidFill>
+                  <a:schemeClr val="tx1">
+                    <a:lumMod val="75000"/>
+                    <a:lumOff val="25000"/>
+                  </a:schemeClr>
+                </a:solidFill>
+              </a:rPr>
+              <a:t> </a:t>
+            </a:r>
+            <a:r>
+              <a:rPr lang="de-DE" sz="1400" dirty="0" err="1">
+                <a:solidFill>
+                  <a:schemeClr val="tx1">
+                    <a:lumMod val="75000"/>
+                    <a:lumOff val="25000"/>
+                  </a:schemeClr>
+                </a:solidFill>
+              </a:rPr>
+              <a:t>and</a:t>
+            </a:r>
+            <a:r>
+              <a:rPr lang="de-DE" sz="1400" dirty="0">
+                <a:solidFill>
+                  <a:schemeClr val="tx1">
+                    <a:lumMod val="75000"/>
+                    <a:lumOff val="25000"/>
+                  </a:schemeClr>
+                </a:solidFill>
+              </a:rPr>
+              <a:t> Practice </a:t>
+            </a:r>
+            <a:r>
+              <a:rPr lang="de-DE" sz="1400" dirty="0" err="1">
+                <a:solidFill>
+                  <a:schemeClr val="tx1">
+                    <a:lumMod val="75000"/>
+                    <a:lumOff val="25000"/>
+                  </a:schemeClr>
+                </a:solidFill>
+              </a:rPr>
+              <a:t>of</a:t>
+            </a:r>
+            <a:r>
+              <a:rPr lang="de-DE" sz="1400" dirty="0">
+                <a:solidFill>
+                  <a:schemeClr val="tx1">
+                    <a:lumMod val="75000"/>
+                    <a:lumOff val="25000"/>
+                  </a:schemeClr>
+                </a:solidFill>
+              </a:rPr>
+              <a:t> </a:t>
+            </a:r>
+            <a:r>
+              <a:rPr lang="de-DE" sz="1400" dirty="0" err="1">
+                <a:solidFill>
+                  <a:schemeClr val="tx1">
+                    <a:lumMod val="75000"/>
+                    <a:lumOff val="25000"/>
+                  </a:schemeClr>
+                </a:solidFill>
+              </a:rPr>
+              <a:t>Structural</a:t>
+            </a:r>
+            <a:r>
+              <a:rPr lang="de-DE" sz="1400" dirty="0">
+                <a:solidFill>
+                  <a:schemeClr val="tx1">
+                    <a:lumMod val="75000"/>
+                    <a:lumOff val="25000"/>
+                  </a:schemeClr>
+                </a:solidFill>
+              </a:rPr>
+              <a:t> </a:t>
+            </a:r>
+            <a:r>
+              <a:rPr lang="de-DE" sz="1400" dirty="0" err="1">
+                <a:solidFill>
+                  <a:schemeClr val="tx1">
+                    <a:lumMod val="75000"/>
+                    <a:lumOff val="25000"/>
+                  </a:schemeClr>
+                </a:solidFill>
+              </a:rPr>
+              <a:t>Equation</a:t>
+            </a:r>
+            <a:r>
+              <a:rPr lang="de-DE" sz="1400" dirty="0">
+                <a:solidFill>
+                  <a:schemeClr val="tx1">
+                    <a:lumMod val="75000"/>
+                    <a:lumOff val="25000"/>
+                  </a:schemeClr>
+                </a:solidFill>
+              </a:rPr>
+              <a:t> Modeling</a:t>
+            </a:r>
+            <a:br>
+              <a:rPr lang="de-DE" sz="1400" dirty="0">
+                <a:solidFill>
+                  <a:schemeClr val="tx1">
+                    <a:lumMod val="75000"/>
+                    <a:lumOff val="25000"/>
+                  </a:schemeClr>
+                </a:solidFill>
+              </a:rPr>
+            </a:br>
+            <a:r>
+              <a:rPr lang="de-DE" sz="1400" dirty="0" err="1">
+                <a:solidFill>
+                  <a:schemeClr val="tx1">
+                    <a:lumMod val="75000"/>
+                    <a:lumOff val="25000"/>
+                  </a:schemeClr>
+                </a:solidFill>
+              </a:rPr>
+              <a:t>Fourth</a:t>
+            </a:r>
+            <a:r>
+              <a:rPr lang="de-DE" sz="1400" dirty="0">
+                <a:solidFill>
+                  <a:schemeClr val="tx1">
+                    <a:lumMod val="75000"/>
+                    <a:lumOff val="25000"/>
+                  </a:schemeClr>
+                </a:solidFill>
+              </a:rPr>
+              <a:t> Edition, 2015</a:t>
+            </a:r>
+          </a:p>
+        </p:txBody>
+      </p:sp>
+      <p:sp>
+        <p:nvSpPr>
+          <p:cNvPr id="4" name="Datumsplatzhalter 3"/>
+          <p:cNvSpPr>
+            <a:spLocks noGrp="1"/>
+          </p:cNvSpPr>
+          <p:nvPr>
+            <p:ph type="dt" sz="half" idx="10"/>
+          </p:nvPr>
+        </p:nvSpPr>
+        <p:spPr/>
+        <p:txBody>
+          <a:bodyPr/>
+          <a:lstStyle/>
+          <a:p>
+            <a:fld id="{6DB845E5-DACF-426C-8A10-A6438D29DD66}" type="datetime1">
+              <a:rPr lang="de-DE" smtClean="0"/>
+              <a:pPr/>
+              <a:t>19.02.2018</a:t>
+            </a:fld>
+            <a:endParaRPr lang="de-DE"/>
+          </a:p>
+        </p:txBody>
+      </p:sp>
+      <p:sp>
+        <p:nvSpPr>
+          <p:cNvPr id="5" name="Fußzeilenplatzhalter 4"/>
+          <p:cNvSpPr>
+            <a:spLocks noGrp="1"/>
+          </p:cNvSpPr>
+          <p:nvPr>
+            <p:ph type="ftr" sz="quarter" idx="11"/>
+          </p:nvPr>
+        </p:nvSpPr>
+        <p:spPr/>
+        <p:txBody>
+          <a:bodyPr/>
+          <a:lstStyle/>
+          <a:p>
+            <a:r>
+              <a:rPr lang="de-DE"/>
+              <a:t>Structural Equation Modelling – Wintersemester 2017/2018</a:t>
+            </a:r>
+            <a:endParaRPr lang="de-DE" dirty="0"/>
+          </a:p>
+        </p:txBody>
+      </p:sp>
+      <p:sp>
+        <p:nvSpPr>
+          <p:cNvPr id="6" name="Foliennummernplatzhalter 5"/>
+          <p:cNvSpPr>
+            <a:spLocks noGrp="1"/>
+          </p:cNvSpPr>
+          <p:nvPr>
+            <p:ph type="sldNum" sz="quarter" idx="12"/>
+          </p:nvPr>
+        </p:nvSpPr>
+        <p:spPr/>
+        <p:txBody>
+          <a:bodyPr/>
+          <a:lstStyle/>
+          <a:p>
+            <a:fld id="{015363AA-F6CB-4A58-B5AD-B2CDFEAF0813}" type="slidenum">
+              <a:rPr lang="de-DE" smtClean="0"/>
+              <a:pPr/>
+              <a:t>20</a:t>
+            </a:fld>
+            <a:endParaRPr lang="de-DE"/>
+          </a:p>
+        </p:txBody>
+      </p:sp>
+    </p:spTree>
+    <p:extLst>
+      <p:ext uri="{BB962C8B-B14F-4D97-AF65-F5344CB8AC3E}">
+        <p14:creationId xmlns:p14="http://schemas.microsoft.com/office/powerpoint/2010/main" val="3899092122"/>
+      </p:ext>
+    </p:extLst>
+  </p:cSld>
+  <p:clrMapOvr>
+    <a:masterClrMapping/>
+  </p:clrMapOvr>
+</p:sld>
+</file>
+
+<file path=ppt/slides/slide21.xml><?xml version="1.0" encoding="utf-8"?>
+<p:sld xmlns:a="http://schemas.openxmlformats.org/drawingml/2006/main" xmlns:r="http://schemas.openxmlformats.org/officeDocument/2006/relationships" xmlns:p="http://schemas.openxmlformats.org/presentationml/2006/main">
+  <p:cSld>
+    <p:spTree>
+      <p:nvGrpSpPr>
+        <p:cNvPr id="1" name=""/>
+        <p:cNvGrpSpPr/>
+        <p:nvPr/>
+      </p:nvGrpSpPr>
+      <p:grpSpPr>
+        <a:xfrm>
+          <a:off x="0" y="0"/>
+          <a:ext cx="0" cy="0"/>
+          <a:chOff x="0" y="0"/>
+          <a:chExt cx="0" cy="0"/>
+        </a:xfrm>
+      </p:grpSpPr>
+      <p:sp>
+        <p:nvSpPr>
+          <p:cNvPr id="2" name="Titel 1"/>
+          <p:cNvSpPr>
+            <a:spLocks noGrp="1"/>
+          </p:cNvSpPr>
+          <p:nvPr>
+            <p:ph type="title"/>
+          </p:nvPr>
+        </p:nvSpPr>
+        <p:spPr/>
+        <p:txBody>
+          <a:bodyPr/>
+          <a:lstStyle/>
+          <a:p>
+            <a:r>
+              <a:rPr lang="de-DE" dirty="0"/>
+              <a:t>Vielen Dank für Ihre Aufmerksamkeit.</a:t>
+            </a:r>
+          </a:p>
+        </p:txBody>
+      </p:sp>
+      <p:sp>
+        <p:nvSpPr>
+          <p:cNvPr id="3" name="Datumsplatzhalter 2"/>
+          <p:cNvSpPr>
+            <a:spLocks noGrp="1"/>
+          </p:cNvSpPr>
+          <p:nvPr>
+            <p:ph type="dt" sz="half" idx="10"/>
+          </p:nvPr>
+        </p:nvSpPr>
+        <p:spPr/>
+        <p:txBody>
+          <a:bodyPr/>
+          <a:lstStyle/>
+          <a:p>
+            <a:fld id="{19A0FC43-5E73-44C2-BFDB-9FAD1E8FED0E}" type="datetime1">
+              <a:rPr lang="de-DE" smtClean="0"/>
+              <a:pPr/>
+              <a:t>19.02.2018</a:t>
+            </a:fld>
+            <a:endParaRPr lang="de-DE"/>
+          </a:p>
+        </p:txBody>
+      </p:sp>
+      <p:sp>
+        <p:nvSpPr>
+          <p:cNvPr id="4" name="Fußzeilenplatzhalter 3"/>
+          <p:cNvSpPr>
+            <a:spLocks noGrp="1"/>
+          </p:cNvSpPr>
+          <p:nvPr>
+            <p:ph type="ftr" sz="quarter" idx="11"/>
+          </p:nvPr>
+        </p:nvSpPr>
+        <p:spPr/>
+        <p:txBody>
+          <a:bodyPr/>
+          <a:lstStyle/>
+          <a:p>
+            <a:r>
+              <a:rPr lang="de-DE"/>
+              <a:t>Structural Equation Modelling – Wintersemester 2017/2018</a:t>
+            </a:r>
+            <a:endParaRPr lang="de-DE" dirty="0"/>
+          </a:p>
+        </p:txBody>
+      </p:sp>
+      <p:sp>
+        <p:nvSpPr>
+          <p:cNvPr id="5" name="Foliennummernplatzhalter 4"/>
+          <p:cNvSpPr>
+            <a:spLocks noGrp="1"/>
+          </p:cNvSpPr>
+          <p:nvPr>
+            <p:ph type="sldNum" sz="quarter" idx="12"/>
+          </p:nvPr>
+        </p:nvSpPr>
+        <p:spPr/>
+        <p:txBody>
+          <a:bodyPr/>
+          <a:lstStyle/>
+          <a:p>
+            <a:fld id="{015363AA-F6CB-4A58-B5AD-B2CDFEAF0813}" type="slidenum">
+              <a:rPr lang="de-DE" smtClean="0"/>
+              <a:pPr/>
+              <a:t>21</a:t>
+            </a:fld>
+            <a:endParaRPr lang="de-DE"/>
+          </a:p>
+        </p:txBody>
+      </p:sp>
+      <p:sp>
+        <p:nvSpPr>
+          <p:cNvPr id="6" name="Textplatzhalter 5"/>
+          <p:cNvSpPr>
+            <a:spLocks noGrp="1"/>
+          </p:cNvSpPr>
+          <p:nvPr>
+            <p:ph type="body" sz="quarter" idx="13"/>
+          </p:nvPr>
+        </p:nvSpPr>
+        <p:spPr/>
+        <p:txBody>
+          <a:bodyPr/>
+          <a:lstStyle/>
+          <a:p>
+            <a:r>
+              <a:rPr lang="de-DE" dirty="0"/>
+              <a:t>Fragen?</a:t>
+            </a:r>
+          </a:p>
+        </p:txBody>
+      </p:sp>
+    </p:spTree>
+    <p:extLst>
+      <p:ext uri="{BB962C8B-B14F-4D97-AF65-F5344CB8AC3E}">
+        <p14:creationId xmlns:p14="http://schemas.microsoft.com/office/powerpoint/2010/main" val="121839908"/>
+      </p:ext>
+    </p:extLst>
   </p:cSld>
   <p:clrMapOvr>
     <a:masterClrMapping/>
@@ -11382,9 +13741,16 @@
             <p:ph idx="1"/>
           </p:nvPr>
         </p:nvSpPr>
-        <p:spPr/>
-        <p:txBody>
-          <a:bodyPr/>
+        <p:spPr>
+          <a:xfrm>
+            <a:off x="323529" y="987574"/>
+            <a:ext cx="8496943" cy="3744416"/>
+          </a:xfrm>
+        </p:spPr>
+        <p:txBody>
+          <a:bodyPr>
+            <a:normAutofit/>
+          </a:bodyPr>
           <a:lstStyle/>
           <a:p>
             <a:r>
@@ -11420,23 +13786,46 @@
             <a:pPr lvl="1"/>
             <a:r>
               <a:rPr lang="de-DE" dirty="0"/>
-              <a:t>Schätzung anhand der Varianz-Kovarianz-Matrix</a:t>
+              <a:t>Parameterschätzung anhand der Varianz-Kovarianz-Matrix</a:t>
             </a:r>
           </a:p>
           <a:p>
             <a:pPr lvl="1"/>
             <a:r>
               <a:rPr lang="de-DE" dirty="0"/>
-              <a:t>Skalierung der Werte</a:t>
-            </a:r>
-          </a:p>
-          <a:p>
+              <a:t>Kovarianzen enthalten keine Informationen über </a:t>
+            </a:r>
+            <a:r>
+              <a:rPr lang="de-DE" dirty="0" err="1"/>
+              <a:t>Means</a:t>
+            </a:r>
+            <a:r>
+              <a:rPr lang="de-DE" dirty="0"/>
+              <a:t> (Kline, 2015)</a:t>
+            </a:r>
+          </a:p>
+          <a:p>
+            <a:pPr lvl="1"/>
+            <a:r>
+              <a:rPr lang="de-DE" dirty="0"/>
+              <a:t>Variablen sind gemittelt, haben also einen </a:t>
+            </a:r>
             <a:r>
               <a:rPr lang="de-DE" dirty="0" err="1"/>
               <a:t>Mean</a:t>
             </a:r>
             <a:r>
               <a:rPr lang="de-DE" dirty="0"/>
+              <a:t> von 0</a:t>
+            </a:r>
+          </a:p>
+          <a:p>
+            <a:r>
+              <a:rPr lang="de-DE" dirty="0" err="1"/>
+              <a:t>Mean</a:t>
+            </a:r>
+            <a:r>
+              <a:rPr lang="de-DE" dirty="0"/>
               <a:t> </a:t>
             </a:r>
             <a:r>
@@ -11445,14 +13834,85 @@
             </a:r>
             <a:r>
               <a:rPr lang="de-DE" dirty="0"/>
-              <a:t> können signifikante Bedeutungen haben</a:t>
-            </a:r>
-          </a:p>
-          <a:p>
-            <a:r>
-              <a:rPr lang="de-DE" dirty="0"/>
-              <a:t>Laden über Konstanten (mit Wert 1) auf endogene und exogene Variablen</a:t>
-            </a:r>
+              <a:t> können signifikante Bedeutungen bei der Interpretation eines Strukturgleichungsmodells haben</a:t>
+            </a:r>
+          </a:p>
+          <a:p>
+            <a:r>
+              <a:rPr lang="de-DE" dirty="0"/>
+              <a:t>Modellanpassung inklusive </a:t>
+            </a:r>
+            <a:r>
+              <a:rPr lang="de-DE" dirty="0" err="1"/>
+              <a:t>Mean</a:t>
+            </a:r>
+            <a:r>
+              <a:rPr lang="de-DE" dirty="0"/>
+              <a:t> </a:t>
+            </a:r>
+            <a:r>
+              <a:rPr lang="de-DE" dirty="0" err="1"/>
+              <a:t>Structure</a:t>
+            </a:r>
+            <a:r>
+              <a:rPr lang="de-DE" dirty="0"/>
+              <a:t> durch:</a:t>
+            </a:r>
+          </a:p>
+          <a:p>
+            <a:pPr lvl="1"/>
+            <a:r>
+              <a:rPr lang="de-DE" dirty="0"/>
+              <a:t>Rohdaten (enthalten standardmäßig </a:t>
+            </a:r>
+            <a:r>
+              <a:rPr lang="de-DE" dirty="0" err="1"/>
+              <a:t>Means</a:t>
+            </a:r>
+            <a:r>
+              <a:rPr lang="de-DE" dirty="0"/>
+              <a:t>), aber Konfiguration notwendig</a:t>
+            </a:r>
+          </a:p>
+          <a:p>
+            <a:pPr lvl="1"/>
+            <a:r>
+              <a:rPr lang="de-DE" dirty="0"/>
+              <a:t>Varianz-Kovarianz-Matrix und Angabe der </a:t>
+            </a:r>
+            <a:r>
+              <a:rPr lang="de-DE" dirty="0" err="1"/>
+              <a:t>Means</a:t>
+            </a:r>
+            <a:endParaRPr lang="de-DE" dirty="0"/>
+          </a:p>
+          <a:p>
+            <a:r>
+              <a:rPr lang="de-DE" dirty="0" err="1"/>
+              <a:t>Means</a:t>
+            </a:r>
+            <a:r>
+              <a:rPr lang="de-DE" dirty="0"/>
+              <a:t> laden über Konstanten auf exogene Variablen</a:t>
+            </a:r>
+          </a:p>
+          <a:p>
+            <a:r>
+              <a:rPr lang="de-DE" dirty="0"/>
+              <a:t>Bei endogenen Variablen ist der direkte Effekt der Konstante ein </a:t>
+            </a:r>
+            <a:r>
+              <a:rPr lang="de-DE" dirty="0" err="1"/>
+              <a:t>Intercept</a:t>
+            </a:r>
+            <a:r>
+              <a:rPr lang="de-DE" dirty="0"/>
+              <a:t> </a:t>
+            </a:r>
+            <a:br>
+              <a:rPr lang="de-DE" dirty="0"/>
+            </a:br>
+            <a:endParaRPr lang="de-DE" dirty="0"/>
           </a:p>
         </p:txBody>
       </p:sp>
@@ -11530,7 +13990,7 @@
     </p:spTree>
     <p:extLst>
       <p:ext uri="{BB962C8B-B14F-4D97-AF65-F5344CB8AC3E}">
-        <p14:creationId xmlns:p14="http://schemas.microsoft.com/office/powerpoint/2010/main" val="4210244913"/>
+        <p14:creationId xmlns:p14="http://schemas.microsoft.com/office/powerpoint/2010/main" val="1527320158"/>
       </p:ext>
     </p:extLst>
   </p:cSld>
@@ -11569,6 +14029,46 @@
         </p:nvSpPr>
         <p:spPr/>
         <p:txBody>
+          <a:bodyPr/>
+          <a:lstStyle/>
+          <a:p>
+            <a:r>
+              <a:rPr lang="de-DE" dirty="0"/>
+              <a:t>Grundlagen – </a:t>
+            </a:r>
+            <a:r>
+              <a:rPr lang="de-DE" dirty="0" err="1"/>
+              <a:t>Mean</a:t>
+            </a:r>
+            <a:r>
+              <a:rPr lang="de-DE" dirty="0"/>
+              <a:t> </a:t>
+            </a:r>
+            <a:r>
+              <a:rPr lang="de-DE" dirty="0" err="1"/>
+              <a:t>Structures</a:t>
+            </a:r>
+            <a:endParaRPr lang="de-DE" dirty="0"/>
+          </a:p>
+        </p:txBody>
+      </p:sp>
+      <p:sp>
+        <p:nvSpPr>
+          <p:cNvPr id="3" name="Inhaltsplatzhalter 2"/>
+          <p:cNvSpPr>
+            <a:spLocks noGrp="1"/>
+          </p:cNvSpPr>
+          <p:nvPr>
+            <p:ph idx="1"/>
+          </p:nvPr>
+        </p:nvSpPr>
+        <p:spPr>
+          <a:xfrm>
+            <a:off x="323529" y="987574"/>
+            <a:ext cx="4608511" cy="3744416"/>
+          </a:xfrm>
+        </p:spPr>
+        <p:txBody>
           <a:bodyPr>
             <a:normAutofit/>
           </a:bodyPr>
@@ -11576,64 +14076,7 @@
           <a:p>
             <a:r>
               <a:rPr lang="de-DE" dirty="0"/>
-              <a:t>Grundlagen - Wachstumsmodelle</a:t>
-            </a:r>
-          </a:p>
-        </p:txBody>
-      </p:sp>
-      <p:sp>
-        <p:nvSpPr>
-          <p:cNvPr id="3" name="Inhaltsplatzhalter 2"/>
-          <p:cNvSpPr>
-            <a:spLocks noGrp="1"/>
-          </p:cNvSpPr>
-          <p:nvPr>
-            <p:ph idx="1"/>
-          </p:nvPr>
-        </p:nvSpPr>
-        <p:spPr/>
-        <p:txBody>
-          <a:bodyPr>
-            <a:normAutofit/>
-          </a:bodyPr>
-          <a:lstStyle/>
-          <a:p>
-            <a:r>
-              <a:rPr lang="de-DE" dirty="0"/>
-              <a:t>Wachstumsmodelle in der Natur weit verbreitet → beobachtbar</a:t>
-            </a:r>
-          </a:p>
-          <a:p>
-            <a:pPr lvl="1"/>
-            <a:r>
-              <a:rPr lang="de-DE" dirty="0"/>
-              <a:t>Körperwachstum</a:t>
-            </a:r>
-          </a:p>
-          <a:p>
-            <a:pPr lvl="1"/>
-            <a:r>
-              <a:rPr lang="de-DE" dirty="0"/>
-              <a:t>Bakterienwachstum</a:t>
-            </a:r>
-          </a:p>
-          <a:p>
-            <a:pPr lvl="1"/>
-            <a:r>
-              <a:rPr lang="de-DE" dirty="0"/>
-              <a:t>etc.</a:t>
-            </a:r>
-          </a:p>
-          <a:p>
-            <a:r>
-              <a:rPr lang="de-DE" dirty="0"/>
-              <a:t>Wachstumsmodelle in SEM sowohl mit latenten als auch mit beobachtbaren Variablen möglich</a:t>
-            </a:r>
-          </a:p>
-          <a:p>
-            <a:r>
-              <a:rPr lang="de-DE" dirty="0"/>
-              <a:t>Stark verbreitetes Strukturgleichungsmodell mit einer </a:t>
+              <a:t>Beispiel einer </a:t>
             </a:r>
             <a:r>
               <a:rPr lang="de-DE" dirty="0" err="1"/>
@@ -11647,12 +14090,107 @@
               <a:rPr lang="de-DE" dirty="0" err="1"/>
               <a:t>Structure</a:t>
             </a:r>
-            <a:endParaRPr lang="de-DE" dirty="0"/>
-          </a:p>
-          <a:p>
-            <a:r>
-              <a:rPr lang="de-DE" dirty="0"/>
-              <a:t>Längsschnitt-Analysetechnik zur Vorhersage von Wachstum über Zeit</a:t>
+            <a:r>
+              <a:rPr lang="de-DE" dirty="0"/>
+              <a:t> aus Kline, 2015</a:t>
+            </a:r>
+          </a:p>
+          <a:p>
+            <a:r>
+              <a:rPr lang="de-DE" dirty="0" err="1"/>
+              <a:t>Bivariater</a:t>
+            </a:r>
+            <a:r>
+              <a:rPr lang="de-DE" dirty="0"/>
+              <a:t> Datensatz mit X und Y Variablen</a:t>
+            </a:r>
+          </a:p>
+          <a:p>
+            <a:r>
+              <a:rPr lang="de-DE" dirty="0"/>
+              <a:t>Berechnung der </a:t>
+            </a:r>
+            <a:r>
+              <a:rPr lang="de-DE" dirty="0" err="1"/>
+              <a:t>Means</a:t>
+            </a:r>
+            <a:r>
+              <a:rPr lang="de-DE" dirty="0"/>
+              <a:t>:</a:t>
+            </a:r>
+          </a:p>
+          <a:p>
+            <a:pPr lvl="1"/>
+            <a:r>
+              <a:rPr lang="de-DE" dirty="0" err="1"/>
+              <a:t>Mean</a:t>
+            </a:r>
+            <a:r>
+              <a:rPr lang="de-DE" dirty="0"/>
+              <a:t>(X) = 11.000</a:t>
+            </a:r>
+          </a:p>
+          <a:p>
+            <a:pPr lvl="1"/>
+            <a:r>
+              <a:rPr lang="de-DE" dirty="0" err="1"/>
+              <a:t>Mean</a:t>
+            </a:r>
+            <a:r>
+              <a:rPr lang="de-DE" dirty="0"/>
+              <a:t>(Y) = 20.000 + 0.455*</a:t>
+            </a:r>
+            <a:r>
+              <a:rPr lang="de-DE" dirty="0" err="1"/>
+              <a:t>Mean</a:t>
+            </a:r>
+            <a:r>
+              <a:rPr lang="de-DE" dirty="0"/>
+              <a:t>(X)</a:t>
+            </a:r>
+          </a:p>
+          <a:p>
+            <a:r>
+              <a:rPr lang="de-DE" dirty="0"/>
+              <a:t>Konstante </a:t>
+            </a:r>
+            <a:r>
+              <a:rPr lang="de-DE" dirty="0" err="1"/>
+              <a:t>läd</a:t>
+            </a:r>
+            <a:r>
+              <a:rPr lang="de-DE" dirty="0"/>
+              <a:t> mit </a:t>
+            </a:r>
+            <a:r>
+              <a:rPr lang="de-DE" dirty="0" err="1"/>
+              <a:t>Mean</a:t>
+            </a:r>
+            <a:r>
+              <a:rPr lang="de-DE" dirty="0"/>
+              <a:t> direkt auf exogene Variable X</a:t>
+            </a:r>
+          </a:p>
+          <a:p>
+            <a:r>
+              <a:rPr lang="de-DE" dirty="0"/>
+              <a:t>Konstante </a:t>
+            </a:r>
+            <a:r>
+              <a:rPr lang="de-DE" dirty="0" err="1"/>
+              <a:t>läd</a:t>
+            </a:r>
+            <a:r>
+              <a:rPr lang="de-DE" dirty="0"/>
+              <a:t> mit </a:t>
+            </a:r>
+            <a:r>
+              <a:rPr lang="de-DE" dirty="0" err="1"/>
+              <a:t>Intercept</a:t>
+            </a:r>
+            <a:r>
+              <a:rPr lang="de-DE" dirty="0"/>
+              <a:t> auf endogene Variable Y</a:t>
             </a:r>
           </a:p>
         </p:txBody>
@@ -11728,10 +14266,158 @@
           </a:p>
         </p:txBody>
       </p:sp>
+      <p:pic>
+        <p:nvPicPr>
+          <p:cNvPr id="7" name="Grafik 6" descr="Bildschirmausschnitt"/>
+          <p:cNvPicPr>
+            <a:picLocks noChangeAspect="1"/>
+          </p:cNvPicPr>
+          <p:nvPr/>
+        </p:nvPicPr>
+        <p:blipFill>
+          <a:blip r:embed="rId3" cstate="print">
+            <a:extLst>
+              <a:ext uri="{28A0092B-C50C-407E-A947-70E740481C1C}">
+                <a14:useLocalDpi xmlns:a14="http://schemas.microsoft.com/office/drawing/2010/main" val="0"/>
+              </a:ext>
+            </a:extLst>
+          </a:blip>
+          <a:stretch>
+            <a:fillRect/>
+          </a:stretch>
+        </p:blipFill>
+        <p:spPr>
+          <a:xfrm>
+            <a:off x="5364088" y="2976432"/>
+            <a:ext cx="3600400" cy="1596006"/>
+          </a:xfrm>
+          <a:prstGeom prst="rect">
+            <a:avLst/>
+          </a:prstGeom>
+          <a:ln>
+            <a:solidFill>
+              <a:schemeClr val="tx1"/>
+            </a:solidFill>
+          </a:ln>
+        </p:spPr>
+      </p:pic>
+      <p:sp>
+        <p:nvSpPr>
+          <p:cNvPr id="8" name="Textfeld 7"/>
+          <p:cNvSpPr txBox="1"/>
+          <p:nvPr/>
+        </p:nvSpPr>
+        <p:spPr>
+          <a:xfrm>
+            <a:off x="5868144" y="4557777"/>
+            <a:ext cx="2811988" cy="246221"/>
+          </a:xfrm>
+          <a:prstGeom prst="rect">
+            <a:avLst/>
+          </a:prstGeom>
+          <a:noFill/>
+        </p:spPr>
+        <p:txBody>
+          <a:bodyPr wrap="none" rtlCol="0">
+            <a:spAutoFit/>
+          </a:bodyPr>
+          <a:lstStyle/>
+          <a:p>
+            <a:r>
+              <a:rPr lang="de-DE" sz="1000" dirty="0"/>
+              <a:t>Pfadmodell mit einer </a:t>
+            </a:r>
+            <a:r>
+              <a:rPr lang="de-DE" sz="1000" dirty="0" err="1"/>
+              <a:t>Mean</a:t>
+            </a:r>
+            <a:r>
+              <a:rPr lang="de-DE" sz="1000" dirty="0"/>
+              <a:t> </a:t>
+            </a:r>
+            <a:r>
+              <a:rPr lang="de-DE" sz="1000" dirty="0" err="1"/>
+              <a:t>Structure</a:t>
+            </a:r>
+            <a:r>
+              <a:rPr lang="de-DE" sz="1000" dirty="0"/>
+              <a:t> (Kline, 2015)</a:t>
+            </a:r>
+          </a:p>
+        </p:txBody>
+      </p:sp>
+      <p:pic>
+        <p:nvPicPr>
+          <p:cNvPr id="9" name="Grafik 8" descr="Bildschirmausschnitt"/>
+          <p:cNvPicPr>
+            <a:picLocks noChangeAspect="1"/>
+          </p:cNvPicPr>
+          <p:nvPr/>
+        </p:nvPicPr>
+        <p:blipFill>
+          <a:blip r:embed="rId4" cstate="print">
+            <a:extLst>
+              <a:ext uri="{28A0092B-C50C-407E-A947-70E740481C1C}">
+                <a14:useLocalDpi xmlns:a14="http://schemas.microsoft.com/office/drawing/2010/main" val="0"/>
+              </a:ext>
+            </a:extLst>
+          </a:blip>
+          <a:stretch>
+            <a:fillRect/>
+          </a:stretch>
+        </p:blipFill>
+        <p:spPr>
+          <a:xfrm>
+            <a:off x="6012156" y="959676"/>
+            <a:ext cx="2304260" cy="1724007"/>
+          </a:xfrm>
+          <a:prstGeom prst="rect">
+            <a:avLst/>
+          </a:prstGeom>
+          <a:ln w="9525">
+            <a:solidFill>
+              <a:schemeClr val="tx1"/>
+            </a:solidFill>
+          </a:ln>
+        </p:spPr>
+      </p:pic>
+      <p:sp>
+        <p:nvSpPr>
+          <p:cNvPr id="10" name="Textfeld 9"/>
+          <p:cNvSpPr txBox="1"/>
+          <p:nvPr/>
+        </p:nvSpPr>
+        <p:spPr>
+          <a:xfrm>
+            <a:off x="6156176" y="2715766"/>
+            <a:ext cx="2064989" cy="246221"/>
+          </a:xfrm>
+          <a:prstGeom prst="rect">
+            <a:avLst/>
+          </a:prstGeom>
+          <a:noFill/>
+        </p:spPr>
+        <p:txBody>
+          <a:bodyPr wrap="none" rtlCol="0">
+            <a:spAutoFit/>
+          </a:bodyPr>
+          <a:lstStyle/>
+          <a:p>
+            <a:r>
+              <a:rPr lang="de-DE" sz="1000" dirty="0" err="1"/>
+              <a:t>Bivariate</a:t>
+            </a:r>
+            <a:r>
+              <a:rPr lang="de-DE" sz="1000" dirty="0"/>
+              <a:t> Beispieldaten (Kline, 2015)</a:t>
+            </a:r>
+          </a:p>
+        </p:txBody>
+      </p:sp>
     </p:spTree>
     <p:extLst>
       <p:ext uri="{BB962C8B-B14F-4D97-AF65-F5344CB8AC3E}">
-        <p14:creationId xmlns:p14="http://schemas.microsoft.com/office/powerpoint/2010/main" val="933179692"/>
+        <p14:creationId xmlns:p14="http://schemas.microsoft.com/office/powerpoint/2010/main" val="1763801606"/>
       </p:ext>
     </p:extLst>
   </p:cSld>
@@ -11777,7 +14463,7 @@
           <a:p>
             <a:r>
               <a:rPr lang="de-DE" dirty="0"/>
-              <a:t>Grundlagen - Wachstumsmodelle</a:t>
+              <a:t>Grundlagen – Wachstumsmodelle</a:t>
             </a:r>
           </a:p>
         </p:txBody>
@@ -11792,7 +14478,12 @@
             <p:ph idx="1"/>
           </p:nvPr>
         </p:nvSpPr>
-        <p:spPr/>
+        <p:spPr>
+          <a:xfrm>
+            <a:off x="323530" y="987574"/>
+            <a:ext cx="5832646" cy="3744416"/>
+          </a:xfrm>
+        </p:spPr>
         <p:txBody>
           <a:bodyPr>
             <a:normAutofit/>
@@ -11801,56 +14492,75 @@
           <a:p>
             <a:r>
               <a:rPr lang="de-DE" dirty="0"/>
-              <a:t>Messmodell</a:t>
+              <a:t>Wachstumsmodelle in der Natur weit verbreitet → beobachtbares Wachstum</a:t>
             </a:r>
           </a:p>
           <a:p>
             <a:pPr lvl="1"/>
             <a:r>
               <a:rPr lang="de-DE" dirty="0"/>
-              <a:t>Daten werden in einem Zeitreihenkontext über verschiedene exogene Variablen gemessen</a:t>
+              <a:t>Körperwachstum</a:t>
             </a:r>
           </a:p>
           <a:p>
             <a:pPr lvl="1"/>
             <a:r>
               <a:rPr lang="de-DE" dirty="0"/>
-              <a:t>Experiment ist fix, d.h. es muss zu jedem Zeitpunkt identisch sein</a:t>
+              <a:t>Bakterienwachstum</a:t>
             </a:r>
           </a:p>
           <a:p>
             <a:pPr lvl="1"/>
             <a:r>
               <a:rPr lang="de-DE" dirty="0"/>
-              <a:t>Zeitintervalle zwischen einzelnen Messungen müssen nicht identisch sein, aber bei jedem Testobjekt gleich (z.B. Alter 3, 6, 12, 24 bei jedem Kandidat)</a:t>
-            </a:r>
-          </a:p>
-          <a:p>
-            <a:r>
-              <a:rPr lang="de-DE" dirty="0"/>
-              <a:t>Wachstumsparameter: </a:t>
+              <a:t>etc.</a:t>
+            </a:r>
+          </a:p>
+          <a:p>
+            <a:r>
+              <a:rPr lang="de-DE" dirty="0"/>
+              <a:t>Modellklasse zur Analyse von Längsschnitt-Daten zur Vorhersage von Wachstum einer Größe über die Zeit</a:t>
+            </a:r>
+          </a:p>
+          <a:p>
+            <a:r>
+              <a:rPr lang="de-DE" dirty="0"/>
+              <a:t>Stark verbreitetes Strukturgleichungsmodell mit einer </a:t>
             </a:r>
             <a:r>
               <a:rPr lang="de-DE" dirty="0" err="1"/>
-              <a:t>Intercept</a:t>
-            </a:r>
-            <a:r>
-              <a:rPr lang="de-DE" dirty="0"/>
-              <a:t> (aka Initial Status, Initial Level) und </a:t>
+              <a:t>Mean</a:t>
+            </a:r>
+            <a:r>
+              <a:rPr lang="de-DE" dirty="0"/>
+              <a:t> </a:t>
             </a:r>
             <a:r>
               <a:rPr lang="de-DE" dirty="0" err="1"/>
-              <a:t>Slope</a:t>
-            </a:r>
-            <a:r>
-              <a:rPr lang="de-DE" dirty="0"/>
-              <a:t> (aka Growth rate, Shape)</a:t>
-            </a:r>
-          </a:p>
-          <a:p>
-            <a:r>
-              <a:rPr lang="de-DE" dirty="0"/>
-              <a:t>Kritik: Quadratische, kubische oder höher komplexe Abhängigkeiten nicht sinnvoll mit zwei Parametern abbildbar</a:t>
+              <a:t>Structure</a:t>
+            </a:r>
+            <a:endParaRPr lang="de-DE" dirty="0"/>
+          </a:p>
+          <a:p>
+            <a:r>
+              <a:rPr lang="de-DE" dirty="0"/>
+              <a:t>SEM oder auch HLM (</a:t>
+            </a:r>
+            <a:r>
+              <a:rPr lang="de-DE" dirty="0" err="1"/>
+              <a:t>hierarchical</a:t>
+            </a:r>
+            <a:r>
+              <a:rPr lang="de-DE" dirty="0"/>
+              <a:t> linear </a:t>
+            </a:r>
+            <a:r>
+              <a:rPr lang="de-DE" dirty="0" err="1"/>
+              <a:t>modeling</a:t>
+            </a:r>
+            <a:r>
+              <a:rPr lang="de-DE" dirty="0"/>
+              <a:t>) dienen der Analyse</a:t>
             </a:r>
           </a:p>
         </p:txBody>
@@ -11926,10 +14636,87 @@
           </a:p>
         </p:txBody>
       </p:sp>
+      <p:pic>
+        <p:nvPicPr>
+          <p:cNvPr id="7" name="Grafik 6" descr="Bildschirmausschnitt"/>
+          <p:cNvPicPr>
+            <a:picLocks noChangeAspect="1"/>
+          </p:cNvPicPr>
+          <p:nvPr/>
+        </p:nvPicPr>
+        <p:blipFill>
+          <a:blip r:embed="rId2" cstate="print">
+            <a:extLst>
+              <a:ext uri="{28A0092B-C50C-407E-A947-70E740481C1C}">
+                <a14:useLocalDpi xmlns:a14="http://schemas.microsoft.com/office/drawing/2010/main" val="0"/>
+              </a:ext>
+            </a:extLst>
+          </a:blip>
+          <a:stretch>
+            <a:fillRect/>
+          </a:stretch>
+        </p:blipFill>
+        <p:spPr>
+          <a:xfrm>
+            <a:off x="6416894" y="1342509"/>
+            <a:ext cx="2547594" cy="1949321"/>
+          </a:xfrm>
+          <a:prstGeom prst="rect">
+            <a:avLst/>
+          </a:prstGeom>
+          <a:ln>
+            <a:solidFill>
+              <a:schemeClr val="tx1"/>
+            </a:solidFill>
+          </a:ln>
+        </p:spPr>
+      </p:pic>
+      <p:sp>
+        <p:nvSpPr>
+          <p:cNvPr id="8" name="Textfeld 7"/>
+          <p:cNvSpPr txBox="1"/>
+          <p:nvPr/>
+        </p:nvSpPr>
+        <p:spPr>
+          <a:xfrm>
+            <a:off x="6467451" y="3291830"/>
+            <a:ext cx="2425029" cy="553998"/>
+          </a:xfrm>
+          <a:prstGeom prst="rect">
+            <a:avLst/>
+          </a:prstGeom>
+          <a:noFill/>
+        </p:spPr>
+        <p:txBody>
+          <a:bodyPr wrap="square" rtlCol="0">
+            <a:spAutoFit/>
+          </a:bodyPr>
+          <a:lstStyle/>
+          <a:p>
+            <a:pPr algn="ctr"/>
+            <a:r>
+              <a:rPr lang="de-DE" sz="1000" dirty="0" err="1"/>
+              <a:t>Mean</a:t>
+            </a:r>
+            <a:r>
+              <a:rPr lang="de-DE" sz="1000" dirty="0"/>
+              <a:t> </a:t>
+            </a:r>
+            <a:r>
+              <a:rPr lang="de-DE" sz="1000" dirty="0" err="1"/>
+              <a:t>Scores</a:t>
+            </a:r>
+            <a:r>
+              <a:rPr lang="de-DE" sz="1000" dirty="0"/>
+              <a:t> einer Lernkurve über zeitlich aufeinander folgende Versuche (Kline, 2015)</a:t>
+            </a:r>
+          </a:p>
+        </p:txBody>
+      </p:sp>
     </p:spTree>
     <p:extLst>
       <p:ext uri="{BB962C8B-B14F-4D97-AF65-F5344CB8AC3E}">
-        <p14:creationId xmlns:p14="http://schemas.microsoft.com/office/powerpoint/2010/main" val="1669969684"/>
+        <p14:creationId xmlns:p14="http://schemas.microsoft.com/office/powerpoint/2010/main" val="1978279069"/>
       </p:ext>
     </p:extLst>
   </p:cSld>
@@ -11973,14 +14760,159 @@
           <a:p>
             <a:r>
               <a:rPr lang="de-DE" dirty="0"/>
-              <a:t>Versuchsaufbau</a:t>
-            </a:r>
-          </a:p>
-        </p:txBody>
-      </p:sp>
-      <p:sp>
-        <p:nvSpPr>
-          <p:cNvPr id="4" name="Datumsplatzhalter 3"/>
+              <a:t>Grundlagen – Wachstumsmodelle</a:t>
+            </a:r>
+          </a:p>
+        </p:txBody>
+      </p:sp>
+      <p:sp>
+        <p:nvSpPr>
+          <p:cNvPr id="3" name="Textplatzhalter 2"/>
+          <p:cNvSpPr>
+            <a:spLocks noGrp="1"/>
+          </p:cNvSpPr>
+          <p:nvPr>
+            <p:ph type="body" idx="1"/>
+          </p:nvPr>
+        </p:nvSpPr>
+        <p:spPr/>
+        <p:txBody>
+          <a:bodyPr/>
+          <a:lstStyle/>
+          <a:p>
+            <a:r>
+              <a:rPr lang="de-DE" dirty="0" err="1"/>
+              <a:t>Strucural</a:t>
+            </a:r>
+            <a:r>
+              <a:rPr lang="de-DE" dirty="0"/>
+              <a:t> </a:t>
+            </a:r>
+            <a:r>
+              <a:rPr lang="de-DE" dirty="0" err="1"/>
+              <a:t>Equation</a:t>
+            </a:r>
+            <a:r>
+              <a:rPr lang="de-DE" dirty="0"/>
+              <a:t> Modeling</a:t>
+            </a:r>
+          </a:p>
+        </p:txBody>
+      </p:sp>
+      <p:sp>
+        <p:nvSpPr>
+          <p:cNvPr id="4" name="Inhaltsplatzhalter 3"/>
+          <p:cNvSpPr>
+            <a:spLocks noGrp="1"/>
+          </p:cNvSpPr>
+          <p:nvPr>
+            <p:ph sz="half" idx="2"/>
+          </p:nvPr>
+        </p:nvSpPr>
+        <p:spPr/>
+        <p:txBody>
+          <a:bodyPr/>
+          <a:lstStyle/>
+          <a:p>
+            <a:endParaRPr lang="de-DE" dirty="0"/>
+          </a:p>
+          <a:p>
+            <a:r>
+              <a:rPr lang="de-DE" dirty="0"/>
+              <a:t>Global fit </a:t>
+            </a:r>
+            <a:r>
+              <a:rPr lang="de-DE" dirty="0" err="1"/>
+              <a:t>statistics</a:t>
+            </a:r>
+            <a:endParaRPr lang="de-DE" dirty="0"/>
+          </a:p>
+          <a:p>
+            <a:r>
+              <a:rPr lang="de-DE" dirty="0"/>
+              <a:t>Simultane Analyse mehrerer Wachstumskurven</a:t>
+            </a:r>
+          </a:p>
+          <a:p>
+            <a:r>
+              <a:rPr lang="de-DE" dirty="0"/>
+              <a:t>Wachstumsmodelle auch mit latenten Variablen möglich, nicht nur mit beobachtbaren</a:t>
+            </a:r>
+          </a:p>
+        </p:txBody>
+      </p:sp>
+      <p:sp>
+        <p:nvSpPr>
+          <p:cNvPr id="5" name="Textplatzhalter 4"/>
+          <p:cNvSpPr>
+            <a:spLocks noGrp="1"/>
+          </p:cNvSpPr>
+          <p:nvPr>
+            <p:ph type="body" sz="quarter" idx="3"/>
+          </p:nvPr>
+        </p:nvSpPr>
+        <p:spPr/>
+        <p:txBody>
+          <a:bodyPr/>
+          <a:lstStyle/>
+          <a:p>
+            <a:r>
+              <a:rPr lang="de-DE" dirty="0" err="1"/>
+              <a:t>Hierarchical</a:t>
+            </a:r>
+            <a:r>
+              <a:rPr lang="de-DE" dirty="0"/>
+              <a:t> linear Modeling</a:t>
+            </a:r>
+          </a:p>
+        </p:txBody>
+      </p:sp>
+      <p:sp>
+        <p:nvSpPr>
+          <p:cNvPr id="6" name="Inhaltsplatzhalter 5"/>
+          <p:cNvSpPr>
+            <a:spLocks noGrp="1"/>
+          </p:cNvSpPr>
+          <p:nvPr>
+            <p:ph sz="quarter" idx="4"/>
+          </p:nvPr>
+        </p:nvSpPr>
+        <p:spPr/>
+        <p:txBody>
+          <a:bodyPr/>
+          <a:lstStyle/>
+          <a:p>
+            <a:endParaRPr lang="de-DE" dirty="0"/>
+          </a:p>
+          <a:p>
+            <a:r>
+              <a:rPr lang="de-DE" dirty="0"/>
+              <a:t>Keine Beschränkung auf Daten im Zeitreihenkontext</a:t>
+            </a:r>
+          </a:p>
+          <a:p>
+            <a:r>
+              <a:rPr lang="de-DE" dirty="0"/>
+              <a:t>Flexibler Umgang mit Fehlwerten und </a:t>
+            </a:r>
+            <a:r>
+              <a:rPr lang="de-DE" dirty="0" err="1"/>
+              <a:t>unbalancierten</a:t>
+            </a:r>
+            <a:r>
+              <a:rPr lang="de-DE" dirty="0"/>
+              <a:t> Daten</a:t>
+            </a:r>
+          </a:p>
+          <a:p>
+            <a:pPr lvl="1"/>
+            <a:endParaRPr lang="de-DE" dirty="0"/>
+          </a:p>
+        </p:txBody>
+      </p:sp>
+      <p:sp>
+        <p:nvSpPr>
+          <p:cNvPr id="7" name="Datumsplatzhalter 6"/>
           <p:cNvSpPr>
             <a:spLocks noGrp="1"/>
           </p:cNvSpPr>
@@ -11993,7 +14925,7 @@
           <a:bodyPr/>
           <a:lstStyle/>
           <a:p>
-            <a:fld id="{6DB845E5-DACF-426C-8A10-A6438D29DD66}" type="datetime1">
+            <a:fld id="{DA5DE712-6C0E-4DF7-B336-AC97213DC93D}" type="datetime1">
               <a:rPr lang="de-DE" smtClean="0"/>
               <a:pPr/>
               <a:t>19.02.2018</a:t>
@@ -12004,7 +14936,7 @@
       </p:sp>
       <p:sp>
         <p:nvSpPr>
-          <p:cNvPr id="5" name="Fußzeilenplatzhalter 4"/>
+          <p:cNvPr id="8" name="Fußzeilenplatzhalter 7"/>
           <p:cNvSpPr>
             <a:spLocks noGrp="1"/>
           </p:cNvSpPr>
@@ -12027,7 +14959,7 @@
       </p:sp>
       <p:sp>
         <p:nvSpPr>
-          <p:cNvPr id="6" name="Foliennummernplatzhalter 5"/>
+          <p:cNvPr id="9" name="Foliennummernplatzhalter 8"/>
           <p:cNvSpPr>
             <a:spLocks noGrp="1"/>
           </p:cNvSpPr>
@@ -12051,1244 +14983,22 @@
       </p:sp>
       <p:sp>
         <p:nvSpPr>
-          <p:cNvPr id="7" name="Rechteck 6"/>
-          <p:cNvSpPr/>
-          <p:nvPr/>
-        </p:nvSpPr>
-        <p:spPr>
-          <a:xfrm>
-            <a:off x="323527" y="1360489"/>
-            <a:ext cx="8424937" cy="1277186"/>
-          </a:xfrm>
-          <a:prstGeom prst="rect">
-            <a:avLst/>
-          </a:prstGeom>
-          <a:solidFill>
-            <a:schemeClr val="bg1">
-              <a:lumMod val="95000"/>
-            </a:schemeClr>
-          </a:solidFill>
-          <a:ln w="12700">
-            <a:solidFill>
-              <a:schemeClr val="tx1">
-                <a:lumMod val="65000"/>
-                <a:lumOff val="35000"/>
-              </a:schemeClr>
-            </a:solidFill>
-          </a:ln>
-        </p:spPr>
-        <p:style>
-          <a:lnRef idx="2">
-            <a:schemeClr val="accent1">
-              <a:shade val="50000"/>
-            </a:schemeClr>
-          </a:lnRef>
-          <a:fillRef idx="1">
-            <a:schemeClr val="accent1"/>
-          </a:fillRef>
-          <a:effectRef idx="0">
-            <a:schemeClr val="accent1"/>
-          </a:effectRef>
-          <a:fontRef idx="minor">
-            <a:schemeClr val="lt1"/>
-          </a:fontRef>
-        </p:style>
-        <p:txBody>
-          <a:bodyPr rtlCol="0" anchor="ctr"/>
-          <a:lstStyle/>
-          <a:p>
-            <a:pPr algn="ctr"/>
-            <a:endParaRPr lang="de-DE"/>
-          </a:p>
-        </p:txBody>
-      </p:sp>
-      <p:sp>
-        <p:nvSpPr>
-          <p:cNvPr id="8" name="Rechteck 7"/>
-          <p:cNvSpPr/>
-          <p:nvPr/>
-        </p:nvSpPr>
-        <p:spPr>
-          <a:xfrm>
-            <a:off x="287523" y="2932977"/>
-            <a:ext cx="8424937" cy="1805366"/>
-          </a:xfrm>
-          <a:prstGeom prst="rect">
-            <a:avLst/>
-          </a:prstGeom>
-          <a:solidFill>
-            <a:schemeClr val="bg1">
-              <a:lumMod val="95000"/>
-            </a:schemeClr>
-          </a:solidFill>
-          <a:ln w="12700">
-            <a:solidFill>
-              <a:schemeClr val="bg1">
-                <a:lumMod val="50000"/>
-              </a:schemeClr>
-            </a:solidFill>
-          </a:ln>
-        </p:spPr>
-        <p:style>
-          <a:lnRef idx="2">
-            <a:schemeClr val="accent1">
-              <a:shade val="50000"/>
-            </a:schemeClr>
-          </a:lnRef>
-          <a:fillRef idx="1">
-            <a:schemeClr val="accent1"/>
-          </a:fillRef>
-          <a:effectRef idx="0">
-            <a:schemeClr val="accent1"/>
-          </a:effectRef>
-          <a:fontRef idx="minor">
-            <a:schemeClr val="lt1"/>
-          </a:fontRef>
-        </p:style>
-        <p:txBody>
-          <a:bodyPr rtlCol="0" anchor="ctr"/>
-          <a:lstStyle/>
-          <a:p>
-            <a:pPr algn="ctr"/>
-            <a:endParaRPr lang="de-DE"/>
-          </a:p>
-        </p:txBody>
-      </p:sp>
-      <p:sp>
-        <p:nvSpPr>
-          <p:cNvPr id="9" name="Textfeld 8"/>
-          <p:cNvSpPr txBox="1"/>
-          <p:nvPr/>
-        </p:nvSpPr>
-        <p:spPr>
-          <a:xfrm rot="16200000">
-            <a:off x="-145789" y="1829807"/>
-            <a:ext cx="1277189" cy="338554"/>
-          </a:xfrm>
-          <a:prstGeom prst="rect">
-            <a:avLst/>
-          </a:prstGeom>
-          <a:noFill/>
-          <a:ln>
-            <a:solidFill>
-              <a:schemeClr val="tx1">
-                <a:lumMod val="75000"/>
-                <a:lumOff val="25000"/>
-              </a:schemeClr>
-            </a:solidFill>
-          </a:ln>
-        </p:spPr>
-        <p:txBody>
-          <a:bodyPr wrap="square" rtlCol="0">
-            <a:spAutoFit/>
-          </a:bodyPr>
-          <a:lstStyle/>
-          <a:p>
-            <a:pPr algn="ctr"/>
-            <a:r>
-              <a:rPr lang="de-DE" sz="1600" dirty="0"/>
-              <a:t>Daten</a:t>
-            </a:r>
-          </a:p>
-        </p:txBody>
-      </p:sp>
-      <p:sp>
-        <p:nvSpPr>
-          <p:cNvPr id="10" name="Textfeld 9"/>
-          <p:cNvSpPr txBox="1"/>
-          <p:nvPr/>
-        </p:nvSpPr>
-        <p:spPr>
-          <a:xfrm rot="16200000">
-            <a:off x="-447580" y="3666538"/>
-            <a:ext cx="1812024" cy="338554"/>
-          </a:xfrm>
-          <a:prstGeom prst="rect">
-            <a:avLst/>
-          </a:prstGeom>
-          <a:noFill/>
-          <a:ln>
-            <a:solidFill>
-              <a:schemeClr val="tx1">
-                <a:lumMod val="75000"/>
-                <a:lumOff val="25000"/>
-              </a:schemeClr>
-            </a:solidFill>
-          </a:ln>
-        </p:spPr>
-        <p:txBody>
-          <a:bodyPr wrap="square" rtlCol="0">
-            <a:spAutoFit/>
-          </a:bodyPr>
-          <a:lstStyle/>
-          <a:p>
-            <a:pPr algn="ctr"/>
-            <a:r>
-              <a:rPr lang="de-DE" sz="1600" dirty="0"/>
-              <a:t>Modelle</a:t>
-            </a:r>
-          </a:p>
-        </p:txBody>
-      </p:sp>
-      <p:sp>
-        <p:nvSpPr>
-          <p:cNvPr id="14" name="Rechteck 13"/>
-          <p:cNvSpPr/>
-          <p:nvPr/>
-        </p:nvSpPr>
-        <p:spPr>
-          <a:xfrm>
-            <a:off x="662082" y="1360488"/>
-            <a:ext cx="5350078" cy="1283270"/>
-          </a:xfrm>
-          <a:prstGeom prst="rect">
-            <a:avLst/>
-          </a:prstGeom>
-          <a:solidFill>
-            <a:schemeClr val="bg1">
-              <a:lumMod val="75000"/>
-            </a:schemeClr>
-          </a:solidFill>
-          <a:ln w="12700">
-            <a:solidFill>
-              <a:schemeClr val="tx1">
-                <a:lumMod val="65000"/>
-                <a:lumOff val="35000"/>
-              </a:schemeClr>
-            </a:solidFill>
-          </a:ln>
-        </p:spPr>
-        <p:style>
-          <a:lnRef idx="2">
-            <a:schemeClr val="accent1">
-              <a:shade val="50000"/>
-            </a:schemeClr>
-          </a:lnRef>
-          <a:fillRef idx="1">
-            <a:schemeClr val="accent1"/>
-          </a:fillRef>
-          <a:effectRef idx="0">
-            <a:schemeClr val="accent1"/>
-          </a:effectRef>
-          <a:fontRef idx="minor">
-            <a:schemeClr val="lt1"/>
-          </a:fontRef>
-        </p:style>
-        <p:txBody>
-          <a:bodyPr rtlCol="0" anchor="ctr"/>
-          <a:lstStyle/>
-          <a:p>
-            <a:pPr algn="ctr"/>
-            <a:endParaRPr lang="de-DE" dirty="0"/>
-          </a:p>
-        </p:txBody>
-      </p:sp>
-      <p:sp>
-        <p:nvSpPr>
-          <p:cNvPr id="11" name="Zylinder 10"/>
-          <p:cNvSpPr/>
-          <p:nvPr/>
-        </p:nvSpPr>
-        <p:spPr>
-          <a:xfrm>
-            <a:off x="1223628" y="1635646"/>
-            <a:ext cx="1656184" cy="861595"/>
-          </a:xfrm>
-          <a:prstGeom prst="can">
-            <a:avLst/>
-          </a:prstGeom>
-          <a:solidFill>
-            <a:schemeClr val="accent3">
-              <a:lumMod val="60000"/>
-              <a:lumOff val="40000"/>
-            </a:schemeClr>
-          </a:solidFill>
-          <a:ln w="12700">
-            <a:solidFill>
-              <a:schemeClr val="tx1">
-                <a:lumMod val="95000"/>
-                <a:lumOff val="5000"/>
-              </a:schemeClr>
-            </a:solidFill>
-          </a:ln>
-        </p:spPr>
-        <p:style>
-          <a:lnRef idx="2">
-            <a:schemeClr val="accent1">
-              <a:shade val="50000"/>
-            </a:schemeClr>
-          </a:lnRef>
-          <a:fillRef idx="1">
-            <a:schemeClr val="accent1"/>
-          </a:fillRef>
-          <a:effectRef idx="0">
-            <a:schemeClr val="accent1"/>
-          </a:effectRef>
-          <a:fontRef idx="minor">
-            <a:schemeClr val="lt1"/>
-          </a:fontRef>
-        </p:style>
-        <p:txBody>
-          <a:bodyPr rtlCol="0" anchor="ctr"/>
-          <a:lstStyle/>
-          <a:p>
-            <a:pPr algn="ctr"/>
-            <a:r>
-              <a:rPr lang="de-DE" sz="1400" dirty="0">
-                <a:solidFill>
-                  <a:schemeClr val="tx1"/>
-                </a:solidFill>
-              </a:rPr>
-              <a:t>Lineare Rohdaten</a:t>
-            </a:r>
-          </a:p>
-        </p:txBody>
-      </p:sp>
-      <p:sp>
-        <p:nvSpPr>
-          <p:cNvPr id="12" name="Zylinder 11"/>
-          <p:cNvSpPr/>
-          <p:nvPr/>
-        </p:nvSpPr>
-        <p:spPr>
-          <a:xfrm>
-            <a:off x="3824868" y="1635646"/>
-            <a:ext cx="1656184" cy="861595"/>
-          </a:xfrm>
-          <a:prstGeom prst="can">
-            <a:avLst/>
-          </a:prstGeom>
-          <a:solidFill>
-            <a:schemeClr val="accent3">
-              <a:lumMod val="75000"/>
-            </a:schemeClr>
-          </a:solidFill>
-          <a:ln w="12700">
-            <a:solidFill>
-              <a:schemeClr val="tx1">
-                <a:lumMod val="95000"/>
-                <a:lumOff val="5000"/>
-              </a:schemeClr>
-            </a:solidFill>
-          </a:ln>
-        </p:spPr>
-        <p:style>
-          <a:lnRef idx="2">
-            <a:schemeClr val="accent1">
-              <a:shade val="50000"/>
-            </a:schemeClr>
-          </a:lnRef>
-          <a:fillRef idx="1">
-            <a:schemeClr val="accent1"/>
-          </a:fillRef>
-          <a:effectRef idx="0">
-            <a:schemeClr val="accent1"/>
-          </a:effectRef>
-          <a:fontRef idx="minor">
-            <a:schemeClr val="lt1"/>
-          </a:fontRef>
-        </p:style>
-        <p:txBody>
-          <a:bodyPr rtlCol="0" anchor="ctr"/>
-          <a:lstStyle/>
-          <a:p>
-            <a:pPr algn="ctr"/>
-            <a:r>
-              <a:rPr lang="de-DE" sz="1400" dirty="0">
-                <a:solidFill>
-                  <a:schemeClr val="tx1"/>
-                </a:solidFill>
-              </a:rPr>
-              <a:t>Quadratische Rohdaten</a:t>
-            </a:r>
-          </a:p>
-        </p:txBody>
-      </p:sp>
-      <p:sp>
-        <p:nvSpPr>
-          <p:cNvPr id="13" name="Zylinder 12"/>
-          <p:cNvSpPr/>
-          <p:nvPr/>
-        </p:nvSpPr>
-        <p:spPr>
-          <a:xfrm>
-            <a:off x="6547744" y="1635646"/>
-            <a:ext cx="1656184" cy="861595"/>
-          </a:xfrm>
-          <a:prstGeom prst="can">
-            <a:avLst/>
-          </a:prstGeom>
-          <a:solidFill>
-            <a:schemeClr val="accent3">
-              <a:lumMod val="50000"/>
-            </a:schemeClr>
-          </a:solidFill>
-          <a:ln w="12700">
-            <a:solidFill>
-              <a:schemeClr val="tx1">
-                <a:lumMod val="95000"/>
-                <a:lumOff val="5000"/>
-              </a:schemeClr>
-            </a:solidFill>
-          </a:ln>
-        </p:spPr>
-        <p:style>
-          <a:lnRef idx="2">
-            <a:schemeClr val="accent1">
-              <a:shade val="50000"/>
-            </a:schemeClr>
-          </a:lnRef>
-          <a:fillRef idx="1">
-            <a:schemeClr val="accent1"/>
-          </a:fillRef>
-          <a:effectRef idx="0">
-            <a:schemeClr val="accent1"/>
-          </a:effectRef>
-          <a:fontRef idx="minor">
-            <a:schemeClr val="lt1"/>
-          </a:fontRef>
-        </p:style>
-        <p:txBody>
-          <a:bodyPr rtlCol="0" anchor="ctr"/>
-          <a:lstStyle/>
-          <a:p>
-            <a:pPr algn="ctr"/>
-            <a:r>
-              <a:rPr lang="de-DE" sz="1400" dirty="0" err="1">
-                <a:solidFill>
-                  <a:schemeClr val="tx1"/>
-                </a:solidFill>
-              </a:rPr>
-              <a:t>Exponetielle</a:t>
-            </a:r>
-            <a:r>
-              <a:rPr lang="de-DE" sz="1400" dirty="0">
-                <a:solidFill>
-                  <a:schemeClr val="tx1"/>
-                </a:solidFill>
-              </a:rPr>
-              <a:t> Rohdaten</a:t>
-            </a:r>
-          </a:p>
-        </p:txBody>
-      </p:sp>
-      <p:sp>
-        <p:nvSpPr>
-          <p:cNvPr id="16" name="Textfeld 15"/>
-          <p:cNvSpPr txBox="1"/>
-          <p:nvPr/>
-        </p:nvSpPr>
-        <p:spPr>
-          <a:xfrm>
-            <a:off x="2905705" y="1370753"/>
-            <a:ext cx="729367" cy="307777"/>
-          </a:xfrm>
-          <a:prstGeom prst="rect">
-            <a:avLst/>
-          </a:prstGeom>
-          <a:noFill/>
-        </p:spPr>
-        <p:txBody>
-          <a:bodyPr wrap="none" rtlCol="0">
-            <a:spAutoFit/>
-          </a:bodyPr>
-          <a:lstStyle/>
-          <a:p>
-            <a:r>
-              <a:rPr lang="de-DE" sz="1400" dirty="0"/>
-              <a:t>Erzeugt</a:t>
-            </a:r>
-          </a:p>
-        </p:txBody>
-      </p:sp>
-      <p:sp>
-        <p:nvSpPr>
-          <p:cNvPr id="17" name="Textfeld 16"/>
-          <p:cNvSpPr txBox="1"/>
-          <p:nvPr/>
-        </p:nvSpPr>
-        <p:spPr>
-          <a:xfrm>
-            <a:off x="6948264" y="1353346"/>
-            <a:ext cx="1024896" cy="307777"/>
-          </a:xfrm>
-          <a:prstGeom prst="rect">
-            <a:avLst/>
-          </a:prstGeom>
-          <a:noFill/>
-        </p:spPr>
-        <p:txBody>
-          <a:bodyPr wrap="none" rtlCol="0">
-            <a:spAutoFit/>
-          </a:bodyPr>
-          <a:lstStyle/>
-          <a:p>
-            <a:r>
-              <a:rPr lang="de-DE" sz="1400" dirty="0"/>
-              <a:t>Beobachtet</a:t>
-            </a:r>
-          </a:p>
-        </p:txBody>
-      </p:sp>
-      <p:sp>
-        <p:nvSpPr>
-          <p:cNvPr id="19" name="Flussdiagramm: Alternativer Prozess 18"/>
-          <p:cNvSpPr/>
-          <p:nvPr/>
-        </p:nvSpPr>
-        <p:spPr>
-          <a:xfrm>
-            <a:off x="1115616" y="3077880"/>
-            <a:ext cx="1872208" cy="645998"/>
-          </a:xfrm>
-          <a:prstGeom prst="flowChartAlternateProcess">
-            <a:avLst/>
-          </a:prstGeom>
-          <a:solidFill>
-            <a:schemeClr val="accent1">
-              <a:lumMod val="60000"/>
-              <a:lumOff val="40000"/>
-            </a:schemeClr>
-          </a:solidFill>
-          <a:ln w="12700">
-            <a:solidFill>
-              <a:schemeClr val="tx1"/>
-            </a:solidFill>
-          </a:ln>
-        </p:spPr>
-        <p:style>
-          <a:lnRef idx="2">
-            <a:schemeClr val="accent1">
-              <a:shade val="50000"/>
-            </a:schemeClr>
-          </a:lnRef>
-          <a:fillRef idx="1">
-            <a:schemeClr val="accent1"/>
-          </a:fillRef>
-          <a:effectRef idx="0">
-            <a:schemeClr val="accent1"/>
-          </a:effectRef>
-          <a:fontRef idx="minor">
-            <a:schemeClr val="lt1"/>
-          </a:fontRef>
-        </p:style>
-        <p:txBody>
-          <a:bodyPr rtlCol="0" anchor="ctr"/>
-          <a:lstStyle/>
-          <a:p>
-            <a:pPr algn="ctr"/>
-            <a:r>
-              <a:rPr lang="de-DE" sz="1400" dirty="0">
-                <a:solidFill>
-                  <a:schemeClr val="tx1"/>
-                </a:solidFill>
-              </a:rPr>
-              <a:t>Lineares Wachstumsmodell</a:t>
-            </a:r>
-          </a:p>
-        </p:txBody>
-      </p:sp>
-      <p:sp>
-        <p:nvSpPr>
-          <p:cNvPr id="20" name="Flussdiagramm: Alternativer Prozess 19"/>
-          <p:cNvSpPr/>
-          <p:nvPr/>
-        </p:nvSpPr>
-        <p:spPr>
-          <a:xfrm>
-            <a:off x="6444208" y="3077880"/>
-            <a:ext cx="1872208" cy="645998"/>
-          </a:xfrm>
-          <a:prstGeom prst="flowChartAlternateProcess">
-            <a:avLst/>
-          </a:prstGeom>
-          <a:solidFill>
-            <a:schemeClr val="tx2">
-              <a:lumMod val="50000"/>
-            </a:schemeClr>
-          </a:solidFill>
-          <a:ln w="12700">
-            <a:solidFill>
-              <a:schemeClr val="tx1"/>
-            </a:solidFill>
-          </a:ln>
-        </p:spPr>
-        <p:style>
-          <a:lnRef idx="2">
-            <a:schemeClr val="accent1">
-              <a:shade val="50000"/>
-            </a:schemeClr>
-          </a:lnRef>
-          <a:fillRef idx="1">
-            <a:schemeClr val="accent1"/>
-          </a:fillRef>
-          <a:effectRef idx="0">
-            <a:schemeClr val="accent1"/>
-          </a:effectRef>
-          <a:fontRef idx="minor">
-            <a:schemeClr val="lt1"/>
-          </a:fontRef>
-        </p:style>
-        <p:txBody>
-          <a:bodyPr rtlCol="0" anchor="ctr"/>
-          <a:lstStyle/>
-          <a:p>
-            <a:pPr algn="ctr"/>
-            <a:r>
-              <a:rPr lang="de-DE" sz="1400" dirty="0" err="1"/>
-              <a:t>Curvilineares</a:t>
-            </a:r>
-            <a:r>
-              <a:rPr lang="de-DE" sz="1400" dirty="0"/>
-              <a:t> Wachstumsmodell</a:t>
-            </a:r>
-          </a:p>
-        </p:txBody>
-      </p:sp>
-      <p:sp>
-        <p:nvSpPr>
-          <p:cNvPr id="21" name="Flussdiagramm: Alternativer Prozess 20"/>
-          <p:cNvSpPr/>
-          <p:nvPr/>
-        </p:nvSpPr>
-        <p:spPr>
-          <a:xfrm>
-            <a:off x="3707904" y="3077880"/>
-            <a:ext cx="1872208" cy="645998"/>
-          </a:xfrm>
-          <a:prstGeom prst="flowChartAlternateProcess">
-            <a:avLst/>
-          </a:prstGeom>
-          <a:solidFill>
-            <a:schemeClr val="tx2">
-              <a:lumMod val="75000"/>
-            </a:schemeClr>
-          </a:solidFill>
-          <a:ln w="12700">
-            <a:solidFill>
-              <a:schemeClr val="tx1"/>
-            </a:solidFill>
-          </a:ln>
-        </p:spPr>
-        <p:style>
-          <a:lnRef idx="2">
-            <a:schemeClr val="accent1">
-              <a:shade val="50000"/>
-            </a:schemeClr>
-          </a:lnRef>
-          <a:fillRef idx="1">
-            <a:schemeClr val="accent1"/>
-          </a:fillRef>
-          <a:effectRef idx="0">
-            <a:schemeClr val="accent1"/>
-          </a:effectRef>
-          <a:fontRef idx="minor">
-            <a:schemeClr val="lt1"/>
-          </a:fontRef>
-        </p:style>
-        <p:txBody>
-          <a:bodyPr rtlCol="0" anchor="ctr"/>
-          <a:lstStyle/>
-          <a:p>
-            <a:pPr algn="ctr"/>
-            <a:r>
-              <a:rPr lang="de-DE" sz="1400" dirty="0" err="1"/>
-              <a:t>Polynomielles</a:t>
-            </a:r>
-            <a:r>
-              <a:rPr lang="de-DE" sz="1400" dirty="0"/>
-              <a:t> Wachstumsmodell</a:t>
-            </a:r>
-          </a:p>
-        </p:txBody>
-      </p:sp>
-      <p:sp>
-        <p:nvSpPr>
-          <p:cNvPr id="22" name="Flussdiagramm: Alternativer Prozess 21"/>
-          <p:cNvSpPr/>
-          <p:nvPr/>
-        </p:nvSpPr>
-        <p:spPr>
-          <a:xfrm>
-            <a:off x="2627784" y="4013984"/>
-            <a:ext cx="1872208" cy="645998"/>
-          </a:xfrm>
-          <a:prstGeom prst="flowChartAlternateProcess">
-            <a:avLst/>
-          </a:prstGeom>
-          <a:solidFill>
-            <a:schemeClr val="accent1">
-              <a:lumMod val="75000"/>
-            </a:schemeClr>
-          </a:solidFill>
-          <a:ln w="12700">
-            <a:solidFill>
-              <a:schemeClr val="tx1"/>
-            </a:solidFill>
-          </a:ln>
-        </p:spPr>
-        <p:style>
-          <a:lnRef idx="2">
-            <a:schemeClr val="accent1">
-              <a:shade val="50000"/>
-            </a:schemeClr>
-          </a:lnRef>
-          <a:fillRef idx="1">
-            <a:schemeClr val="accent1"/>
-          </a:fillRef>
-          <a:effectRef idx="0">
-            <a:schemeClr val="accent1"/>
-          </a:effectRef>
-          <a:fontRef idx="minor">
-            <a:schemeClr val="lt1"/>
-          </a:fontRef>
-        </p:style>
-        <p:txBody>
-          <a:bodyPr rtlCol="0" anchor="ctr"/>
-          <a:lstStyle/>
-          <a:p>
-            <a:pPr algn="ctr"/>
-            <a:r>
-              <a:rPr lang="de-DE" sz="1400" dirty="0"/>
-              <a:t>Mit einer latenten Wachstumsvariable</a:t>
-            </a:r>
-          </a:p>
-        </p:txBody>
-      </p:sp>
-      <p:sp>
-        <p:nvSpPr>
-          <p:cNvPr id="23" name="Flussdiagramm: Alternativer Prozess 22"/>
-          <p:cNvSpPr/>
-          <p:nvPr/>
-        </p:nvSpPr>
-        <p:spPr>
-          <a:xfrm>
-            <a:off x="4932040" y="4013984"/>
-            <a:ext cx="1872208" cy="645998"/>
-          </a:xfrm>
-          <a:prstGeom prst="flowChartAlternateProcess">
-            <a:avLst/>
-          </a:prstGeom>
-          <a:solidFill>
-            <a:srgbClr val="274467"/>
-          </a:solidFill>
-          <a:ln w="12700">
-            <a:solidFill>
-              <a:schemeClr val="tx1"/>
-            </a:solidFill>
-          </a:ln>
-        </p:spPr>
-        <p:style>
-          <a:lnRef idx="2">
-            <a:schemeClr val="accent1">
-              <a:shade val="50000"/>
-            </a:schemeClr>
-          </a:lnRef>
-          <a:fillRef idx="1">
-            <a:schemeClr val="accent1"/>
-          </a:fillRef>
-          <a:effectRef idx="0">
-            <a:schemeClr val="accent1"/>
-          </a:effectRef>
-          <a:fontRef idx="minor">
-            <a:schemeClr val="lt1"/>
-          </a:fontRef>
-        </p:style>
-        <p:txBody>
-          <a:bodyPr rtlCol="0" anchor="ctr"/>
-          <a:lstStyle/>
-          <a:p>
-            <a:pPr algn="ctr"/>
-            <a:r>
-              <a:rPr lang="de-DE" sz="1400" dirty="0"/>
-              <a:t>Mit zwei latenten Wachstumsvariablen</a:t>
-            </a:r>
-          </a:p>
-        </p:txBody>
-      </p:sp>
-      <p:cxnSp>
-        <p:nvCxnSpPr>
-          <p:cNvPr id="25" name="Gerader Verbinder 24"/>
-          <p:cNvCxnSpPr>
-            <a:stCxn id="21" idx="2"/>
-            <a:endCxn id="22" idx="0"/>
-          </p:cNvCxnSpPr>
-          <p:nvPr/>
-        </p:nvCxnSpPr>
-        <p:spPr>
-          <a:xfrm flipH="1">
-            <a:off x="3563888" y="3723878"/>
-            <a:ext cx="1080120" cy="290106"/>
-          </a:xfrm>
-          <a:prstGeom prst="line">
-            <a:avLst/>
-          </a:prstGeom>
-          <a:ln w="19050">
-            <a:solidFill>
-              <a:schemeClr val="tx1"/>
-            </a:solidFill>
-          </a:ln>
-        </p:spPr>
-        <p:style>
-          <a:lnRef idx="1">
-            <a:schemeClr val="accent1"/>
-          </a:lnRef>
-          <a:fillRef idx="0">
-            <a:schemeClr val="accent1"/>
-          </a:fillRef>
-          <a:effectRef idx="0">
-            <a:schemeClr val="accent1"/>
-          </a:effectRef>
-          <a:fontRef idx="minor">
-            <a:schemeClr val="tx1"/>
-          </a:fontRef>
-        </p:style>
-      </p:cxnSp>
-      <p:cxnSp>
-        <p:nvCxnSpPr>
-          <p:cNvPr id="26" name="Gerader Verbinder 25"/>
-          <p:cNvCxnSpPr>
-            <a:stCxn id="21" idx="2"/>
-            <a:endCxn id="23" idx="0"/>
-          </p:cNvCxnSpPr>
-          <p:nvPr/>
-        </p:nvCxnSpPr>
-        <p:spPr>
-          <a:xfrm>
-            <a:off x="4644008" y="3723878"/>
-            <a:ext cx="1224136" cy="290106"/>
-          </a:xfrm>
-          <a:prstGeom prst="line">
-            <a:avLst/>
-          </a:prstGeom>
-          <a:ln w="19050">
-            <a:solidFill>
-              <a:schemeClr val="tx1"/>
-            </a:solidFill>
-          </a:ln>
-        </p:spPr>
-        <p:style>
-          <a:lnRef idx="1">
-            <a:schemeClr val="accent1"/>
-          </a:lnRef>
-          <a:fillRef idx="0">
-            <a:schemeClr val="accent1"/>
-          </a:fillRef>
-          <a:effectRef idx="0">
-            <a:schemeClr val="accent1"/>
-          </a:effectRef>
-          <a:fontRef idx="minor">
-            <a:schemeClr val="tx1"/>
-          </a:fontRef>
-        </p:style>
-      </p:cxnSp>
-      <p:cxnSp>
-        <p:nvCxnSpPr>
-          <p:cNvPr id="29" name="Gerader Verbinder 28"/>
-          <p:cNvCxnSpPr>
-            <a:stCxn id="12" idx="3"/>
-            <a:endCxn id="19" idx="0"/>
-          </p:cNvCxnSpPr>
-          <p:nvPr/>
-        </p:nvCxnSpPr>
-        <p:spPr>
-          <a:xfrm flipH="1">
-            <a:off x="2051720" y="2497241"/>
-            <a:ext cx="2601240" cy="580639"/>
-          </a:xfrm>
-          <a:prstGeom prst="line">
-            <a:avLst/>
-          </a:prstGeom>
-          <a:ln w="12700">
-            <a:solidFill>
-              <a:schemeClr val="tx1"/>
-            </a:solidFill>
-          </a:ln>
-        </p:spPr>
-        <p:style>
-          <a:lnRef idx="1">
-            <a:schemeClr val="accent1"/>
-          </a:lnRef>
-          <a:fillRef idx="0">
-            <a:schemeClr val="accent1"/>
-          </a:fillRef>
-          <a:effectRef idx="0">
-            <a:schemeClr val="accent1"/>
-          </a:effectRef>
-          <a:fontRef idx="minor">
-            <a:schemeClr val="tx1"/>
-          </a:fontRef>
-        </p:style>
-      </p:cxnSp>
-      <p:cxnSp>
-        <p:nvCxnSpPr>
-          <p:cNvPr id="32" name="Gerader Verbinder 31"/>
-          <p:cNvCxnSpPr>
-            <a:stCxn id="12" idx="3"/>
-            <a:endCxn id="21" idx="0"/>
-          </p:cNvCxnSpPr>
-          <p:nvPr/>
-        </p:nvCxnSpPr>
-        <p:spPr>
-          <a:xfrm flipH="1">
-            <a:off x="4644008" y="2497241"/>
-            <a:ext cx="8952" cy="580639"/>
-          </a:xfrm>
-          <a:prstGeom prst="line">
-            <a:avLst/>
-          </a:prstGeom>
-          <a:ln w="12700">
-            <a:solidFill>
-              <a:schemeClr val="tx1"/>
-            </a:solidFill>
-          </a:ln>
-        </p:spPr>
-        <p:style>
-          <a:lnRef idx="1">
-            <a:schemeClr val="accent1"/>
-          </a:lnRef>
-          <a:fillRef idx="0">
-            <a:schemeClr val="accent1"/>
-          </a:fillRef>
-          <a:effectRef idx="0">
-            <a:schemeClr val="accent1"/>
-          </a:effectRef>
-          <a:fontRef idx="minor">
-            <a:schemeClr val="tx1"/>
-          </a:fontRef>
-        </p:style>
-      </p:cxnSp>
-      <p:cxnSp>
-        <p:nvCxnSpPr>
-          <p:cNvPr id="35" name="Gerader Verbinder 34"/>
-          <p:cNvCxnSpPr>
-            <a:stCxn id="12" idx="3"/>
-            <a:endCxn id="20" idx="0"/>
-          </p:cNvCxnSpPr>
-          <p:nvPr/>
-        </p:nvCxnSpPr>
-        <p:spPr>
-          <a:xfrm>
-            <a:off x="4652960" y="2497241"/>
-            <a:ext cx="2727352" cy="580639"/>
-          </a:xfrm>
-          <a:prstGeom prst="line">
-            <a:avLst/>
-          </a:prstGeom>
-          <a:ln w="12700">
-            <a:solidFill>
-              <a:schemeClr val="tx1"/>
-            </a:solidFill>
-          </a:ln>
-        </p:spPr>
-        <p:style>
-          <a:lnRef idx="1">
-            <a:schemeClr val="accent1"/>
-          </a:lnRef>
-          <a:fillRef idx="0">
-            <a:schemeClr val="accent1"/>
-          </a:fillRef>
-          <a:effectRef idx="0">
-            <a:schemeClr val="accent1"/>
-          </a:effectRef>
-          <a:fontRef idx="minor">
-            <a:schemeClr val="tx1"/>
-          </a:fontRef>
-        </p:style>
-      </p:cxnSp>
-      <p:cxnSp>
-        <p:nvCxnSpPr>
-          <p:cNvPr id="38" name="Gerader Verbinder 37"/>
-          <p:cNvCxnSpPr>
-            <a:stCxn id="11" idx="3"/>
-            <a:endCxn id="19" idx="0"/>
-          </p:cNvCxnSpPr>
-          <p:nvPr/>
-        </p:nvCxnSpPr>
-        <p:spPr>
-          <a:xfrm>
-            <a:off x="2051720" y="2497241"/>
-            <a:ext cx="0" cy="580639"/>
-          </a:xfrm>
-          <a:prstGeom prst="line">
-            <a:avLst/>
-          </a:prstGeom>
-          <a:ln w="12700">
-            <a:solidFill>
-              <a:schemeClr val="tx1"/>
-            </a:solidFill>
-          </a:ln>
-        </p:spPr>
-        <p:style>
-          <a:lnRef idx="1">
-            <a:schemeClr val="accent1"/>
-          </a:lnRef>
-          <a:fillRef idx="0">
-            <a:schemeClr val="accent1"/>
-          </a:fillRef>
-          <a:effectRef idx="0">
-            <a:schemeClr val="accent1"/>
-          </a:effectRef>
-          <a:fontRef idx="minor">
-            <a:schemeClr val="tx1"/>
-          </a:fontRef>
-        </p:style>
-      </p:cxnSp>
-      <p:cxnSp>
-        <p:nvCxnSpPr>
-          <p:cNvPr id="41" name="Gerader Verbinder 40"/>
-          <p:cNvCxnSpPr>
-            <a:stCxn id="11" idx="3"/>
-            <a:endCxn id="21" idx="0"/>
-          </p:cNvCxnSpPr>
-          <p:nvPr/>
-        </p:nvCxnSpPr>
-        <p:spPr>
-          <a:xfrm>
-            <a:off x="2051720" y="2497241"/>
-            <a:ext cx="2592288" cy="580639"/>
-          </a:xfrm>
-          <a:prstGeom prst="line">
-            <a:avLst/>
-          </a:prstGeom>
-          <a:ln w="12700">
-            <a:solidFill>
-              <a:schemeClr val="tx1"/>
-            </a:solidFill>
-          </a:ln>
-        </p:spPr>
-        <p:style>
-          <a:lnRef idx="1">
-            <a:schemeClr val="accent1"/>
-          </a:lnRef>
-          <a:fillRef idx="0">
-            <a:schemeClr val="accent1"/>
-          </a:fillRef>
-          <a:effectRef idx="0">
-            <a:schemeClr val="accent1"/>
-          </a:effectRef>
-          <a:fontRef idx="minor">
-            <a:schemeClr val="tx1"/>
-          </a:fontRef>
-        </p:style>
-      </p:cxnSp>
-      <p:cxnSp>
-        <p:nvCxnSpPr>
-          <p:cNvPr id="44" name="Gerader Verbinder 43"/>
-          <p:cNvCxnSpPr>
-            <a:stCxn id="11" idx="3"/>
-            <a:endCxn id="20" idx="0"/>
-          </p:cNvCxnSpPr>
-          <p:nvPr/>
-        </p:nvCxnSpPr>
-        <p:spPr>
-          <a:xfrm>
-            <a:off x="2051720" y="2497241"/>
-            <a:ext cx="5328592" cy="580639"/>
-          </a:xfrm>
-          <a:prstGeom prst="line">
-            <a:avLst/>
-          </a:prstGeom>
-          <a:ln w="12700">
-            <a:solidFill>
-              <a:schemeClr val="tx1"/>
-            </a:solidFill>
-          </a:ln>
-        </p:spPr>
-        <p:style>
-          <a:lnRef idx="1">
-            <a:schemeClr val="accent1"/>
-          </a:lnRef>
-          <a:fillRef idx="0">
-            <a:schemeClr val="accent1"/>
-          </a:fillRef>
-          <a:effectRef idx="0">
-            <a:schemeClr val="accent1"/>
-          </a:effectRef>
-          <a:fontRef idx="minor">
-            <a:schemeClr val="tx1"/>
-          </a:fontRef>
-        </p:style>
-      </p:cxnSp>
-      <p:cxnSp>
-        <p:nvCxnSpPr>
-          <p:cNvPr id="47" name="Gerader Verbinder 46"/>
-          <p:cNvCxnSpPr>
-            <a:stCxn id="13" idx="3"/>
-            <a:endCxn id="19" idx="0"/>
-          </p:cNvCxnSpPr>
-          <p:nvPr/>
-        </p:nvCxnSpPr>
-        <p:spPr>
-          <a:xfrm flipH="1">
-            <a:off x="2051720" y="2497241"/>
-            <a:ext cx="5324116" cy="580639"/>
-          </a:xfrm>
-          <a:prstGeom prst="line">
-            <a:avLst/>
-          </a:prstGeom>
-          <a:ln w="12700">
-            <a:solidFill>
-              <a:schemeClr val="tx1"/>
-            </a:solidFill>
-          </a:ln>
-        </p:spPr>
-        <p:style>
-          <a:lnRef idx="1">
-            <a:schemeClr val="accent1"/>
-          </a:lnRef>
-          <a:fillRef idx="0">
-            <a:schemeClr val="accent1"/>
-          </a:fillRef>
-          <a:effectRef idx="0">
-            <a:schemeClr val="accent1"/>
-          </a:effectRef>
-          <a:fontRef idx="minor">
-            <a:schemeClr val="tx1"/>
-          </a:fontRef>
-        </p:style>
-      </p:cxnSp>
-      <p:cxnSp>
-        <p:nvCxnSpPr>
-          <p:cNvPr id="50" name="Gerader Verbinder 49"/>
-          <p:cNvCxnSpPr>
-            <a:stCxn id="13" idx="3"/>
-            <a:endCxn id="21" idx="0"/>
-          </p:cNvCxnSpPr>
-          <p:nvPr/>
-        </p:nvCxnSpPr>
-        <p:spPr>
-          <a:xfrm flipH="1">
-            <a:off x="4644008" y="2497241"/>
-            <a:ext cx="2731828" cy="580639"/>
-          </a:xfrm>
-          <a:prstGeom prst="line">
-            <a:avLst/>
-          </a:prstGeom>
-          <a:ln w="12700">
-            <a:solidFill>
-              <a:schemeClr val="tx1"/>
-            </a:solidFill>
-          </a:ln>
-        </p:spPr>
-        <p:style>
-          <a:lnRef idx="1">
-            <a:schemeClr val="accent1"/>
-          </a:lnRef>
-          <a:fillRef idx="0">
-            <a:schemeClr val="accent1"/>
-          </a:fillRef>
-          <a:effectRef idx="0">
-            <a:schemeClr val="accent1"/>
-          </a:effectRef>
-          <a:fontRef idx="minor">
-            <a:schemeClr val="tx1"/>
-          </a:fontRef>
-        </p:style>
-      </p:cxnSp>
-      <p:cxnSp>
-        <p:nvCxnSpPr>
-          <p:cNvPr id="53" name="Gerader Verbinder 52"/>
-          <p:cNvCxnSpPr>
-            <a:stCxn id="13" idx="3"/>
-            <a:endCxn id="20" idx="0"/>
-          </p:cNvCxnSpPr>
-          <p:nvPr/>
-        </p:nvCxnSpPr>
-        <p:spPr>
-          <a:xfrm>
-            <a:off x="7375836" y="2497241"/>
-            <a:ext cx="4476" cy="580639"/>
-          </a:xfrm>
-          <a:prstGeom prst="line">
-            <a:avLst/>
-          </a:prstGeom>
-          <a:ln w="12700">
-            <a:solidFill>
-              <a:schemeClr val="tx1"/>
-            </a:solidFill>
-          </a:ln>
-        </p:spPr>
-        <p:style>
-          <a:lnRef idx="1">
-            <a:schemeClr val="accent1"/>
-          </a:lnRef>
-          <a:fillRef idx="0">
-            <a:schemeClr val="accent1"/>
-          </a:fillRef>
-          <a:effectRef idx="0">
-            <a:schemeClr val="accent1"/>
-          </a:effectRef>
-          <a:fontRef idx="minor">
-            <a:schemeClr val="tx1"/>
-          </a:fontRef>
-        </p:style>
-      </p:cxnSp>
-      <p:cxnSp>
-        <p:nvCxnSpPr>
-          <p:cNvPr id="87" name="Gerade Verbindung mit Pfeil 86"/>
-          <p:cNvCxnSpPr/>
-          <p:nvPr/>
-        </p:nvCxnSpPr>
-        <p:spPr>
-          <a:xfrm>
-            <a:off x="395536" y="1203598"/>
-            <a:ext cx="8208912" cy="0"/>
-          </a:xfrm>
-          <a:prstGeom prst="straightConnector1">
-            <a:avLst/>
-          </a:prstGeom>
-          <a:ln w="57150">
-            <a:solidFill>
-              <a:schemeClr val="tx1">
-                <a:lumMod val="50000"/>
-                <a:lumOff val="50000"/>
-              </a:schemeClr>
-            </a:solidFill>
-            <a:headEnd type="none" w="med" len="med"/>
-            <a:tailEnd type="arrow" w="med" len="med"/>
-          </a:ln>
-        </p:spPr>
-        <p:style>
-          <a:lnRef idx="1">
-            <a:schemeClr val="accent1"/>
-          </a:lnRef>
-          <a:fillRef idx="0">
-            <a:schemeClr val="accent1"/>
-          </a:fillRef>
-          <a:effectRef idx="0">
-            <a:schemeClr val="accent1"/>
-          </a:effectRef>
-          <a:fontRef idx="minor">
-            <a:schemeClr val="tx1"/>
-          </a:fontRef>
-        </p:style>
-      </p:cxnSp>
-      <p:sp>
-        <p:nvSpPr>
-          <p:cNvPr id="97" name="Textfeld 96"/>
-          <p:cNvSpPr txBox="1"/>
-          <p:nvPr/>
-        </p:nvSpPr>
-        <p:spPr>
-          <a:xfrm>
-            <a:off x="4067944" y="919672"/>
-            <a:ext cx="1059714" cy="307777"/>
-          </a:xfrm>
-          <a:prstGeom prst="rect">
-            <a:avLst/>
-          </a:prstGeom>
-          <a:noFill/>
-        </p:spPr>
-        <p:txBody>
-          <a:bodyPr wrap="none" rtlCol="0">
-            <a:spAutoFit/>
-          </a:bodyPr>
-          <a:lstStyle/>
-          <a:p>
-            <a:r>
-              <a:rPr lang="de-DE" sz="1400" dirty="0"/>
-              <a:t>Komplexität</a:t>
+          <p:cNvPr id="10" name="Inhaltsplatzhalter 9"/>
+          <p:cNvSpPr>
+            <a:spLocks noGrp="1"/>
+          </p:cNvSpPr>
+          <p:nvPr>
+            <p:ph sz="quarter" idx="13"/>
+          </p:nvPr>
+        </p:nvSpPr>
+        <p:spPr/>
+        <p:txBody>
+          <a:bodyPr/>
+          <a:lstStyle/>
+          <a:p>
+            <a:r>
+              <a:rPr lang="de-DE" dirty="0"/>
+              <a:t>SEM zur Analyse von Wachstumskurven bei latenten Variablen sinnvoll</a:t>
             </a:r>
           </a:p>
         </p:txBody>
@@ -13296,7 +15006,7 @@
     </p:spTree>
     <p:extLst>
       <p:ext uri="{BB962C8B-B14F-4D97-AF65-F5344CB8AC3E}">
-        <p14:creationId xmlns:p14="http://schemas.microsoft.com/office/powerpoint/2010/main" val="860807757"/>
+        <p14:creationId xmlns:p14="http://schemas.microsoft.com/office/powerpoint/2010/main" val="1556926257"/>
       </p:ext>
     </p:extLst>
   </p:cSld>
@@ -13335,97 +15045,102 @@
         </p:nvSpPr>
         <p:spPr/>
         <p:txBody>
-          <a:bodyPr/>
-          <a:lstStyle/>
-          <a:p>
-            <a:r>
-              <a:rPr lang="de-DE" dirty="0"/>
-              <a:t>Datensätze</a:t>
-            </a:r>
-          </a:p>
-        </p:txBody>
-      </p:sp>
-      <p:sp>
-        <p:nvSpPr>
-          <p:cNvPr id="10" name="Textplatzhalter 9"/>
-          <p:cNvSpPr>
-            <a:spLocks noGrp="1"/>
-          </p:cNvSpPr>
-          <p:nvPr>
-            <p:ph type="body" idx="1"/>
+          <a:bodyPr>
+            <a:normAutofit/>
+          </a:bodyPr>
+          <a:lstStyle/>
+          <a:p>
+            <a:r>
+              <a:rPr lang="de-DE" dirty="0"/>
+              <a:t>Grundlagen – Wachstumsmodelle</a:t>
+            </a:r>
+          </a:p>
+        </p:txBody>
+      </p:sp>
+      <p:sp>
+        <p:nvSpPr>
+          <p:cNvPr id="3" name="Inhaltsplatzhalter 2"/>
+          <p:cNvSpPr>
+            <a:spLocks noGrp="1"/>
+          </p:cNvSpPr>
+          <p:nvPr>
+            <p:ph idx="1"/>
           </p:nvPr>
         </p:nvSpPr>
         <p:spPr/>
         <p:txBody>
-          <a:bodyPr/>
-          <a:lstStyle/>
-          <a:p>
-            <a:pPr algn="ctr"/>
-            <a:r>
-              <a:rPr lang="de-DE" dirty="0"/>
-              <a:t>Lineare Daten</a:t>
-            </a:r>
-          </a:p>
-        </p:txBody>
-      </p:sp>
-      <p:sp>
-        <p:nvSpPr>
-          <p:cNvPr id="11" name="Inhaltsplatzhalter 10"/>
-          <p:cNvSpPr>
-            <a:spLocks noGrp="1"/>
-          </p:cNvSpPr>
-          <p:nvPr>
-            <p:ph sz="half" idx="2"/>
-          </p:nvPr>
-        </p:nvSpPr>
-        <p:spPr/>
-        <p:txBody>
-          <a:bodyPr/>
-          <a:lstStyle/>
-          <a:p>
-            <a:endParaRPr lang="de-DE"/>
-          </a:p>
-        </p:txBody>
-      </p:sp>
-      <p:sp>
-        <p:nvSpPr>
-          <p:cNvPr id="12" name="Textplatzhalter 11"/>
-          <p:cNvSpPr>
-            <a:spLocks noGrp="1"/>
-          </p:cNvSpPr>
-          <p:nvPr>
-            <p:ph type="body" sz="quarter" idx="3"/>
-          </p:nvPr>
-        </p:nvSpPr>
-        <p:spPr/>
-        <p:txBody>
-          <a:bodyPr/>
-          <a:lstStyle/>
-          <a:p>
-            <a:pPr algn="ctr"/>
-            <a:r>
-              <a:rPr lang="de-DE" dirty="0"/>
-              <a:t>Quadratische Daten</a:t>
-            </a:r>
-          </a:p>
-        </p:txBody>
-      </p:sp>
-      <p:sp>
-        <p:nvSpPr>
-          <p:cNvPr id="13" name="Inhaltsplatzhalter 12"/>
-          <p:cNvSpPr>
-            <a:spLocks noGrp="1"/>
-          </p:cNvSpPr>
-          <p:nvPr>
-            <p:ph sz="quarter" idx="4"/>
-          </p:nvPr>
-        </p:nvSpPr>
-        <p:spPr/>
-        <p:txBody>
-          <a:bodyPr/>
-          <a:lstStyle/>
-          <a:p>
-            <a:endParaRPr lang="de-DE"/>
+          <a:bodyPr>
+            <a:normAutofit/>
+          </a:bodyPr>
+          <a:lstStyle/>
+          <a:p>
+            <a:r>
+              <a:rPr lang="de-DE" dirty="0"/>
+              <a:t>Messmodell in SEM</a:t>
+            </a:r>
+          </a:p>
+          <a:p>
+            <a:pPr lvl="1"/>
+            <a:r>
+              <a:rPr lang="de-DE" dirty="0"/>
+              <a:t>Daten werden in einem Zeitreihenkontext gemessen</a:t>
+            </a:r>
+          </a:p>
+          <a:p>
+            <a:pPr lvl="1"/>
+            <a:r>
+              <a:rPr lang="de-DE" dirty="0"/>
+              <a:t>Messungen an mindestens 3 verschiedenen Zeitpunkten (Kline, 2015)</a:t>
+            </a:r>
+          </a:p>
+          <a:p>
+            <a:pPr lvl="1"/>
+            <a:r>
+              <a:rPr lang="de-DE" dirty="0"/>
+              <a:t>ggf. Strukturgleichungen für endogene Variablen zu verschiedenen Zeitpunkten</a:t>
+            </a:r>
+          </a:p>
+          <a:p>
+            <a:pPr lvl="1"/>
+            <a:r>
+              <a:rPr lang="de-DE" dirty="0"/>
+              <a:t>Experiment ist fix, d.h. es muss zu jedem Zeitpunkt identisch sein</a:t>
+            </a:r>
+          </a:p>
+          <a:p>
+            <a:pPr lvl="1"/>
+            <a:r>
+              <a:rPr lang="de-DE" dirty="0"/>
+              <a:t>Zeitintervalle zwischen einzelnen Messungen müssen nicht identisch sein, aber bei jedem Testobjekt gleich (z.B. Alter 3, 6, 12, 24 bei jedem Kandidat)</a:t>
+            </a:r>
+          </a:p>
+          <a:p>
+            <a:r>
+              <a:rPr lang="de-DE" dirty="0"/>
+              <a:t>Wachstumsparameter: </a:t>
+            </a:r>
+            <a:r>
+              <a:rPr lang="de-DE" dirty="0" err="1"/>
+              <a:t>Intercept</a:t>
+            </a:r>
+            <a:r>
+              <a:rPr lang="de-DE" dirty="0"/>
+              <a:t> (aka Initial Status, Initial Level) und </a:t>
+            </a:r>
+            <a:r>
+              <a:rPr lang="de-DE" dirty="0" err="1"/>
+              <a:t>Slope</a:t>
+            </a:r>
+            <a:r>
+              <a:rPr lang="de-DE" dirty="0"/>
+              <a:t> (aka Growth rate, Shape)</a:t>
+            </a:r>
+          </a:p>
+          <a:p>
+            <a:r>
+              <a:rPr lang="de-DE" dirty="0"/>
+              <a:t>Kritik: Quadratische, kubische oder höher komplexe Abhängigkeiten nicht sinnvoll mit zwei Parametern abbildbar</a:t>
+            </a:r>
           </a:p>
         </p:txBody>
       </p:sp>
@@ -13500,79 +15215,10 @@
           </a:p>
         </p:txBody>
       </p:sp>
-      <p:sp>
-        <p:nvSpPr>
-          <p:cNvPr id="14" name="Inhaltsplatzhalter 13"/>
-          <p:cNvSpPr>
-            <a:spLocks noGrp="1"/>
-          </p:cNvSpPr>
-          <p:nvPr>
-            <p:ph sz="quarter" idx="13"/>
-          </p:nvPr>
-        </p:nvSpPr>
-        <p:spPr/>
-        <p:txBody>
-          <a:bodyPr/>
-          <a:lstStyle/>
-          <a:p>
-            <a:r>
-              <a:rPr lang="de-DE" dirty="0"/>
-              <a:t>Air </a:t>
-            </a:r>
-            <a:r>
-              <a:rPr lang="de-DE" dirty="0" err="1"/>
-              <a:t>traffic</a:t>
-            </a:r>
-            <a:r>
-              <a:rPr lang="de-DE" dirty="0"/>
-              <a:t> </a:t>
-            </a:r>
-            <a:r>
-              <a:rPr lang="de-DE" dirty="0" err="1"/>
-              <a:t>controller</a:t>
-            </a:r>
-            <a:r>
-              <a:rPr lang="de-DE" dirty="0"/>
-              <a:t> </a:t>
-            </a:r>
-            <a:r>
-              <a:rPr lang="de-DE" dirty="0" err="1"/>
-              <a:t>task</a:t>
-            </a:r>
-            <a:r>
-              <a:rPr lang="de-DE" dirty="0"/>
-              <a:t> (siehe Literatur)</a:t>
-            </a:r>
-          </a:p>
-        </p:txBody>
-      </p:sp>
-      <p:sp>
-        <p:nvSpPr>
-          <p:cNvPr id="15" name="Textplatzhalter 14"/>
-          <p:cNvSpPr>
-            <a:spLocks noGrp="1"/>
-          </p:cNvSpPr>
-          <p:nvPr>
-            <p:ph type="body" sz="quarter" idx="14"/>
-          </p:nvPr>
-        </p:nvSpPr>
-        <p:spPr/>
-        <p:txBody>
-          <a:bodyPr/>
-          <a:lstStyle/>
-          <a:p>
-            <a:pPr algn="ctr"/>
-            <a:r>
-              <a:rPr lang="de-DE" dirty="0"/>
-              <a:t>Exponentielle Daten</a:t>
-            </a:r>
-          </a:p>
-        </p:txBody>
-      </p:sp>
     </p:spTree>
     <p:extLst>
       <p:ext uri="{BB962C8B-B14F-4D97-AF65-F5344CB8AC3E}">
-        <p14:creationId xmlns:p14="http://schemas.microsoft.com/office/powerpoint/2010/main" val="3166208394"/>
+        <p14:creationId xmlns:p14="http://schemas.microsoft.com/office/powerpoint/2010/main" val="1843320524"/>
       </p:ext>
     </p:extLst>
   </p:cSld>
@@ -13616,14 +15262,14 @@
           <a:p>
             <a:r>
               <a:rPr lang="de-DE" dirty="0"/>
-              <a:t>Lineares Wachstumsmodell</a:t>
-            </a:r>
-          </a:p>
-        </p:txBody>
-      </p:sp>
-      <p:sp>
-        <p:nvSpPr>
-          <p:cNvPr id="7" name="Datumsplatzhalter 6"/>
+              <a:t>Versuchsaufbau</a:t>
+            </a:r>
+          </a:p>
+        </p:txBody>
+      </p:sp>
+      <p:sp>
+        <p:nvSpPr>
+          <p:cNvPr id="4" name="Datumsplatzhalter 3"/>
           <p:cNvSpPr>
             <a:spLocks noGrp="1"/>
           </p:cNvSpPr>
@@ -13636,7 +15282,7 @@
           <a:bodyPr/>
           <a:lstStyle/>
           <a:p>
-            <a:fld id="{DA5DE712-6C0E-4DF7-B336-AC97213DC93D}" type="datetime1">
+            <a:fld id="{6DB845E5-DACF-426C-8A10-A6438D29DD66}" type="datetime1">
               <a:rPr lang="de-DE" smtClean="0"/>
               <a:pPr/>
               <a:t>19.02.2018</a:t>
@@ -13647,7 +15293,7 @@
       </p:sp>
       <p:sp>
         <p:nvSpPr>
-          <p:cNvPr id="8" name="Fußzeilenplatzhalter 7"/>
+          <p:cNvPr id="5" name="Fußzeilenplatzhalter 4"/>
           <p:cNvSpPr>
             <a:spLocks noGrp="1"/>
           </p:cNvSpPr>
@@ -13670,7 +15316,7 @@
       </p:sp>
       <p:sp>
         <p:nvSpPr>
-          <p:cNvPr id="9" name="Foliennummernplatzhalter 8"/>
+          <p:cNvPr id="6" name="Foliennummernplatzhalter 5"/>
           <p:cNvSpPr>
             <a:spLocks noGrp="1"/>
           </p:cNvSpPr>
@@ -13692,57 +15338,134 @@
           </a:p>
         </p:txBody>
       </p:sp>
-      <p:pic>
-        <p:nvPicPr>
-          <p:cNvPr id="29" name="Grafik 28">
-            <a:extLst>
-              <a:ext uri="{FF2B5EF4-FFF2-40B4-BE49-F238E27FC236}">
-                <a16:creationId xmlns:a16="http://schemas.microsoft.com/office/drawing/2014/main" id="{C09074C9-3146-40A7-93CD-C96B5D177AF5}"/>
-              </a:ext>
-            </a:extLst>
-          </p:cNvPr>
-          <p:cNvPicPr>
-            <a:picLocks noChangeAspect="1"/>
-          </p:cNvPicPr>
+      <p:sp>
+        <p:nvSpPr>
+          <p:cNvPr id="7" name="Rechteck 6"/>
+          <p:cNvSpPr/>
           <p:nvPr/>
-        </p:nvPicPr>
-        <p:blipFill>
-          <a:blip r:embed="rId2"/>
-          <a:stretch>
-            <a:fillRect/>
-          </a:stretch>
-        </p:blipFill>
-        <p:spPr>
-          <a:xfrm>
-            <a:off x="620478" y="1023587"/>
-            <a:ext cx="7903043" cy="3845277"/>
+        </p:nvSpPr>
+        <p:spPr>
+          <a:xfrm>
+            <a:off x="323527" y="1360489"/>
+            <a:ext cx="8424937" cy="1277186"/>
           </a:xfrm>
           <a:prstGeom prst="rect">
             <a:avLst/>
           </a:prstGeom>
-        </p:spPr>
-      </p:pic>
-      <p:sp>
-        <p:nvSpPr>
-          <p:cNvPr id="30" name="Textfeld 29">
-            <a:extLst>
-              <a:ext uri="{FF2B5EF4-FFF2-40B4-BE49-F238E27FC236}">
-                <a16:creationId xmlns:a16="http://schemas.microsoft.com/office/drawing/2014/main" id="{3820186A-CF30-4726-AF6E-350820D4F382}"/>
-              </a:ext>
-            </a:extLst>
-          </p:cNvPr>
+          <a:solidFill>
+            <a:schemeClr val="bg1">
+              <a:lumMod val="95000"/>
+            </a:schemeClr>
+          </a:solidFill>
+          <a:ln w="12700">
+            <a:solidFill>
+              <a:schemeClr val="tx1">
+                <a:lumMod val="65000"/>
+                <a:lumOff val="35000"/>
+              </a:schemeClr>
+            </a:solidFill>
+          </a:ln>
+        </p:spPr>
+        <p:style>
+          <a:lnRef idx="2">
+            <a:schemeClr val="accent1">
+              <a:shade val="50000"/>
+            </a:schemeClr>
+          </a:lnRef>
+          <a:fillRef idx="1">
+            <a:schemeClr val="accent1"/>
+          </a:fillRef>
+          <a:effectRef idx="0">
+            <a:schemeClr val="accent1"/>
+          </a:effectRef>
+          <a:fontRef idx="minor">
+            <a:schemeClr val="lt1"/>
+          </a:fontRef>
+        </p:style>
+        <p:txBody>
+          <a:bodyPr rtlCol="0" anchor="ctr"/>
+          <a:lstStyle/>
+          <a:p>
+            <a:pPr algn="ctr"/>
+            <a:endParaRPr lang="de-DE"/>
+          </a:p>
+        </p:txBody>
+      </p:sp>
+      <p:sp>
+        <p:nvSpPr>
+          <p:cNvPr id="8" name="Rechteck 7"/>
+          <p:cNvSpPr/>
+          <p:nvPr/>
+        </p:nvSpPr>
+        <p:spPr>
+          <a:xfrm>
+            <a:off x="287523" y="2932977"/>
+            <a:ext cx="8424937" cy="1805366"/>
+          </a:xfrm>
+          <a:prstGeom prst="rect">
+            <a:avLst/>
+          </a:prstGeom>
+          <a:solidFill>
+            <a:schemeClr val="bg1">
+              <a:lumMod val="95000"/>
+            </a:schemeClr>
+          </a:solidFill>
+          <a:ln w="12700">
+            <a:solidFill>
+              <a:schemeClr val="bg1">
+                <a:lumMod val="50000"/>
+              </a:schemeClr>
+            </a:solidFill>
+          </a:ln>
+        </p:spPr>
+        <p:style>
+          <a:lnRef idx="2">
+            <a:schemeClr val="accent1">
+              <a:shade val="50000"/>
+            </a:schemeClr>
+          </a:lnRef>
+          <a:fillRef idx="1">
+            <a:schemeClr val="accent1"/>
+          </a:fillRef>
+          <a:effectRef idx="0">
+            <a:schemeClr val="accent1"/>
+          </a:effectRef>
+          <a:fontRef idx="minor">
+            <a:schemeClr val="lt1"/>
+          </a:fontRef>
+        </p:style>
+        <p:txBody>
+          <a:bodyPr rtlCol="0" anchor="ctr"/>
+          <a:lstStyle/>
+          <a:p>
+            <a:pPr algn="ctr"/>
+            <a:endParaRPr lang="de-DE"/>
+          </a:p>
+        </p:txBody>
+      </p:sp>
+      <p:sp>
+        <p:nvSpPr>
+          <p:cNvPr id="9" name="Textfeld 8"/>
           <p:cNvSpPr txBox="1"/>
           <p:nvPr/>
         </p:nvSpPr>
         <p:spPr>
-          <a:xfrm>
-            <a:off x="3442618" y="1781435"/>
-            <a:ext cx="121270" cy="307777"/>
+          <a:xfrm rot="16200000">
+            <a:off x="-145789" y="1829807"/>
+            <a:ext cx="1277189" cy="338554"/>
           </a:xfrm>
           <a:prstGeom prst="rect">
             <a:avLst/>
           </a:prstGeom>
           <a:noFill/>
+          <a:ln>
+            <a:solidFill>
+              <a:schemeClr val="tx1">
+                <a:lumMod val="75000"/>
+                <a:lumOff val="25000"/>
+              </a:schemeClr>
+            </a:solidFill>
+          </a:ln>
         </p:spPr>
         <p:txBody>
           <a:bodyPr wrap="square" rtlCol="0">
@@ -13752,34 +15475,35 @@
           <a:p>
             <a:pPr algn="ctr"/>
             <a:r>
-              <a:rPr lang="de-DE" sz="1400" dirty="0"/>
-              <a:t>1</a:t>
-            </a:r>
-            <a:endParaRPr lang="en-NZ" sz="1400" dirty="0"/>
-          </a:p>
-        </p:txBody>
-      </p:sp>
-      <p:sp>
-        <p:nvSpPr>
-          <p:cNvPr id="31" name="Textfeld 30">
-            <a:extLst>
-              <a:ext uri="{FF2B5EF4-FFF2-40B4-BE49-F238E27FC236}">
-                <a16:creationId xmlns:a16="http://schemas.microsoft.com/office/drawing/2014/main" id="{B70E975F-8D2B-40AE-8599-3745A8F85F93}"/>
-              </a:ext>
-            </a:extLst>
-          </p:cNvPr>
+              <a:rPr lang="de-DE" sz="1600" dirty="0"/>
+              <a:t>Daten</a:t>
+            </a:r>
+          </a:p>
+        </p:txBody>
+      </p:sp>
+      <p:sp>
+        <p:nvSpPr>
+          <p:cNvPr id="10" name="Textfeld 9"/>
           <p:cNvSpPr txBox="1"/>
           <p:nvPr/>
         </p:nvSpPr>
         <p:spPr>
-          <a:xfrm>
-            <a:off x="3716288" y="1833610"/>
-            <a:ext cx="121270" cy="307777"/>
+          <a:xfrm rot="16200000">
+            <a:off x="-447580" y="3666538"/>
+            <a:ext cx="1812024" cy="338554"/>
           </a:xfrm>
           <a:prstGeom prst="rect">
             <a:avLst/>
           </a:prstGeom>
           <a:noFill/>
+          <a:ln>
+            <a:solidFill>
+              <a:schemeClr val="tx1">
+                <a:lumMod val="75000"/>
+                <a:lumOff val="25000"/>
+              </a:schemeClr>
+            </a:solidFill>
+          </a:ln>
         </p:spPr>
         <p:txBody>
           <a:bodyPr wrap="square" rtlCol="0">
@@ -13789,29 +15513,256 @@
           <a:p>
             <a:pPr algn="ctr"/>
             <a:r>
-              <a:rPr lang="de-DE" sz="1400" dirty="0"/>
-              <a:t>1</a:t>
-            </a:r>
-            <a:endParaRPr lang="en-NZ" sz="1400" dirty="0"/>
-          </a:p>
-        </p:txBody>
-      </p:sp>
-      <p:sp>
-        <p:nvSpPr>
-          <p:cNvPr id="32" name="Textfeld 31">
-            <a:extLst>
-              <a:ext uri="{FF2B5EF4-FFF2-40B4-BE49-F238E27FC236}">
-                <a16:creationId xmlns:a16="http://schemas.microsoft.com/office/drawing/2014/main" id="{8B9F0F9A-D29B-4867-A879-9756B64CFBA4}"/>
-              </a:ext>
-            </a:extLst>
-          </p:cNvPr>
+              <a:rPr lang="de-DE" sz="1600" dirty="0"/>
+              <a:t>Modelle</a:t>
+            </a:r>
+          </a:p>
+        </p:txBody>
+      </p:sp>
+      <p:sp>
+        <p:nvSpPr>
+          <p:cNvPr id="14" name="Rechteck 13"/>
+          <p:cNvSpPr/>
+          <p:nvPr/>
+        </p:nvSpPr>
+        <p:spPr>
+          <a:xfrm>
+            <a:off x="662082" y="1360488"/>
+            <a:ext cx="5350078" cy="1283270"/>
+          </a:xfrm>
+          <a:prstGeom prst="rect">
+            <a:avLst/>
+          </a:prstGeom>
+          <a:solidFill>
+            <a:schemeClr val="bg1">
+              <a:lumMod val="75000"/>
+            </a:schemeClr>
+          </a:solidFill>
+          <a:ln w="12700">
+            <a:solidFill>
+              <a:schemeClr val="tx1">
+                <a:lumMod val="65000"/>
+                <a:lumOff val="35000"/>
+              </a:schemeClr>
+            </a:solidFill>
+          </a:ln>
+        </p:spPr>
+        <p:style>
+          <a:lnRef idx="2">
+            <a:schemeClr val="accent1">
+              <a:shade val="50000"/>
+            </a:schemeClr>
+          </a:lnRef>
+          <a:fillRef idx="1">
+            <a:schemeClr val="accent1"/>
+          </a:fillRef>
+          <a:effectRef idx="0">
+            <a:schemeClr val="accent1"/>
+          </a:effectRef>
+          <a:fontRef idx="minor">
+            <a:schemeClr val="lt1"/>
+          </a:fontRef>
+        </p:style>
+        <p:txBody>
+          <a:bodyPr rtlCol="0" anchor="ctr"/>
+          <a:lstStyle/>
+          <a:p>
+            <a:pPr algn="ctr"/>
+            <a:endParaRPr lang="de-DE" dirty="0"/>
+          </a:p>
+        </p:txBody>
+      </p:sp>
+      <p:sp>
+        <p:nvSpPr>
+          <p:cNvPr id="11" name="Zylinder 10"/>
+          <p:cNvSpPr/>
+          <p:nvPr/>
+        </p:nvSpPr>
+        <p:spPr>
+          <a:xfrm>
+            <a:off x="1223628" y="1635646"/>
+            <a:ext cx="1656184" cy="861595"/>
+          </a:xfrm>
+          <a:prstGeom prst="can">
+            <a:avLst/>
+          </a:prstGeom>
+          <a:solidFill>
+            <a:schemeClr val="accent3">
+              <a:lumMod val="60000"/>
+              <a:lumOff val="40000"/>
+            </a:schemeClr>
+          </a:solidFill>
+          <a:ln w="12700">
+            <a:solidFill>
+              <a:schemeClr val="tx1">
+                <a:lumMod val="95000"/>
+                <a:lumOff val="5000"/>
+              </a:schemeClr>
+            </a:solidFill>
+          </a:ln>
+        </p:spPr>
+        <p:style>
+          <a:lnRef idx="2">
+            <a:schemeClr val="accent1">
+              <a:shade val="50000"/>
+            </a:schemeClr>
+          </a:lnRef>
+          <a:fillRef idx="1">
+            <a:schemeClr val="accent1"/>
+          </a:fillRef>
+          <a:effectRef idx="0">
+            <a:schemeClr val="accent1"/>
+          </a:effectRef>
+          <a:fontRef idx="minor">
+            <a:schemeClr val="lt1"/>
+          </a:fontRef>
+        </p:style>
+        <p:txBody>
+          <a:bodyPr rtlCol="0" anchor="ctr"/>
+          <a:lstStyle/>
+          <a:p>
+            <a:pPr algn="ctr"/>
+            <a:r>
+              <a:rPr lang="de-DE" sz="1400" dirty="0">
+                <a:solidFill>
+                  <a:schemeClr val="tx1"/>
+                </a:solidFill>
+              </a:rPr>
+              <a:t>Lineare Rohdaten</a:t>
+            </a:r>
+          </a:p>
+        </p:txBody>
+      </p:sp>
+      <p:sp>
+        <p:nvSpPr>
+          <p:cNvPr id="12" name="Zylinder 11"/>
+          <p:cNvSpPr/>
+          <p:nvPr/>
+        </p:nvSpPr>
+        <p:spPr>
+          <a:xfrm>
+            <a:off x="3824868" y="1635646"/>
+            <a:ext cx="1656184" cy="861595"/>
+          </a:xfrm>
+          <a:prstGeom prst="can">
+            <a:avLst/>
+          </a:prstGeom>
+          <a:solidFill>
+            <a:schemeClr val="accent3">
+              <a:lumMod val="75000"/>
+            </a:schemeClr>
+          </a:solidFill>
+          <a:ln w="12700">
+            <a:solidFill>
+              <a:schemeClr val="tx1">
+                <a:lumMod val="95000"/>
+                <a:lumOff val="5000"/>
+              </a:schemeClr>
+            </a:solidFill>
+          </a:ln>
+        </p:spPr>
+        <p:style>
+          <a:lnRef idx="2">
+            <a:schemeClr val="accent1">
+              <a:shade val="50000"/>
+            </a:schemeClr>
+          </a:lnRef>
+          <a:fillRef idx="1">
+            <a:schemeClr val="accent1"/>
+          </a:fillRef>
+          <a:effectRef idx="0">
+            <a:schemeClr val="accent1"/>
+          </a:effectRef>
+          <a:fontRef idx="minor">
+            <a:schemeClr val="lt1"/>
+          </a:fontRef>
+        </p:style>
+        <p:txBody>
+          <a:bodyPr rtlCol="0" anchor="ctr"/>
+          <a:lstStyle/>
+          <a:p>
+            <a:pPr algn="ctr"/>
+            <a:r>
+              <a:rPr lang="de-DE" sz="1400" dirty="0">
+                <a:solidFill>
+                  <a:schemeClr val="tx1"/>
+                </a:solidFill>
+              </a:rPr>
+              <a:t>Quadratische Rohdaten</a:t>
+            </a:r>
+          </a:p>
+        </p:txBody>
+      </p:sp>
+      <p:sp>
+        <p:nvSpPr>
+          <p:cNvPr id="13" name="Zylinder 12"/>
+          <p:cNvSpPr/>
+          <p:nvPr/>
+        </p:nvSpPr>
+        <p:spPr>
+          <a:xfrm>
+            <a:off x="6547744" y="1635646"/>
+            <a:ext cx="1656184" cy="861595"/>
+          </a:xfrm>
+          <a:prstGeom prst="can">
+            <a:avLst/>
+          </a:prstGeom>
+          <a:solidFill>
+            <a:schemeClr val="accent3">
+              <a:lumMod val="50000"/>
+            </a:schemeClr>
+          </a:solidFill>
+          <a:ln w="12700">
+            <a:solidFill>
+              <a:schemeClr val="tx1">
+                <a:lumMod val="95000"/>
+                <a:lumOff val="5000"/>
+              </a:schemeClr>
+            </a:solidFill>
+          </a:ln>
+        </p:spPr>
+        <p:style>
+          <a:lnRef idx="2">
+            <a:schemeClr val="accent1">
+              <a:shade val="50000"/>
+            </a:schemeClr>
+          </a:lnRef>
+          <a:fillRef idx="1">
+            <a:schemeClr val="accent1"/>
+          </a:fillRef>
+          <a:effectRef idx="0">
+            <a:schemeClr val="accent1"/>
+          </a:effectRef>
+          <a:fontRef idx="minor">
+            <a:schemeClr val="lt1"/>
+          </a:fontRef>
+        </p:style>
+        <p:txBody>
+          <a:bodyPr rtlCol="0" anchor="ctr"/>
+          <a:lstStyle/>
+          <a:p>
+            <a:pPr algn="ctr"/>
+            <a:r>
+              <a:rPr lang="de-DE" sz="1400" dirty="0">
+                <a:solidFill>
+                  <a:schemeClr val="tx1"/>
+                </a:solidFill>
+              </a:rPr>
+              <a:t>Nicht-Lineare Rohdaten</a:t>
+            </a:r>
+          </a:p>
+        </p:txBody>
+      </p:sp>
+      <p:sp>
+        <p:nvSpPr>
+          <p:cNvPr id="16" name="Textfeld 15"/>
           <p:cNvSpPr txBox="1"/>
           <p:nvPr/>
         </p:nvSpPr>
         <p:spPr>
           <a:xfrm>
-            <a:off x="3989958" y="1833610"/>
-            <a:ext cx="121270" cy="307777"/>
+            <a:off x="2905705" y="1370753"/>
+            <a:ext cx="729367" cy="307777"/>
           </a:xfrm>
           <a:prstGeom prst="rect">
             <a:avLst/>
@@ -13819,36 +15770,28 @@
           <a:noFill/>
         </p:spPr>
         <p:txBody>
-          <a:bodyPr wrap="square" rtlCol="0">
+          <a:bodyPr wrap="none" rtlCol="0">
             <a:spAutoFit/>
           </a:bodyPr>
           <a:lstStyle/>
           <a:p>
-            <a:pPr algn="ctr"/>
             <a:r>
               <a:rPr lang="de-DE" sz="1400" dirty="0"/>
-              <a:t>1</a:t>
-            </a:r>
-            <a:endParaRPr lang="en-NZ" sz="1400" dirty="0"/>
-          </a:p>
-        </p:txBody>
-      </p:sp>
-      <p:sp>
-        <p:nvSpPr>
-          <p:cNvPr id="33" name="Textfeld 32">
-            <a:extLst>
-              <a:ext uri="{FF2B5EF4-FFF2-40B4-BE49-F238E27FC236}">
-                <a16:creationId xmlns:a16="http://schemas.microsoft.com/office/drawing/2014/main" id="{F9D77C7C-D8F9-4055-9957-9E7B544A9023}"/>
-              </a:ext>
-            </a:extLst>
-          </p:cNvPr>
+              <a:t>Erzeugt</a:t>
+            </a:r>
+          </a:p>
+        </p:txBody>
+      </p:sp>
+      <p:sp>
+        <p:nvSpPr>
+          <p:cNvPr id="17" name="Textfeld 16"/>
           <p:cNvSpPr txBox="1"/>
           <p:nvPr/>
         </p:nvSpPr>
         <p:spPr>
           <a:xfrm>
-            <a:off x="4184366" y="1780008"/>
-            <a:ext cx="121270" cy="307777"/>
+            <a:off x="6948264" y="1353346"/>
+            <a:ext cx="1024896" cy="307777"/>
           </a:xfrm>
           <a:prstGeom prst="rect">
             <a:avLst/>
@@ -13856,36 +15799,762 @@
           <a:noFill/>
         </p:spPr>
         <p:txBody>
-          <a:bodyPr wrap="square" rtlCol="0">
+          <a:bodyPr wrap="none" rtlCol="0">
             <a:spAutoFit/>
           </a:bodyPr>
           <a:lstStyle/>
           <a:p>
+            <a:r>
+              <a:rPr lang="de-DE" sz="1400" dirty="0"/>
+              <a:t>Beobachtet</a:t>
+            </a:r>
+          </a:p>
+        </p:txBody>
+      </p:sp>
+      <p:sp>
+        <p:nvSpPr>
+          <p:cNvPr id="19" name="Flussdiagramm: Alternativer Prozess 18"/>
+          <p:cNvSpPr/>
+          <p:nvPr/>
+        </p:nvSpPr>
+        <p:spPr>
+          <a:xfrm>
+            <a:off x="1115616" y="3077880"/>
+            <a:ext cx="1872208" cy="645998"/>
+          </a:xfrm>
+          <a:prstGeom prst="flowChartAlternateProcess">
+            <a:avLst/>
+          </a:prstGeom>
+          <a:solidFill>
+            <a:schemeClr val="accent1">
+              <a:lumMod val="60000"/>
+              <a:lumOff val="40000"/>
+            </a:schemeClr>
+          </a:solidFill>
+          <a:ln w="12700">
+            <a:solidFill>
+              <a:schemeClr val="tx1"/>
+            </a:solidFill>
+          </a:ln>
+        </p:spPr>
+        <p:style>
+          <a:lnRef idx="2">
+            <a:schemeClr val="accent1">
+              <a:shade val="50000"/>
+            </a:schemeClr>
+          </a:lnRef>
+          <a:fillRef idx="1">
+            <a:schemeClr val="accent1"/>
+          </a:fillRef>
+          <a:effectRef idx="0">
+            <a:schemeClr val="accent1"/>
+          </a:effectRef>
+          <a:fontRef idx="minor">
+            <a:schemeClr val="lt1"/>
+          </a:fontRef>
+        </p:style>
+        <p:txBody>
+          <a:bodyPr rtlCol="0" anchor="ctr"/>
+          <a:lstStyle/>
+          <a:p>
             <a:pPr algn="ctr"/>
             <a:r>
+              <a:rPr lang="de-DE" sz="1400" dirty="0">
+                <a:solidFill>
+                  <a:schemeClr val="tx1"/>
+                </a:solidFill>
+              </a:rPr>
+              <a:t>Lineares Wachstumsmodell</a:t>
+            </a:r>
+          </a:p>
+        </p:txBody>
+      </p:sp>
+      <p:sp>
+        <p:nvSpPr>
+          <p:cNvPr id="20" name="Flussdiagramm: Alternativer Prozess 19"/>
+          <p:cNvSpPr/>
+          <p:nvPr/>
+        </p:nvSpPr>
+        <p:spPr>
+          <a:xfrm>
+            <a:off x="6444208" y="3077880"/>
+            <a:ext cx="1872208" cy="645998"/>
+          </a:xfrm>
+          <a:prstGeom prst="flowChartAlternateProcess">
+            <a:avLst/>
+          </a:prstGeom>
+          <a:solidFill>
+            <a:schemeClr val="tx2">
+              <a:lumMod val="50000"/>
+            </a:schemeClr>
+          </a:solidFill>
+          <a:ln w="12700">
+            <a:solidFill>
+              <a:schemeClr val="tx1"/>
+            </a:solidFill>
+          </a:ln>
+        </p:spPr>
+        <p:style>
+          <a:lnRef idx="2">
+            <a:schemeClr val="accent1">
+              <a:shade val="50000"/>
+            </a:schemeClr>
+          </a:lnRef>
+          <a:fillRef idx="1">
+            <a:schemeClr val="accent1"/>
+          </a:fillRef>
+          <a:effectRef idx="0">
+            <a:schemeClr val="accent1"/>
+          </a:effectRef>
+          <a:fontRef idx="minor">
+            <a:schemeClr val="lt1"/>
+          </a:fontRef>
+        </p:style>
+        <p:txBody>
+          <a:bodyPr rtlCol="0" anchor="ctr"/>
+          <a:lstStyle/>
+          <a:p>
+            <a:pPr algn="ctr"/>
+            <a:r>
+              <a:rPr lang="de-DE" sz="1400" dirty="0" err="1"/>
+              <a:t>Curvilineares</a:t>
+            </a:r>
+            <a:r>
               <a:rPr lang="de-DE" sz="1400" dirty="0"/>
-              <a:t>1</a:t>
-            </a:r>
-            <a:endParaRPr lang="en-NZ" sz="1400" dirty="0"/>
-          </a:p>
-        </p:txBody>
-      </p:sp>
-      <p:sp>
-        <p:nvSpPr>
-          <p:cNvPr id="34" name="Textfeld 33">
-            <a:extLst>
-              <a:ext uri="{FF2B5EF4-FFF2-40B4-BE49-F238E27FC236}">
-                <a16:creationId xmlns:a16="http://schemas.microsoft.com/office/drawing/2014/main" id="{9F103D08-491A-48F5-B505-95D6E0E72DF2}"/>
-              </a:ext>
-            </a:extLst>
-          </p:cNvPr>
+              <a:t> Wachstumsmodell</a:t>
+            </a:r>
+          </a:p>
+        </p:txBody>
+      </p:sp>
+      <p:sp>
+        <p:nvSpPr>
+          <p:cNvPr id="21" name="Flussdiagramm: Alternativer Prozess 20"/>
+          <p:cNvSpPr/>
+          <p:nvPr/>
+        </p:nvSpPr>
+        <p:spPr>
+          <a:xfrm>
+            <a:off x="3707904" y="3077880"/>
+            <a:ext cx="1872208" cy="645998"/>
+          </a:xfrm>
+          <a:prstGeom prst="flowChartAlternateProcess">
+            <a:avLst/>
+          </a:prstGeom>
+          <a:solidFill>
+            <a:schemeClr val="tx2">
+              <a:lumMod val="75000"/>
+            </a:schemeClr>
+          </a:solidFill>
+          <a:ln w="12700">
+            <a:solidFill>
+              <a:schemeClr val="tx1"/>
+            </a:solidFill>
+          </a:ln>
+        </p:spPr>
+        <p:style>
+          <a:lnRef idx="2">
+            <a:schemeClr val="accent1">
+              <a:shade val="50000"/>
+            </a:schemeClr>
+          </a:lnRef>
+          <a:fillRef idx="1">
+            <a:schemeClr val="accent1"/>
+          </a:fillRef>
+          <a:effectRef idx="0">
+            <a:schemeClr val="accent1"/>
+          </a:effectRef>
+          <a:fontRef idx="minor">
+            <a:schemeClr val="lt1"/>
+          </a:fontRef>
+        </p:style>
+        <p:txBody>
+          <a:bodyPr rtlCol="0" anchor="ctr"/>
+          <a:lstStyle/>
+          <a:p>
+            <a:pPr algn="ctr"/>
+            <a:r>
+              <a:rPr lang="de-DE" sz="1400" dirty="0" err="1"/>
+              <a:t>Polynomielles</a:t>
+            </a:r>
+            <a:r>
+              <a:rPr lang="de-DE" sz="1400" dirty="0"/>
+              <a:t> Wachstumsmodell</a:t>
+            </a:r>
+          </a:p>
+        </p:txBody>
+      </p:sp>
+      <p:sp>
+        <p:nvSpPr>
+          <p:cNvPr id="22" name="Flussdiagramm: Alternativer Prozess 21"/>
+          <p:cNvSpPr/>
+          <p:nvPr/>
+        </p:nvSpPr>
+        <p:spPr>
+          <a:xfrm>
+            <a:off x="2627784" y="4013984"/>
+            <a:ext cx="1872208" cy="645998"/>
+          </a:xfrm>
+          <a:prstGeom prst="flowChartAlternateProcess">
+            <a:avLst/>
+          </a:prstGeom>
+          <a:solidFill>
+            <a:schemeClr val="accent1">
+              <a:lumMod val="75000"/>
+            </a:schemeClr>
+          </a:solidFill>
+          <a:ln w="12700">
+            <a:solidFill>
+              <a:schemeClr val="tx1"/>
+            </a:solidFill>
+          </a:ln>
+        </p:spPr>
+        <p:style>
+          <a:lnRef idx="2">
+            <a:schemeClr val="accent1">
+              <a:shade val="50000"/>
+            </a:schemeClr>
+          </a:lnRef>
+          <a:fillRef idx="1">
+            <a:schemeClr val="accent1"/>
+          </a:fillRef>
+          <a:effectRef idx="0">
+            <a:schemeClr val="accent1"/>
+          </a:effectRef>
+          <a:fontRef idx="minor">
+            <a:schemeClr val="lt1"/>
+          </a:fontRef>
+        </p:style>
+        <p:txBody>
+          <a:bodyPr rtlCol="0" anchor="ctr"/>
+          <a:lstStyle/>
+          <a:p>
+            <a:pPr algn="ctr"/>
+            <a:r>
+              <a:rPr lang="de-DE" sz="1400" dirty="0"/>
+              <a:t>Mit einer latenten Wachstumsvariable</a:t>
+            </a:r>
+          </a:p>
+        </p:txBody>
+      </p:sp>
+      <p:sp>
+        <p:nvSpPr>
+          <p:cNvPr id="23" name="Flussdiagramm: Alternativer Prozess 22"/>
+          <p:cNvSpPr/>
+          <p:nvPr/>
+        </p:nvSpPr>
+        <p:spPr>
+          <a:xfrm>
+            <a:off x="4932040" y="4013984"/>
+            <a:ext cx="1872208" cy="645998"/>
+          </a:xfrm>
+          <a:prstGeom prst="flowChartAlternateProcess">
+            <a:avLst/>
+          </a:prstGeom>
+          <a:solidFill>
+            <a:srgbClr val="274467"/>
+          </a:solidFill>
+          <a:ln w="12700">
+            <a:solidFill>
+              <a:schemeClr val="tx1"/>
+            </a:solidFill>
+          </a:ln>
+        </p:spPr>
+        <p:style>
+          <a:lnRef idx="2">
+            <a:schemeClr val="accent1">
+              <a:shade val="50000"/>
+            </a:schemeClr>
+          </a:lnRef>
+          <a:fillRef idx="1">
+            <a:schemeClr val="accent1"/>
+          </a:fillRef>
+          <a:effectRef idx="0">
+            <a:schemeClr val="accent1"/>
+          </a:effectRef>
+          <a:fontRef idx="minor">
+            <a:schemeClr val="lt1"/>
+          </a:fontRef>
+        </p:style>
+        <p:txBody>
+          <a:bodyPr rtlCol="0" anchor="ctr"/>
+          <a:lstStyle/>
+          <a:p>
+            <a:pPr algn="ctr"/>
+            <a:r>
+              <a:rPr lang="de-DE" sz="1400" dirty="0"/>
+              <a:t>Mit zwei latenten Wachstumsvariablen</a:t>
+            </a:r>
+          </a:p>
+        </p:txBody>
+      </p:sp>
+      <p:cxnSp>
+        <p:nvCxnSpPr>
+          <p:cNvPr id="25" name="Gerader Verbinder 24"/>
+          <p:cNvCxnSpPr>
+            <a:stCxn id="21" idx="2"/>
+            <a:endCxn id="22" idx="0"/>
+          </p:cNvCxnSpPr>
+          <p:nvPr/>
+        </p:nvCxnSpPr>
+        <p:spPr>
+          <a:xfrm flipH="1">
+            <a:off x="3563888" y="3723878"/>
+            <a:ext cx="1080120" cy="290106"/>
+          </a:xfrm>
+          <a:prstGeom prst="line">
+            <a:avLst/>
+          </a:prstGeom>
+          <a:ln w="19050">
+            <a:solidFill>
+              <a:schemeClr val="tx1"/>
+            </a:solidFill>
+          </a:ln>
+        </p:spPr>
+        <p:style>
+          <a:lnRef idx="1">
+            <a:schemeClr val="accent1"/>
+          </a:lnRef>
+          <a:fillRef idx="0">
+            <a:schemeClr val="accent1"/>
+          </a:fillRef>
+          <a:effectRef idx="0">
+            <a:schemeClr val="accent1"/>
+          </a:effectRef>
+          <a:fontRef idx="minor">
+            <a:schemeClr val="tx1"/>
+          </a:fontRef>
+        </p:style>
+      </p:cxnSp>
+      <p:cxnSp>
+        <p:nvCxnSpPr>
+          <p:cNvPr id="26" name="Gerader Verbinder 25"/>
+          <p:cNvCxnSpPr>
+            <a:stCxn id="21" idx="2"/>
+            <a:endCxn id="23" idx="0"/>
+          </p:cNvCxnSpPr>
+          <p:nvPr/>
+        </p:nvCxnSpPr>
+        <p:spPr>
+          <a:xfrm>
+            <a:off x="4644008" y="3723878"/>
+            <a:ext cx="1224136" cy="290106"/>
+          </a:xfrm>
+          <a:prstGeom prst="line">
+            <a:avLst/>
+          </a:prstGeom>
+          <a:ln w="19050">
+            <a:solidFill>
+              <a:schemeClr val="tx1"/>
+            </a:solidFill>
+          </a:ln>
+        </p:spPr>
+        <p:style>
+          <a:lnRef idx="1">
+            <a:schemeClr val="accent1"/>
+          </a:lnRef>
+          <a:fillRef idx="0">
+            <a:schemeClr val="accent1"/>
+          </a:fillRef>
+          <a:effectRef idx="0">
+            <a:schemeClr val="accent1"/>
+          </a:effectRef>
+          <a:fontRef idx="minor">
+            <a:schemeClr val="tx1"/>
+          </a:fontRef>
+        </p:style>
+      </p:cxnSp>
+      <p:cxnSp>
+        <p:nvCxnSpPr>
+          <p:cNvPr id="29" name="Gerader Verbinder 28"/>
+          <p:cNvCxnSpPr>
+            <a:stCxn id="12" idx="3"/>
+            <a:endCxn id="19" idx="0"/>
+          </p:cNvCxnSpPr>
+          <p:nvPr/>
+        </p:nvCxnSpPr>
+        <p:spPr>
+          <a:xfrm flipH="1">
+            <a:off x="2051720" y="2497241"/>
+            <a:ext cx="2601240" cy="580639"/>
+          </a:xfrm>
+          <a:prstGeom prst="line">
+            <a:avLst/>
+          </a:prstGeom>
+          <a:ln w="12700">
+            <a:solidFill>
+              <a:schemeClr val="tx1"/>
+            </a:solidFill>
+          </a:ln>
+        </p:spPr>
+        <p:style>
+          <a:lnRef idx="1">
+            <a:schemeClr val="accent1"/>
+          </a:lnRef>
+          <a:fillRef idx="0">
+            <a:schemeClr val="accent1"/>
+          </a:fillRef>
+          <a:effectRef idx="0">
+            <a:schemeClr val="accent1"/>
+          </a:effectRef>
+          <a:fontRef idx="minor">
+            <a:schemeClr val="tx1"/>
+          </a:fontRef>
+        </p:style>
+      </p:cxnSp>
+      <p:cxnSp>
+        <p:nvCxnSpPr>
+          <p:cNvPr id="32" name="Gerader Verbinder 31"/>
+          <p:cNvCxnSpPr>
+            <a:stCxn id="12" idx="3"/>
+            <a:endCxn id="21" idx="0"/>
+          </p:cNvCxnSpPr>
+          <p:nvPr/>
+        </p:nvCxnSpPr>
+        <p:spPr>
+          <a:xfrm flipH="1">
+            <a:off x="4644008" y="2497241"/>
+            <a:ext cx="8952" cy="580639"/>
+          </a:xfrm>
+          <a:prstGeom prst="line">
+            <a:avLst/>
+          </a:prstGeom>
+          <a:ln w="12700">
+            <a:solidFill>
+              <a:schemeClr val="tx1"/>
+            </a:solidFill>
+          </a:ln>
+        </p:spPr>
+        <p:style>
+          <a:lnRef idx="1">
+            <a:schemeClr val="accent1"/>
+          </a:lnRef>
+          <a:fillRef idx="0">
+            <a:schemeClr val="accent1"/>
+          </a:fillRef>
+          <a:effectRef idx="0">
+            <a:schemeClr val="accent1"/>
+          </a:effectRef>
+          <a:fontRef idx="minor">
+            <a:schemeClr val="tx1"/>
+          </a:fontRef>
+        </p:style>
+      </p:cxnSp>
+      <p:cxnSp>
+        <p:nvCxnSpPr>
+          <p:cNvPr id="35" name="Gerader Verbinder 34"/>
+          <p:cNvCxnSpPr>
+            <a:stCxn id="12" idx="3"/>
+            <a:endCxn id="20" idx="0"/>
+          </p:cNvCxnSpPr>
+          <p:nvPr/>
+        </p:nvCxnSpPr>
+        <p:spPr>
+          <a:xfrm>
+            <a:off x="4652960" y="2497241"/>
+            <a:ext cx="2727352" cy="580639"/>
+          </a:xfrm>
+          <a:prstGeom prst="line">
+            <a:avLst/>
+          </a:prstGeom>
+          <a:ln w="12700">
+            <a:solidFill>
+              <a:schemeClr val="tx1"/>
+            </a:solidFill>
+          </a:ln>
+        </p:spPr>
+        <p:style>
+          <a:lnRef idx="1">
+            <a:schemeClr val="accent1"/>
+          </a:lnRef>
+          <a:fillRef idx="0">
+            <a:schemeClr val="accent1"/>
+          </a:fillRef>
+          <a:effectRef idx="0">
+            <a:schemeClr val="accent1"/>
+          </a:effectRef>
+          <a:fontRef idx="minor">
+            <a:schemeClr val="tx1"/>
+          </a:fontRef>
+        </p:style>
+      </p:cxnSp>
+      <p:cxnSp>
+        <p:nvCxnSpPr>
+          <p:cNvPr id="38" name="Gerader Verbinder 37"/>
+          <p:cNvCxnSpPr>
+            <a:stCxn id="11" idx="3"/>
+            <a:endCxn id="19" idx="0"/>
+          </p:cNvCxnSpPr>
+          <p:nvPr/>
+        </p:nvCxnSpPr>
+        <p:spPr>
+          <a:xfrm>
+            <a:off x="2051720" y="2497241"/>
+            <a:ext cx="0" cy="580639"/>
+          </a:xfrm>
+          <a:prstGeom prst="line">
+            <a:avLst/>
+          </a:prstGeom>
+          <a:ln w="12700">
+            <a:solidFill>
+              <a:schemeClr val="tx1"/>
+            </a:solidFill>
+          </a:ln>
+        </p:spPr>
+        <p:style>
+          <a:lnRef idx="1">
+            <a:schemeClr val="accent1"/>
+          </a:lnRef>
+          <a:fillRef idx="0">
+            <a:schemeClr val="accent1"/>
+          </a:fillRef>
+          <a:effectRef idx="0">
+            <a:schemeClr val="accent1"/>
+          </a:effectRef>
+          <a:fontRef idx="minor">
+            <a:schemeClr val="tx1"/>
+          </a:fontRef>
+        </p:style>
+      </p:cxnSp>
+      <p:cxnSp>
+        <p:nvCxnSpPr>
+          <p:cNvPr id="41" name="Gerader Verbinder 40"/>
+          <p:cNvCxnSpPr>
+            <a:stCxn id="11" idx="3"/>
+            <a:endCxn id="21" idx="0"/>
+          </p:cNvCxnSpPr>
+          <p:nvPr/>
+        </p:nvCxnSpPr>
+        <p:spPr>
+          <a:xfrm>
+            <a:off x="2051720" y="2497241"/>
+            <a:ext cx="2592288" cy="580639"/>
+          </a:xfrm>
+          <a:prstGeom prst="line">
+            <a:avLst/>
+          </a:prstGeom>
+          <a:ln w="12700">
+            <a:solidFill>
+              <a:schemeClr val="tx1"/>
+            </a:solidFill>
+          </a:ln>
+        </p:spPr>
+        <p:style>
+          <a:lnRef idx="1">
+            <a:schemeClr val="accent1"/>
+          </a:lnRef>
+          <a:fillRef idx="0">
+            <a:schemeClr val="accent1"/>
+          </a:fillRef>
+          <a:effectRef idx="0">
+            <a:schemeClr val="accent1"/>
+          </a:effectRef>
+          <a:fontRef idx="minor">
+            <a:schemeClr val="tx1"/>
+          </a:fontRef>
+        </p:style>
+      </p:cxnSp>
+      <p:cxnSp>
+        <p:nvCxnSpPr>
+          <p:cNvPr id="44" name="Gerader Verbinder 43"/>
+          <p:cNvCxnSpPr>
+            <a:stCxn id="11" idx="3"/>
+            <a:endCxn id="20" idx="0"/>
+          </p:cNvCxnSpPr>
+          <p:nvPr/>
+        </p:nvCxnSpPr>
+        <p:spPr>
+          <a:xfrm>
+            <a:off x="2051720" y="2497241"/>
+            <a:ext cx="5328592" cy="580639"/>
+          </a:xfrm>
+          <a:prstGeom prst="line">
+            <a:avLst/>
+          </a:prstGeom>
+          <a:ln w="12700">
+            <a:solidFill>
+              <a:schemeClr val="tx1"/>
+            </a:solidFill>
+          </a:ln>
+        </p:spPr>
+        <p:style>
+          <a:lnRef idx="1">
+            <a:schemeClr val="accent1"/>
+          </a:lnRef>
+          <a:fillRef idx="0">
+            <a:schemeClr val="accent1"/>
+          </a:fillRef>
+          <a:effectRef idx="0">
+            <a:schemeClr val="accent1"/>
+          </a:effectRef>
+          <a:fontRef idx="minor">
+            <a:schemeClr val="tx1"/>
+          </a:fontRef>
+        </p:style>
+      </p:cxnSp>
+      <p:cxnSp>
+        <p:nvCxnSpPr>
+          <p:cNvPr id="47" name="Gerader Verbinder 46"/>
+          <p:cNvCxnSpPr>
+            <a:stCxn id="13" idx="3"/>
+            <a:endCxn id="19" idx="0"/>
+          </p:cNvCxnSpPr>
+          <p:nvPr/>
+        </p:nvCxnSpPr>
+        <p:spPr>
+          <a:xfrm flipH="1">
+            <a:off x="2051720" y="2497241"/>
+            <a:ext cx="5324116" cy="580639"/>
+          </a:xfrm>
+          <a:prstGeom prst="line">
+            <a:avLst/>
+          </a:prstGeom>
+          <a:ln w="12700">
+            <a:solidFill>
+              <a:schemeClr val="tx1"/>
+            </a:solidFill>
+          </a:ln>
+        </p:spPr>
+        <p:style>
+          <a:lnRef idx="1">
+            <a:schemeClr val="accent1"/>
+          </a:lnRef>
+          <a:fillRef idx="0">
+            <a:schemeClr val="accent1"/>
+          </a:fillRef>
+          <a:effectRef idx="0">
+            <a:schemeClr val="accent1"/>
+          </a:effectRef>
+          <a:fontRef idx="minor">
+            <a:schemeClr val="tx1"/>
+          </a:fontRef>
+        </p:style>
+      </p:cxnSp>
+      <p:cxnSp>
+        <p:nvCxnSpPr>
+          <p:cNvPr id="50" name="Gerader Verbinder 49"/>
+          <p:cNvCxnSpPr>
+            <a:stCxn id="13" idx="3"/>
+            <a:endCxn id="21" idx="0"/>
+          </p:cNvCxnSpPr>
+          <p:nvPr/>
+        </p:nvCxnSpPr>
+        <p:spPr>
+          <a:xfrm flipH="1">
+            <a:off x="4644008" y="2497241"/>
+            <a:ext cx="2731828" cy="580639"/>
+          </a:xfrm>
+          <a:prstGeom prst="line">
+            <a:avLst/>
+          </a:prstGeom>
+          <a:ln w="12700">
+            <a:solidFill>
+              <a:schemeClr val="tx1"/>
+            </a:solidFill>
+          </a:ln>
+        </p:spPr>
+        <p:style>
+          <a:lnRef idx="1">
+            <a:schemeClr val="accent1"/>
+          </a:lnRef>
+          <a:fillRef idx="0">
+            <a:schemeClr val="accent1"/>
+          </a:fillRef>
+          <a:effectRef idx="0">
+            <a:schemeClr val="accent1"/>
+          </a:effectRef>
+          <a:fontRef idx="minor">
+            <a:schemeClr val="tx1"/>
+          </a:fontRef>
+        </p:style>
+      </p:cxnSp>
+      <p:cxnSp>
+        <p:nvCxnSpPr>
+          <p:cNvPr id="53" name="Gerader Verbinder 52"/>
+          <p:cNvCxnSpPr>
+            <a:stCxn id="13" idx="3"/>
+            <a:endCxn id="20" idx="0"/>
+          </p:cNvCxnSpPr>
+          <p:nvPr/>
+        </p:nvCxnSpPr>
+        <p:spPr>
+          <a:xfrm>
+            <a:off x="7375836" y="2497241"/>
+            <a:ext cx="4476" cy="580639"/>
+          </a:xfrm>
+          <a:prstGeom prst="line">
+            <a:avLst/>
+          </a:prstGeom>
+          <a:ln w="12700">
+            <a:solidFill>
+              <a:schemeClr val="tx1"/>
+            </a:solidFill>
+          </a:ln>
+        </p:spPr>
+        <p:style>
+          <a:lnRef idx="1">
+            <a:schemeClr val="accent1"/>
+          </a:lnRef>
+          <a:fillRef idx="0">
+            <a:schemeClr val="accent1"/>
+          </a:fillRef>
+          <a:effectRef idx="0">
+            <a:schemeClr val="accent1"/>
+          </a:effectRef>
+          <a:fontRef idx="minor">
+            <a:schemeClr val="tx1"/>
+          </a:fontRef>
+        </p:style>
+      </p:cxnSp>
+      <p:cxnSp>
+        <p:nvCxnSpPr>
+          <p:cNvPr id="87" name="Gerade Verbindung mit Pfeil 86"/>
+          <p:cNvCxnSpPr/>
+          <p:nvPr/>
+        </p:nvCxnSpPr>
+        <p:spPr>
+          <a:xfrm>
+            <a:off x="395536" y="1203598"/>
+            <a:ext cx="8208912" cy="0"/>
+          </a:xfrm>
+          <a:prstGeom prst="straightConnector1">
+            <a:avLst/>
+          </a:prstGeom>
+          <a:ln w="57150">
+            <a:solidFill>
+              <a:schemeClr val="tx1">
+                <a:lumMod val="50000"/>
+                <a:lumOff val="50000"/>
+              </a:schemeClr>
+            </a:solidFill>
+            <a:headEnd type="none" w="med" len="med"/>
+            <a:tailEnd type="arrow" w="med" len="med"/>
+          </a:ln>
+        </p:spPr>
+        <p:style>
+          <a:lnRef idx="1">
+            <a:schemeClr val="accent1"/>
+          </a:lnRef>
+          <a:fillRef idx="0">
+            <a:schemeClr val="accent1"/>
+          </a:fillRef>
+          <a:effectRef idx="0">
+            <a:schemeClr val="accent1"/>
+          </a:effectRef>
+          <a:fontRef idx="minor">
+            <a:schemeClr val="tx1"/>
+          </a:fontRef>
+        </p:style>
+      </p:cxnSp>
+      <p:sp>
+        <p:nvSpPr>
+          <p:cNvPr id="97" name="Textfeld 96"/>
           <p:cNvSpPr txBox="1"/>
           <p:nvPr/>
         </p:nvSpPr>
         <p:spPr>
           <a:xfrm>
-            <a:off x="4263628" y="1706429"/>
-            <a:ext cx="121270" cy="254361"/>
+            <a:off x="4067944" y="919672"/>
+            <a:ext cx="1059714" cy="307777"/>
           </a:xfrm>
           <a:prstGeom prst="rect">
             <a:avLst/>
@@ -13893,283 +16562,22 @@
           <a:noFill/>
         </p:spPr>
         <p:txBody>
-          <a:bodyPr wrap="square" rtlCol="0">
+          <a:bodyPr wrap="none" rtlCol="0">
             <a:spAutoFit/>
           </a:bodyPr>
           <a:lstStyle/>
           <a:p>
-            <a:pPr algn="ctr"/>
             <a:r>
               <a:rPr lang="de-DE" sz="1400" dirty="0"/>
-              <a:t>1</a:t>
-            </a:r>
-            <a:endParaRPr lang="en-NZ" sz="1400" dirty="0"/>
-          </a:p>
-        </p:txBody>
-      </p:sp>
-      <p:sp>
-        <p:nvSpPr>
-          <p:cNvPr id="35" name="Textfeld 34">
-            <a:extLst>
-              <a:ext uri="{FF2B5EF4-FFF2-40B4-BE49-F238E27FC236}">
-                <a16:creationId xmlns:a16="http://schemas.microsoft.com/office/drawing/2014/main" id="{0167AD8A-30E1-4D43-924B-8A880CDD44B5}"/>
-              </a:ext>
-            </a:extLst>
-          </p:cNvPr>
-          <p:cNvSpPr txBox="1"/>
-          <p:nvPr/>
-        </p:nvSpPr>
-        <p:spPr>
-          <a:xfrm>
-            <a:off x="4360832" y="1654171"/>
-            <a:ext cx="121270" cy="231237"/>
-          </a:xfrm>
-          <a:prstGeom prst="rect">
-            <a:avLst/>
-          </a:prstGeom>
-          <a:noFill/>
-        </p:spPr>
-        <p:txBody>
-          <a:bodyPr wrap="square" rtlCol="0">
-            <a:spAutoFit/>
-          </a:bodyPr>
-          <a:lstStyle/>
-          <a:p>
-            <a:pPr algn="ctr"/>
-            <a:r>
-              <a:rPr lang="de-DE" sz="1400" dirty="0"/>
-              <a:t>1</a:t>
-            </a:r>
-            <a:endParaRPr lang="en-NZ" sz="1400" dirty="0"/>
-          </a:p>
-        </p:txBody>
-      </p:sp>
-      <p:sp>
-        <p:nvSpPr>
-          <p:cNvPr id="36" name="Textfeld 35">
-            <a:extLst>
-              <a:ext uri="{FF2B5EF4-FFF2-40B4-BE49-F238E27FC236}">
-                <a16:creationId xmlns:a16="http://schemas.microsoft.com/office/drawing/2014/main" id="{1BB6CF53-DBB2-42F8-AA0F-E8896C8AC2F5}"/>
-              </a:ext>
-            </a:extLst>
-          </p:cNvPr>
-          <p:cNvSpPr txBox="1"/>
-          <p:nvPr/>
-        </p:nvSpPr>
-        <p:spPr>
-          <a:xfrm>
-            <a:off x="2411760" y="2578713"/>
-            <a:ext cx="121270" cy="254361"/>
-          </a:xfrm>
-          <a:prstGeom prst="rect">
-            <a:avLst/>
-          </a:prstGeom>
-          <a:noFill/>
-        </p:spPr>
-        <p:txBody>
-          <a:bodyPr wrap="square" rtlCol="0">
-            <a:spAutoFit/>
-          </a:bodyPr>
-          <a:lstStyle/>
-          <a:p>
-            <a:pPr algn="ctr"/>
-            <a:r>
-              <a:rPr lang="de-DE" sz="1400" dirty="0"/>
-              <a:t>0</a:t>
-            </a:r>
-            <a:endParaRPr lang="en-NZ" sz="1400" dirty="0"/>
-          </a:p>
-        </p:txBody>
-      </p:sp>
-      <p:sp>
-        <p:nvSpPr>
-          <p:cNvPr id="37" name="Textfeld 36">
-            <a:extLst>
-              <a:ext uri="{FF2B5EF4-FFF2-40B4-BE49-F238E27FC236}">
-                <a16:creationId xmlns:a16="http://schemas.microsoft.com/office/drawing/2014/main" id="{2286F7F7-5187-475A-A6F1-E6699125A4DE}"/>
-              </a:ext>
-            </a:extLst>
-          </p:cNvPr>
-          <p:cNvSpPr txBox="1"/>
-          <p:nvPr/>
-        </p:nvSpPr>
-        <p:spPr>
-          <a:xfrm>
-            <a:off x="3365887" y="2527529"/>
-            <a:ext cx="121270" cy="307777"/>
-          </a:xfrm>
-          <a:prstGeom prst="rect">
-            <a:avLst/>
-          </a:prstGeom>
-          <a:noFill/>
-        </p:spPr>
-        <p:txBody>
-          <a:bodyPr wrap="square" rtlCol="0">
-            <a:spAutoFit/>
-          </a:bodyPr>
-          <a:lstStyle/>
-          <a:p>
-            <a:pPr algn="ctr"/>
-            <a:r>
-              <a:rPr lang="de-DE" sz="1400" dirty="0"/>
-              <a:t>1</a:t>
-            </a:r>
-            <a:endParaRPr lang="en-NZ" sz="1400" dirty="0"/>
-          </a:p>
-        </p:txBody>
-      </p:sp>
-      <p:sp>
-        <p:nvSpPr>
-          <p:cNvPr id="38" name="Textfeld 37">
-            <a:extLst>
-              <a:ext uri="{FF2B5EF4-FFF2-40B4-BE49-F238E27FC236}">
-                <a16:creationId xmlns:a16="http://schemas.microsoft.com/office/drawing/2014/main" id="{EA64EE26-B423-4789-BF36-CEC5586E1E57}"/>
-              </a:ext>
-            </a:extLst>
-          </p:cNvPr>
-          <p:cNvSpPr txBox="1"/>
-          <p:nvPr/>
-        </p:nvSpPr>
-        <p:spPr>
-          <a:xfrm>
-            <a:off x="4239562" y="2522284"/>
-            <a:ext cx="121270" cy="307777"/>
-          </a:xfrm>
-          <a:prstGeom prst="rect">
-            <a:avLst/>
-          </a:prstGeom>
-          <a:noFill/>
-        </p:spPr>
-        <p:txBody>
-          <a:bodyPr wrap="square" rtlCol="0">
-            <a:spAutoFit/>
-          </a:bodyPr>
-          <a:lstStyle/>
-          <a:p>
-            <a:pPr algn="ctr"/>
-            <a:r>
-              <a:rPr lang="de-DE" sz="1400" dirty="0"/>
-              <a:t>2</a:t>
-            </a:r>
-            <a:endParaRPr lang="en-NZ" sz="1400" dirty="0"/>
-          </a:p>
-        </p:txBody>
-      </p:sp>
-      <p:sp>
-        <p:nvSpPr>
-          <p:cNvPr id="39" name="Textfeld 38">
-            <a:extLst>
-              <a:ext uri="{FF2B5EF4-FFF2-40B4-BE49-F238E27FC236}">
-                <a16:creationId xmlns:a16="http://schemas.microsoft.com/office/drawing/2014/main" id="{39846F52-2C64-4074-A4D5-E31F35344B69}"/>
-              </a:ext>
-            </a:extLst>
-          </p:cNvPr>
-          <p:cNvSpPr txBox="1"/>
-          <p:nvPr/>
-        </p:nvSpPr>
-        <p:spPr>
-          <a:xfrm>
-            <a:off x="5052602" y="2450863"/>
-            <a:ext cx="121270" cy="450617"/>
-          </a:xfrm>
-          <a:prstGeom prst="rect">
-            <a:avLst/>
-          </a:prstGeom>
-          <a:noFill/>
-        </p:spPr>
-        <p:txBody>
-          <a:bodyPr wrap="square" rtlCol="0">
-            <a:spAutoFit/>
-          </a:bodyPr>
-          <a:lstStyle/>
-          <a:p>
-            <a:pPr algn="ctr"/>
-            <a:r>
-              <a:rPr lang="de-DE" sz="1400" dirty="0"/>
-              <a:t>3</a:t>
-            </a:r>
-            <a:endParaRPr lang="en-NZ" sz="1400" dirty="0"/>
-          </a:p>
-        </p:txBody>
-      </p:sp>
-      <p:sp>
-        <p:nvSpPr>
-          <p:cNvPr id="40" name="Textfeld 39">
-            <a:extLst>
-              <a:ext uri="{FF2B5EF4-FFF2-40B4-BE49-F238E27FC236}">
-                <a16:creationId xmlns:a16="http://schemas.microsoft.com/office/drawing/2014/main" id="{1EFDEB18-93F5-4A53-818D-7DAFA21D7696}"/>
-              </a:ext>
-            </a:extLst>
-          </p:cNvPr>
-          <p:cNvSpPr txBox="1"/>
-          <p:nvPr/>
-        </p:nvSpPr>
-        <p:spPr>
-          <a:xfrm>
-            <a:off x="5805007" y="2424824"/>
-            <a:ext cx="121270" cy="307777"/>
-          </a:xfrm>
-          <a:prstGeom prst="rect">
-            <a:avLst/>
-          </a:prstGeom>
-          <a:noFill/>
-        </p:spPr>
-        <p:txBody>
-          <a:bodyPr wrap="square" rtlCol="0">
-            <a:spAutoFit/>
-          </a:bodyPr>
-          <a:lstStyle/>
-          <a:p>
-            <a:pPr algn="ctr"/>
-            <a:r>
-              <a:rPr lang="de-DE" sz="1400" dirty="0"/>
-              <a:t>4</a:t>
-            </a:r>
-            <a:endParaRPr lang="en-NZ" sz="1400" dirty="0"/>
-          </a:p>
-        </p:txBody>
-      </p:sp>
-      <p:sp>
-        <p:nvSpPr>
-          <p:cNvPr id="41" name="Textfeld 40">
-            <a:extLst>
-              <a:ext uri="{FF2B5EF4-FFF2-40B4-BE49-F238E27FC236}">
-                <a16:creationId xmlns:a16="http://schemas.microsoft.com/office/drawing/2014/main" id="{6B5947CF-21A5-40B4-A581-46B6D1286E91}"/>
-              </a:ext>
-            </a:extLst>
-          </p:cNvPr>
-          <p:cNvSpPr txBox="1"/>
-          <p:nvPr/>
-        </p:nvSpPr>
-        <p:spPr>
-          <a:xfrm>
-            <a:off x="6754986" y="2526450"/>
-            <a:ext cx="121270" cy="254361"/>
-          </a:xfrm>
-          <a:prstGeom prst="rect">
-            <a:avLst/>
-          </a:prstGeom>
-          <a:noFill/>
-        </p:spPr>
-        <p:txBody>
-          <a:bodyPr wrap="square" rtlCol="0">
-            <a:spAutoFit/>
-          </a:bodyPr>
-          <a:lstStyle/>
-          <a:p>
-            <a:pPr algn="ctr"/>
-            <a:r>
-              <a:rPr lang="de-DE" sz="1400" dirty="0"/>
-              <a:t>5</a:t>
-            </a:r>
-            <a:endParaRPr lang="en-NZ" sz="1400" dirty="0"/>
+              <a:t>Komplexität</a:t>
+            </a:r>
           </a:p>
         </p:txBody>
       </p:sp>
     </p:spTree>
     <p:extLst>
       <p:ext uri="{BB962C8B-B14F-4D97-AF65-F5344CB8AC3E}">
-        <p14:creationId xmlns:p14="http://schemas.microsoft.com/office/powerpoint/2010/main" val="2043488892"/>
+        <p14:creationId xmlns:p14="http://schemas.microsoft.com/office/powerpoint/2010/main" val="906282199"/>
       </p:ext>
     </p:extLst>
   </p:cSld>
@@ -14213,14 +16621,14 @@
           <a:p>
             <a:r>
               <a:rPr lang="de-DE" dirty="0"/>
-              <a:t>Lineares Wachstumsmodell</a:t>
-            </a:r>
-          </a:p>
-        </p:txBody>
-      </p:sp>
-      <p:sp>
-        <p:nvSpPr>
-          <p:cNvPr id="3" name="Textplatzhalter 2"/>
+              <a:t>Datensätze</a:t>
+            </a:r>
+          </a:p>
+        </p:txBody>
+      </p:sp>
+      <p:sp>
+        <p:nvSpPr>
+          <p:cNvPr id="10" name="Textplatzhalter 9"/>
           <p:cNvSpPr>
             <a:spLocks noGrp="1"/>
           </p:cNvSpPr>
@@ -14233,6 +16641,7 @@
           <a:bodyPr/>
           <a:lstStyle/>
           <a:p>
+            <a:pPr algn="ctr"/>
             <a:r>
               <a:rPr lang="de-DE" dirty="0"/>
               <a:t>Lineare Daten</a:t>
@@ -14240,83 +16649,362 @@
           </a:p>
         </p:txBody>
       </p:sp>
-      <p:sp>
-        <p:nvSpPr>
-          <p:cNvPr id="4" name="Inhaltsplatzhalter 3"/>
-          <p:cNvSpPr>
-            <a:spLocks noGrp="1"/>
-          </p:cNvSpPr>
-          <p:nvPr>
-            <p:ph sz="half" idx="2"/>
+      <mc:AlternateContent xmlns:mc="http://schemas.openxmlformats.org/markup-compatibility/2006" xmlns:a14="http://schemas.microsoft.com/office/drawing/2010/main">
+        <mc:Choice Requires="a14">
+          <p:sp>
+            <p:nvSpPr>
+              <p:cNvPr id="11" name="Inhaltsplatzhalter 10"/>
+              <p:cNvSpPr>
+                <a:spLocks noGrp="1"/>
+              </p:cNvSpPr>
+              <p:nvPr>
+                <p:ph sz="half" idx="2"/>
+              </p:nvPr>
+            </p:nvSpPr>
+            <p:spPr/>
+            <p:txBody>
+              <a:bodyPr/>
+              <a:lstStyle/>
+              <a:p>
+                <a:r>
+                  <a:rPr lang="de-DE" dirty="0"/>
+                  <a:t>Selbst erzeugt</a:t>
+                </a:r>
+              </a:p>
+              <a:p>
+                <a:r>
+                  <a:rPr lang="de-DE" dirty="0"/>
+                  <a:t>Daten im Zeitreihenkontext (Lineares Wachstum von t0, …, t5)</a:t>
+                </a:r>
+              </a:p>
+              <a:p>
+                <a:r>
+                  <a:rPr lang="de-DE" dirty="0" err="1"/>
+                  <a:t>Intercept</a:t>
+                </a:r>
+                <a:r>
+                  <a:rPr lang="de-DE" dirty="0"/>
+                  <a:t>: 10</a:t>
+                </a:r>
+              </a:p>
+              <a:p>
+                <a:r>
+                  <a:rPr lang="de-DE" dirty="0" err="1"/>
+                  <a:t>Slope</a:t>
+                </a:r>
+                <a:r>
+                  <a:rPr lang="de-DE" dirty="0"/>
+                  <a:t>: 4</a:t>
+                </a:r>
+              </a:p>
+              <a:p>
+                <a14:m>
+                  <m:oMath xmlns:m="http://schemas.openxmlformats.org/officeDocument/2006/math">
+                    <m:r>
+                      <a:rPr lang="de-DE" b="0" i="1" smtClean="0">
+                        <a:latin typeface="Cambria Math" panose="02040503050406030204" pitchFamily="18" charset="0"/>
+                      </a:rPr>
+                      <m:t>𝑓</m:t>
+                    </m:r>
+                    <m:d>
+                      <m:dPr>
+                        <m:ctrlPr>
+                          <a:rPr lang="de-DE" b="0" i="1" smtClean="0">
+                            <a:latin typeface="Cambria Math" panose="02040503050406030204" pitchFamily="18" charset="0"/>
+                          </a:rPr>
+                        </m:ctrlPr>
+                      </m:dPr>
+                      <m:e>
+                        <m:r>
+                          <a:rPr lang="de-DE" b="0" i="1" smtClean="0">
+                            <a:latin typeface="Cambria Math" panose="02040503050406030204" pitchFamily="18" charset="0"/>
+                          </a:rPr>
+                          <m:t>𝑥</m:t>
+                        </m:r>
+                      </m:e>
+                    </m:d>
+                    <m:r>
+                      <a:rPr lang="de-DE" i="1" smtClean="0">
+                        <a:latin typeface="Cambria Math" panose="02040503050406030204" pitchFamily="18" charset="0"/>
+                      </a:rPr>
+                      <m:t>=</m:t>
+                    </m:r>
+                    <m:r>
+                      <a:rPr lang="de-DE" b="0" i="1" smtClean="0">
+                        <a:latin typeface="Cambria Math" panose="02040503050406030204" pitchFamily="18" charset="0"/>
+                      </a:rPr>
+                      <m:t>4</m:t>
+                    </m:r>
+                    <m:r>
+                      <a:rPr lang="de-DE" b="0" i="1" smtClean="0">
+                        <a:latin typeface="Cambria Math" panose="02040503050406030204" pitchFamily="18" charset="0"/>
+                      </a:rPr>
+                      <m:t>𝑥</m:t>
+                    </m:r>
+                    <m:r>
+                      <a:rPr lang="de-DE" b="0" i="1" smtClean="0">
+                        <a:latin typeface="Cambria Math" panose="02040503050406030204" pitchFamily="18" charset="0"/>
+                      </a:rPr>
+                      <m:t>+10</m:t>
+                    </m:r>
+                  </m:oMath>
+                </a14:m>
+                <a:endParaRPr lang="de-DE" dirty="0"/>
+              </a:p>
+              <a:p>
+                <a:endParaRPr lang="de-DE" dirty="0"/>
+              </a:p>
+            </p:txBody>
+          </p:sp>
+        </mc:Choice>
+        <mc:Fallback xmlns="">
+          <p:sp>
+            <p:nvSpPr>
+              <p:cNvPr id="11" name="Inhaltsplatzhalter 10"/>
+              <p:cNvSpPr>
+                <a:spLocks noGrp="1" noRot="1" noChangeAspect="1" noMove="1" noResize="1" noEditPoints="1" noAdjustHandles="1" noChangeArrowheads="1" noChangeShapeType="1" noTextEdit="1"/>
+              </p:cNvSpPr>
+              <p:nvPr>
+                <p:ph sz="half" idx="2"/>
+              </p:nvPr>
+            </p:nvSpPr>
+            <p:spPr>
+              <a:blipFill>
+                <a:blip r:embed="rId2"/>
+                <a:stretch>
+                  <a:fillRect t="-183" r="-1367"/>
+                </a:stretch>
+              </a:blipFill>
+            </p:spPr>
+            <p:txBody>
+              <a:bodyPr/>
+              <a:lstStyle/>
+              <a:p>
+                <a:r>
+                  <a:rPr lang="de-DE">
+                    <a:noFill/>
+                  </a:rPr>
+                  <a:t> </a:t>
+                </a:r>
+              </a:p>
+            </p:txBody>
+          </p:sp>
+        </mc:Fallback>
+      </mc:AlternateContent>
+      <p:sp>
+        <p:nvSpPr>
+          <p:cNvPr id="12" name="Textplatzhalter 11"/>
+          <p:cNvSpPr>
+            <a:spLocks noGrp="1"/>
+          </p:cNvSpPr>
+          <p:nvPr>
+            <p:ph type="body" sz="quarter" idx="3"/>
           </p:nvPr>
         </p:nvSpPr>
         <p:spPr/>
         <p:txBody>
-          <a:bodyPr>
-            <a:normAutofit/>
-          </a:bodyPr>
-          <a:lstStyle/>
-          <a:p>
-            <a:pPr marL="0" indent="0">
-              <a:buNone/>
-            </a:pPr>
-            <a:r>
-              <a:rPr lang="en-NZ" sz="1100" dirty="0"/>
-              <a:t>Minimum Function Test Statistic  10.782</a:t>
-            </a:r>
-          </a:p>
-          <a:p>
-            <a:pPr marL="0" indent="0">
-              <a:buNone/>
-            </a:pPr>
-            <a:r>
-              <a:rPr lang="en-NZ" sz="1100" dirty="0"/>
-              <a:t>Degrees of freedom                            11</a:t>
-            </a:r>
-          </a:p>
-          <a:p>
-            <a:pPr marL="0" indent="0">
-              <a:buNone/>
-            </a:pPr>
-            <a:r>
-              <a:rPr lang="en-NZ" sz="1100" dirty="0"/>
-              <a:t>P-value (Chi-square)                      0.462</a:t>
-            </a:r>
-          </a:p>
-          <a:p>
-            <a:pPr marL="0" indent="0">
-              <a:buNone/>
-            </a:pPr>
-            <a:endParaRPr lang="de-DE" sz="1100" dirty="0"/>
-          </a:p>
-          <a:p>
-            <a:pPr marL="0" indent="0">
-              <a:buNone/>
-            </a:pPr>
-            <a:r>
-              <a:rPr lang="de-DE" sz="1100" dirty="0"/>
-              <a:t>s~1                                                 4.000</a:t>
-            </a:r>
-          </a:p>
-          <a:p>
-            <a:pPr marL="0" indent="0">
-              <a:buNone/>
-            </a:pPr>
-            <a:r>
-              <a:rPr lang="de-DE" sz="1100" dirty="0"/>
-              <a:t>i~1		       9.997</a:t>
-            </a:r>
-          </a:p>
-        </p:txBody>
-      </p:sp>
-      <p:sp>
-        <p:nvSpPr>
-          <p:cNvPr id="5" name="Textplatzhalter 4"/>
-          <p:cNvSpPr>
-            <a:spLocks noGrp="1"/>
-          </p:cNvSpPr>
-          <p:nvPr>
-            <p:ph type="body" sz="quarter" idx="3"/>
+          <a:bodyPr/>
+          <a:lstStyle/>
+          <a:p>
+            <a:pPr algn="ctr"/>
+            <a:r>
+              <a:rPr lang="de-DE" dirty="0"/>
+              <a:t>Quadratische Daten</a:t>
+            </a:r>
+          </a:p>
+        </p:txBody>
+      </p:sp>
+      <mc:AlternateContent xmlns:mc="http://schemas.openxmlformats.org/markup-compatibility/2006" xmlns:a14="http://schemas.microsoft.com/office/drawing/2010/main">
+        <mc:Choice Requires="a14">
+          <p:sp>
+            <p:nvSpPr>
+              <p:cNvPr id="13" name="Inhaltsplatzhalter 12"/>
+              <p:cNvSpPr>
+                <a:spLocks noGrp="1"/>
+              </p:cNvSpPr>
+              <p:nvPr>
+                <p:ph sz="quarter" idx="4"/>
+              </p:nvPr>
+            </p:nvSpPr>
+            <p:spPr/>
+            <p:txBody>
+              <a:bodyPr/>
+              <a:lstStyle/>
+              <a:p>
+                <a:r>
+                  <a:rPr lang="de-DE" dirty="0"/>
+                  <a:t>Selbst erzeugt</a:t>
+                </a:r>
+              </a:p>
+              <a:p>
+                <a:r>
+                  <a:rPr lang="de-DE" dirty="0"/>
+                  <a:t>Daten im Zeitreihenkontext</a:t>
+                </a:r>
+              </a:p>
+              <a:p>
+                <a:r>
+                  <a:rPr lang="de-DE" dirty="0" err="1"/>
+                  <a:t>Intercept</a:t>
+                </a:r>
+                <a:r>
+                  <a:rPr lang="de-DE" dirty="0"/>
+                  <a:t>: 10</a:t>
+                </a:r>
+              </a:p>
+              <a:p>
+                <a:r>
+                  <a:rPr lang="de-DE" dirty="0" err="1"/>
+                  <a:t>SlopeLin</a:t>
+                </a:r>
+                <a:r>
+                  <a:rPr lang="de-DE" dirty="0"/>
+                  <a:t>: 3</a:t>
+                </a:r>
+              </a:p>
+              <a:p>
+                <a:r>
+                  <a:rPr lang="de-DE" dirty="0" err="1"/>
+                  <a:t>SlopeQuad</a:t>
+                </a:r>
+                <a:r>
+                  <a:rPr lang="de-DE" dirty="0"/>
+                  <a:t>: 5</a:t>
+                </a:r>
+              </a:p>
+              <a:p>
+                <a14:m>
+                  <m:oMath xmlns:m="http://schemas.openxmlformats.org/officeDocument/2006/math">
+                    <m:r>
+                      <a:rPr lang="de-DE" i="1">
+                        <a:latin typeface="Cambria Math" panose="02040503050406030204" pitchFamily="18" charset="0"/>
+                      </a:rPr>
+                      <m:t>𝑓</m:t>
+                    </m:r>
+                    <m:d>
+                      <m:dPr>
+                        <m:ctrlPr>
+                          <a:rPr lang="de-DE" i="1">
+                            <a:latin typeface="Cambria Math" panose="02040503050406030204" pitchFamily="18" charset="0"/>
+                          </a:rPr>
+                        </m:ctrlPr>
+                      </m:dPr>
+                      <m:e>
+                        <m:r>
+                          <a:rPr lang="de-DE" i="1">
+                            <a:latin typeface="Cambria Math" panose="02040503050406030204" pitchFamily="18" charset="0"/>
+                          </a:rPr>
+                          <m:t>𝑥</m:t>
+                        </m:r>
+                      </m:e>
+                    </m:d>
+                    <m:r>
+                      <a:rPr lang="de-DE" i="1">
+                        <a:latin typeface="Cambria Math" panose="02040503050406030204" pitchFamily="18" charset="0"/>
+                      </a:rPr>
+                      <m:t>=</m:t>
+                    </m:r>
+                    <m:r>
+                      <a:rPr lang="de-DE" b="0" i="1" smtClean="0">
+                        <a:latin typeface="Cambria Math" panose="02040503050406030204" pitchFamily="18" charset="0"/>
+                      </a:rPr>
+                      <m:t>5</m:t>
+                    </m:r>
+                    <m:sSup>
+                      <m:sSupPr>
+                        <m:ctrlPr>
+                          <a:rPr lang="de-DE" b="0" i="1" smtClean="0">
+                            <a:latin typeface="Cambria Math" panose="02040503050406030204" pitchFamily="18" charset="0"/>
+                          </a:rPr>
+                        </m:ctrlPr>
+                      </m:sSupPr>
+                      <m:e>
+                        <m:r>
+                          <a:rPr lang="de-DE" b="0" i="1" smtClean="0">
+                            <a:latin typeface="Cambria Math" panose="02040503050406030204" pitchFamily="18" charset="0"/>
+                          </a:rPr>
+                          <m:t>𝑥</m:t>
+                        </m:r>
+                      </m:e>
+                      <m:sup>
+                        <m:r>
+                          <a:rPr lang="de-DE" b="0" i="1" smtClean="0">
+                            <a:latin typeface="Cambria Math" panose="02040503050406030204" pitchFamily="18" charset="0"/>
+                          </a:rPr>
+                          <m:t>2</m:t>
+                        </m:r>
+                      </m:sup>
+                    </m:sSup>
+                    <m:r>
+                      <a:rPr lang="de-DE" b="0" i="1" smtClean="0">
+                        <a:latin typeface="Cambria Math" panose="02040503050406030204" pitchFamily="18" charset="0"/>
+                      </a:rPr>
+                      <m:t>+3</m:t>
+                    </m:r>
+                    <m:r>
+                      <a:rPr lang="de-DE" b="0" i="1" smtClean="0">
+                        <a:latin typeface="Cambria Math" panose="02040503050406030204" pitchFamily="18" charset="0"/>
+                      </a:rPr>
+                      <m:t>𝑥</m:t>
+                    </m:r>
+                    <m:r>
+                      <a:rPr lang="de-DE" b="0" i="1" smtClean="0">
+                        <a:latin typeface="Cambria Math" panose="02040503050406030204" pitchFamily="18" charset="0"/>
+                      </a:rPr>
+                      <m:t>+10</m:t>
+                    </m:r>
+                  </m:oMath>
+                </a14:m>
+                <a:endParaRPr lang="de-DE" dirty="0"/>
+              </a:p>
+              <a:p>
+                <a:endParaRPr lang="de-DE" dirty="0"/>
+              </a:p>
+            </p:txBody>
+          </p:sp>
+        </mc:Choice>
+        <mc:Fallback xmlns="">
+          <p:sp>
+            <p:nvSpPr>
+              <p:cNvPr id="13" name="Inhaltsplatzhalter 12"/>
+              <p:cNvSpPr>
+                <a:spLocks noGrp="1" noRot="1" noChangeAspect="1" noMove="1" noResize="1" noEditPoints="1" noAdjustHandles="1" noChangeArrowheads="1" noChangeShapeType="1" noTextEdit="1"/>
+              </p:cNvSpPr>
+              <p:nvPr>
+                <p:ph sz="quarter" idx="4"/>
+              </p:nvPr>
+            </p:nvSpPr>
+            <p:spPr>
+              <a:blipFill>
+                <a:blip r:embed="rId3"/>
+                <a:stretch>
+                  <a:fillRect l="-216" t="-183"/>
+                </a:stretch>
+              </a:blipFill>
+            </p:spPr>
+            <p:txBody>
+              <a:bodyPr/>
+              <a:lstStyle/>
+              <a:p>
+                <a:r>
+                  <a:rPr lang="de-DE">
+                    <a:noFill/>
+                  </a:rPr>
+                  <a:t> </a:t>
+                </a:r>
+              </a:p>
+            </p:txBody>
+          </p:sp>
+        </mc:Fallback>
+      </mc:AlternateContent>
+      <p:sp>
+        <p:nvSpPr>
+          <p:cNvPr id="4" name="Datumsplatzhalter 3"/>
+          <p:cNvSpPr>
+            <a:spLocks noGrp="1"/>
+          </p:cNvSpPr>
+          <p:nvPr>
+            <p:ph type="dt" sz="half" idx="10"/>
           </p:nvPr>
         </p:nvSpPr>
         <p:spPr/>
@@ -14324,131 +17012,7 @@
           <a:bodyPr/>
           <a:lstStyle/>
           <a:p>
-            <a:r>
-              <a:rPr lang="de-DE" dirty="0"/>
-              <a:t>Polynominelle Daten</a:t>
-            </a:r>
-          </a:p>
-        </p:txBody>
-      </p:sp>
-      <p:sp>
-        <p:nvSpPr>
-          <p:cNvPr id="6" name="Inhaltsplatzhalter 5"/>
-          <p:cNvSpPr>
-            <a:spLocks noGrp="1"/>
-          </p:cNvSpPr>
-          <p:nvPr>
-            <p:ph sz="quarter" idx="4"/>
-          </p:nvPr>
-        </p:nvSpPr>
-        <p:spPr>
-          <a:xfrm>
-            <a:off x="3131841" y="1419622"/>
-            <a:ext cx="2808311" cy="2016224"/>
-          </a:xfrm>
-        </p:spPr>
-        <p:txBody>
-          <a:bodyPr/>
-          <a:lstStyle/>
-          <a:p>
-            <a:pPr marL="0" lvl="0" indent="0">
-              <a:buNone/>
-            </a:pPr>
-            <a:r>
-              <a:rPr lang="en-NZ" sz="1100" dirty="0">
-                <a:solidFill>
-                  <a:prstClr val="black"/>
-                </a:solidFill>
-              </a:rPr>
-              <a:t>Minimum Function Test Statistic 146766.1</a:t>
-            </a:r>
-          </a:p>
-          <a:p>
-            <a:pPr marL="0" lvl="0" indent="0">
-              <a:buNone/>
-            </a:pPr>
-            <a:r>
-              <a:rPr lang="en-NZ" sz="1100" dirty="0">
-                <a:solidFill>
-                  <a:prstClr val="black"/>
-                </a:solidFill>
-              </a:rPr>
-              <a:t>Degrees of freedom                                11</a:t>
-            </a:r>
-          </a:p>
-          <a:p>
-            <a:pPr marL="0" lvl="0" indent="0">
-              <a:buNone/>
-            </a:pPr>
-            <a:r>
-              <a:rPr lang="en-NZ" sz="1100" dirty="0">
-                <a:solidFill>
-                  <a:prstClr val="black"/>
-                </a:solidFill>
-              </a:rPr>
-              <a:t>P-value (Chi-square)                         0.000</a:t>
-            </a:r>
-          </a:p>
-          <a:p>
-            <a:pPr marL="0" lvl="0" indent="0">
-              <a:buNone/>
-            </a:pPr>
-            <a:endParaRPr lang="de-DE" sz="1100" dirty="0">
-              <a:solidFill>
-                <a:prstClr val="black"/>
-              </a:solidFill>
-            </a:endParaRPr>
-          </a:p>
-          <a:p>
-            <a:pPr marL="0" lvl="0" indent="0">
-              <a:buNone/>
-            </a:pPr>
-            <a:r>
-              <a:rPr lang="de-DE" sz="1100" dirty="0">
-                <a:solidFill>
-                  <a:prstClr val="black"/>
-                </a:solidFill>
-              </a:rPr>
-              <a:t>s~1 		         28.430</a:t>
-            </a:r>
-          </a:p>
-          <a:p>
-            <a:pPr marL="0" lvl="0" indent="0">
-              <a:buNone/>
-            </a:pPr>
-            <a:r>
-              <a:rPr lang="de-DE" sz="1100" dirty="0">
-                <a:solidFill>
-                  <a:prstClr val="black"/>
-                </a:solidFill>
-              </a:rPr>
-              <a:t>i~1		        -16.049</a:t>
-            </a:r>
-          </a:p>
-          <a:p>
-            <a:pPr marL="0" indent="0">
-              <a:buNone/>
-            </a:pPr>
-            <a:endParaRPr lang="de-DE" dirty="0"/>
-          </a:p>
-        </p:txBody>
-      </p:sp>
-      <p:sp>
-        <p:nvSpPr>
-          <p:cNvPr id="7" name="Datumsplatzhalter 6"/>
-          <p:cNvSpPr>
-            <a:spLocks noGrp="1"/>
-          </p:cNvSpPr>
-          <p:nvPr>
-            <p:ph type="dt" sz="half" idx="10"/>
-          </p:nvPr>
-        </p:nvSpPr>
-        <p:spPr/>
-        <p:txBody>
-          <a:bodyPr/>
-          <a:lstStyle/>
-          <a:p>
-            <a:fld id="{DA5DE712-6C0E-4DF7-B336-AC97213DC93D}" type="datetime1">
+            <a:fld id="{6DB845E5-DACF-426C-8A10-A6438D29DD66}" type="datetime1">
               <a:rPr lang="de-DE" smtClean="0"/>
               <a:pPr/>
               <a:t>19.02.2018</a:t>
@@ -14459,7 +17023,7 @@
       </p:sp>
       <p:sp>
         <p:nvSpPr>
-          <p:cNvPr id="8" name="Fußzeilenplatzhalter 7"/>
+          <p:cNvPr id="5" name="Fußzeilenplatzhalter 4"/>
           <p:cNvSpPr>
             <a:spLocks noGrp="1"/>
           </p:cNvSpPr>
@@ -14482,7 +17046,7 @@
       </p:sp>
       <p:sp>
         <p:nvSpPr>
-          <p:cNvPr id="9" name="Foliennummernplatzhalter 8"/>
+          <p:cNvPr id="6" name="Foliennummernplatzhalter 5"/>
           <p:cNvSpPr>
             <a:spLocks noGrp="1"/>
           </p:cNvSpPr>
@@ -14506,7 +17070,7 @@
       </p:sp>
       <p:sp>
         <p:nvSpPr>
-          <p:cNvPr id="10" name="Inhaltsplatzhalter 9"/>
+          <p:cNvPr id="14" name="Inhaltsplatzhalter 13"/>
           <p:cNvSpPr>
             <a:spLocks noGrp="1"/>
           </p:cNvSpPr>
@@ -14519,91 +17083,34 @@
           <a:bodyPr/>
           <a:lstStyle/>
           <a:p>
-            <a:pPr marL="0" lvl="0" indent="0">
-              <a:buNone/>
-            </a:pPr>
-            <a:r>
-              <a:rPr lang="en-NZ" sz="1100" dirty="0">
-                <a:solidFill>
-                  <a:prstClr val="black"/>
-                </a:solidFill>
-              </a:rPr>
-              <a:t>Minimum Function Test Statistic 1095.67</a:t>
-            </a:r>
-          </a:p>
-          <a:p>
-            <a:pPr marL="0" lvl="0" indent="0">
-              <a:buNone/>
-            </a:pPr>
-            <a:r>
-              <a:rPr lang="en-NZ" sz="1100" dirty="0">
-                <a:solidFill>
-                  <a:prstClr val="black"/>
-                </a:solidFill>
-              </a:rPr>
-              <a:t>Degrees of freedom                             11</a:t>
-            </a:r>
-          </a:p>
-          <a:p>
-            <a:pPr marL="0" lvl="0" indent="0">
-              <a:buNone/>
-            </a:pPr>
-            <a:r>
-              <a:rPr lang="en-NZ" sz="1100" dirty="0">
-                <a:solidFill>
-                  <a:prstClr val="black"/>
-                </a:solidFill>
-              </a:rPr>
-              <a:t>P-value (Chi-square)                      0.000</a:t>
-            </a:r>
-          </a:p>
-          <a:p>
-            <a:pPr marL="0" lvl="0" indent="0">
-              <a:buNone/>
-            </a:pPr>
-            <a:endParaRPr lang="de-DE" sz="1100" dirty="0">
-              <a:solidFill>
-                <a:prstClr val="black"/>
-              </a:solidFill>
-            </a:endParaRPr>
-          </a:p>
-          <a:p>
-            <a:pPr marL="0" lvl="0" indent="0">
-              <a:buNone/>
-            </a:pPr>
-            <a:r>
-              <a:rPr lang="de-DE" sz="1100" dirty="0">
-                <a:solidFill>
-                  <a:prstClr val="black"/>
-                </a:solidFill>
-              </a:rPr>
-              <a:t>s~1                                                   2.224</a:t>
-            </a:r>
-          </a:p>
-          <a:p>
-            <a:pPr marL="0" lvl="0" indent="0">
-              <a:buNone/>
-            </a:pPr>
-            <a:r>
-              <a:rPr lang="de-DE" sz="1100" dirty="0">
-                <a:solidFill>
-                  <a:prstClr val="black"/>
-                </a:solidFill>
-              </a:rPr>
-              <a:t>i~1		       23.094</a:t>
-            </a:r>
-          </a:p>
-          <a:p>
-            <a:pPr marL="0" indent="0">
-              <a:buNone/>
-            </a:pPr>
-            <a:endParaRPr lang="de-DE" dirty="0"/>
-          </a:p>
-        </p:txBody>
-      </p:sp>
-      <p:sp>
-        <p:nvSpPr>
-          <p:cNvPr id="11" name="Textplatzhalter 10"/>
+            <a:r>
+              <a:rPr lang="de-DE" dirty="0"/>
+              <a:t>Datensatz aus Kline, 2015</a:t>
+            </a:r>
+          </a:p>
+          <a:p>
+            <a:r>
+              <a:rPr lang="de-DE" dirty="0"/>
+              <a:t>Daten im Zeitreihenkontext</a:t>
+            </a:r>
+          </a:p>
+          <a:p>
+            <a:r>
+              <a:rPr lang="de-DE" dirty="0"/>
+              <a:t>137 Versuchsobjekte</a:t>
+            </a:r>
+          </a:p>
+          <a:p>
+            <a:r>
+              <a:rPr lang="de-DE" dirty="0"/>
+              <a:t>6 Versuche (t0, …, t5)</a:t>
+            </a:r>
+          </a:p>
+        </p:txBody>
+      </p:sp>
+      <p:sp>
+        <p:nvSpPr>
+          <p:cNvPr id="15" name="Textplatzhalter 14"/>
           <p:cNvSpPr>
             <a:spLocks noGrp="1"/>
           </p:cNvSpPr>
@@ -14616,6 +17123,7 @@
           <a:bodyPr/>
           <a:lstStyle/>
           <a:p>
+            <a:pPr algn="ctr"/>
             <a:r>
               <a:rPr lang="de-DE" dirty="0"/>
               <a:t>Nicht-Lineare Daten</a:t>
@@ -14623,32 +17131,103 @@
           </a:p>
         </p:txBody>
       </p:sp>
-      <p:sp>
-        <p:nvSpPr>
-          <p:cNvPr id="12" name="Inhaltsplatzhalter 11"/>
-          <p:cNvSpPr>
-            <a:spLocks noGrp="1"/>
-          </p:cNvSpPr>
-          <p:nvPr>
-            <p:ph sz="quarter" idx="15"/>
-          </p:nvPr>
-        </p:nvSpPr>
-        <p:spPr/>
-        <p:txBody>
-          <a:bodyPr/>
-          <a:lstStyle/>
-          <a:p>
-            <a:r>
-              <a:rPr lang="de-DE" dirty="0"/>
-              <a:t>Best fit: Lineare Daten</a:t>
-            </a:r>
-          </a:p>
-        </p:txBody>
-      </p:sp>
+      <p:pic>
+        <p:nvPicPr>
+          <p:cNvPr id="7" name="Grafik 6" descr="Bildschirmausschnitt"/>
+          <p:cNvPicPr>
+            <a:picLocks noChangeAspect="1"/>
+          </p:cNvPicPr>
+          <p:nvPr/>
+        </p:nvPicPr>
+        <p:blipFill>
+          <a:blip r:embed="rId4">
+            <a:extLst>
+              <a:ext uri="{28A0092B-C50C-407E-A947-70E740481C1C}">
+                <a14:useLocalDpi xmlns:a14="http://schemas.microsoft.com/office/drawing/2010/main" val="0"/>
+              </a:ext>
+            </a:extLst>
+          </a:blip>
+          <a:stretch>
+            <a:fillRect/>
+          </a:stretch>
+        </p:blipFill>
+        <p:spPr>
+          <a:xfrm>
+            <a:off x="683568" y="3291830"/>
+            <a:ext cx="1914440" cy="1282872"/>
+          </a:xfrm>
+          <a:prstGeom prst="rect">
+            <a:avLst/>
+          </a:prstGeom>
+        </p:spPr>
+      </p:pic>
+      <p:pic>
+        <p:nvPicPr>
+          <p:cNvPr id="8" name="Grafik 7" descr="Bildschirmausschnitt"/>
+          <p:cNvPicPr>
+            <a:picLocks noChangeAspect="1"/>
+          </p:cNvPicPr>
+          <p:nvPr/>
+        </p:nvPicPr>
+        <p:blipFill>
+          <a:blip r:embed="rId5">
+            <a:extLst>
+              <a:ext uri="{28A0092B-C50C-407E-A947-70E740481C1C}">
+                <a14:useLocalDpi xmlns:a14="http://schemas.microsoft.com/office/drawing/2010/main" val="0"/>
+              </a:ext>
+            </a:extLst>
+          </a:blip>
+          <a:stretch>
+            <a:fillRect/>
+          </a:stretch>
+        </p:blipFill>
+        <p:spPr>
+          <a:xfrm>
+            <a:off x="3635896" y="3219822"/>
+            <a:ext cx="1876550" cy="1244931"/>
+          </a:xfrm>
+          <a:prstGeom prst="rect">
+            <a:avLst/>
+          </a:prstGeom>
+        </p:spPr>
+      </p:pic>
+      <p:pic>
+        <p:nvPicPr>
+          <p:cNvPr id="16" name="Grafik 15" descr="Bildschirmausschnitt"/>
+          <p:cNvPicPr>
+            <a:picLocks noChangeAspect="1"/>
+          </p:cNvPicPr>
+          <p:nvPr/>
+        </p:nvPicPr>
+        <p:blipFill>
+          <a:blip r:embed="rId6" cstate="print">
+            <a:extLst>
+              <a:ext uri="{28A0092B-C50C-407E-A947-70E740481C1C}">
+                <a14:useLocalDpi xmlns:a14="http://schemas.microsoft.com/office/drawing/2010/main" val="0"/>
+              </a:ext>
+            </a:extLst>
+          </a:blip>
+          <a:stretch>
+            <a:fillRect/>
+          </a:stretch>
+        </p:blipFill>
+        <p:spPr>
+          <a:xfrm>
+            <a:off x="6394386" y="2846019"/>
+            <a:ext cx="2115546" cy="1618734"/>
+          </a:xfrm>
+          <a:prstGeom prst="rect">
+            <a:avLst/>
+          </a:prstGeom>
+          <a:ln>
+            <a:noFill/>
+          </a:ln>
+        </p:spPr>
+      </p:pic>
     </p:spTree>
     <p:extLst>
       <p:ext uri="{BB962C8B-B14F-4D97-AF65-F5344CB8AC3E}">
-        <p14:creationId xmlns:p14="http://schemas.microsoft.com/office/powerpoint/2010/main" val="1362165013"/>
+        <p14:creationId xmlns:p14="http://schemas.microsoft.com/office/powerpoint/2010/main" val="1454246204"/>
       </p:ext>
     </p:extLst>
   </p:cSld>

--- a/Christian_sem17_18_wachstumsmodelle_präsentation.pptx
+++ b/Christian_sem17_18_wachstumsmodelle_präsentation.pptx
@@ -5,10 +5,10 @@
     <p:sldMasterId id="2147483658" r:id="rId1"/>
   </p:sldMasterIdLst>
   <p:notesMasterIdLst>
-    <p:notesMasterId r:id="rId23"/>
+    <p:notesMasterId r:id="rId25"/>
   </p:notesMasterIdLst>
   <p:handoutMasterIdLst>
-    <p:handoutMasterId r:id="rId24"/>
+    <p:handoutMasterId r:id="rId26"/>
   </p:handoutMasterIdLst>
   <p:sldIdLst>
     <p:sldId id="290" r:id="rId2"/>
@@ -30,8 +30,10 @@
     <p:sldId id="282" r:id="rId18"/>
     <p:sldId id="288" r:id="rId19"/>
     <p:sldId id="302" r:id="rId20"/>
-    <p:sldId id="300" r:id="rId21"/>
-    <p:sldId id="301" r:id="rId22"/>
+    <p:sldId id="304" r:id="rId21"/>
+    <p:sldId id="300" r:id="rId22"/>
+    <p:sldId id="301" r:id="rId23"/>
+    <p:sldId id="303" r:id="rId24"/>
   </p:sldIdLst>
   <p:sldSz cx="9144000" cy="5143500" type="screen16x9"/>
   <p:notesSz cx="6858000" cy="9144000"/>
@@ -8289,6 +8291,153 @@
           </a:p>
         </p:txBody>
       </p:sp>
+      <mc:AlternateContent xmlns:mc="http://schemas.openxmlformats.org/markup-compatibility/2006">
+        <mc:Choice xmlns:a14="http://schemas.microsoft.com/office/drawing/2010/main" Requires="a14">
+          <p:sp>
+            <p:nvSpPr>
+              <p:cNvPr id="3" name="Rechteck 2">
+                <a:extLst>
+                  <a:ext uri="{FF2B5EF4-FFF2-40B4-BE49-F238E27FC236}">
+                    <a16:creationId xmlns:a16="http://schemas.microsoft.com/office/drawing/2014/main" id="{3832E256-6E84-44C2-84EF-CCC79523AA33}"/>
+                  </a:ext>
+                </a:extLst>
+              </p:cNvPr>
+              <p:cNvSpPr/>
+              <p:nvPr/>
+            </p:nvSpPr>
+            <p:spPr>
+              <a:xfrm>
+                <a:off x="179512" y="1203598"/>
+                <a:ext cx="1808444" cy="369332"/>
+              </a:xfrm>
+              <a:prstGeom prst="rect">
+                <a:avLst/>
+              </a:prstGeom>
+            </p:spPr>
+            <p:txBody>
+              <a:bodyPr wrap="none">
+                <a:spAutoFit/>
+              </a:bodyPr>
+              <a:lstStyle/>
+              <a:p>
+                <a14:m>
+                  <m:oMathPara xmlns:m="http://schemas.openxmlformats.org/officeDocument/2006/math">
+                    <m:oMathParaPr>
+                      <m:jc m:val="centerGroup"/>
+                    </m:oMathParaPr>
+                    <m:oMath xmlns:m="http://schemas.openxmlformats.org/officeDocument/2006/math">
+                      <m:r>
+                        <a:rPr lang="de-DE" i="1" smtClean="0">
+                          <a:latin typeface="Cambria Math" panose="02040503050406030204" pitchFamily="18" charset="0"/>
+                        </a:rPr>
+                        <m:t>𝑓</m:t>
+                      </m:r>
+                      <m:d>
+                        <m:dPr>
+                          <m:ctrlPr>
+                            <a:rPr lang="de-DE" i="1">
+                              <a:latin typeface="Cambria Math" panose="02040503050406030204" pitchFamily="18" charset="0"/>
+                            </a:rPr>
+                          </m:ctrlPr>
+                        </m:dPr>
+                        <m:e>
+                          <m:r>
+                            <a:rPr lang="de-DE" i="1">
+                              <a:latin typeface="Cambria Math" panose="02040503050406030204" pitchFamily="18" charset="0"/>
+                            </a:rPr>
+                            <m:t>𝑥</m:t>
+                          </m:r>
+                        </m:e>
+                      </m:d>
+                      <m:r>
+                        <a:rPr lang="de-DE" i="1">
+                          <a:latin typeface="Cambria Math" panose="02040503050406030204" pitchFamily="18" charset="0"/>
+                        </a:rPr>
+                        <m:t>=</m:t>
+                      </m:r>
+                      <m:r>
+                        <a:rPr lang="de-DE" b="0" i="1" smtClean="0">
+                          <a:latin typeface="Cambria Math" panose="02040503050406030204" pitchFamily="18" charset="0"/>
+                        </a:rPr>
+                        <m:t>𝑠</m:t>
+                      </m:r>
+                      <m:r>
+                        <a:rPr lang="de-DE" b="0" i="1" smtClean="0">
+                          <a:latin typeface="Cambria Math" panose="02040503050406030204" pitchFamily="18" charset="0"/>
+                        </a:rPr>
+                        <m:t>∗</m:t>
+                      </m:r>
+                      <m:r>
+                        <a:rPr lang="de-DE" i="1">
+                          <a:latin typeface="Cambria Math" panose="02040503050406030204" pitchFamily="18" charset="0"/>
+                        </a:rPr>
+                        <m:t>𝑥</m:t>
+                      </m:r>
+                      <m:r>
+                        <a:rPr lang="de-DE" i="1">
+                          <a:latin typeface="Cambria Math" panose="02040503050406030204" pitchFamily="18" charset="0"/>
+                        </a:rPr>
+                        <m:t>+</m:t>
+                      </m:r>
+                      <m:r>
+                        <a:rPr lang="de-DE" b="0" i="1" smtClean="0">
+                          <a:latin typeface="Cambria Math" panose="02040503050406030204" pitchFamily="18" charset="0"/>
+                        </a:rPr>
+                        <m:t>𝑖</m:t>
+                      </m:r>
+                    </m:oMath>
+                  </m:oMathPara>
+                </a14:m>
+                <a:endParaRPr lang="de-DE" dirty="0"/>
+              </a:p>
+            </p:txBody>
+          </p:sp>
+        </mc:Choice>
+        <mc:Fallback>
+          <p:sp>
+            <p:nvSpPr>
+              <p:cNvPr id="3" name="Rechteck 2">
+                <a:extLst>
+                  <a:ext uri="{FF2B5EF4-FFF2-40B4-BE49-F238E27FC236}">
+                    <a16:creationId xmlns:a16="http://schemas.microsoft.com/office/drawing/2014/main" id="{3832E256-6E84-44C2-84EF-CCC79523AA33}"/>
+                  </a:ext>
+                </a:extLst>
+              </p:cNvPr>
+              <p:cNvSpPr>
+                <a:spLocks noRot="1" noChangeAspect="1" noMove="1" noResize="1" noEditPoints="1" noAdjustHandles="1" noChangeArrowheads="1" noChangeShapeType="1" noTextEdit="1"/>
+              </p:cNvSpPr>
+              <p:nvPr/>
+            </p:nvSpPr>
+            <p:spPr>
+              <a:xfrm>
+                <a:off x="179512" y="1203598"/>
+                <a:ext cx="1808444" cy="369332"/>
+              </a:xfrm>
+              <a:prstGeom prst="rect">
+                <a:avLst/>
+              </a:prstGeom>
+              <a:blipFill>
+                <a:blip r:embed="rId3"/>
+                <a:stretch>
+                  <a:fillRect b="-13115"/>
+                </a:stretch>
+              </a:blipFill>
+            </p:spPr>
+            <p:txBody>
+              <a:bodyPr/>
+              <a:lstStyle/>
+              <a:p>
+                <a:r>
+                  <a:rPr lang="en-NZ">
+                    <a:noFill/>
+                  </a:rPr>
+                  <a:t> </a:t>
+                </a:r>
+              </a:p>
+            </p:txBody>
+          </p:sp>
+        </mc:Fallback>
+      </mc:AlternateContent>
     </p:spTree>
     <p:extLst>
       <p:ext uri="{BB962C8B-B14F-4D97-AF65-F5344CB8AC3E}">
@@ -9407,6 +9556,196 @@
           </a:p>
         </p:txBody>
       </p:sp>
+      <mc:AlternateContent xmlns:mc="http://schemas.openxmlformats.org/markup-compatibility/2006">
+        <mc:Choice xmlns:a14="http://schemas.microsoft.com/office/drawing/2010/main" Requires="a14">
+          <p:sp>
+            <p:nvSpPr>
+              <p:cNvPr id="5" name="Rechteck 4">
+                <a:extLst>
+                  <a:ext uri="{FF2B5EF4-FFF2-40B4-BE49-F238E27FC236}">
+                    <a16:creationId xmlns:a16="http://schemas.microsoft.com/office/drawing/2014/main" id="{BF34EA1B-77C1-443F-9F6C-A614BE69AA26}"/>
+                  </a:ext>
+                </a:extLst>
+              </p:cNvPr>
+              <p:cNvSpPr/>
+              <p:nvPr/>
+            </p:nvSpPr>
+            <p:spPr>
+              <a:xfrm>
+                <a:off x="67322" y="1100047"/>
+                <a:ext cx="2778005" cy="369332"/>
+              </a:xfrm>
+              <a:prstGeom prst="rect">
+                <a:avLst/>
+              </a:prstGeom>
+            </p:spPr>
+            <p:txBody>
+              <a:bodyPr wrap="none">
+                <a:spAutoFit/>
+              </a:bodyPr>
+              <a:lstStyle/>
+              <a:p>
+                <a14:m>
+                  <m:oMathPara xmlns:m="http://schemas.openxmlformats.org/officeDocument/2006/math">
+                    <m:oMathParaPr>
+                      <m:jc m:val="centerGroup"/>
+                    </m:oMathParaPr>
+                    <m:oMath xmlns:m="http://schemas.openxmlformats.org/officeDocument/2006/math">
+                      <m:r>
+                        <a:rPr lang="de-DE" i="1" smtClean="0">
+                          <a:latin typeface="Cambria Math" panose="02040503050406030204" pitchFamily="18" charset="0"/>
+                        </a:rPr>
+                        <m:t>𝑓</m:t>
+                      </m:r>
+                      <m:d>
+                        <m:dPr>
+                          <m:ctrlPr>
+                            <a:rPr lang="de-DE" i="1">
+                              <a:latin typeface="Cambria Math" panose="02040503050406030204" pitchFamily="18" charset="0"/>
+                            </a:rPr>
+                          </m:ctrlPr>
+                        </m:dPr>
+                        <m:e>
+                          <m:r>
+                            <a:rPr lang="de-DE" i="1">
+                              <a:latin typeface="Cambria Math" panose="02040503050406030204" pitchFamily="18" charset="0"/>
+                            </a:rPr>
+                            <m:t>𝑥</m:t>
+                          </m:r>
+                        </m:e>
+                      </m:d>
+                      <m:r>
+                        <a:rPr lang="de-DE" i="1">
+                          <a:latin typeface="Cambria Math" panose="02040503050406030204" pitchFamily="18" charset="0"/>
+                        </a:rPr>
+                        <m:t>=</m:t>
+                      </m:r>
+                      <m:r>
+                        <a:rPr lang="de-DE" b="0" i="1" smtClean="0">
+                          <a:latin typeface="Cambria Math" panose="02040503050406030204" pitchFamily="18" charset="0"/>
+                        </a:rPr>
+                        <m:t>𝑠</m:t>
+                      </m:r>
+                      <m:r>
+                        <a:rPr lang="de-DE" b="0" i="1" smtClean="0">
+                          <a:latin typeface="Cambria Math" panose="02040503050406030204" pitchFamily="18" charset="0"/>
+                        </a:rPr>
+                        <m:t>2∗</m:t>
+                      </m:r>
+                      <m:sSup>
+                        <m:sSupPr>
+                          <m:ctrlPr>
+                            <a:rPr lang="de-DE" i="1">
+                              <a:latin typeface="Cambria Math" panose="02040503050406030204" pitchFamily="18" charset="0"/>
+                            </a:rPr>
+                          </m:ctrlPr>
+                        </m:sSupPr>
+                        <m:e>
+                          <m:r>
+                            <a:rPr lang="de-DE" i="1">
+                              <a:latin typeface="Cambria Math" panose="02040503050406030204" pitchFamily="18" charset="0"/>
+                            </a:rPr>
+                            <m:t>𝑥</m:t>
+                          </m:r>
+                        </m:e>
+                        <m:sup>
+                          <m:r>
+                            <a:rPr lang="de-DE" i="1">
+                              <a:latin typeface="Cambria Math" panose="02040503050406030204" pitchFamily="18" charset="0"/>
+                            </a:rPr>
+                            <m:t>2</m:t>
+                          </m:r>
+                        </m:sup>
+                      </m:sSup>
+                      <m:r>
+                        <a:rPr lang="de-DE" i="1">
+                          <a:latin typeface="Cambria Math" panose="02040503050406030204" pitchFamily="18" charset="0"/>
+                        </a:rPr>
+                        <m:t>+</m:t>
+                      </m:r>
+                      <m:r>
+                        <a:rPr lang="de-DE" b="0" i="1" smtClean="0">
+                          <a:latin typeface="Cambria Math" panose="02040503050406030204" pitchFamily="18" charset="0"/>
+                        </a:rPr>
+                        <m:t>𝑠</m:t>
+                      </m:r>
+                      <m:r>
+                        <a:rPr lang="de-DE" b="0" i="1" smtClean="0">
+                          <a:latin typeface="Cambria Math" panose="02040503050406030204" pitchFamily="18" charset="0"/>
+                        </a:rPr>
+                        <m:t>∗</m:t>
+                      </m:r>
+                      <m:r>
+                        <a:rPr lang="de-DE" i="1">
+                          <a:latin typeface="Cambria Math" panose="02040503050406030204" pitchFamily="18" charset="0"/>
+                        </a:rPr>
+                        <m:t>𝑥</m:t>
+                      </m:r>
+                      <m:r>
+                        <a:rPr lang="de-DE" i="1">
+                          <a:latin typeface="Cambria Math" panose="02040503050406030204" pitchFamily="18" charset="0"/>
+                        </a:rPr>
+                        <m:t>+</m:t>
+                      </m:r>
+                      <m:r>
+                        <a:rPr lang="de-DE" b="0" i="1" smtClean="0">
+                          <a:latin typeface="Cambria Math" panose="02040503050406030204" pitchFamily="18" charset="0"/>
+                        </a:rPr>
+                        <m:t>𝑖</m:t>
+                      </m:r>
+                    </m:oMath>
+                  </m:oMathPara>
+                </a14:m>
+                <a:endParaRPr lang="de-DE" dirty="0"/>
+              </a:p>
+            </p:txBody>
+          </p:sp>
+        </mc:Choice>
+        <mc:Fallback>
+          <p:sp>
+            <p:nvSpPr>
+              <p:cNvPr id="5" name="Rechteck 4">
+                <a:extLst>
+                  <a:ext uri="{FF2B5EF4-FFF2-40B4-BE49-F238E27FC236}">
+                    <a16:creationId xmlns:a16="http://schemas.microsoft.com/office/drawing/2014/main" id="{BF34EA1B-77C1-443F-9F6C-A614BE69AA26}"/>
+                  </a:ext>
+                </a:extLst>
+              </p:cNvPr>
+              <p:cNvSpPr>
+                <a:spLocks noRot="1" noChangeAspect="1" noMove="1" noResize="1" noEditPoints="1" noAdjustHandles="1" noChangeArrowheads="1" noChangeShapeType="1" noTextEdit="1"/>
+              </p:cNvSpPr>
+              <p:nvPr/>
+            </p:nvSpPr>
+            <p:spPr>
+              <a:xfrm>
+                <a:off x="67322" y="1100047"/>
+                <a:ext cx="2778005" cy="369332"/>
+              </a:xfrm>
+              <a:prstGeom prst="rect">
+                <a:avLst/>
+              </a:prstGeom>
+              <a:blipFill>
+                <a:blip r:embed="rId3"/>
+                <a:stretch>
+                  <a:fillRect b="-13115"/>
+                </a:stretch>
+              </a:blipFill>
+            </p:spPr>
+            <p:txBody>
+              <a:bodyPr/>
+              <a:lstStyle/>
+              <a:p>
+                <a:r>
+                  <a:rPr lang="en-NZ">
+                    <a:noFill/>
+                  </a:rPr>
+                  <a:t> </a:t>
+                </a:r>
+              </a:p>
+            </p:txBody>
+          </p:sp>
+        </mc:Fallback>
+      </mc:AlternateContent>
     </p:spTree>
     <p:extLst>
       <p:ext uri="{BB962C8B-B14F-4D97-AF65-F5344CB8AC3E}">
@@ -10231,6 +10570,196 @@
           </a:p>
         </p:txBody>
       </p:sp>
+      <mc:AlternateContent xmlns:mc="http://schemas.openxmlformats.org/markup-compatibility/2006">
+        <mc:Choice xmlns:a14="http://schemas.microsoft.com/office/drawing/2010/main" Requires="a14">
+          <p:sp>
+            <p:nvSpPr>
+              <p:cNvPr id="27" name="Rechteck 26">
+                <a:extLst>
+                  <a:ext uri="{FF2B5EF4-FFF2-40B4-BE49-F238E27FC236}">
+                    <a16:creationId xmlns:a16="http://schemas.microsoft.com/office/drawing/2014/main" id="{831B135C-E427-482B-B3A4-742AFC8E7C1A}"/>
+                  </a:ext>
+                </a:extLst>
+              </p:cNvPr>
+              <p:cNvSpPr/>
+              <p:nvPr/>
+            </p:nvSpPr>
+            <p:spPr>
+              <a:xfrm>
+                <a:off x="67322" y="1100047"/>
+                <a:ext cx="2778005" cy="369332"/>
+              </a:xfrm>
+              <a:prstGeom prst="rect">
+                <a:avLst/>
+              </a:prstGeom>
+            </p:spPr>
+            <p:txBody>
+              <a:bodyPr wrap="none">
+                <a:spAutoFit/>
+              </a:bodyPr>
+              <a:lstStyle/>
+              <a:p>
+                <a14:m>
+                  <m:oMathPara xmlns:m="http://schemas.openxmlformats.org/officeDocument/2006/math">
+                    <m:oMathParaPr>
+                      <m:jc m:val="centerGroup"/>
+                    </m:oMathParaPr>
+                    <m:oMath xmlns:m="http://schemas.openxmlformats.org/officeDocument/2006/math">
+                      <m:r>
+                        <a:rPr lang="de-DE" i="1" smtClean="0">
+                          <a:latin typeface="Cambria Math" panose="02040503050406030204" pitchFamily="18" charset="0"/>
+                        </a:rPr>
+                        <m:t>𝑓</m:t>
+                      </m:r>
+                      <m:d>
+                        <m:dPr>
+                          <m:ctrlPr>
+                            <a:rPr lang="de-DE" i="1">
+                              <a:latin typeface="Cambria Math" panose="02040503050406030204" pitchFamily="18" charset="0"/>
+                            </a:rPr>
+                          </m:ctrlPr>
+                        </m:dPr>
+                        <m:e>
+                          <m:r>
+                            <a:rPr lang="de-DE" i="1">
+                              <a:latin typeface="Cambria Math" panose="02040503050406030204" pitchFamily="18" charset="0"/>
+                            </a:rPr>
+                            <m:t>𝑥</m:t>
+                          </m:r>
+                        </m:e>
+                      </m:d>
+                      <m:r>
+                        <a:rPr lang="de-DE" i="1">
+                          <a:latin typeface="Cambria Math" panose="02040503050406030204" pitchFamily="18" charset="0"/>
+                        </a:rPr>
+                        <m:t>=</m:t>
+                      </m:r>
+                      <m:r>
+                        <a:rPr lang="de-DE" b="0" i="1" smtClean="0">
+                          <a:latin typeface="Cambria Math" panose="02040503050406030204" pitchFamily="18" charset="0"/>
+                        </a:rPr>
+                        <m:t>𝑠</m:t>
+                      </m:r>
+                      <m:r>
+                        <a:rPr lang="de-DE" b="0" i="1" smtClean="0">
+                          <a:latin typeface="Cambria Math" panose="02040503050406030204" pitchFamily="18" charset="0"/>
+                        </a:rPr>
+                        <m:t>2∗</m:t>
+                      </m:r>
+                      <m:sSup>
+                        <m:sSupPr>
+                          <m:ctrlPr>
+                            <a:rPr lang="de-DE" i="1">
+                              <a:latin typeface="Cambria Math" panose="02040503050406030204" pitchFamily="18" charset="0"/>
+                            </a:rPr>
+                          </m:ctrlPr>
+                        </m:sSupPr>
+                        <m:e>
+                          <m:r>
+                            <a:rPr lang="de-DE" i="1">
+                              <a:latin typeface="Cambria Math" panose="02040503050406030204" pitchFamily="18" charset="0"/>
+                            </a:rPr>
+                            <m:t>𝑥</m:t>
+                          </m:r>
+                        </m:e>
+                        <m:sup>
+                          <m:r>
+                            <a:rPr lang="de-DE" i="1">
+                              <a:latin typeface="Cambria Math" panose="02040503050406030204" pitchFamily="18" charset="0"/>
+                            </a:rPr>
+                            <m:t>2</m:t>
+                          </m:r>
+                        </m:sup>
+                      </m:sSup>
+                      <m:r>
+                        <a:rPr lang="de-DE" i="1">
+                          <a:latin typeface="Cambria Math" panose="02040503050406030204" pitchFamily="18" charset="0"/>
+                        </a:rPr>
+                        <m:t>+</m:t>
+                      </m:r>
+                      <m:r>
+                        <a:rPr lang="de-DE" b="0" i="1" smtClean="0">
+                          <a:latin typeface="Cambria Math" panose="02040503050406030204" pitchFamily="18" charset="0"/>
+                        </a:rPr>
+                        <m:t>𝑠</m:t>
+                      </m:r>
+                      <m:r>
+                        <a:rPr lang="de-DE" b="0" i="1" smtClean="0">
+                          <a:latin typeface="Cambria Math" panose="02040503050406030204" pitchFamily="18" charset="0"/>
+                        </a:rPr>
+                        <m:t>∗</m:t>
+                      </m:r>
+                      <m:r>
+                        <a:rPr lang="de-DE" i="1">
+                          <a:latin typeface="Cambria Math" panose="02040503050406030204" pitchFamily="18" charset="0"/>
+                        </a:rPr>
+                        <m:t>𝑥</m:t>
+                      </m:r>
+                      <m:r>
+                        <a:rPr lang="de-DE" i="1">
+                          <a:latin typeface="Cambria Math" panose="02040503050406030204" pitchFamily="18" charset="0"/>
+                        </a:rPr>
+                        <m:t>+</m:t>
+                      </m:r>
+                      <m:r>
+                        <a:rPr lang="de-DE" b="0" i="1" smtClean="0">
+                          <a:latin typeface="Cambria Math" panose="02040503050406030204" pitchFamily="18" charset="0"/>
+                        </a:rPr>
+                        <m:t>𝑖</m:t>
+                      </m:r>
+                    </m:oMath>
+                  </m:oMathPara>
+                </a14:m>
+                <a:endParaRPr lang="de-DE" dirty="0"/>
+              </a:p>
+            </p:txBody>
+          </p:sp>
+        </mc:Choice>
+        <mc:Fallback>
+          <p:sp>
+            <p:nvSpPr>
+              <p:cNvPr id="27" name="Rechteck 26">
+                <a:extLst>
+                  <a:ext uri="{FF2B5EF4-FFF2-40B4-BE49-F238E27FC236}">
+                    <a16:creationId xmlns:a16="http://schemas.microsoft.com/office/drawing/2014/main" id="{831B135C-E427-482B-B3A4-742AFC8E7C1A}"/>
+                  </a:ext>
+                </a:extLst>
+              </p:cNvPr>
+              <p:cNvSpPr>
+                <a:spLocks noRot="1" noChangeAspect="1" noMove="1" noResize="1" noEditPoints="1" noAdjustHandles="1" noChangeArrowheads="1" noChangeShapeType="1" noTextEdit="1"/>
+              </p:cNvSpPr>
+              <p:nvPr/>
+            </p:nvSpPr>
+            <p:spPr>
+              <a:xfrm>
+                <a:off x="67322" y="1100047"/>
+                <a:ext cx="2778005" cy="369332"/>
+              </a:xfrm>
+              <a:prstGeom prst="rect">
+                <a:avLst/>
+              </a:prstGeom>
+              <a:blipFill>
+                <a:blip r:embed="rId3"/>
+                <a:stretch>
+                  <a:fillRect b="-13115"/>
+                </a:stretch>
+              </a:blipFill>
+            </p:spPr>
+            <p:txBody>
+              <a:bodyPr/>
+              <a:lstStyle/>
+              <a:p>
+                <a:r>
+                  <a:rPr lang="en-NZ">
+                    <a:noFill/>
+                  </a:rPr>
+                  <a:t> </a:t>
+                </a:r>
+              </a:p>
+            </p:txBody>
+          </p:sp>
+        </mc:Fallback>
+      </mc:AlternateContent>
     </p:spTree>
     <p:extLst>
       <p:ext uri="{BB962C8B-B14F-4D97-AF65-F5344CB8AC3E}">
@@ -12717,6 +13246,196 @@
           </a:p>
         </p:txBody>
       </p:sp>
+      <mc:AlternateContent xmlns:mc="http://schemas.openxmlformats.org/markup-compatibility/2006">
+        <mc:Choice xmlns:a14="http://schemas.microsoft.com/office/drawing/2010/main" Requires="a14">
+          <p:sp>
+            <p:nvSpPr>
+              <p:cNvPr id="22" name="Rechteck 21">
+                <a:extLst>
+                  <a:ext uri="{FF2B5EF4-FFF2-40B4-BE49-F238E27FC236}">
+                    <a16:creationId xmlns:a16="http://schemas.microsoft.com/office/drawing/2014/main" id="{36B7D34B-3BE9-4A56-9B4A-33310D3E0A7F}"/>
+                  </a:ext>
+                </a:extLst>
+              </p:cNvPr>
+              <p:cNvSpPr/>
+              <p:nvPr/>
+            </p:nvSpPr>
+            <p:spPr>
+              <a:xfrm>
+                <a:off x="15981" y="963402"/>
+                <a:ext cx="2314320" cy="307777"/>
+              </a:xfrm>
+              <a:prstGeom prst="rect">
+                <a:avLst/>
+              </a:prstGeom>
+            </p:spPr>
+            <p:txBody>
+              <a:bodyPr wrap="square">
+                <a:spAutoFit/>
+              </a:bodyPr>
+              <a:lstStyle/>
+              <a:p>
+                <a14:m>
+                  <m:oMathPara xmlns:m="http://schemas.openxmlformats.org/officeDocument/2006/math">
+                    <m:oMathParaPr>
+                      <m:jc m:val="centerGroup"/>
+                    </m:oMathParaPr>
+                    <m:oMath xmlns:m="http://schemas.openxmlformats.org/officeDocument/2006/math">
+                      <m:r>
+                        <a:rPr lang="de-DE" sz="1400" i="1" smtClean="0">
+                          <a:latin typeface="Cambria Math" panose="02040503050406030204" pitchFamily="18" charset="0"/>
+                        </a:rPr>
+                        <m:t>𝑓</m:t>
+                      </m:r>
+                      <m:d>
+                        <m:dPr>
+                          <m:ctrlPr>
+                            <a:rPr lang="de-DE" sz="1400" i="1">
+                              <a:latin typeface="Cambria Math" panose="02040503050406030204" pitchFamily="18" charset="0"/>
+                            </a:rPr>
+                          </m:ctrlPr>
+                        </m:dPr>
+                        <m:e>
+                          <m:r>
+                            <a:rPr lang="de-DE" sz="1400" i="1">
+                              <a:latin typeface="Cambria Math" panose="02040503050406030204" pitchFamily="18" charset="0"/>
+                            </a:rPr>
+                            <m:t>𝑥</m:t>
+                          </m:r>
+                        </m:e>
+                      </m:d>
+                      <m:r>
+                        <a:rPr lang="de-DE" sz="1400" i="1">
+                          <a:latin typeface="Cambria Math" panose="02040503050406030204" pitchFamily="18" charset="0"/>
+                        </a:rPr>
+                        <m:t>=</m:t>
+                      </m:r>
+                      <m:r>
+                        <a:rPr lang="de-DE" sz="1400" b="0" i="1" smtClean="0">
+                          <a:latin typeface="Cambria Math" panose="02040503050406030204" pitchFamily="18" charset="0"/>
+                        </a:rPr>
+                        <m:t>𝑠</m:t>
+                      </m:r>
+                      <m:r>
+                        <a:rPr lang="de-DE" sz="1400" b="0" i="1" smtClean="0">
+                          <a:latin typeface="Cambria Math" panose="02040503050406030204" pitchFamily="18" charset="0"/>
+                        </a:rPr>
+                        <m:t>2∗</m:t>
+                      </m:r>
+                      <m:sSup>
+                        <m:sSupPr>
+                          <m:ctrlPr>
+                            <a:rPr lang="de-DE" sz="1400" i="1">
+                              <a:latin typeface="Cambria Math" panose="02040503050406030204" pitchFamily="18" charset="0"/>
+                            </a:rPr>
+                          </m:ctrlPr>
+                        </m:sSupPr>
+                        <m:e>
+                          <m:r>
+                            <a:rPr lang="de-DE" sz="1400" i="1">
+                              <a:latin typeface="Cambria Math" panose="02040503050406030204" pitchFamily="18" charset="0"/>
+                            </a:rPr>
+                            <m:t>𝑥</m:t>
+                          </m:r>
+                        </m:e>
+                        <m:sup>
+                          <m:r>
+                            <a:rPr lang="de-DE" sz="1400" i="1">
+                              <a:latin typeface="Cambria Math" panose="02040503050406030204" pitchFamily="18" charset="0"/>
+                            </a:rPr>
+                            <m:t>2</m:t>
+                          </m:r>
+                        </m:sup>
+                      </m:sSup>
+                      <m:r>
+                        <a:rPr lang="de-DE" sz="1400" i="1">
+                          <a:latin typeface="Cambria Math" panose="02040503050406030204" pitchFamily="18" charset="0"/>
+                        </a:rPr>
+                        <m:t>+</m:t>
+                      </m:r>
+                      <m:r>
+                        <a:rPr lang="de-DE" sz="1400" b="0" i="1" smtClean="0">
+                          <a:latin typeface="Cambria Math" panose="02040503050406030204" pitchFamily="18" charset="0"/>
+                        </a:rPr>
+                        <m:t>𝑠</m:t>
+                      </m:r>
+                      <m:r>
+                        <a:rPr lang="de-DE" sz="1400" b="0" i="1" smtClean="0">
+                          <a:latin typeface="Cambria Math" panose="02040503050406030204" pitchFamily="18" charset="0"/>
+                        </a:rPr>
+                        <m:t>∗</m:t>
+                      </m:r>
+                      <m:r>
+                        <a:rPr lang="de-DE" sz="1400" i="1">
+                          <a:latin typeface="Cambria Math" panose="02040503050406030204" pitchFamily="18" charset="0"/>
+                        </a:rPr>
+                        <m:t>𝑥</m:t>
+                      </m:r>
+                      <m:r>
+                        <a:rPr lang="de-DE" sz="1400" i="1">
+                          <a:latin typeface="Cambria Math" panose="02040503050406030204" pitchFamily="18" charset="0"/>
+                        </a:rPr>
+                        <m:t>+</m:t>
+                      </m:r>
+                      <m:r>
+                        <a:rPr lang="de-DE" sz="1400" b="0" i="1" smtClean="0">
+                          <a:latin typeface="Cambria Math" panose="02040503050406030204" pitchFamily="18" charset="0"/>
+                        </a:rPr>
+                        <m:t>𝑖</m:t>
+                      </m:r>
+                    </m:oMath>
+                  </m:oMathPara>
+                </a14:m>
+                <a:endParaRPr lang="de-DE" sz="1400" dirty="0"/>
+              </a:p>
+            </p:txBody>
+          </p:sp>
+        </mc:Choice>
+        <mc:Fallback>
+          <p:sp>
+            <p:nvSpPr>
+              <p:cNvPr id="22" name="Rechteck 21">
+                <a:extLst>
+                  <a:ext uri="{FF2B5EF4-FFF2-40B4-BE49-F238E27FC236}">
+                    <a16:creationId xmlns:a16="http://schemas.microsoft.com/office/drawing/2014/main" id="{36B7D34B-3BE9-4A56-9B4A-33310D3E0A7F}"/>
+                  </a:ext>
+                </a:extLst>
+              </p:cNvPr>
+              <p:cNvSpPr>
+                <a:spLocks noRot="1" noChangeAspect="1" noMove="1" noResize="1" noEditPoints="1" noAdjustHandles="1" noChangeArrowheads="1" noChangeShapeType="1" noTextEdit="1"/>
+              </p:cNvSpPr>
+              <p:nvPr/>
+            </p:nvSpPr>
+            <p:spPr>
+              <a:xfrm>
+                <a:off x="15981" y="963402"/>
+                <a:ext cx="2314320" cy="307777"/>
+              </a:xfrm>
+              <a:prstGeom prst="rect">
+                <a:avLst/>
+              </a:prstGeom>
+              <a:blipFill>
+                <a:blip r:embed="rId3"/>
+                <a:stretch>
+                  <a:fillRect b="-7843"/>
+                </a:stretch>
+              </a:blipFill>
+            </p:spPr>
+            <p:txBody>
+              <a:bodyPr/>
+              <a:lstStyle/>
+              <a:p>
+                <a:r>
+                  <a:rPr lang="en-NZ">
+                    <a:noFill/>
+                  </a:rPr>
+                  <a:t> </a:t>
+                </a:r>
+              </a:p>
+            </p:txBody>
+          </p:sp>
+        </mc:Fallback>
+      </mc:AlternateContent>
     </p:spTree>
     <p:extLst>
       <p:ext uri="{BB962C8B-B14F-4D97-AF65-F5344CB8AC3E}">
@@ -12780,37 +13499,6 @@
           </a:p>
         </p:txBody>
       </p:sp>
-      <p:pic>
-        <p:nvPicPr>
-          <p:cNvPr id="7" name="Inhaltsplatzhalter 6">
-            <a:extLst>
-              <a:ext uri="{FF2B5EF4-FFF2-40B4-BE49-F238E27FC236}">
-                <a16:creationId xmlns:a16="http://schemas.microsoft.com/office/drawing/2014/main" id="{22062FB6-49FC-479A-BC51-287B6C3DA781}"/>
-              </a:ext>
-            </a:extLst>
-          </p:cNvPr>
-          <p:cNvPicPr>
-            <a:picLocks noGrp="1" noChangeAspect="1"/>
-          </p:cNvPicPr>
-          <p:nvPr>
-            <p:ph idx="1"/>
-          </p:nvPr>
-        </p:nvPicPr>
-        <p:blipFill rotWithShape="1">
-          <a:blip r:embed="rId2"/>
-          <a:srcRect l="12727" t="12454" r="13633" b="8580"/>
-          <a:stretch/>
-        </p:blipFill>
-        <p:spPr>
-          <a:xfrm>
-            <a:off x="827584" y="945028"/>
-            <a:ext cx="7675686" cy="3786962"/>
-          </a:xfrm>
-          <a:prstGeom prst="rect">
-            <a:avLst/>
-          </a:prstGeom>
-        </p:spPr>
-      </p:pic>
       <p:sp>
         <p:nvSpPr>
           <p:cNvPr id="4" name="Datumsplatzhalter 3">
@@ -12900,6 +13588,425 @@
           </a:p>
         </p:txBody>
       </p:sp>
+      <p:pic>
+        <p:nvPicPr>
+          <p:cNvPr id="9" name="Grafik 8">
+            <a:extLst>
+              <a:ext uri="{FF2B5EF4-FFF2-40B4-BE49-F238E27FC236}">
+                <a16:creationId xmlns:a16="http://schemas.microsoft.com/office/drawing/2014/main" id="{40053F48-E143-46AB-B7E1-4AE656DC228A}"/>
+              </a:ext>
+            </a:extLst>
+          </p:cNvPr>
+          <p:cNvPicPr>
+            <a:picLocks noChangeAspect="1"/>
+          </p:cNvPicPr>
+          <p:nvPr/>
+        </p:nvPicPr>
+        <p:blipFill>
+          <a:blip r:embed="rId2"/>
+          <a:stretch>
+            <a:fillRect/>
+          </a:stretch>
+        </p:blipFill>
+        <p:spPr>
+          <a:xfrm>
+            <a:off x="35402" y="1133924"/>
+            <a:ext cx="5493286" cy="3451961"/>
+          </a:xfrm>
+          <a:prstGeom prst="rect">
+            <a:avLst/>
+          </a:prstGeom>
+        </p:spPr>
+      </p:pic>
+      <mc:AlternateContent xmlns:mc="http://schemas.openxmlformats.org/markup-compatibility/2006">
+        <mc:Choice xmlns:a14="http://schemas.microsoft.com/office/drawing/2010/main" Requires="a14">
+          <p:sp>
+            <p:nvSpPr>
+              <p:cNvPr id="10" name="Textfeld 9">
+                <a:extLst>
+                  <a:ext uri="{FF2B5EF4-FFF2-40B4-BE49-F238E27FC236}">
+                    <a16:creationId xmlns:a16="http://schemas.microsoft.com/office/drawing/2014/main" id="{07B699F4-B2EA-4E79-8C1E-27BD71849DB8}"/>
+                  </a:ext>
+                </a:extLst>
+              </p:cNvPr>
+              <p:cNvSpPr txBox="1"/>
+              <p:nvPr/>
+            </p:nvSpPr>
+            <p:spPr>
+              <a:xfrm>
+                <a:off x="5364088" y="1133924"/>
+                <a:ext cx="3600400" cy="2024978"/>
+              </a:xfrm>
+              <a:prstGeom prst="rect">
+                <a:avLst/>
+              </a:prstGeom>
+              <a:noFill/>
+            </p:spPr>
+            <p:txBody>
+              <a:bodyPr wrap="square" rtlCol="0">
+                <a:spAutoFit/>
+              </a:bodyPr>
+              <a:lstStyle/>
+              <a:p>
+                <a:r>
+                  <a:rPr lang="de-DE" dirty="0"/>
+                  <a:t>Total </a:t>
+                </a:r>
+                <a:r>
+                  <a:rPr lang="de-DE" dirty="0" err="1"/>
+                  <a:t>load</a:t>
+                </a:r>
+                <a:r>
+                  <a:rPr lang="de-DE" dirty="0"/>
+                  <a:t>:</a:t>
+                </a:r>
+              </a:p>
+              <a:p>
+                <a14:m>
+                  <m:oMath xmlns:m="http://schemas.openxmlformats.org/officeDocument/2006/math">
+                    <m:r>
+                      <a:rPr lang="de-DE" b="0" i="1" smtClean="0">
+                        <a:latin typeface="Cambria Math" panose="02040503050406030204" pitchFamily="18" charset="0"/>
+                      </a:rPr>
+                      <m:t>𝑇</m:t>
+                    </m:r>
+                    <m:r>
+                      <a:rPr lang="de-DE" b="0" i="1" smtClean="0">
+                        <a:latin typeface="Cambria Math" panose="02040503050406030204" pitchFamily="18" charset="0"/>
+                      </a:rPr>
+                      <m:t>3=</m:t>
+                    </m:r>
+                    <m:sSub>
+                      <m:sSubPr>
+                        <m:ctrlPr>
+                          <a:rPr lang="de-DE" i="1">
+                            <a:latin typeface="Cambria Math" panose="02040503050406030204" pitchFamily="18" charset="0"/>
+                          </a:rPr>
+                        </m:ctrlPr>
+                      </m:sSubPr>
+                      <m:e>
+                        <m:r>
+                          <a:rPr lang="de-DE" i="1">
+                            <a:latin typeface="Cambria Math" panose="02040503050406030204" pitchFamily="18" charset="0"/>
+                            <a:ea typeface="Cambria Math" panose="02040503050406030204" pitchFamily="18" charset="0"/>
+                          </a:rPr>
+                          <m:t>𝛼</m:t>
+                        </m:r>
+                      </m:e>
+                      <m:sub>
+                        <m:r>
+                          <a:rPr lang="de-DE" i="1">
+                            <a:latin typeface="Cambria Math" panose="02040503050406030204" pitchFamily="18" charset="0"/>
+                          </a:rPr>
+                          <m:t>𝑖𝑛</m:t>
+                        </m:r>
+                      </m:sub>
+                    </m:sSub>
+                    <m:r>
+                      <a:rPr lang="de-DE" b="0" i="1" smtClean="0">
+                        <a:latin typeface="Cambria Math" panose="02040503050406030204" pitchFamily="18" charset="0"/>
+                      </a:rPr>
+                      <m:t>∗1</m:t>
+                    </m:r>
+                    <m:r>
+                      <a:rPr lang="de-DE" b="0" i="0" smtClean="0">
+                        <a:latin typeface="Cambria Math" panose="02040503050406030204" pitchFamily="18" charset="0"/>
+                      </a:rPr>
+                      <m:t>+</m:t>
+                    </m:r>
+                    <m:sSub>
+                      <m:sSubPr>
+                        <m:ctrlPr>
+                          <a:rPr lang="de-DE" i="1">
+                            <a:latin typeface="Cambria Math" panose="02040503050406030204" pitchFamily="18" charset="0"/>
+                          </a:rPr>
+                        </m:ctrlPr>
+                      </m:sSubPr>
+                      <m:e>
+                        <m:r>
+                          <a:rPr lang="de-DE" i="1">
+                            <a:latin typeface="Cambria Math" panose="02040503050406030204" pitchFamily="18" charset="0"/>
+                          </a:rPr>
+                          <m:t>𝐾</m:t>
+                        </m:r>
+                      </m:e>
+                      <m:sub>
+                        <m:r>
+                          <a:rPr lang="de-DE" i="1">
+                            <a:latin typeface="Cambria Math" panose="02040503050406030204" pitchFamily="18" charset="0"/>
+                          </a:rPr>
+                          <m:t>𝐴𝑏</m:t>
+                        </m:r>
+                      </m:sub>
+                    </m:sSub>
+                    <m:r>
+                      <a:rPr lang="de-DE" b="0" i="0" smtClean="0">
+                        <a:latin typeface="Cambria Math" panose="02040503050406030204" pitchFamily="18" charset="0"/>
+                      </a:rPr>
+                      <m:t>∗ </m:t>
+                    </m:r>
+                    <m:sSub>
+                      <m:sSubPr>
+                        <m:ctrlPr>
+                          <a:rPr lang="de-DE" b="0" i="1" smtClean="0">
+                            <a:latin typeface="Cambria Math" panose="02040503050406030204" pitchFamily="18" charset="0"/>
+                          </a:rPr>
+                        </m:ctrlPr>
+                      </m:sSubPr>
+                      <m:e>
+                        <m:r>
+                          <a:rPr lang="de-DE" b="0" i="1" smtClean="0">
+                            <a:latin typeface="Cambria Math" panose="02040503050406030204" pitchFamily="18" charset="0"/>
+                            <a:ea typeface="Cambria Math" panose="02040503050406030204" pitchFamily="18" charset="0"/>
+                          </a:rPr>
+                          <m:t>𝛾</m:t>
+                        </m:r>
+                      </m:e>
+                      <m:sub>
+                        <m:r>
+                          <a:rPr lang="de-DE" b="0" i="1" smtClean="0">
+                            <a:latin typeface="Cambria Math" panose="02040503050406030204" pitchFamily="18" charset="0"/>
+                          </a:rPr>
+                          <m:t>𝑖𝑛</m:t>
+                        </m:r>
+                      </m:sub>
+                    </m:sSub>
+                    <m:r>
+                      <a:rPr lang="de-DE" b="0" i="1" smtClean="0">
+                        <a:latin typeface="Cambria Math" panose="02040503050406030204" pitchFamily="18" charset="0"/>
+                      </a:rPr>
+                      <m:t>∗1+</m:t>
+                    </m:r>
+                    <m:sSub>
+                      <m:sSubPr>
+                        <m:ctrlPr>
+                          <a:rPr lang="de-DE" b="0" i="1" smtClean="0">
+                            <a:latin typeface="Cambria Math" panose="02040503050406030204" pitchFamily="18" charset="0"/>
+                          </a:rPr>
+                        </m:ctrlPr>
+                      </m:sSubPr>
+                      <m:e>
+                        <m:r>
+                          <a:rPr lang="de-DE" b="0" i="1" smtClean="0">
+                            <a:latin typeface="Cambria Math" panose="02040503050406030204" pitchFamily="18" charset="0"/>
+                            <a:ea typeface="Cambria Math" panose="02040503050406030204" pitchFamily="18" charset="0"/>
+                          </a:rPr>
+                          <m:t>𝛼</m:t>
+                        </m:r>
+                      </m:e>
+                      <m:sub>
+                        <m:r>
+                          <a:rPr lang="de-DE" b="0" i="1" smtClean="0">
+                            <a:latin typeface="Cambria Math" panose="02040503050406030204" pitchFamily="18" charset="0"/>
+                          </a:rPr>
+                          <m:t>𝑠h</m:t>
+                        </m:r>
+                      </m:sub>
+                    </m:sSub>
+                    <m:r>
+                      <a:rPr lang="de-DE" b="0" i="1" smtClean="0">
+                        <a:latin typeface="Cambria Math" panose="02040503050406030204" pitchFamily="18" charset="0"/>
+                      </a:rPr>
+                      <m:t>∗</m:t>
+                    </m:r>
+                    <m:sSub>
+                      <m:sSubPr>
+                        <m:ctrlPr>
+                          <a:rPr lang="de-DE" i="1">
+                            <a:latin typeface="Cambria Math" panose="02040503050406030204" pitchFamily="18" charset="0"/>
+                          </a:rPr>
+                        </m:ctrlPr>
+                      </m:sSubPr>
+                      <m:e>
+                        <m:r>
+                          <a:rPr lang="de-DE" i="1">
+                            <a:latin typeface="Cambria Math" panose="02040503050406030204" pitchFamily="18" charset="0"/>
+                            <a:ea typeface="Cambria Math" panose="02040503050406030204" pitchFamily="18" charset="0"/>
+                          </a:rPr>
+                          <m:t>𝜆</m:t>
+                        </m:r>
+                      </m:e>
+                      <m:sub>
+                        <m:r>
+                          <a:rPr lang="de-DE" i="1">
+                            <a:latin typeface="Cambria Math" panose="02040503050406030204" pitchFamily="18" charset="0"/>
+                          </a:rPr>
+                          <m:t>3</m:t>
+                        </m:r>
+                      </m:sub>
+                    </m:sSub>
+                    <m:r>
+                      <a:rPr lang="de-DE" b="0" i="1" smtClean="0">
+                        <a:latin typeface="Cambria Math" panose="02040503050406030204" pitchFamily="18" charset="0"/>
+                      </a:rPr>
+                      <m:t>+</m:t>
+                    </m:r>
+                    <m:sSub>
+                      <m:sSubPr>
+                        <m:ctrlPr>
+                          <a:rPr lang="de-DE" i="1">
+                            <a:latin typeface="Cambria Math" panose="02040503050406030204" pitchFamily="18" charset="0"/>
+                          </a:rPr>
+                        </m:ctrlPr>
+                      </m:sSubPr>
+                      <m:e>
+                        <m:r>
+                          <a:rPr lang="de-DE" i="1">
+                            <a:latin typeface="Cambria Math" panose="02040503050406030204" pitchFamily="18" charset="0"/>
+                          </a:rPr>
+                          <m:t>𝐾</m:t>
+                        </m:r>
+                      </m:e>
+                      <m:sub>
+                        <m:r>
+                          <a:rPr lang="de-DE" i="1">
+                            <a:latin typeface="Cambria Math" panose="02040503050406030204" pitchFamily="18" charset="0"/>
+                          </a:rPr>
+                          <m:t>𝐴𝑏</m:t>
+                        </m:r>
+                      </m:sub>
+                    </m:sSub>
+                    <m:r>
+                      <a:rPr lang="de-DE">
+                        <a:latin typeface="Cambria Math" panose="02040503050406030204" pitchFamily="18" charset="0"/>
+                      </a:rPr>
+                      <m:t>∗ </m:t>
+                    </m:r>
+                    <m:sSub>
+                      <m:sSubPr>
+                        <m:ctrlPr>
+                          <a:rPr lang="de-DE" i="1">
+                            <a:latin typeface="Cambria Math" panose="02040503050406030204" pitchFamily="18" charset="0"/>
+                          </a:rPr>
+                        </m:ctrlPr>
+                      </m:sSubPr>
+                      <m:e>
+                        <m:r>
+                          <a:rPr lang="de-DE" i="1">
+                            <a:latin typeface="Cambria Math" panose="02040503050406030204" pitchFamily="18" charset="0"/>
+                            <a:ea typeface="Cambria Math" panose="02040503050406030204" pitchFamily="18" charset="0"/>
+                          </a:rPr>
+                          <m:t>𝛾</m:t>
+                        </m:r>
+                      </m:e>
+                      <m:sub>
+                        <m:r>
+                          <a:rPr lang="de-DE" b="0" i="1" smtClean="0">
+                            <a:latin typeface="Cambria Math" panose="02040503050406030204" pitchFamily="18" charset="0"/>
+                            <a:ea typeface="Cambria Math" panose="02040503050406030204" pitchFamily="18" charset="0"/>
+                          </a:rPr>
+                          <m:t>𝑠h</m:t>
+                        </m:r>
+                      </m:sub>
+                    </m:sSub>
+                    <m:r>
+                      <a:rPr lang="de-DE" i="1">
+                        <a:latin typeface="Cambria Math" panose="02040503050406030204" pitchFamily="18" charset="0"/>
+                      </a:rPr>
+                      <m:t>∗</m:t>
+                    </m:r>
+                  </m:oMath>
+                </a14:m>
+                <a:r>
+                  <a:rPr lang="de-DE" dirty="0"/>
+                  <a:t> </a:t>
+                </a:r>
+                <a14:m>
+                  <m:oMath xmlns:m="http://schemas.openxmlformats.org/officeDocument/2006/math">
+                    <m:sSub>
+                      <m:sSubPr>
+                        <m:ctrlPr>
+                          <a:rPr lang="de-DE" i="1">
+                            <a:latin typeface="Cambria Math" panose="02040503050406030204" pitchFamily="18" charset="0"/>
+                          </a:rPr>
+                        </m:ctrlPr>
+                      </m:sSubPr>
+                      <m:e>
+                        <m:r>
+                          <a:rPr lang="de-DE" i="1">
+                            <a:latin typeface="Cambria Math" panose="02040503050406030204" pitchFamily="18" charset="0"/>
+                            <a:ea typeface="Cambria Math" panose="02040503050406030204" pitchFamily="18" charset="0"/>
+                          </a:rPr>
+                          <m:t>𝜆</m:t>
+                        </m:r>
+                      </m:e>
+                      <m:sub>
+                        <m:r>
+                          <a:rPr lang="de-DE" i="1">
+                            <a:latin typeface="Cambria Math" panose="02040503050406030204" pitchFamily="18" charset="0"/>
+                          </a:rPr>
+                          <m:t>3</m:t>
+                        </m:r>
+                      </m:sub>
+                    </m:sSub>
+                  </m:oMath>
+                </a14:m>
+                <a:endParaRPr lang="de-DE" dirty="0"/>
+              </a:p>
+              <a:p>
+                <a:endParaRPr lang="de-DE" dirty="0"/>
+              </a:p>
+              <a:p>
+                <a:r>
+                  <a:rPr lang="de-DE" dirty="0"/>
+                  <a:t>T3 = 6.857 * 1 + 0.7 * 7.019 * 1 + 4.374 * 1.635 + 0.7 * 7.495 * 1.635 </a:t>
+                </a:r>
+                <a:br>
+                  <a:rPr lang="de-DE" dirty="0"/>
+                </a:br>
+                <a:r>
+                  <a:rPr lang="de-DE" dirty="0"/>
+                  <a:t>= 27.500</a:t>
+                </a:r>
+              </a:p>
+            </p:txBody>
+          </p:sp>
+        </mc:Choice>
+        <mc:Fallback>
+          <p:sp>
+            <p:nvSpPr>
+              <p:cNvPr id="10" name="Textfeld 9">
+                <a:extLst>
+                  <a:ext uri="{FF2B5EF4-FFF2-40B4-BE49-F238E27FC236}">
+                    <a16:creationId xmlns:a16="http://schemas.microsoft.com/office/drawing/2014/main" id="{07B699F4-B2EA-4E79-8C1E-27BD71849DB8}"/>
+                  </a:ext>
+                </a:extLst>
+              </p:cNvPr>
+              <p:cNvSpPr txBox="1">
+                <a:spLocks noRot="1" noChangeAspect="1" noMove="1" noResize="1" noEditPoints="1" noAdjustHandles="1" noChangeArrowheads="1" noChangeShapeType="1" noTextEdit="1"/>
+              </p:cNvSpPr>
+              <p:nvPr/>
+            </p:nvSpPr>
+            <p:spPr>
+              <a:xfrm>
+                <a:off x="5364088" y="1133924"/>
+                <a:ext cx="3600400" cy="2024978"/>
+              </a:xfrm>
+              <a:prstGeom prst="rect">
+                <a:avLst/>
+              </a:prstGeom>
+              <a:blipFill>
+                <a:blip r:embed="rId3"/>
+                <a:stretch>
+                  <a:fillRect l="-1523" t="-1506" b="-3916"/>
+                </a:stretch>
+              </a:blipFill>
+            </p:spPr>
+            <p:txBody>
+              <a:bodyPr/>
+              <a:lstStyle/>
+              <a:p>
+                <a:r>
+                  <a:rPr lang="en-NZ">
+                    <a:noFill/>
+                  </a:rPr>
+                  <a:t> </a:t>
+                </a:r>
+              </a:p>
+            </p:txBody>
+          </p:sp>
+        </mc:Fallback>
+      </mc:AlternateContent>
     </p:spTree>
     <p:extLst>
       <p:ext uri="{BB962C8B-B14F-4D97-AF65-F5344CB8AC3E}">
@@ -13263,7 +14370,13 @@
       </p:grpSpPr>
       <p:sp>
         <p:nvSpPr>
-          <p:cNvPr id="2" name="Titel 1"/>
+          <p:cNvPr id="2" name="Titel 1">
+            <a:extLst>
+              <a:ext uri="{FF2B5EF4-FFF2-40B4-BE49-F238E27FC236}">
+                <a16:creationId xmlns:a16="http://schemas.microsoft.com/office/drawing/2014/main" id="{8F9CD9AC-2277-4533-B29E-18F824684C1D}"/>
+              </a:ext>
+            </a:extLst>
+          </p:cNvPr>
           <p:cNvSpPr>
             <a:spLocks noGrp="1"/>
           </p:cNvSpPr>
@@ -13277,182 +14390,26 @@
           <a:lstStyle/>
           <a:p>
             <a:r>
-              <a:rPr lang="de-DE" dirty="0"/>
-              <a:t>Literatur</a:t>
-            </a:r>
-          </a:p>
-        </p:txBody>
-      </p:sp>
-      <p:sp>
-        <p:nvSpPr>
-          <p:cNvPr id="3" name="Inhaltsplatzhalter 2"/>
-          <p:cNvSpPr>
-            <a:spLocks noGrp="1"/>
-          </p:cNvSpPr>
-          <p:nvPr>
-            <p:ph idx="1"/>
-          </p:nvPr>
-        </p:nvSpPr>
-        <p:spPr/>
-        <p:txBody>
-          <a:bodyPr/>
-          <a:lstStyle/>
-          <a:p>
-            <a:r>
-              <a:rPr lang="de-DE" dirty="0"/>
-              <a:t>Kline, Rex: </a:t>
-            </a:r>
-            <a:br>
-              <a:rPr lang="de-DE" dirty="0"/>
-            </a:br>
-            <a:r>
-              <a:rPr lang="de-DE" sz="1400" dirty="0" err="1">
-                <a:solidFill>
-                  <a:schemeClr val="tx1">
-                    <a:lumMod val="75000"/>
-                    <a:lumOff val="25000"/>
-                  </a:schemeClr>
-                </a:solidFill>
-              </a:rPr>
-              <a:t>Pinciples</a:t>
-            </a:r>
-            <a:r>
-              <a:rPr lang="de-DE" sz="1400" dirty="0">
-                <a:solidFill>
-                  <a:schemeClr val="tx1">
-                    <a:lumMod val="75000"/>
-                    <a:lumOff val="25000"/>
-                  </a:schemeClr>
-                </a:solidFill>
-              </a:rPr>
-              <a:t> </a:t>
-            </a:r>
-            <a:r>
-              <a:rPr lang="de-DE" sz="1400" dirty="0" err="1">
-                <a:solidFill>
-                  <a:schemeClr val="tx1">
-                    <a:lumMod val="75000"/>
-                    <a:lumOff val="25000"/>
-                  </a:schemeClr>
-                </a:solidFill>
-              </a:rPr>
-              <a:t>and</a:t>
-            </a:r>
-            <a:r>
-              <a:rPr lang="de-DE" sz="1400" dirty="0">
-                <a:solidFill>
-                  <a:schemeClr val="tx1">
-                    <a:lumMod val="75000"/>
-                    <a:lumOff val="25000"/>
-                  </a:schemeClr>
-                </a:solidFill>
-              </a:rPr>
-              <a:t> Practice </a:t>
-            </a:r>
-            <a:r>
-              <a:rPr lang="de-DE" sz="1400" dirty="0" err="1">
-                <a:solidFill>
-                  <a:schemeClr val="tx1">
-                    <a:lumMod val="75000"/>
-                    <a:lumOff val="25000"/>
-                  </a:schemeClr>
-                </a:solidFill>
-              </a:rPr>
-              <a:t>of</a:t>
-            </a:r>
-            <a:r>
-              <a:rPr lang="de-DE" sz="1400" dirty="0">
-                <a:solidFill>
-                  <a:schemeClr val="tx1">
-                    <a:lumMod val="75000"/>
-                    <a:lumOff val="25000"/>
-                  </a:schemeClr>
-                </a:solidFill>
-              </a:rPr>
-              <a:t> </a:t>
-            </a:r>
-            <a:r>
-              <a:rPr lang="de-DE" sz="1400" dirty="0" err="1">
-                <a:solidFill>
-                  <a:schemeClr val="tx1">
-                    <a:lumMod val="75000"/>
-                    <a:lumOff val="25000"/>
-                  </a:schemeClr>
-                </a:solidFill>
-              </a:rPr>
-              <a:t>Structural</a:t>
-            </a:r>
-            <a:r>
-              <a:rPr lang="de-DE" sz="1400" dirty="0">
-                <a:solidFill>
-                  <a:schemeClr val="tx1">
-                    <a:lumMod val="75000"/>
-                    <a:lumOff val="25000"/>
-                  </a:schemeClr>
-                </a:solidFill>
-              </a:rPr>
-              <a:t> </a:t>
-            </a:r>
-            <a:r>
-              <a:rPr lang="de-DE" sz="1400" dirty="0" err="1">
-                <a:solidFill>
-                  <a:schemeClr val="tx1">
-                    <a:lumMod val="75000"/>
-                    <a:lumOff val="25000"/>
-                  </a:schemeClr>
-                </a:solidFill>
-              </a:rPr>
-              <a:t>Equation</a:t>
-            </a:r>
-            <a:r>
-              <a:rPr lang="de-DE" sz="1400" dirty="0">
-                <a:solidFill>
-                  <a:schemeClr val="tx1">
-                    <a:lumMod val="75000"/>
-                    <a:lumOff val="25000"/>
-                  </a:schemeClr>
-                </a:solidFill>
-              </a:rPr>
-              <a:t> Modeling</a:t>
-            </a:r>
-            <a:br>
-              <a:rPr lang="de-DE" sz="1400" dirty="0">
-                <a:solidFill>
-                  <a:schemeClr val="tx1">
-                    <a:lumMod val="75000"/>
-                    <a:lumOff val="25000"/>
-                  </a:schemeClr>
-                </a:solidFill>
-              </a:rPr>
-            </a:br>
-            <a:r>
-              <a:rPr lang="de-DE" sz="1400" dirty="0" err="1">
-                <a:solidFill>
-                  <a:schemeClr val="tx1">
-                    <a:lumMod val="75000"/>
-                    <a:lumOff val="25000"/>
-                  </a:schemeClr>
-                </a:solidFill>
-              </a:rPr>
-              <a:t>Fourth</a:t>
-            </a:r>
-            <a:r>
-              <a:rPr lang="de-DE" sz="1400" dirty="0">
-                <a:solidFill>
-                  <a:schemeClr val="tx1">
-                    <a:lumMod val="75000"/>
-                    <a:lumOff val="25000"/>
-                  </a:schemeClr>
-                </a:solidFill>
-              </a:rPr>
-              <a:t> Edition, 2015</a:t>
-            </a:r>
-          </a:p>
-        </p:txBody>
-      </p:sp>
-      <p:sp>
-        <p:nvSpPr>
-          <p:cNvPr id="4" name="Datumsplatzhalter 3"/>
+              <a:rPr lang="de-DE" dirty="0" err="1"/>
+              <a:t>Predicting</a:t>
+            </a:r>
+            <a:r>
+              <a:rPr lang="de-DE" dirty="0"/>
+              <a:t> Change Model </a:t>
+            </a:r>
+            <a:endParaRPr lang="en-NZ" dirty="0"/>
+          </a:p>
+        </p:txBody>
+      </p:sp>
+      <p:sp>
+        <p:nvSpPr>
+          <p:cNvPr id="4" name="Datumsplatzhalter 3">
+            <a:extLst>
+              <a:ext uri="{FF2B5EF4-FFF2-40B4-BE49-F238E27FC236}">
+                <a16:creationId xmlns:a16="http://schemas.microsoft.com/office/drawing/2014/main" id="{1322CE8B-7C17-42A4-8ADE-82549C611C2E}"/>
+              </a:ext>
+            </a:extLst>
+          </p:cNvPr>
           <p:cNvSpPr>
             <a:spLocks noGrp="1"/>
           </p:cNvSpPr>
@@ -13476,7 +14433,13 @@
       </p:sp>
       <p:sp>
         <p:nvSpPr>
-          <p:cNvPr id="5" name="Fußzeilenplatzhalter 4"/>
+          <p:cNvPr id="5" name="Fußzeilenplatzhalter 4">
+            <a:extLst>
+              <a:ext uri="{FF2B5EF4-FFF2-40B4-BE49-F238E27FC236}">
+                <a16:creationId xmlns:a16="http://schemas.microsoft.com/office/drawing/2014/main" id="{0232782A-509C-4B82-931D-180632390FBC}"/>
+              </a:ext>
+            </a:extLst>
+          </p:cNvPr>
           <p:cNvSpPr>
             <a:spLocks noGrp="1"/>
           </p:cNvSpPr>
@@ -13499,7 +14462,13 @@
       </p:sp>
       <p:sp>
         <p:nvSpPr>
-          <p:cNvPr id="6" name="Foliennummernplatzhalter 5"/>
+          <p:cNvPr id="6" name="Foliennummernplatzhalter 5">
+            <a:extLst>
+              <a:ext uri="{FF2B5EF4-FFF2-40B4-BE49-F238E27FC236}">
+                <a16:creationId xmlns:a16="http://schemas.microsoft.com/office/drawing/2014/main" id="{BED88E5B-CB30-497D-849F-6E25F6017F17}"/>
+              </a:ext>
+            </a:extLst>
+          </p:cNvPr>
           <p:cNvSpPr>
             <a:spLocks noGrp="1"/>
           </p:cNvSpPr>
@@ -13521,10 +14490,521 @@
           </a:p>
         </p:txBody>
       </p:sp>
+      <mc:AlternateContent xmlns:mc="http://schemas.openxmlformats.org/markup-compatibility/2006">
+        <mc:Choice xmlns:a14="http://schemas.microsoft.com/office/drawing/2010/main" Requires="a14">
+          <p:sp>
+            <p:nvSpPr>
+              <p:cNvPr id="10" name="Textfeld 9">
+                <a:extLst>
+                  <a:ext uri="{FF2B5EF4-FFF2-40B4-BE49-F238E27FC236}">
+                    <a16:creationId xmlns:a16="http://schemas.microsoft.com/office/drawing/2014/main" id="{07B699F4-B2EA-4E79-8C1E-27BD71849DB8}"/>
+                  </a:ext>
+                </a:extLst>
+              </p:cNvPr>
+              <p:cNvSpPr txBox="1"/>
+              <p:nvPr/>
+            </p:nvSpPr>
+            <p:spPr>
+              <a:xfrm>
+                <a:off x="5364088" y="1133924"/>
+                <a:ext cx="3600400" cy="2024978"/>
+              </a:xfrm>
+              <a:prstGeom prst="rect">
+                <a:avLst/>
+              </a:prstGeom>
+              <a:noFill/>
+            </p:spPr>
+            <p:txBody>
+              <a:bodyPr wrap="square" rtlCol="0">
+                <a:spAutoFit/>
+              </a:bodyPr>
+              <a:lstStyle/>
+              <a:p>
+                <a:r>
+                  <a:rPr lang="de-DE" dirty="0"/>
+                  <a:t>Total </a:t>
+                </a:r>
+                <a:r>
+                  <a:rPr lang="de-DE" dirty="0" err="1"/>
+                  <a:t>load</a:t>
+                </a:r>
+                <a:r>
+                  <a:rPr lang="de-DE" dirty="0"/>
+                  <a:t>:</a:t>
+                </a:r>
+              </a:p>
+              <a:p>
+                <a14:m>
+                  <m:oMath xmlns:m="http://schemas.openxmlformats.org/officeDocument/2006/math">
+                    <m:r>
+                      <a:rPr lang="de-DE" b="0" i="1" smtClean="0">
+                        <a:latin typeface="Cambria Math" panose="02040503050406030204" pitchFamily="18" charset="0"/>
+                      </a:rPr>
+                      <m:t>𝑇</m:t>
+                    </m:r>
+                    <m:r>
+                      <a:rPr lang="de-DE" b="0" i="1" smtClean="0">
+                        <a:latin typeface="Cambria Math" panose="02040503050406030204" pitchFamily="18" charset="0"/>
+                      </a:rPr>
+                      <m:t>3=</m:t>
+                    </m:r>
+                    <m:sSub>
+                      <m:sSubPr>
+                        <m:ctrlPr>
+                          <a:rPr lang="de-DE" i="1">
+                            <a:latin typeface="Cambria Math" panose="02040503050406030204" pitchFamily="18" charset="0"/>
+                          </a:rPr>
+                        </m:ctrlPr>
+                      </m:sSubPr>
+                      <m:e>
+                        <m:r>
+                          <a:rPr lang="de-DE" i="1">
+                            <a:latin typeface="Cambria Math" panose="02040503050406030204" pitchFamily="18" charset="0"/>
+                            <a:ea typeface="Cambria Math" panose="02040503050406030204" pitchFamily="18" charset="0"/>
+                          </a:rPr>
+                          <m:t>𝛼</m:t>
+                        </m:r>
+                      </m:e>
+                      <m:sub>
+                        <m:r>
+                          <a:rPr lang="de-DE" i="1">
+                            <a:latin typeface="Cambria Math" panose="02040503050406030204" pitchFamily="18" charset="0"/>
+                          </a:rPr>
+                          <m:t>𝑖𝑛</m:t>
+                        </m:r>
+                      </m:sub>
+                    </m:sSub>
+                    <m:r>
+                      <a:rPr lang="de-DE" b="0" i="1" smtClean="0">
+                        <a:latin typeface="Cambria Math" panose="02040503050406030204" pitchFamily="18" charset="0"/>
+                      </a:rPr>
+                      <m:t>∗1</m:t>
+                    </m:r>
+                    <m:r>
+                      <a:rPr lang="de-DE" b="0" i="0" smtClean="0">
+                        <a:latin typeface="Cambria Math" panose="02040503050406030204" pitchFamily="18" charset="0"/>
+                      </a:rPr>
+                      <m:t>+</m:t>
+                    </m:r>
+                    <m:sSub>
+                      <m:sSubPr>
+                        <m:ctrlPr>
+                          <a:rPr lang="de-DE" i="1">
+                            <a:latin typeface="Cambria Math" panose="02040503050406030204" pitchFamily="18" charset="0"/>
+                          </a:rPr>
+                        </m:ctrlPr>
+                      </m:sSubPr>
+                      <m:e>
+                        <m:r>
+                          <a:rPr lang="de-DE" i="1">
+                            <a:latin typeface="Cambria Math" panose="02040503050406030204" pitchFamily="18" charset="0"/>
+                          </a:rPr>
+                          <m:t>𝐾</m:t>
+                        </m:r>
+                      </m:e>
+                      <m:sub>
+                        <m:r>
+                          <a:rPr lang="de-DE" i="1">
+                            <a:latin typeface="Cambria Math" panose="02040503050406030204" pitchFamily="18" charset="0"/>
+                          </a:rPr>
+                          <m:t>𝐴𝑏</m:t>
+                        </m:r>
+                      </m:sub>
+                    </m:sSub>
+                    <m:r>
+                      <a:rPr lang="de-DE" b="0" i="0" smtClean="0">
+                        <a:latin typeface="Cambria Math" panose="02040503050406030204" pitchFamily="18" charset="0"/>
+                      </a:rPr>
+                      <m:t>∗ </m:t>
+                    </m:r>
+                    <m:sSub>
+                      <m:sSubPr>
+                        <m:ctrlPr>
+                          <a:rPr lang="de-DE" b="0" i="1" smtClean="0">
+                            <a:latin typeface="Cambria Math" panose="02040503050406030204" pitchFamily="18" charset="0"/>
+                          </a:rPr>
+                        </m:ctrlPr>
+                      </m:sSubPr>
+                      <m:e>
+                        <m:r>
+                          <a:rPr lang="de-DE" b="0" i="1" smtClean="0">
+                            <a:latin typeface="Cambria Math" panose="02040503050406030204" pitchFamily="18" charset="0"/>
+                            <a:ea typeface="Cambria Math" panose="02040503050406030204" pitchFamily="18" charset="0"/>
+                          </a:rPr>
+                          <m:t>𝛾</m:t>
+                        </m:r>
+                      </m:e>
+                      <m:sub>
+                        <m:r>
+                          <a:rPr lang="de-DE" b="0" i="1" smtClean="0">
+                            <a:latin typeface="Cambria Math" panose="02040503050406030204" pitchFamily="18" charset="0"/>
+                          </a:rPr>
+                          <m:t>𝑖𝑛</m:t>
+                        </m:r>
+                      </m:sub>
+                    </m:sSub>
+                    <m:r>
+                      <a:rPr lang="de-DE" b="0" i="1" smtClean="0">
+                        <a:latin typeface="Cambria Math" panose="02040503050406030204" pitchFamily="18" charset="0"/>
+                      </a:rPr>
+                      <m:t>∗1+</m:t>
+                    </m:r>
+                    <m:sSub>
+                      <m:sSubPr>
+                        <m:ctrlPr>
+                          <a:rPr lang="de-DE" b="0" i="1" smtClean="0">
+                            <a:latin typeface="Cambria Math" panose="02040503050406030204" pitchFamily="18" charset="0"/>
+                          </a:rPr>
+                        </m:ctrlPr>
+                      </m:sSubPr>
+                      <m:e>
+                        <m:r>
+                          <a:rPr lang="de-DE" b="0" i="1" smtClean="0">
+                            <a:latin typeface="Cambria Math" panose="02040503050406030204" pitchFamily="18" charset="0"/>
+                            <a:ea typeface="Cambria Math" panose="02040503050406030204" pitchFamily="18" charset="0"/>
+                          </a:rPr>
+                          <m:t>𝛼</m:t>
+                        </m:r>
+                      </m:e>
+                      <m:sub>
+                        <m:r>
+                          <a:rPr lang="de-DE" b="0" i="1" smtClean="0">
+                            <a:latin typeface="Cambria Math" panose="02040503050406030204" pitchFamily="18" charset="0"/>
+                          </a:rPr>
+                          <m:t>𝑠h</m:t>
+                        </m:r>
+                      </m:sub>
+                    </m:sSub>
+                    <m:r>
+                      <a:rPr lang="de-DE" b="0" i="1" smtClean="0">
+                        <a:latin typeface="Cambria Math" panose="02040503050406030204" pitchFamily="18" charset="0"/>
+                      </a:rPr>
+                      <m:t>∗</m:t>
+                    </m:r>
+                    <m:sSub>
+                      <m:sSubPr>
+                        <m:ctrlPr>
+                          <a:rPr lang="de-DE" i="1">
+                            <a:latin typeface="Cambria Math" panose="02040503050406030204" pitchFamily="18" charset="0"/>
+                          </a:rPr>
+                        </m:ctrlPr>
+                      </m:sSubPr>
+                      <m:e>
+                        <m:r>
+                          <a:rPr lang="de-DE" i="1">
+                            <a:latin typeface="Cambria Math" panose="02040503050406030204" pitchFamily="18" charset="0"/>
+                            <a:ea typeface="Cambria Math" panose="02040503050406030204" pitchFamily="18" charset="0"/>
+                          </a:rPr>
+                          <m:t>𝜆</m:t>
+                        </m:r>
+                      </m:e>
+                      <m:sub>
+                        <m:r>
+                          <a:rPr lang="de-DE" i="1">
+                            <a:latin typeface="Cambria Math" panose="02040503050406030204" pitchFamily="18" charset="0"/>
+                          </a:rPr>
+                          <m:t>3</m:t>
+                        </m:r>
+                      </m:sub>
+                    </m:sSub>
+                    <m:r>
+                      <a:rPr lang="de-DE" b="0" i="1" smtClean="0">
+                        <a:latin typeface="Cambria Math" panose="02040503050406030204" pitchFamily="18" charset="0"/>
+                      </a:rPr>
+                      <m:t>+</m:t>
+                    </m:r>
+                    <m:sSub>
+                      <m:sSubPr>
+                        <m:ctrlPr>
+                          <a:rPr lang="de-DE" i="1">
+                            <a:latin typeface="Cambria Math" panose="02040503050406030204" pitchFamily="18" charset="0"/>
+                          </a:rPr>
+                        </m:ctrlPr>
+                      </m:sSubPr>
+                      <m:e>
+                        <m:r>
+                          <a:rPr lang="de-DE" i="1">
+                            <a:latin typeface="Cambria Math" panose="02040503050406030204" pitchFamily="18" charset="0"/>
+                          </a:rPr>
+                          <m:t>𝐾</m:t>
+                        </m:r>
+                      </m:e>
+                      <m:sub>
+                        <m:r>
+                          <a:rPr lang="de-DE" i="1">
+                            <a:latin typeface="Cambria Math" panose="02040503050406030204" pitchFamily="18" charset="0"/>
+                          </a:rPr>
+                          <m:t>𝐴𝑏</m:t>
+                        </m:r>
+                      </m:sub>
+                    </m:sSub>
+                    <m:r>
+                      <a:rPr lang="de-DE">
+                        <a:latin typeface="Cambria Math" panose="02040503050406030204" pitchFamily="18" charset="0"/>
+                      </a:rPr>
+                      <m:t>∗ </m:t>
+                    </m:r>
+                    <m:sSub>
+                      <m:sSubPr>
+                        <m:ctrlPr>
+                          <a:rPr lang="de-DE" i="1">
+                            <a:latin typeface="Cambria Math" panose="02040503050406030204" pitchFamily="18" charset="0"/>
+                          </a:rPr>
+                        </m:ctrlPr>
+                      </m:sSubPr>
+                      <m:e>
+                        <m:r>
+                          <a:rPr lang="de-DE" i="1">
+                            <a:latin typeface="Cambria Math" panose="02040503050406030204" pitchFamily="18" charset="0"/>
+                            <a:ea typeface="Cambria Math" panose="02040503050406030204" pitchFamily="18" charset="0"/>
+                          </a:rPr>
+                          <m:t>𝛾</m:t>
+                        </m:r>
+                      </m:e>
+                      <m:sub>
+                        <m:r>
+                          <a:rPr lang="de-DE" b="0" i="1" smtClean="0">
+                            <a:latin typeface="Cambria Math" panose="02040503050406030204" pitchFamily="18" charset="0"/>
+                            <a:ea typeface="Cambria Math" panose="02040503050406030204" pitchFamily="18" charset="0"/>
+                          </a:rPr>
+                          <m:t>𝑠h</m:t>
+                        </m:r>
+                      </m:sub>
+                    </m:sSub>
+                    <m:r>
+                      <a:rPr lang="de-DE" i="1">
+                        <a:latin typeface="Cambria Math" panose="02040503050406030204" pitchFamily="18" charset="0"/>
+                      </a:rPr>
+                      <m:t>∗</m:t>
+                    </m:r>
+                  </m:oMath>
+                </a14:m>
+                <a:r>
+                  <a:rPr lang="de-DE" dirty="0"/>
+                  <a:t> </a:t>
+                </a:r>
+                <a14:m>
+                  <m:oMath xmlns:m="http://schemas.openxmlformats.org/officeDocument/2006/math">
+                    <m:sSub>
+                      <m:sSubPr>
+                        <m:ctrlPr>
+                          <a:rPr lang="de-DE" i="1">
+                            <a:latin typeface="Cambria Math" panose="02040503050406030204" pitchFamily="18" charset="0"/>
+                          </a:rPr>
+                        </m:ctrlPr>
+                      </m:sSubPr>
+                      <m:e>
+                        <m:r>
+                          <a:rPr lang="de-DE" i="1">
+                            <a:latin typeface="Cambria Math" panose="02040503050406030204" pitchFamily="18" charset="0"/>
+                            <a:ea typeface="Cambria Math" panose="02040503050406030204" pitchFamily="18" charset="0"/>
+                          </a:rPr>
+                          <m:t>𝜆</m:t>
+                        </m:r>
+                      </m:e>
+                      <m:sub>
+                        <m:r>
+                          <a:rPr lang="de-DE" i="1">
+                            <a:latin typeface="Cambria Math" panose="02040503050406030204" pitchFamily="18" charset="0"/>
+                          </a:rPr>
+                          <m:t>3</m:t>
+                        </m:r>
+                      </m:sub>
+                    </m:sSub>
+                  </m:oMath>
+                </a14:m>
+                <a:endParaRPr lang="de-DE" dirty="0"/>
+              </a:p>
+              <a:p>
+                <a:endParaRPr lang="de-DE" dirty="0"/>
+              </a:p>
+              <a:p>
+                <a:r>
+                  <a:rPr lang="de-DE" dirty="0"/>
+                  <a:t>T3 = 6.857 * 1 + 0.7 * 7.019 * 1 + 4.374 * 1.635 + 0.7 * 7.495 * 1.635 </a:t>
+                </a:r>
+                <a:br>
+                  <a:rPr lang="de-DE" dirty="0"/>
+                </a:br>
+                <a:r>
+                  <a:rPr lang="de-DE" dirty="0"/>
+                  <a:t>= 27.500</a:t>
+                </a:r>
+              </a:p>
+            </p:txBody>
+          </p:sp>
+        </mc:Choice>
+        <mc:Fallback>
+          <p:sp>
+            <p:nvSpPr>
+              <p:cNvPr id="10" name="Textfeld 9">
+                <a:extLst>
+                  <a:ext uri="{FF2B5EF4-FFF2-40B4-BE49-F238E27FC236}">
+                    <a16:creationId xmlns:a16="http://schemas.microsoft.com/office/drawing/2014/main" id="{07B699F4-B2EA-4E79-8C1E-27BD71849DB8}"/>
+                  </a:ext>
+                </a:extLst>
+              </p:cNvPr>
+              <p:cNvSpPr txBox="1">
+                <a:spLocks noRot="1" noChangeAspect="1" noMove="1" noResize="1" noEditPoints="1" noAdjustHandles="1" noChangeArrowheads="1" noChangeShapeType="1" noTextEdit="1"/>
+              </p:cNvSpPr>
+              <p:nvPr/>
+            </p:nvSpPr>
+            <p:spPr>
+              <a:xfrm>
+                <a:off x="5364088" y="1133924"/>
+                <a:ext cx="3600400" cy="2024978"/>
+              </a:xfrm>
+              <a:prstGeom prst="rect">
+                <a:avLst/>
+              </a:prstGeom>
+              <a:blipFill>
+                <a:blip r:embed="rId2"/>
+                <a:stretch>
+                  <a:fillRect l="-1523" t="-1506" b="-3916"/>
+                </a:stretch>
+              </a:blipFill>
+            </p:spPr>
+            <p:txBody>
+              <a:bodyPr/>
+              <a:lstStyle/>
+              <a:p>
+                <a:r>
+                  <a:rPr lang="en-NZ">
+                    <a:noFill/>
+                  </a:rPr>
+                  <a:t> </a:t>
+                </a:r>
+              </a:p>
+            </p:txBody>
+          </p:sp>
+        </mc:Fallback>
+      </mc:AlternateContent>
+      <p:pic>
+        <p:nvPicPr>
+          <p:cNvPr id="8" name="Grafik 7" descr="Bildschirmausschnitt">
+            <a:extLst>
+              <a:ext uri="{FF2B5EF4-FFF2-40B4-BE49-F238E27FC236}">
+                <a16:creationId xmlns:a16="http://schemas.microsoft.com/office/drawing/2014/main" id="{7B99F00D-3F6C-4C2C-852B-21A5030D6FB9}"/>
+              </a:ext>
+            </a:extLst>
+          </p:cNvPr>
+          <p:cNvPicPr>
+            <a:picLocks noChangeAspect="1"/>
+          </p:cNvPicPr>
+          <p:nvPr/>
+        </p:nvPicPr>
+        <p:blipFill>
+          <a:blip r:embed="rId3" cstate="print">
+            <a:extLst>
+              <a:ext uri="{28A0092B-C50C-407E-A947-70E740481C1C}">
+                <a14:useLocalDpi xmlns:a14="http://schemas.microsoft.com/office/drawing/2010/main" val="0"/>
+              </a:ext>
+            </a:extLst>
+          </a:blip>
+          <a:stretch>
+            <a:fillRect/>
+          </a:stretch>
+        </p:blipFill>
+        <p:spPr>
+          <a:xfrm>
+            <a:off x="691691" y="1383618"/>
+            <a:ext cx="3913845" cy="2376264"/>
+          </a:xfrm>
+          <a:prstGeom prst="rect">
+            <a:avLst/>
+          </a:prstGeom>
+          <a:ln>
+            <a:solidFill>
+              <a:schemeClr val="tx1"/>
+            </a:solidFill>
+          </a:ln>
+        </p:spPr>
+      </p:pic>
+      <p:sp>
+        <p:nvSpPr>
+          <p:cNvPr id="11" name="Textfeld 10">
+            <a:extLst>
+              <a:ext uri="{FF2B5EF4-FFF2-40B4-BE49-F238E27FC236}">
+                <a16:creationId xmlns:a16="http://schemas.microsoft.com/office/drawing/2014/main" id="{2B81E5CE-4247-4E6C-AD73-7CE8CCDE1C86}"/>
+              </a:ext>
+            </a:extLst>
+          </p:cNvPr>
+          <p:cNvSpPr txBox="1"/>
+          <p:nvPr/>
+        </p:nvSpPr>
+        <p:spPr>
+          <a:xfrm>
+            <a:off x="927252" y="3801693"/>
+            <a:ext cx="3384376" cy="246221"/>
+          </a:xfrm>
+          <a:prstGeom prst="rect">
+            <a:avLst/>
+          </a:prstGeom>
+          <a:noFill/>
+        </p:spPr>
+        <p:txBody>
+          <a:bodyPr wrap="square" rtlCol="0">
+            <a:spAutoFit/>
+          </a:bodyPr>
+          <a:lstStyle/>
+          <a:p>
+            <a:pPr algn="ctr"/>
+            <a:r>
+              <a:rPr lang="de-DE" sz="1000" dirty="0"/>
+              <a:t>Varianz-Kovarianz-Matrix der Versuchsreihe (Kline, 2015)</a:t>
+            </a:r>
+          </a:p>
+        </p:txBody>
+      </p:sp>
+      <p:sp>
+        <p:nvSpPr>
+          <p:cNvPr id="3" name="Ellipse 2">
+            <a:extLst>
+              <a:ext uri="{FF2B5EF4-FFF2-40B4-BE49-F238E27FC236}">
+                <a16:creationId xmlns:a16="http://schemas.microsoft.com/office/drawing/2014/main" id="{5C53104E-9239-4015-BBB0-F14830F6A1FE}"/>
+              </a:ext>
+            </a:extLst>
+          </p:cNvPr>
+          <p:cNvSpPr/>
+          <p:nvPr/>
+        </p:nvSpPr>
+        <p:spPr>
+          <a:xfrm>
+            <a:off x="2221939" y="3280541"/>
+            <a:ext cx="357065" cy="216024"/>
+          </a:xfrm>
+          <a:prstGeom prst="ellipse">
+            <a:avLst/>
+          </a:prstGeom>
+          <a:noFill/>
+        </p:spPr>
+        <p:style>
+          <a:lnRef idx="2">
+            <a:schemeClr val="accent2"/>
+          </a:lnRef>
+          <a:fillRef idx="1">
+            <a:schemeClr val="lt1"/>
+          </a:fillRef>
+          <a:effectRef idx="0">
+            <a:schemeClr val="accent2"/>
+          </a:effectRef>
+          <a:fontRef idx="minor">
+            <a:schemeClr val="dk1"/>
+          </a:fontRef>
+        </p:style>
+        <p:txBody>
+          <a:bodyPr rtlCol="0" anchor="ctr"/>
+          <a:lstStyle/>
+          <a:p>
+            <a:pPr algn="ctr"/>
+            <a:endParaRPr lang="en-NZ"/>
+          </a:p>
+        </p:txBody>
+      </p:sp>
     </p:spTree>
     <p:extLst>
       <p:ext uri="{BB962C8B-B14F-4D97-AF65-F5344CB8AC3E}">
-        <p14:creationId xmlns:p14="http://schemas.microsoft.com/office/powerpoint/2010/main" val="3899092122"/>
+        <p14:creationId xmlns:p14="http://schemas.microsoft.com/office/powerpoint/2010/main" val="1442578455"/>
       </p:ext>
     </p:extLst>
   </p:cSld>
@@ -13568,6 +15048,296 @@
           <a:p>
             <a:r>
               <a:rPr lang="de-DE" dirty="0"/>
+              <a:t>Literatur</a:t>
+            </a:r>
+          </a:p>
+        </p:txBody>
+      </p:sp>
+      <p:sp>
+        <p:nvSpPr>
+          <p:cNvPr id="3" name="Inhaltsplatzhalter 2"/>
+          <p:cNvSpPr>
+            <a:spLocks noGrp="1"/>
+          </p:cNvSpPr>
+          <p:nvPr>
+            <p:ph idx="1"/>
+          </p:nvPr>
+        </p:nvSpPr>
+        <p:spPr/>
+        <p:txBody>
+          <a:bodyPr/>
+          <a:lstStyle/>
+          <a:p>
+            <a:r>
+              <a:rPr lang="de-DE" dirty="0"/>
+              <a:t>Kline, Rex: </a:t>
+            </a:r>
+            <a:br>
+              <a:rPr lang="de-DE" dirty="0"/>
+            </a:br>
+            <a:r>
+              <a:rPr lang="de-DE" sz="1400" dirty="0" err="1">
+                <a:solidFill>
+                  <a:schemeClr val="tx1">
+                    <a:lumMod val="75000"/>
+                    <a:lumOff val="25000"/>
+                  </a:schemeClr>
+                </a:solidFill>
+              </a:rPr>
+              <a:t>Pinciples</a:t>
+            </a:r>
+            <a:r>
+              <a:rPr lang="de-DE" sz="1400" dirty="0">
+                <a:solidFill>
+                  <a:schemeClr val="tx1">
+                    <a:lumMod val="75000"/>
+                    <a:lumOff val="25000"/>
+                  </a:schemeClr>
+                </a:solidFill>
+              </a:rPr>
+              <a:t> </a:t>
+            </a:r>
+            <a:r>
+              <a:rPr lang="de-DE" sz="1400" dirty="0" err="1">
+                <a:solidFill>
+                  <a:schemeClr val="tx1">
+                    <a:lumMod val="75000"/>
+                    <a:lumOff val="25000"/>
+                  </a:schemeClr>
+                </a:solidFill>
+              </a:rPr>
+              <a:t>and</a:t>
+            </a:r>
+            <a:r>
+              <a:rPr lang="de-DE" sz="1400" dirty="0">
+                <a:solidFill>
+                  <a:schemeClr val="tx1">
+                    <a:lumMod val="75000"/>
+                    <a:lumOff val="25000"/>
+                  </a:schemeClr>
+                </a:solidFill>
+              </a:rPr>
+              <a:t> Practice </a:t>
+            </a:r>
+            <a:r>
+              <a:rPr lang="de-DE" sz="1400" dirty="0" err="1">
+                <a:solidFill>
+                  <a:schemeClr val="tx1">
+                    <a:lumMod val="75000"/>
+                    <a:lumOff val="25000"/>
+                  </a:schemeClr>
+                </a:solidFill>
+              </a:rPr>
+              <a:t>of</a:t>
+            </a:r>
+            <a:r>
+              <a:rPr lang="de-DE" sz="1400" dirty="0">
+                <a:solidFill>
+                  <a:schemeClr val="tx1">
+                    <a:lumMod val="75000"/>
+                    <a:lumOff val="25000"/>
+                  </a:schemeClr>
+                </a:solidFill>
+              </a:rPr>
+              <a:t> </a:t>
+            </a:r>
+            <a:r>
+              <a:rPr lang="de-DE" sz="1400" dirty="0" err="1">
+                <a:solidFill>
+                  <a:schemeClr val="tx1">
+                    <a:lumMod val="75000"/>
+                    <a:lumOff val="25000"/>
+                  </a:schemeClr>
+                </a:solidFill>
+              </a:rPr>
+              <a:t>Structural</a:t>
+            </a:r>
+            <a:r>
+              <a:rPr lang="de-DE" sz="1400" dirty="0">
+                <a:solidFill>
+                  <a:schemeClr val="tx1">
+                    <a:lumMod val="75000"/>
+                    <a:lumOff val="25000"/>
+                  </a:schemeClr>
+                </a:solidFill>
+              </a:rPr>
+              <a:t> </a:t>
+            </a:r>
+            <a:r>
+              <a:rPr lang="de-DE" sz="1400" dirty="0" err="1">
+                <a:solidFill>
+                  <a:schemeClr val="tx1">
+                    <a:lumMod val="75000"/>
+                    <a:lumOff val="25000"/>
+                  </a:schemeClr>
+                </a:solidFill>
+              </a:rPr>
+              <a:t>Equation</a:t>
+            </a:r>
+            <a:r>
+              <a:rPr lang="de-DE" sz="1400" dirty="0">
+                <a:solidFill>
+                  <a:schemeClr val="tx1">
+                    <a:lumMod val="75000"/>
+                    <a:lumOff val="25000"/>
+                  </a:schemeClr>
+                </a:solidFill>
+              </a:rPr>
+              <a:t> Modeling</a:t>
+            </a:r>
+            <a:br>
+              <a:rPr lang="de-DE" sz="1400" dirty="0">
+                <a:solidFill>
+                  <a:schemeClr val="tx1">
+                    <a:lumMod val="75000"/>
+                    <a:lumOff val="25000"/>
+                  </a:schemeClr>
+                </a:solidFill>
+              </a:rPr>
+            </a:br>
+            <a:r>
+              <a:rPr lang="de-DE" sz="1400" dirty="0" err="1">
+                <a:solidFill>
+                  <a:schemeClr val="tx1">
+                    <a:lumMod val="75000"/>
+                    <a:lumOff val="25000"/>
+                  </a:schemeClr>
+                </a:solidFill>
+              </a:rPr>
+              <a:t>Fourth</a:t>
+            </a:r>
+            <a:r>
+              <a:rPr lang="de-DE" sz="1400" dirty="0">
+                <a:solidFill>
+                  <a:schemeClr val="tx1">
+                    <a:lumMod val="75000"/>
+                    <a:lumOff val="25000"/>
+                  </a:schemeClr>
+                </a:solidFill>
+              </a:rPr>
+              <a:t> Edition, 2015</a:t>
+            </a:r>
+          </a:p>
+        </p:txBody>
+      </p:sp>
+      <p:sp>
+        <p:nvSpPr>
+          <p:cNvPr id="4" name="Datumsplatzhalter 3"/>
+          <p:cNvSpPr>
+            <a:spLocks noGrp="1"/>
+          </p:cNvSpPr>
+          <p:nvPr>
+            <p:ph type="dt" sz="half" idx="10"/>
+          </p:nvPr>
+        </p:nvSpPr>
+        <p:spPr/>
+        <p:txBody>
+          <a:bodyPr/>
+          <a:lstStyle/>
+          <a:p>
+            <a:fld id="{6DB845E5-DACF-426C-8A10-A6438D29DD66}" type="datetime1">
+              <a:rPr lang="de-DE" smtClean="0"/>
+              <a:pPr/>
+              <a:t>19.02.2018</a:t>
+            </a:fld>
+            <a:endParaRPr lang="de-DE"/>
+          </a:p>
+        </p:txBody>
+      </p:sp>
+      <p:sp>
+        <p:nvSpPr>
+          <p:cNvPr id="5" name="Fußzeilenplatzhalter 4"/>
+          <p:cNvSpPr>
+            <a:spLocks noGrp="1"/>
+          </p:cNvSpPr>
+          <p:nvPr>
+            <p:ph type="ftr" sz="quarter" idx="11"/>
+          </p:nvPr>
+        </p:nvSpPr>
+        <p:spPr/>
+        <p:txBody>
+          <a:bodyPr/>
+          <a:lstStyle/>
+          <a:p>
+            <a:r>
+              <a:rPr lang="de-DE"/>
+              <a:t>Structural Equation Modelling – Wintersemester 2017/2018</a:t>
+            </a:r>
+            <a:endParaRPr lang="de-DE" dirty="0"/>
+          </a:p>
+        </p:txBody>
+      </p:sp>
+      <p:sp>
+        <p:nvSpPr>
+          <p:cNvPr id="6" name="Foliennummernplatzhalter 5"/>
+          <p:cNvSpPr>
+            <a:spLocks noGrp="1"/>
+          </p:cNvSpPr>
+          <p:nvPr>
+            <p:ph type="sldNum" sz="quarter" idx="12"/>
+          </p:nvPr>
+        </p:nvSpPr>
+        <p:spPr/>
+        <p:txBody>
+          <a:bodyPr/>
+          <a:lstStyle/>
+          <a:p>
+            <a:fld id="{015363AA-F6CB-4A58-B5AD-B2CDFEAF0813}" type="slidenum">
+              <a:rPr lang="de-DE" smtClean="0"/>
+              <a:pPr/>
+              <a:t>21</a:t>
+            </a:fld>
+            <a:endParaRPr lang="de-DE"/>
+          </a:p>
+        </p:txBody>
+      </p:sp>
+    </p:spTree>
+    <p:extLst>
+      <p:ext uri="{BB962C8B-B14F-4D97-AF65-F5344CB8AC3E}">
+        <p14:creationId xmlns:p14="http://schemas.microsoft.com/office/powerpoint/2010/main" val="3899092122"/>
+      </p:ext>
+    </p:extLst>
+  </p:cSld>
+  <p:clrMapOvr>
+    <a:masterClrMapping/>
+  </p:clrMapOvr>
+</p:sld>
+</file>
+
+<file path=ppt/slides/slide22.xml><?xml version="1.0" encoding="utf-8"?>
+<p:sld xmlns:a="http://schemas.openxmlformats.org/drawingml/2006/main" xmlns:r="http://schemas.openxmlformats.org/officeDocument/2006/relationships" xmlns:p="http://schemas.openxmlformats.org/presentationml/2006/main">
+  <p:cSld>
+    <p:spTree>
+      <p:nvGrpSpPr>
+        <p:cNvPr id="1" name=""/>
+        <p:cNvGrpSpPr/>
+        <p:nvPr/>
+      </p:nvGrpSpPr>
+      <p:grpSpPr>
+        <a:xfrm>
+          <a:off x="0" y="0"/>
+          <a:ext cx="0" cy="0"/>
+          <a:chOff x="0" y="0"/>
+          <a:chExt cx="0" cy="0"/>
+        </a:xfrm>
+      </p:grpSpPr>
+      <p:sp>
+        <p:nvSpPr>
+          <p:cNvPr id="2" name="Titel 1"/>
+          <p:cNvSpPr>
+            <a:spLocks noGrp="1"/>
+          </p:cNvSpPr>
+          <p:nvPr>
+            <p:ph type="title"/>
+          </p:nvPr>
+        </p:nvSpPr>
+        <p:spPr/>
+        <p:txBody>
+          <a:bodyPr/>
+          <a:lstStyle/>
+          <a:p>
+            <a:r>
+              <a:rPr lang="de-DE" dirty="0"/>
               <a:t>Vielen Dank für Ihre Aufmerksamkeit.</a:t>
             </a:r>
           </a:p>
@@ -13638,7 +15408,7 @@
             <a:fld id="{015363AA-F6CB-4A58-B5AD-B2CDFEAF0813}" type="slidenum">
               <a:rPr lang="de-DE" smtClean="0"/>
               <a:pPr/>
-              <a:t>21</a:t>
+              <a:t>22</a:t>
             </a:fld>
             <a:endParaRPr lang="de-DE"/>
           </a:p>
@@ -13670,6 +15440,189 @@
     <p:extLst>
       <p:ext uri="{BB962C8B-B14F-4D97-AF65-F5344CB8AC3E}">
         <p14:creationId xmlns:p14="http://schemas.microsoft.com/office/powerpoint/2010/main" val="121839908"/>
+      </p:ext>
+    </p:extLst>
+  </p:cSld>
+  <p:clrMapOvr>
+    <a:masterClrMapping/>
+  </p:clrMapOvr>
+</p:sld>
+</file>
+
+<file path=ppt/slides/slide23.xml><?xml version="1.0" encoding="utf-8"?>
+<p:sld xmlns:a="http://schemas.openxmlformats.org/drawingml/2006/main" xmlns:r="http://schemas.openxmlformats.org/officeDocument/2006/relationships" xmlns:p="http://schemas.openxmlformats.org/presentationml/2006/main">
+  <p:cSld>
+    <p:spTree>
+      <p:nvGrpSpPr>
+        <p:cNvPr id="1" name=""/>
+        <p:cNvGrpSpPr/>
+        <p:nvPr/>
+      </p:nvGrpSpPr>
+      <p:grpSpPr>
+        <a:xfrm>
+          <a:off x="0" y="0"/>
+          <a:ext cx="0" cy="0"/>
+          <a:chOff x="0" y="0"/>
+          <a:chExt cx="0" cy="0"/>
+        </a:xfrm>
+      </p:grpSpPr>
+      <p:sp>
+        <p:nvSpPr>
+          <p:cNvPr id="2" name="Titel 1">
+            <a:extLst>
+              <a:ext uri="{FF2B5EF4-FFF2-40B4-BE49-F238E27FC236}">
+                <a16:creationId xmlns:a16="http://schemas.microsoft.com/office/drawing/2014/main" id="{8F9CD9AC-2277-4533-B29E-18F824684C1D}"/>
+              </a:ext>
+            </a:extLst>
+          </p:cNvPr>
+          <p:cNvSpPr>
+            <a:spLocks noGrp="1"/>
+          </p:cNvSpPr>
+          <p:nvPr>
+            <p:ph type="title"/>
+          </p:nvPr>
+        </p:nvSpPr>
+        <p:spPr/>
+        <p:txBody>
+          <a:bodyPr/>
+          <a:lstStyle/>
+          <a:p>
+            <a:r>
+              <a:rPr lang="de-DE" dirty="0" err="1"/>
+              <a:t>Predicting</a:t>
+            </a:r>
+            <a:r>
+              <a:rPr lang="de-DE" dirty="0"/>
+              <a:t> Change Model </a:t>
+            </a:r>
+            <a:endParaRPr lang="en-NZ" dirty="0"/>
+          </a:p>
+        </p:txBody>
+      </p:sp>
+      <p:pic>
+        <p:nvPicPr>
+          <p:cNvPr id="7" name="Inhaltsplatzhalter 6">
+            <a:extLst>
+              <a:ext uri="{FF2B5EF4-FFF2-40B4-BE49-F238E27FC236}">
+                <a16:creationId xmlns:a16="http://schemas.microsoft.com/office/drawing/2014/main" id="{22062FB6-49FC-479A-BC51-287B6C3DA781}"/>
+              </a:ext>
+            </a:extLst>
+          </p:cNvPr>
+          <p:cNvPicPr>
+            <a:picLocks noGrp="1" noChangeAspect="1"/>
+          </p:cNvPicPr>
+          <p:nvPr>
+            <p:ph idx="1"/>
+          </p:nvPr>
+        </p:nvPicPr>
+        <p:blipFill rotWithShape="1">
+          <a:blip r:embed="rId2"/>
+          <a:srcRect l="12727" t="12454" r="13633" b="8580"/>
+          <a:stretch/>
+        </p:blipFill>
+        <p:spPr>
+          <a:xfrm>
+            <a:off x="827584" y="945028"/>
+            <a:ext cx="7675686" cy="3786962"/>
+          </a:xfrm>
+          <a:prstGeom prst="rect">
+            <a:avLst/>
+          </a:prstGeom>
+        </p:spPr>
+      </p:pic>
+      <p:sp>
+        <p:nvSpPr>
+          <p:cNvPr id="4" name="Datumsplatzhalter 3">
+            <a:extLst>
+              <a:ext uri="{FF2B5EF4-FFF2-40B4-BE49-F238E27FC236}">
+                <a16:creationId xmlns:a16="http://schemas.microsoft.com/office/drawing/2014/main" id="{1322CE8B-7C17-42A4-8ADE-82549C611C2E}"/>
+              </a:ext>
+            </a:extLst>
+          </p:cNvPr>
+          <p:cNvSpPr>
+            <a:spLocks noGrp="1"/>
+          </p:cNvSpPr>
+          <p:nvPr>
+            <p:ph type="dt" sz="half" idx="10"/>
+          </p:nvPr>
+        </p:nvSpPr>
+        <p:spPr/>
+        <p:txBody>
+          <a:bodyPr/>
+          <a:lstStyle/>
+          <a:p>
+            <a:fld id="{6DB845E5-DACF-426C-8A10-A6438D29DD66}" type="datetime1">
+              <a:rPr lang="de-DE" smtClean="0"/>
+              <a:pPr/>
+              <a:t>19.02.2018</a:t>
+            </a:fld>
+            <a:endParaRPr lang="de-DE"/>
+          </a:p>
+        </p:txBody>
+      </p:sp>
+      <p:sp>
+        <p:nvSpPr>
+          <p:cNvPr id="5" name="Fußzeilenplatzhalter 4">
+            <a:extLst>
+              <a:ext uri="{FF2B5EF4-FFF2-40B4-BE49-F238E27FC236}">
+                <a16:creationId xmlns:a16="http://schemas.microsoft.com/office/drawing/2014/main" id="{0232782A-509C-4B82-931D-180632390FBC}"/>
+              </a:ext>
+            </a:extLst>
+          </p:cNvPr>
+          <p:cNvSpPr>
+            <a:spLocks noGrp="1"/>
+          </p:cNvSpPr>
+          <p:nvPr>
+            <p:ph type="ftr" sz="quarter" idx="11"/>
+          </p:nvPr>
+        </p:nvSpPr>
+        <p:spPr/>
+        <p:txBody>
+          <a:bodyPr/>
+          <a:lstStyle/>
+          <a:p>
+            <a:r>
+              <a:rPr lang="de-DE"/>
+              <a:t>Structural Equation Modelling – Wintersemester 2017/2018</a:t>
+            </a:r>
+            <a:endParaRPr lang="de-DE" dirty="0"/>
+          </a:p>
+        </p:txBody>
+      </p:sp>
+      <p:sp>
+        <p:nvSpPr>
+          <p:cNvPr id="6" name="Foliennummernplatzhalter 5">
+            <a:extLst>
+              <a:ext uri="{FF2B5EF4-FFF2-40B4-BE49-F238E27FC236}">
+                <a16:creationId xmlns:a16="http://schemas.microsoft.com/office/drawing/2014/main" id="{BED88E5B-CB30-497D-849F-6E25F6017F17}"/>
+              </a:ext>
+            </a:extLst>
+          </p:cNvPr>
+          <p:cNvSpPr>
+            <a:spLocks noGrp="1"/>
+          </p:cNvSpPr>
+          <p:nvPr>
+            <p:ph type="sldNum" sz="quarter" idx="12"/>
+          </p:nvPr>
+        </p:nvSpPr>
+        <p:spPr/>
+        <p:txBody>
+          <a:bodyPr/>
+          <a:lstStyle/>
+          <a:p>
+            <a:fld id="{015363AA-F6CB-4A58-B5AD-B2CDFEAF0813}" type="slidenum">
+              <a:rPr lang="de-DE" smtClean="0"/>
+              <a:pPr/>
+              <a:t>23</a:t>
+            </a:fld>
+            <a:endParaRPr lang="de-DE"/>
+          </a:p>
+        </p:txBody>
+      </p:sp>
+    </p:spTree>
+    <p:extLst>
+      <p:ext uri="{BB962C8B-B14F-4D97-AF65-F5344CB8AC3E}">
+        <p14:creationId xmlns:p14="http://schemas.microsoft.com/office/powerpoint/2010/main" val="1861607210"/>
       </p:ext>
     </p:extLst>
   </p:cSld>
